--- a/docs/demonstration/demonstration.pptx
+++ b/docs/demonstration/demonstration.pptx
@@ -5,7 +5,7 @@
     <p:sldMasterId id="2147483648" r:id="rId1"/>
   </p:sldMasterIdLst>
   <p:notesMasterIdLst>
-    <p:notesMasterId r:id="rId16"/>
+    <p:notesMasterId r:id="rId17"/>
   </p:notesMasterIdLst>
   <p:sldIdLst>
     <p:sldId id="256" r:id="rId2"/>
@@ -13,15 +13,16 @@
     <p:sldId id="277" r:id="rId4"/>
     <p:sldId id="259" r:id="rId5"/>
     <p:sldId id="269" r:id="rId6"/>
-    <p:sldId id="270" r:id="rId7"/>
-    <p:sldId id="271" r:id="rId8"/>
-    <p:sldId id="272" r:id="rId9"/>
-    <p:sldId id="273" r:id="rId10"/>
-    <p:sldId id="278" r:id="rId11"/>
-    <p:sldId id="274" r:id="rId12"/>
-    <p:sldId id="265" r:id="rId13"/>
-    <p:sldId id="276" r:id="rId14"/>
-    <p:sldId id="275" r:id="rId15"/>
+    <p:sldId id="279" r:id="rId7"/>
+    <p:sldId id="270" r:id="rId8"/>
+    <p:sldId id="271" r:id="rId9"/>
+    <p:sldId id="272" r:id="rId10"/>
+    <p:sldId id="273" r:id="rId11"/>
+    <p:sldId id="278" r:id="rId12"/>
+    <p:sldId id="274" r:id="rId13"/>
+    <p:sldId id="265" r:id="rId14"/>
+    <p:sldId id="276" r:id="rId15"/>
+    <p:sldId id="275" r:id="rId16"/>
   </p:sldIdLst>
   <p:sldSz cx="12192000" cy="6858000"/>
   <p:notesSz cx="6858000" cy="9144000"/>
@@ -554,7 +555,7 @@
           <a:p>
             <a:fld id="{94CA1B7B-AC94-4A5F-A3AF-BA18A1FB115E}" type="slidenum">
               <a:rPr lang="pt-PT" smtClean="0"/>
-              <a:t>‹#›</a:t>
+              <a:t>‹nº›</a:t>
             </a:fld>
             <a:endParaRPr lang="pt-PT"/>
           </a:p>
@@ -821,7 +822,7 @@
     </p:spTree>
     <p:extLst>
       <p:ext uri="{BB962C8B-B14F-4D97-AF65-F5344CB8AC3E}">
-        <p14:creationId xmlns:p14="http://schemas.microsoft.com/office/powerpoint/2010/main" val="1357454804"/>
+        <p14:creationId xmlns:p14="http://schemas.microsoft.com/office/powerpoint/2010/main" val="4221033489"/>
       </p:ext>
     </p:extLst>
   </p:cSld>
@@ -897,6 +898,90 @@
             <a:fld id="{94CA1B7B-AC94-4A5F-A3AF-BA18A1FB115E}" type="slidenum">
               <a:rPr lang="pt-PT" smtClean="0"/>
               <a:t>14</a:t>
+            </a:fld>
+            <a:endParaRPr lang="pt-PT"/>
+          </a:p>
+        </p:txBody>
+      </p:sp>
+    </p:spTree>
+    <p:extLst>
+      <p:ext uri="{BB962C8B-B14F-4D97-AF65-F5344CB8AC3E}">
+        <p14:creationId xmlns:p14="http://schemas.microsoft.com/office/powerpoint/2010/main" val="1357454804"/>
+      </p:ext>
+    </p:extLst>
+  </p:cSld>
+  <p:clrMapOvr>
+    <a:masterClrMapping/>
+  </p:clrMapOvr>
+</p:notes>
+</file>
+
+<file path=ppt/notesSlides/notesSlide12.xml><?xml version="1.0" encoding="utf-8"?>
+<p:notes xmlns:a="http://schemas.openxmlformats.org/drawingml/2006/main" xmlns:r="http://schemas.openxmlformats.org/officeDocument/2006/relationships" xmlns:p="http://schemas.openxmlformats.org/presentationml/2006/main">
+  <p:cSld>
+    <p:spTree>
+      <p:nvGrpSpPr>
+        <p:cNvPr id="1" name=""/>
+        <p:cNvGrpSpPr/>
+        <p:nvPr/>
+      </p:nvGrpSpPr>
+      <p:grpSpPr>
+        <a:xfrm>
+          <a:off x="0" y="0"/>
+          <a:ext cx="0" cy="0"/>
+          <a:chOff x="0" y="0"/>
+          <a:chExt cx="0" cy="0"/>
+        </a:xfrm>
+      </p:grpSpPr>
+      <p:sp>
+        <p:nvSpPr>
+          <p:cNvPr id="2" name="Marcador de Posição da Imagem do Diapositivo 1"/>
+          <p:cNvSpPr>
+            <a:spLocks noGrp="1" noRot="1" noChangeAspect="1"/>
+          </p:cNvSpPr>
+          <p:nvPr>
+            <p:ph type="sldImg"/>
+          </p:nvPr>
+        </p:nvSpPr>
+        <p:spPr/>
+      </p:sp>
+      <p:sp>
+        <p:nvSpPr>
+          <p:cNvPr id="3" name="Marcador de Posição de Notas 2"/>
+          <p:cNvSpPr>
+            <a:spLocks noGrp="1"/>
+          </p:cNvSpPr>
+          <p:nvPr>
+            <p:ph type="body" idx="1"/>
+          </p:nvPr>
+        </p:nvSpPr>
+        <p:spPr/>
+        <p:txBody>
+          <a:bodyPr/>
+          <a:lstStyle/>
+          <a:p>
+            <a:endParaRPr lang="pt-PT" dirty="0"/>
+          </a:p>
+        </p:txBody>
+      </p:sp>
+      <p:sp>
+        <p:nvSpPr>
+          <p:cNvPr id="4" name="Marcador de Posição do Número do Diapositivo 3"/>
+          <p:cNvSpPr>
+            <a:spLocks noGrp="1"/>
+          </p:cNvSpPr>
+          <p:nvPr>
+            <p:ph type="sldNum" sz="quarter" idx="5"/>
+          </p:nvPr>
+        </p:nvSpPr>
+        <p:spPr/>
+        <p:txBody>
+          <a:bodyPr/>
+          <a:lstStyle/>
+          <a:p>
+            <a:fld id="{94CA1B7B-AC94-4A5F-A3AF-BA18A1FB115E}" type="slidenum">
+              <a:rPr lang="pt-PT" smtClean="0"/>
+              <a:t>15</a:t>
             </a:fld>
             <a:endParaRPr lang="pt-PT"/>
           </a:p>
@@ -1073,7 +1158,7 @@
     </p:spTree>
     <p:extLst>
       <p:ext uri="{BB962C8B-B14F-4D97-AF65-F5344CB8AC3E}">
-        <p14:creationId xmlns:p14="http://schemas.microsoft.com/office/powerpoint/2010/main" val="1949837133"/>
+        <p14:creationId xmlns:p14="http://schemas.microsoft.com/office/powerpoint/2010/main" val="948851562"/>
       </p:ext>
     </p:extLst>
   </p:cSld>
@@ -1157,7 +1242,7 @@
     </p:spTree>
     <p:extLst>
       <p:ext uri="{BB962C8B-B14F-4D97-AF65-F5344CB8AC3E}">
-        <p14:creationId xmlns:p14="http://schemas.microsoft.com/office/powerpoint/2010/main" val="3467865903"/>
+        <p14:creationId xmlns:p14="http://schemas.microsoft.com/office/powerpoint/2010/main" val="1949837133"/>
       </p:ext>
     </p:extLst>
   </p:cSld>
@@ -1241,7 +1326,7 @@
     </p:spTree>
     <p:extLst>
       <p:ext uri="{BB962C8B-B14F-4D97-AF65-F5344CB8AC3E}">
-        <p14:creationId xmlns:p14="http://schemas.microsoft.com/office/powerpoint/2010/main" val="3568146495"/>
+        <p14:creationId xmlns:p14="http://schemas.microsoft.com/office/powerpoint/2010/main" val="3467865903"/>
       </p:ext>
     </p:extLst>
   </p:cSld>
@@ -1325,7 +1410,7 @@
     </p:spTree>
     <p:extLst>
       <p:ext uri="{BB962C8B-B14F-4D97-AF65-F5344CB8AC3E}">
-        <p14:creationId xmlns:p14="http://schemas.microsoft.com/office/powerpoint/2010/main" val="1154179291"/>
+        <p14:creationId xmlns:p14="http://schemas.microsoft.com/office/powerpoint/2010/main" val="3568146495"/>
       </p:ext>
     </p:extLst>
   </p:cSld>
@@ -1409,7 +1494,7 @@
     </p:spTree>
     <p:extLst>
       <p:ext uri="{BB962C8B-B14F-4D97-AF65-F5344CB8AC3E}">
-        <p14:creationId xmlns:p14="http://schemas.microsoft.com/office/powerpoint/2010/main" val="1950631954"/>
+        <p14:creationId xmlns:p14="http://schemas.microsoft.com/office/powerpoint/2010/main" val="1154179291"/>
       </p:ext>
     </p:extLst>
   </p:cSld>
@@ -1493,7 +1578,7 @@
     </p:spTree>
     <p:extLst>
       <p:ext uri="{BB962C8B-B14F-4D97-AF65-F5344CB8AC3E}">
-        <p14:creationId xmlns:p14="http://schemas.microsoft.com/office/powerpoint/2010/main" val="356707761"/>
+        <p14:creationId xmlns:p14="http://schemas.microsoft.com/office/powerpoint/2010/main" val="1950631954"/>
       </p:ext>
     </p:extLst>
   </p:cSld>
@@ -1577,7 +1662,7 @@
     </p:spTree>
     <p:extLst>
       <p:ext uri="{BB962C8B-B14F-4D97-AF65-F5344CB8AC3E}">
-        <p14:creationId xmlns:p14="http://schemas.microsoft.com/office/powerpoint/2010/main" val="4221033489"/>
+        <p14:creationId xmlns:p14="http://schemas.microsoft.com/office/powerpoint/2010/main" val="356707761"/>
       </p:ext>
     </p:extLst>
   </p:cSld>
@@ -1788,7 +1873,7 @@
           <a:p>
             <a:fld id="{834E4636-1AC7-4593-8425-9A7E3B693646}" type="slidenum">
               <a:rPr lang="pt-PT" smtClean="0"/>
-              <a:t>‹#›</a:t>
+              <a:t>‹nº›</a:t>
             </a:fld>
             <a:endParaRPr lang="pt-PT"/>
           </a:p>
@@ -1986,7 +2071,7 @@
           <a:p>
             <a:fld id="{834E4636-1AC7-4593-8425-9A7E3B693646}" type="slidenum">
               <a:rPr lang="pt-PT" smtClean="0"/>
-              <a:t>‹#›</a:t>
+              <a:t>‹nº›</a:t>
             </a:fld>
             <a:endParaRPr lang="pt-PT"/>
           </a:p>
@@ -2194,7 +2279,7 @@
           <a:p>
             <a:fld id="{834E4636-1AC7-4593-8425-9A7E3B693646}" type="slidenum">
               <a:rPr lang="pt-PT" smtClean="0"/>
-              <a:t>‹#›</a:t>
+              <a:t>‹nº›</a:t>
             </a:fld>
             <a:endParaRPr lang="pt-PT"/>
           </a:p>
@@ -2392,7 +2477,7 @@
           <a:p>
             <a:fld id="{834E4636-1AC7-4593-8425-9A7E3B693646}" type="slidenum">
               <a:rPr lang="pt-PT" smtClean="0"/>
-              <a:t>‹#›</a:t>
+              <a:t>‹nº›</a:t>
             </a:fld>
             <a:endParaRPr lang="pt-PT"/>
           </a:p>
@@ -2667,7 +2752,7 @@
           <a:p>
             <a:fld id="{834E4636-1AC7-4593-8425-9A7E3B693646}" type="slidenum">
               <a:rPr lang="pt-PT" smtClean="0"/>
-              <a:t>‹#›</a:t>
+              <a:t>‹nº›</a:t>
             </a:fld>
             <a:endParaRPr lang="pt-PT"/>
           </a:p>
@@ -2932,7 +3017,7 @@
           <a:p>
             <a:fld id="{834E4636-1AC7-4593-8425-9A7E3B693646}" type="slidenum">
               <a:rPr lang="pt-PT" smtClean="0"/>
-              <a:t>‹#›</a:t>
+              <a:t>‹nº›</a:t>
             </a:fld>
             <a:endParaRPr lang="pt-PT"/>
           </a:p>
@@ -3344,7 +3429,7 @@
           <a:p>
             <a:fld id="{834E4636-1AC7-4593-8425-9A7E3B693646}" type="slidenum">
               <a:rPr lang="pt-PT" smtClean="0"/>
-              <a:t>‹#›</a:t>
+              <a:t>‹nº›</a:t>
             </a:fld>
             <a:endParaRPr lang="pt-PT"/>
           </a:p>
@@ -3485,7 +3570,7 @@
           <a:p>
             <a:fld id="{834E4636-1AC7-4593-8425-9A7E3B693646}" type="slidenum">
               <a:rPr lang="pt-PT" smtClean="0"/>
-              <a:t>‹#›</a:t>
+              <a:t>‹nº›</a:t>
             </a:fld>
             <a:endParaRPr lang="pt-PT"/>
           </a:p>
@@ -3598,7 +3683,7 @@
           <a:p>
             <a:fld id="{834E4636-1AC7-4593-8425-9A7E3B693646}" type="slidenum">
               <a:rPr lang="pt-PT" smtClean="0"/>
-              <a:t>‹#›</a:t>
+              <a:t>‹nº›</a:t>
             </a:fld>
             <a:endParaRPr lang="pt-PT"/>
           </a:p>
@@ -3909,7 +3994,7 @@
           <a:p>
             <a:fld id="{834E4636-1AC7-4593-8425-9A7E3B693646}" type="slidenum">
               <a:rPr lang="pt-PT" smtClean="0"/>
-              <a:t>‹#›</a:t>
+              <a:t>‹nº›</a:t>
             </a:fld>
             <a:endParaRPr lang="pt-PT"/>
           </a:p>
@@ -4197,7 +4282,7 @@
           <a:p>
             <a:fld id="{834E4636-1AC7-4593-8425-9A7E3B693646}" type="slidenum">
               <a:rPr lang="pt-PT" smtClean="0"/>
-              <a:t>‹#›</a:t>
+              <a:t>‹nº›</a:t>
             </a:fld>
             <a:endParaRPr lang="pt-PT"/>
           </a:p>
@@ -4474,7 +4559,7 @@
           <a:p>
             <a:fld id="{834E4636-1AC7-4593-8425-9A7E3B693646}" type="slidenum">
               <a:rPr lang="pt-PT" smtClean="0"/>
-              <a:t>‹#›</a:t>
+              <a:t>‹nº›</a:t>
             </a:fld>
             <a:endParaRPr lang="pt-PT"/>
           </a:p>
@@ -5125,7 +5210,7 @@
                 <a:latin typeface="Arial" panose="020B0604020202020204" pitchFamily="34" charset="0"/>
                 <a:cs typeface="Arial" panose="020B0604020202020204" pitchFamily="34" charset="0"/>
               </a:rPr>
-              <a:t>Orientador: Filipe Freitas &amp; Miguel Pires</a:t>
+              <a:t>Orientador: Filipe Freitas &amp; Miguel Pires (ESC)</a:t>
             </a:r>
           </a:p>
         </p:txBody>
@@ -6385,7 +6470,7 @@
         <p:spPr>
           <a:xfrm>
             <a:off x="593554" y="1256732"/>
-            <a:ext cx="8710103" cy="4736420"/>
+            <a:ext cx="10464517" cy="4736420"/>
           </a:xfrm>
         </p:spPr>
         <p:txBody>
@@ -6407,25 +6492,33 @@
                 <a:latin typeface="Arial" panose="020B0604020202020204" pitchFamily="34" charset="0"/>
                 <a:cs typeface="Arial" panose="020B0604020202020204" pitchFamily="34" charset="0"/>
               </a:rPr>
-              <a:t>UI dinâmico</a:t>
+              <a:t>Single </a:t>
             </a:r>
-          </a:p>
-          <a:p>
-            <a:pPr marL="800100" lvl="1" indent="-342900" algn="l">
-              <a:lnSpc>
-                <a:spcPct val="100000"/>
-              </a:lnSpc>
-              <a:buSzPct val="100000"/>
-              <a:buFont typeface="Tahoma" panose="020B0604030504040204" pitchFamily="34" charset="0"/>
-              <a:buChar char="●"/>
-            </a:pPr>
             <a:r>
-              <a:rPr lang="pt-PT" dirty="0">
+              <a:rPr lang="pt-PT" sz="2000" dirty="0" err="1">
                 <a:latin typeface="Arial" panose="020B0604020202020204" pitchFamily="34" charset="0"/>
                 <a:cs typeface="Arial" panose="020B0604020202020204" pitchFamily="34" charset="0"/>
               </a:rPr>
-              <a:t>Páginas acessíveis consoante o tipo e papel no clube</a:t>
+              <a:t>Page</a:t>
             </a:r>
+            <a:r>
+              <a:rPr lang="pt-PT" sz="2000" dirty="0">
+                <a:latin typeface="Arial" panose="020B0604020202020204" pitchFamily="34" charset="0"/>
+                <a:cs typeface="Arial" panose="020B0604020202020204" pitchFamily="34" charset="0"/>
+              </a:rPr>
+              <a:t> </a:t>
+            </a:r>
+            <a:r>
+              <a:rPr lang="pt-PT" sz="2000" dirty="0" err="1">
+                <a:latin typeface="Arial" panose="020B0604020202020204" pitchFamily="34" charset="0"/>
+                <a:cs typeface="Arial" panose="020B0604020202020204" pitchFamily="34" charset="0"/>
+              </a:rPr>
+              <a:t>Application</a:t>
+            </a:r>
+            <a:endParaRPr lang="pt-PT" sz="2000" dirty="0">
+              <a:latin typeface="Arial" panose="020B0604020202020204" pitchFamily="34" charset="0"/>
+              <a:cs typeface="Arial" panose="020B0604020202020204" pitchFamily="34" charset="0"/>
+            </a:endParaRPr>
           </a:p>
           <a:p>
             <a:pPr marL="342900" indent="-342900" algn="l">
@@ -6441,42 +6534,19 @@
                 <a:latin typeface="Arial" panose="020B0604020202020204" pitchFamily="34" charset="0"/>
                 <a:cs typeface="Arial" panose="020B0604020202020204" pitchFamily="34" charset="0"/>
               </a:rPr>
-              <a:t>Views de dashboard protegidas</a:t>
+              <a:t>Desenvolvido com </a:t>
             </a:r>
-          </a:p>
-          <a:p>
-            <a:pPr marL="800100" lvl="1" indent="-342900" algn="l">
-              <a:lnSpc>
-                <a:spcPct val="100000"/>
-              </a:lnSpc>
-              <a:buSzPct val="100000"/>
-              <a:buFont typeface="Tahoma" panose="020B0604030504040204" pitchFamily="34" charset="0"/>
-              <a:buChar char="●"/>
-            </a:pPr>
             <a:r>
-              <a:rPr lang="pt-PT" dirty="0">
+              <a:rPr lang="pt-PT" sz="2000" dirty="0" err="1">
                 <a:latin typeface="Arial" panose="020B0604020202020204" pitchFamily="34" charset="0"/>
                 <a:cs typeface="Arial" panose="020B0604020202020204" pitchFamily="34" charset="0"/>
               </a:rPr>
-              <a:t>Componente costumizado – RequireAuth</a:t>
+              <a:t>React</a:t>
             </a:r>
-          </a:p>
-          <a:p>
-            <a:pPr marL="800100" lvl="1" indent="-342900" algn="l">
-              <a:lnSpc>
-                <a:spcPct val="100000"/>
-              </a:lnSpc>
-              <a:buSzPct val="100000"/>
-              <a:buFont typeface="Tahoma" panose="020B0604030504040204" pitchFamily="34" charset="0"/>
-              <a:buChar char="●"/>
-            </a:pPr>
-            <a:r>
-              <a:rPr lang="pt-PT" dirty="0">
-                <a:latin typeface="Arial" panose="020B0604020202020204" pitchFamily="34" charset="0"/>
-                <a:cs typeface="Arial" panose="020B0604020202020204" pitchFamily="34" charset="0"/>
-              </a:rPr>
-              <a:t>Com auxílio de um hook - UseAuth</a:t>
-            </a:r>
+            <a:endParaRPr lang="pt-PT" sz="2000" dirty="0">
+              <a:latin typeface="Arial" panose="020B0604020202020204" pitchFamily="34" charset="0"/>
+              <a:cs typeface="Arial" panose="020B0604020202020204" pitchFamily="34" charset="0"/>
+            </a:endParaRPr>
           </a:p>
           <a:p>
             <a:pPr marL="342900" indent="-342900" algn="l">
@@ -6492,7 +6562,31 @@
                 <a:latin typeface="Arial" panose="020B0604020202020204" pitchFamily="34" charset="0"/>
                 <a:cs typeface="Arial" panose="020B0604020202020204" pitchFamily="34" charset="0"/>
               </a:rPr>
-              <a:t>Mantém o estado persistente entre sessões</a:t>
+              <a:t>Roteamento da parte do cliente</a:t>
+            </a:r>
+          </a:p>
+          <a:p>
+            <a:pPr marL="800100" lvl="1" indent="-342900" algn="l">
+              <a:lnSpc>
+                <a:spcPct val="100000"/>
+              </a:lnSpc>
+              <a:buSzPct val="100000"/>
+              <a:buFont typeface="Wingdings" panose="05000000000000000000" pitchFamily="2" charset="2"/>
+              <a:buChar char="§"/>
+            </a:pPr>
+            <a:r>
+              <a:rPr lang="pt-PT" dirty="0" err="1">
+                <a:latin typeface="Arial" panose="020B0604020202020204" pitchFamily="34" charset="0"/>
+                <a:cs typeface="Arial" panose="020B0604020202020204" pitchFamily="34" charset="0"/>
+              </a:rPr>
+              <a:t>React</a:t>
+            </a:r>
+            <a:r>
+              <a:rPr lang="pt-PT" dirty="0">
+                <a:latin typeface="Arial" panose="020B0604020202020204" pitchFamily="34" charset="0"/>
+                <a:cs typeface="Arial" panose="020B0604020202020204" pitchFamily="34" charset="0"/>
+              </a:rPr>
+              <a:t>-Router v6</a:t>
             </a:r>
           </a:p>
           <a:p>
@@ -6504,10 +6598,61 @@
               <a:buFont typeface="Tahoma" panose="020B0604030504040204" pitchFamily="34" charset="0"/>
               <a:buChar char="●"/>
             </a:pPr>
-            <a:endParaRPr lang="pt-PT" sz="2000" dirty="0">
-              <a:latin typeface="Arial" panose="020B0604020202020204" pitchFamily="34" charset="0"/>
-              <a:cs typeface="Arial" panose="020B0604020202020204" pitchFamily="34" charset="0"/>
-            </a:endParaRPr>
+            <a:r>
+              <a:rPr lang="pt-PT" sz="2000" dirty="0">
+                <a:latin typeface="Arial" panose="020B0604020202020204" pitchFamily="34" charset="0"/>
+                <a:cs typeface="Arial" panose="020B0604020202020204" pitchFamily="34" charset="0"/>
+              </a:rPr>
+              <a:t>CSR (Client Side Rendering)</a:t>
+            </a:r>
+          </a:p>
+          <a:p>
+            <a:pPr marL="342900" indent="-342900" algn="l">
+              <a:lnSpc>
+                <a:spcPct val="100000"/>
+              </a:lnSpc>
+              <a:buSzPct val="100000"/>
+              <a:buFont typeface="Tahoma" panose="020B0604030504040204" pitchFamily="34" charset="0"/>
+              <a:buChar char="●"/>
+            </a:pPr>
+            <a:r>
+              <a:rPr lang="pt-PT" sz="2000" dirty="0">
+                <a:latin typeface="Arial" panose="020B0604020202020204" pitchFamily="34" charset="0"/>
+                <a:cs typeface="Arial" panose="020B0604020202020204" pitchFamily="34" charset="0"/>
+              </a:rPr>
+              <a:t>Aplicação responsiva</a:t>
+            </a:r>
+          </a:p>
+          <a:p>
+            <a:pPr marL="800100" lvl="1" indent="-342900" algn="l">
+              <a:lnSpc>
+                <a:spcPct val="100000"/>
+              </a:lnSpc>
+              <a:buSzPct val="100000"/>
+              <a:buFont typeface="Wingdings" panose="05000000000000000000" pitchFamily="2" charset="2"/>
+              <a:buChar char="§"/>
+            </a:pPr>
+            <a:r>
+              <a:rPr lang="pt-PT" dirty="0">
+                <a:latin typeface="Arial" panose="020B0604020202020204" pitchFamily="34" charset="0"/>
+                <a:cs typeface="Arial" panose="020B0604020202020204" pitchFamily="34" charset="0"/>
+              </a:rPr>
+              <a:t>Utiliza a </a:t>
+            </a:r>
+            <a:r>
+              <a:rPr lang="pt-PT" dirty="0" err="1">
+                <a:latin typeface="Arial" panose="020B0604020202020204" pitchFamily="34" charset="0"/>
+                <a:cs typeface="Arial" panose="020B0604020202020204" pitchFamily="34" charset="0"/>
+              </a:rPr>
+              <a:t>framework</a:t>
+            </a:r>
+            <a:r>
+              <a:rPr lang="pt-PT" dirty="0">
+                <a:latin typeface="Arial" panose="020B0604020202020204" pitchFamily="34" charset="0"/>
+                <a:cs typeface="Arial" panose="020B0604020202020204" pitchFamily="34" charset="0"/>
+              </a:rPr>
+              <a:t> Material-UI</a:t>
+            </a:r>
           </a:p>
         </p:txBody>
       </p:sp>
@@ -6824,22 +6969,25 @@
                 <a:cs typeface="Arial" panose="020B0604020202020204" pitchFamily="34" charset="0"/>
                 <a:sym typeface="Commissioner ExtraBold"/>
               </a:rPr>
-              <a:t>Autorização</a:t>
+              <a:t>Cliente</a:t>
             </a:r>
-            <a:endParaRPr kumimoji="0" lang="en-US" sz="5000" b="1" i="0" u="none" strike="noStrike" kern="0" cap="none" spc="0" normalizeH="0" baseline="0" noProof="0" dirty="0">
-              <a:ln>
-                <a:noFill/>
-              </a:ln>
-              <a:solidFill>
-                <a:srgbClr val="3D4D55"/>
-              </a:solidFill>
-              <a:effectLst/>
-              <a:uLnTx/>
-              <a:uFillTx/>
-              <a:latin typeface="Arial" panose="020B0604020202020204" pitchFamily="34" charset="0"/>
-              <a:cs typeface="Arial" panose="020B0604020202020204" pitchFamily="34" charset="0"/>
-              <a:sym typeface="Commissioner ExtraBold"/>
-            </a:endParaRPr>
+            <a:r>
+              <a:rPr kumimoji="0" lang="en-US" sz="5000" b="1" i="0" u="none" strike="noStrike" kern="0" cap="none" spc="0" normalizeH="0" baseline="0" noProof="0" dirty="0">
+                <a:ln>
+                  <a:noFill/>
+                </a:ln>
+                <a:solidFill>
+                  <a:srgbClr val="3D4D55"/>
+                </a:solidFill>
+                <a:effectLst/>
+                <a:uLnTx/>
+                <a:uFillTx/>
+                <a:latin typeface="Arial" panose="020B0604020202020204" pitchFamily="34" charset="0"/>
+                <a:cs typeface="Arial" panose="020B0604020202020204" pitchFamily="34" charset="0"/>
+                <a:sym typeface="Commissioner ExtraBold"/>
+              </a:rPr>
+              <a:t> Web</a:t>
+            </a:r>
           </a:p>
         </p:txBody>
       </p:sp>
@@ -6934,7 +7082,7 @@
             </a:pathLst>
           </a:custGeom>
           <a:solidFill>
-            <a:srgbClr val="3D4D55"/>
+            <a:srgbClr val="ACDBD3"/>
           </a:solidFill>
           <a:ln>
             <a:noFill/>
@@ -7118,7 +7266,7 @@
             </a:pathLst>
           </a:custGeom>
           <a:solidFill>
-            <a:srgbClr val="ACDBD3"/>
+            <a:srgbClr val="3F4853"/>
           </a:solidFill>
           <a:ln>
             <a:noFill/>
@@ -7313,6 +7461,1103 @@
           <p:cNvPr id="2" name="Slide Number Placeholder 1">
             <a:extLst>
               <a:ext uri="{FF2B5EF4-FFF2-40B4-BE49-F238E27FC236}">
+                <a16:creationId xmlns:a16="http://schemas.microsoft.com/office/drawing/2014/main" id="{57AF5AC8-D573-A81D-344D-E676EDF92889}"/>
+              </a:ext>
+            </a:extLst>
+          </p:cNvPr>
+          <p:cNvSpPr>
+            <a:spLocks noGrp="1"/>
+          </p:cNvSpPr>
+          <p:nvPr>
+            <p:ph type="sldNum" sz="quarter" idx="12"/>
+          </p:nvPr>
+        </p:nvSpPr>
+        <p:spPr/>
+        <p:txBody>
+          <a:bodyPr/>
+          <a:lstStyle/>
+          <a:p>
+            <a:fld id="{834E4636-1AC7-4593-8425-9A7E3B693646}" type="slidenum">
+              <a:rPr lang="pt-PT" smtClean="0"/>
+              <a:t>10</a:t>
+            </a:fld>
+            <a:endParaRPr lang="pt-PT"/>
+          </a:p>
+        </p:txBody>
+      </p:sp>
+    </p:spTree>
+    <p:extLst>
+      <p:ext uri="{BB962C8B-B14F-4D97-AF65-F5344CB8AC3E}">
+        <p14:creationId xmlns:p14="http://schemas.microsoft.com/office/powerpoint/2010/main" val="1901076948"/>
+      </p:ext>
+    </p:extLst>
+  </p:cSld>
+  <p:clrMapOvr>
+    <a:masterClrMapping/>
+  </p:clrMapOvr>
+</p:sld>
+</file>
+
+<file path=ppt/slides/slide11.xml><?xml version="1.0" encoding="utf-8"?>
+<p:sld xmlns:a="http://schemas.openxmlformats.org/drawingml/2006/main" xmlns:r="http://schemas.openxmlformats.org/officeDocument/2006/relationships" xmlns:p="http://schemas.openxmlformats.org/presentationml/2006/main">
+  <p:cSld>
+    <p:bg>
+      <p:bgPr>
+        <a:solidFill>
+          <a:schemeClr val="bg1"/>
+        </a:solidFill>
+        <a:effectLst/>
+      </p:bgPr>
+    </p:bg>
+    <p:spTree>
+      <p:nvGrpSpPr>
+        <p:cNvPr id="1" name=""/>
+        <p:cNvGrpSpPr/>
+        <p:nvPr/>
+      </p:nvGrpSpPr>
+      <p:grpSpPr>
+        <a:xfrm>
+          <a:off x="0" y="0"/>
+          <a:ext cx="0" cy="0"/>
+          <a:chOff x="0" y="0"/>
+          <a:chExt cx="0" cy="0"/>
+        </a:xfrm>
+      </p:grpSpPr>
+      <p:sp>
+        <p:nvSpPr>
+          <p:cNvPr id="5" name="Subtítulo 4">
+            <a:extLst>
+              <a:ext uri="{FF2B5EF4-FFF2-40B4-BE49-F238E27FC236}">
+                <a16:creationId xmlns:a16="http://schemas.microsoft.com/office/drawing/2014/main" id="{0BBF98B1-EA66-EABA-F256-D9EE9AB32E0B}"/>
+              </a:ext>
+            </a:extLst>
+          </p:cNvPr>
+          <p:cNvSpPr>
+            <a:spLocks noGrp="1"/>
+          </p:cNvSpPr>
+          <p:nvPr>
+            <p:ph type="subTitle" idx="1"/>
+          </p:nvPr>
+        </p:nvSpPr>
+        <p:spPr>
+          <a:xfrm>
+            <a:off x="593554" y="1256732"/>
+            <a:ext cx="8710103" cy="4736420"/>
+          </a:xfrm>
+        </p:spPr>
+        <p:txBody>
+          <a:bodyPr>
+            <a:normAutofit/>
+          </a:bodyPr>
+          <a:lstStyle/>
+          <a:p>
+            <a:pPr marL="342900" indent="-342900" algn="l">
+              <a:lnSpc>
+                <a:spcPct val="100000"/>
+              </a:lnSpc>
+              <a:buSzPct val="100000"/>
+              <a:buFont typeface="Tahoma" panose="020B0604030504040204" pitchFamily="34" charset="0"/>
+              <a:buChar char="●"/>
+            </a:pPr>
+            <a:r>
+              <a:rPr lang="pt-PT" sz="2000" dirty="0">
+                <a:latin typeface="Arial" panose="020B0604020202020204" pitchFamily="34" charset="0"/>
+                <a:cs typeface="Arial" panose="020B0604020202020204" pitchFamily="34" charset="0"/>
+              </a:rPr>
+              <a:t>UI dinâmico</a:t>
+            </a:r>
+          </a:p>
+          <a:p>
+            <a:pPr marL="800100" lvl="1" indent="-342900" algn="l">
+              <a:lnSpc>
+                <a:spcPct val="100000"/>
+              </a:lnSpc>
+              <a:buSzPct val="100000"/>
+              <a:buFont typeface="Wingdings" panose="05000000000000000000" pitchFamily="2" charset="2"/>
+              <a:buChar char="§"/>
+            </a:pPr>
+            <a:r>
+              <a:rPr lang="pt-PT" dirty="0">
+                <a:latin typeface="Arial" panose="020B0604020202020204" pitchFamily="34" charset="0"/>
+                <a:cs typeface="Arial" panose="020B0604020202020204" pitchFamily="34" charset="0"/>
+              </a:rPr>
+              <a:t>Páginas acessíveis consoante o tipo e papel no clube</a:t>
+            </a:r>
+          </a:p>
+          <a:p>
+            <a:pPr marL="342900" indent="-342900" algn="l">
+              <a:lnSpc>
+                <a:spcPct val="100000"/>
+              </a:lnSpc>
+              <a:buSzPct val="100000"/>
+              <a:buFont typeface="Tahoma" panose="020B0604030504040204" pitchFamily="34" charset="0"/>
+              <a:buChar char="●"/>
+            </a:pPr>
+            <a:r>
+              <a:rPr lang="pt-PT" sz="2000" dirty="0">
+                <a:latin typeface="Arial" panose="020B0604020202020204" pitchFamily="34" charset="0"/>
+                <a:cs typeface="Arial" panose="020B0604020202020204" pitchFamily="34" charset="0"/>
+              </a:rPr>
+              <a:t>Views de dashboard protegidas</a:t>
+            </a:r>
+          </a:p>
+          <a:p>
+            <a:pPr marL="800100" lvl="1" indent="-342900" algn="l">
+              <a:lnSpc>
+                <a:spcPct val="100000"/>
+              </a:lnSpc>
+              <a:buSzPct val="100000"/>
+              <a:buFont typeface="Wingdings" panose="05000000000000000000" pitchFamily="2" charset="2"/>
+              <a:buChar char="§"/>
+            </a:pPr>
+            <a:r>
+              <a:rPr lang="pt-PT" dirty="0">
+                <a:latin typeface="Arial" panose="020B0604020202020204" pitchFamily="34" charset="0"/>
+                <a:cs typeface="Arial" panose="020B0604020202020204" pitchFamily="34" charset="0"/>
+              </a:rPr>
+              <a:t>Componente costumizado – </a:t>
+            </a:r>
+            <a:r>
+              <a:rPr lang="pt-PT" dirty="0" err="1">
+                <a:latin typeface="Arial" panose="020B0604020202020204" pitchFamily="34" charset="0"/>
+                <a:cs typeface="Arial" panose="020B0604020202020204" pitchFamily="34" charset="0"/>
+              </a:rPr>
+              <a:t>RequireAuth</a:t>
+            </a:r>
+            <a:endParaRPr lang="pt-PT" dirty="0">
+              <a:latin typeface="Arial" panose="020B0604020202020204" pitchFamily="34" charset="0"/>
+              <a:cs typeface="Arial" panose="020B0604020202020204" pitchFamily="34" charset="0"/>
+            </a:endParaRPr>
+          </a:p>
+          <a:p>
+            <a:pPr marL="1257300" lvl="2" indent="-342900" algn="l">
+              <a:lnSpc>
+                <a:spcPct val="100000"/>
+              </a:lnSpc>
+              <a:buSzPct val="100000"/>
+              <a:buFont typeface="Arial" panose="020B0604020202020204" pitchFamily="34" charset="0"/>
+              <a:buChar char="•"/>
+            </a:pPr>
+            <a:r>
+              <a:rPr lang="pt-PT" sz="2000" dirty="0" err="1">
+                <a:latin typeface="Arial" panose="020B0604020202020204" pitchFamily="34" charset="0"/>
+                <a:cs typeface="Arial" panose="020B0604020202020204" pitchFamily="34" charset="0"/>
+              </a:rPr>
+              <a:t>Wrapper</a:t>
+            </a:r>
+            <a:r>
+              <a:rPr lang="pt-PT" sz="2000" dirty="0">
+                <a:latin typeface="Arial" panose="020B0604020202020204" pitchFamily="34" charset="0"/>
+                <a:cs typeface="Arial" panose="020B0604020202020204" pitchFamily="34" charset="0"/>
+              </a:rPr>
+              <a:t> sobre o layout de </a:t>
+            </a:r>
+            <a:r>
+              <a:rPr lang="pt-PT" sz="2000" dirty="0" err="1">
+                <a:latin typeface="Arial" panose="020B0604020202020204" pitchFamily="34" charset="0"/>
+                <a:cs typeface="Arial" panose="020B0604020202020204" pitchFamily="34" charset="0"/>
+              </a:rPr>
+              <a:t>dashboard</a:t>
+            </a:r>
+            <a:endParaRPr lang="pt-PT" dirty="0">
+              <a:latin typeface="Arial" panose="020B0604020202020204" pitchFamily="34" charset="0"/>
+              <a:cs typeface="Arial" panose="020B0604020202020204" pitchFamily="34" charset="0"/>
+            </a:endParaRPr>
+          </a:p>
+          <a:p>
+            <a:pPr marL="800100" lvl="1" indent="-342900" algn="l">
+              <a:lnSpc>
+                <a:spcPct val="100000"/>
+              </a:lnSpc>
+              <a:buSzPct val="100000"/>
+              <a:buFont typeface="Wingdings" panose="05000000000000000000" pitchFamily="2" charset="2"/>
+              <a:buChar char="§"/>
+            </a:pPr>
+            <a:r>
+              <a:rPr lang="pt-PT" dirty="0">
+                <a:latin typeface="Arial" panose="020B0604020202020204" pitchFamily="34" charset="0"/>
+                <a:cs typeface="Arial" panose="020B0604020202020204" pitchFamily="34" charset="0"/>
+              </a:rPr>
+              <a:t>Com auxílio de um </a:t>
+            </a:r>
+            <a:r>
+              <a:rPr lang="pt-PT" dirty="0" err="1">
+                <a:latin typeface="Arial" panose="020B0604020202020204" pitchFamily="34" charset="0"/>
+                <a:cs typeface="Arial" panose="020B0604020202020204" pitchFamily="34" charset="0"/>
+              </a:rPr>
+              <a:t>hook</a:t>
+            </a:r>
+            <a:r>
+              <a:rPr lang="pt-PT" dirty="0">
+                <a:latin typeface="Arial" panose="020B0604020202020204" pitchFamily="34" charset="0"/>
+                <a:cs typeface="Arial" panose="020B0604020202020204" pitchFamily="34" charset="0"/>
+              </a:rPr>
+              <a:t> – </a:t>
+            </a:r>
+            <a:r>
+              <a:rPr lang="pt-PT" dirty="0" err="1">
+                <a:latin typeface="Arial" panose="020B0604020202020204" pitchFamily="34" charset="0"/>
+                <a:cs typeface="Arial" panose="020B0604020202020204" pitchFamily="34" charset="0"/>
+              </a:rPr>
+              <a:t>UseAuth</a:t>
+            </a:r>
+            <a:endParaRPr lang="pt-PT" dirty="0">
+              <a:latin typeface="Arial" panose="020B0604020202020204" pitchFamily="34" charset="0"/>
+              <a:cs typeface="Arial" panose="020B0604020202020204" pitchFamily="34" charset="0"/>
+            </a:endParaRPr>
+          </a:p>
+          <a:p>
+            <a:pPr marL="1257300" lvl="2" indent="-342900" algn="l">
+              <a:lnSpc>
+                <a:spcPct val="100000"/>
+              </a:lnSpc>
+              <a:buSzPct val="100000"/>
+              <a:buFont typeface="Arial" panose="020B0604020202020204" pitchFamily="34" charset="0"/>
+              <a:buChar char="•"/>
+            </a:pPr>
+            <a:r>
+              <a:rPr lang="pt-PT" sz="2000" dirty="0">
+                <a:latin typeface="Arial" panose="020B0604020202020204" pitchFamily="34" charset="0"/>
+                <a:cs typeface="Arial" panose="020B0604020202020204" pitchFamily="34" charset="0"/>
+              </a:rPr>
+              <a:t>Mantém estado sobre a existência de um utilizador que tenha realizado login</a:t>
+            </a:r>
+          </a:p>
+          <a:p>
+            <a:pPr marL="342900" indent="-342900" algn="l">
+              <a:lnSpc>
+                <a:spcPct val="100000"/>
+              </a:lnSpc>
+              <a:buSzPct val="100000"/>
+              <a:buFont typeface="Tahoma" panose="020B0604030504040204" pitchFamily="34" charset="0"/>
+              <a:buChar char="●"/>
+            </a:pPr>
+            <a:r>
+              <a:rPr lang="pt-PT" sz="2000" dirty="0">
+                <a:latin typeface="Arial" panose="020B0604020202020204" pitchFamily="34" charset="0"/>
+                <a:cs typeface="Arial" panose="020B0604020202020204" pitchFamily="34" charset="0"/>
+              </a:rPr>
+              <a:t>Mantém o estado persistente entre sessões</a:t>
+            </a:r>
+          </a:p>
+          <a:p>
+            <a:pPr marL="342900" indent="-342900" algn="l">
+              <a:lnSpc>
+                <a:spcPct val="100000"/>
+              </a:lnSpc>
+              <a:buSzPct val="100000"/>
+              <a:buFont typeface="Tahoma" panose="020B0604030504040204" pitchFamily="34" charset="0"/>
+              <a:buChar char="●"/>
+            </a:pPr>
+            <a:endParaRPr lang="pt-PT" sz="2000" dirty="0">
+              <a:latin typeface="Arial" panose="020B0604020202020204" pitchFamily="34" charset="0"/>
+              <a:cs typeface="Arial" panose="020B0604020202020204" pitchFamily="34" charset="0"/>
+            </a:endParaRPr>
+          </a:p>
+        </p:txBody>
+      </p:sp>
+      <p:sp>
+        <p:nvSpPr>
+          <p:cNvPr id="7" name="Google Shape;296;p37">
+            <a:extLst>
+              <a:ext uri="{FF2B5EF4-FFF2-40B4-BE49-F238E27FC236}">
+                <a16:creationId xmlns:a16="http://schemas.microsoft.com/office/drawing/2014/main" id="{3D7AB695-BD0C-4E75-8783-E697EBED0E05}"/>
+              </a:ext>
+            </a:extLst>
+          </p:cNvPr>
+          <p:cNvSpPr txBox="1">
+            <a:spLocks/>
+          </p:cNvSpPr>
+          <p:nvPr/>
+        </p:nvSpPr>
+        <p:spPr>
+          <a:xfrm>
+            <a:off x="593554" y="383132"/>
+            <a:ext cx="6885581" cy="631554"/>
+          </a:xfrm>
+          <a:prstGeom prst="rect">
+            <a:avLst/>
+          </a:prstGeom>
+          <a:noFill/>
+          <a:ln>
+            <a:noFill/>
+          </a:ln>
+        </p:spPr>
+        <p:txBody>
+          <a:bodyPr spcFirstLastPara="1" wrap="square" lIns="0" tIns="0" rIns="0" bIns="0" anchor="t" anchorCtr="0">
+            <a:noAutofit/>
+          </a:bodyPr>
+          <a:lstStyle>
+            <a:defPPr marR="0" lvl="0" algn="l" rtl="0">
+              <a:lnSpc>
+                <a:spcPct val="100000"/>
+              </a:lnSpc>
+              <a:spcBef>
+                <a:spcPts val="0"/>
+              </a:spcBef>
+              <a:spcAft>
+                <a:spcPts val="0"/>
+              </a:spcAft>
+            </a:defPPr>
+            <a:lvl1pPr marL="0" marR="0" lvl="0" indent="0" algn="l" rtl="0">
+              <a:lnSpc>
+                <a:spcPct val="90000"/>
+              </a:lnSpc>
+              <a:spcBef>
+                <a:spcPts val="0"/>
+              </a:spcBef>
+              <a:spcAft>
+                <a:spcPts val="0"/>
+              </a:spcAft>
+              <a:buClr>
+                <a:schemeClr val="dk2"/>
+              </a:buClr>
+              <a:buSzPts val="5200"/>
+              <a:buFont typeface="Commissioner"/>
+              <a:buNone/>
+              <a:defRPr sz="5000" b="0" i="0" u="none" strike="noStrike" cap="none">
+                <a:solidFill>
+                  <a:schemeClr val="dk2"/>
+                </a:solidFill>
+                <a:latin typeface="Commissioner ExtraBold"/>
+                <a:ea typeface="Commissioner ExtraBold"/>
+                <a:cs typeface="Commissioner ExtraBold"/>
+                <a:sym typeface="Commissioner ExtraBold"/>
+              </a:defRPr>
+            </a:lvl1pPr>
+            <a:lvl2pPr marR="0" lvl="1" algn="ctr" rtl="0">
+              <a:lnSpc>
+                <a:spcPct val="100000"/>
+              </a:lnSpc>
+              <a:spcBef>
+                <a:spcPts val="0"/>
+              </a:spcBef>
+              <a:spcAft>
+                <a:spcPts val="0"/>
+              </a:spcAft>
+              <a:buClr>
+                <a:schemeClr val="dk2"/>
+              </a:buClr>
+              <a:buSzPts val="5200"/>
+              <a:buFont typeface="Barlow SemiBold"/>
+              <a:buNone/>
+              <a:defRPr sz="5200" b="0" i="0" u="none" strike="noStrike" cap="none">
+                <a:solidFill>
+                  <a:schemeClr val="dk2"/>
+                </a:solidFill>
+                <a:latin typeface="Barlow SemiBold"/>
+                <a:ea typeface="Barlow SemiBold"/>
+                <a:cs typeface="Barlow SemiBold"/>
+                <a:sym typeface="Barlow SemiBold"/>
+              </a:defRPr>
+            </a:lvl2pPr>
+            <a:lvl3pPr marR="0" lvl="2" algn="ctr" rtl="0">
+              <a:lnSpc>
+                <a:spcPct val="100000"/>
+              </a:lnSpc>
+              <a:spcBef>
+                <a:spcPts val="0"/>
+              </a:spcBef>
+              <a:spcAft>
+                <a:spcPts val="0"/>
+              </a:spcAft>
+              <a:buClr>
+                <a:schemeClr val="dk2"/>
+              </a:buClr>
+              <a:buSzPts val="5200"/>
+              <a:buFont typeface="Barlow SemiBold"/>
+              <a:buNone/>
+              <a:defRPr sz="5200" b="0" i="0" u="none" strike="noStrike" cap="none">
+                <a:solidFill>
+                  <a:schemeClr val="dk2"/>
+                </a:solidFill>
+                <a:latin typeface="Barlow SemiBold"/>
+                <a:ea typeface="Barlow SemiBold"/>
+                <a:cs typeface="Barlow SemiBold"/>
+                <a:sym typeface="Barlow SemiBold"/>
+              </a:defRPr>
+            </a:lvl3pPr>
+            <a:lvl4pPr marR="0" lvl="3" algn="ctr" rtl="0">
+              <a:lnSpc>
+                <a:spcPct val="100000"/>
+              </a:lnSpc>
+              <a:spcBef>
+                <a:spcPts val="0"/>
+              </a:spcBef>
+              <a:spcAft>
+                <a:spcPts val="0"/>
+              </a:spcAft>
+              <a:buClr>
+                <a:schemeClr val="dk2"/>
+              </a:buClr>
+              <a:buSzPts val="5200"/>
+              <a:buFont typeface="Barlow SemiBold"/>
+              <a:buNone/>
+              <a:defRPr sz="5200" b="0" i="0" u="none" strike="noStrike" cap="none">
+                <a:solidFill>
+                  <a:schemeClr val="dk2"/>
+                </a:solidFill>
+                <a:latin typeface="Barlow SemiBold"/>
+                <a:ea typeface="Barlow SemiBold"/>
+                <a:cs typeface="Barlow SemiBold"/>
+                <a:sym typeface="Barlow SemiBold"/>
+              </a:defRPr>
+            </a:lvl4pPr>
+            <a:lvl5pPr marR="0" lvl="4" algn="ctr" rtl="0">
+              <a:lnSpc>
+                <a:spcPct val="100000"/>
+              </a:lnSpc>
+              <a:spcBef>
+                <a:spcPts val="0"/>
+              </a:spcBef>
+              <a:spcAft>
+                <a:spcPts val="0"/>
+              </a:spcAft>
+              <a:buClr>
+                <a:schemeClr val="dk2"/>
+              </a:buClr>
+              <a:buSzPts val="5200"/>
+              <a:buFont typeface="Barlow SemiBold"/>
+              <a:buNone/>
+              <a:defRPr sz="5200" b="0" i="0" u="none" strike="noStrike" cap="none">
+                <a:solidFill>
+                  <a:schemeClr val="dk2"/>
+                </a:solidFill>
+                <a:latin typeface="Barlow SemiBold"/>
+                <a:ea typeface="Barlow SemiBold"/>
+                <a:cs typeface="Barlow SemiBold"/>
+                <a:sym typeface="Barlow SemiBold"/>
+              </a:defRPr>
+            </a:lvl5pPr>
+            <a:lvl6pPr marR="0" lvl="5" algn="ctr" rtl="0">
+              <a:lnSpc>
+                <a:spcPct val="100000"/>
+              </a:lnSpc>
+              <a:spcBef>
+                <a:spcPts val="0"/>
+              </a:spcBef>
+              <a:spcAft>
+                <a:spcPts val="0"/>
+              </a:spcAft>
+              <a:buClr>
+                <a:schemeClr val="dk2"/>
+              </a:buClr>
+              <a:buSzPts val="5200"/>
+              <a:buFont typeface="Barlow SemiBold"/>
+              <a:buNone/>
+              <a:defRPr sz="5200" b="0" i="0" u="none" strike="noStrike" cap="none">
+                <a:solidFill>
+                  <a:schemeClr val="dk2"/>
+                </a:solidFill>
+                <a:latin typeface="Barlow SemiBold"/>
+                <a:ea typeface="Barlow SemiBold"/>
+                <a:cs typeface="Barlow SemiBold"/>
+                <a:sym typeface="Barlow SemiBold"/>
+              </a:defRPr>
+            </a:lvl6pPr>
+            <a:lvl7pPr marR="0" lvl="6" algn="ctr" rtl="0">
+              <a:lnSpc>
+                <a:spcPct val="100000"/>
+              </a:lnSpc>
+              <a:spcBef>
+                <a:spcPts val="0"/>
+              </a:spcBef>
+              <a:spcAft>
+                <a:spcPts val="0"/>
+              </a:spcAft>
+              <a:buClr>
+                <a:schemeClr val="dk2"/>
+              </a:buClr>
+              <a:buSzPts val="5200"/>
+              <a:buFont typeface="Barlow SemiBold"/>
+              <a:buNone/>
+              <a:defRPr sz="5200" b="0" i="0" u="none" strike="noStrike" cap="none">
+                <a:solidFill>
+                  <a:schemeClr val="dk2"/>
+                </a:solidFill>
+                <a:latin typeface="Barlow SemiBold"/>
+                <a:ea typeface="Barlow SemiBold"/>
+                <a:cs typeface="Barlow SemiBold"/>
+                <a:sym typeface="Barlow SemiBold"/>
+              </a:defRPr>
+            </a:lvl7pPr>
+            <a:lvl8pPr marR="0" lvl="7" algn="ctr" rtl="0">
+              <a:lnSpc>
+                <a:spcPct val="100000"/>
+              </a:lnSpc>
+              <a:spcBef>
+                <a:spcPts val="0"/>
+              </a:spcBef>
+              <a:spcAft>
+                <a:spcPts val="0"/>
+              </a:spcAft>
+              <a:buClr>
+                <a:schemeClr val="dk2"/>
+              </a:buClr>
+              <a:buSzPts val="5200"/>
+              <a:buFont typeface="Barlow SemiBold"/>
+              <a:buNone/>
+              <a:defRPr sz="5200" b="0" i="0" u="none" strike="noStrike" cap="none">
+                <a:solidFill>
+                  <a:schemeClr val="dk2"/>
+                </a:solidFill>
+                <a:latin typeface="Barlow SemiBold"/>
+                <a:ea typeface="Barlow SemiBold"/>
+                <a:cs typeface="Barlow SemiBold"/>
+                <a:sym typeface="Barlow SemiBold"/>
+              </a:defRPr>
+            </a:lvl8pPr>
+            <a:lvl9pPr marR="0" lvl="8" algn="ctr" rtl="0">
+              <a:lnSpc>
+                <a:spcPct val="100000"/>
+              </a:lnSpc>
+              <a:spcBef>
+                <a:spcPts val="0"/>
+              </a:spcBef>
+              <a:spcAft>
+                <a:spcPts val="0"/>
+              </a:spcAft>
+              <a:buClr>
+                <a:schemeClr val="dk2"/>
+              </a:buClr>
+              <a:buSzPts val="5200"/>
+              <a:buFont typeface="Barlow SemiBold"/>
+              <a:buNone/>
+              <a:defRPr sz="5200" b="0" i="0" u="none" strike="noStrike" cap="none">
+                <a:solidFill>
+                  <a:schemeClr val="dk2"/>
+                </a:solidFill>
+                <a:latin typeface="Barlow SemiBold"/>
+                <a:ea typeface="Barlow SemiBold"/>
+                <a:cs typeface="Barlow SemiBold"/>
+                <a:sym typeface="Barlow SemiBold"/>
+              </a:defRPr>
+            </a:lvl9pPr>
+          </a:lstStyle>
+          <a:p>
+            <a:pPr marL="0" marR="0" lvl="0" indent="0" algn="l" defTabSz="914400" rtl="0" eaLnBrk="1" fontAlgn="auto" latinLnBrk="0" hangingPunct="1">
+              <a:lnSpc>
+                <a:spcPct val="90000"/>
+              </a:lnSpc>
+              <a:spcBef>
+                <a:spcPts val="0"/>
+              </a:spcBef>
+              <a:spcAft>
+                <a:spcPts val="0"/>
+              </a:spcAft>
+              <a:buClr>
+                <a:srgbClr val="164A4A"/>
+              </a:buClr>
+              <a:buSzPts val="5200"/>
+              <a:buFont typeface="Commissioner"/>
+              <a:buNone/>
+              <a:tabLst/>
+              <a:defRPr/>
+            </a:pPr>
+            <a:r>
+              <a:rPr kumimoji="0" lang="en-US" sz="5000" b="1" i="0" u="none" strike="noStrike" kern="0" cap="none" spc="0" normalizeH="0" baseline="0" noProof="0" dirty="0" err="1">
+                <a:ln>
+                  <a:noFill/>
+                </a:ln>
+                <a:solidFill>
+                  <a:srgbClr val="3D4D55"/>
+                </a:solidFill>
+                <a:effectLst/>
+                <a:uLnTx/>
+                <a:uFillTx/>
+                <a:latin typeface="Arial" panose="020B0604020202020204" pitchFamily="34" charset="0"/>
+                <a:cs typeface="Arial" panose="020B0604020202020204" pitchFamily="34" charset="0"/>
+                <a:sym typeface="Commissioner ExtraBold"/>
+              </a:rPr>
+              <a:t>Autorização</a:t>
+            </a:r>
+            <a:endParaRPr kumimoji="0" lang="en-US" sz="5000" b="1" i="0" u="none" strike="noStrike" kern="0" cap="none" spc="0" normalizeH="0" baseline="0" noProof="0" dirty="0">
+              <a:ln>
+                <a:noFill/>
+              </a:ln>
+              <a:solidFill>
+                <a:srgbClr val="3D4D55"/>
+              </a:solidFill>
+              <a:effectLst/>
+              <a:uLnTx/>
+              <a:uFillTx/>
+              <a:latin typeface="Arial" panose="020B0604020202020204" pitchFamily="34" charset="0"/>
+              <a:cs typeface="Arial" panose="020B0604020202020204" pitchFamily="34" charset="0"/>
+              <a:sym typeface="Commissioner ExtraBold"/>
+            </a:endParaRPr>
+          </a:p>
+        </p:txBody>
+      </p:sp>
+      <p:sp>
+        <p:nvSpPr>
+          <p:cNvPr id="9" name="Google Shape;1460;p74">
+            <a:extLst>
+              <a:ext uri="{FF2B5EF4-FFF2-40B4-BE49-F238E27FC236}">
+                <a16:creationId xmlns:a16="http://schemas.microsoft.com/office/drawing/2014/main" id="{D1F998ED-C0F8-F98C-374B-0151B38AD950}"/>
+              </a:ext>
+            </a:extLst>
+          </p:cNvPr>
+          <p:cNvSpPr/>
+          <p:nvPr/>
+        </p:nvSpPr>
+        <p:spPr>
+          <a:xfrm>
+            <a:off x="8872199" y="-179614"/>
+            <a:ext cx="3472201" cy="3722914"/>
+          </a:xfrm>
+          <a:custGeom>
+            <a:avLst/>
+            <a:gdLst/>
+            <a:ahLst/>
+            <a:cxnLst/>
+            <a:rect l="l" t="t" r="r" b="b"/>
+            <a:pathLst>
+              <a:path w="146265" h="156112" extrusionOk="0">
+                <a:moveTo>
+                  <a:pt x="5411" y="0"/>
+                </a:moveTo>
+                <a:cubicBezTo>
+                  <a:pt x="5411" y="0"/>
+                  <a:pt x="1" y="28329"/>
+                  <a:pt x="20548" y="36870"/>
+                </a:cubicBezTo>
+                <a:cubicBezTo>
+                  <a:pt x="24058" y="38329"/>
+                  <a:pt x="27694" y="38893"/>
+                  <a:pt x="31373" y="38893"/>
+                </a:cubicBezTo>
+                <a:cubicBezTo>
+                  <a:pt x="43912" y="38893"/>
+                  <a:pt x="56943" y="32338"/>
+                  <a:pt x="67152" y="32338"/>
+                </a:cubicBezTo>
+                <a:cubicBezTo>
+                  <a:pt x="71479" y="32338"/>
+                  <a:pt x="75300" y="33516"/>
+                  <a:pt x="78361" y="36870"/>
+                </a:cubicBezTo>
+                <a:cubicBezTo>
+                  <a:pt x="90793" y="50426"/>
+                  <a:pt x="72190" y="65958"/>
+                  <a:pt x="96993" y="74500"/>
+                </a:cubicBezTo>
+                <a:cubicBezTo>
+                  <a:pt x="105899" y="77600"/>
+                  <a:pt x="114015" y="83740"/>
+                  <a:pt x="115717" y="93497"/>
+                </a:cubicBezTo>
+                <a:cubicBezTo>
+                  <a:pt x="117814" y="105503"/>
+                  <a:pt x="109060" y="112403"/>
+                  <a:pt x="105504" y="122646"/>
+                </a:cubicBezTo>
+                <a:cubicBezTo>
+                  <a:pt x="103559" y="128148"/>
+                  <a:pt x="104744" y="135078"/>
+                  <a:pt x="107024" y="140245"/>
+                </a:cubicBezTo>
+                <a:cubicBezTo>
+                  <a:pt x="109699" y="146294"/>
+                  <a:pt x="114501" y="151218"/>
+                  <a:pt x="120580" y="153832"/>
+                </a:cubicBezTo>
+                <a:cubicBezTo>
+                  <a:pt x="124167" y="155413"/>
+                  <a:pt x="128027" y="156081"/>
+                  <a:pt x="131918" y="156112"/>
+                </a:cubicBezTo>
+                <a:cubicBezTo>
+                  <a:pt x="133438" y="156112"/>
+                  <a:pt x="146265" y="155200"/>
+                  <a:pt x="146265" y="153650"/>
+                </a:cubicBezTo>
+                <a:lnTo>
+                  <a:pt x="146265" y="0"/>
+                </a:lnTo>
+                <a:close/>
+              </a:path>
+            </a:pathLst>
+          </a:custGeom>
+          <a:solidFill>
+            <a:srgbClr val="3D4D55"/>
+          </a:solidFill>
+          <a:ln>
+            <a:noFill/>
+          </a:ln>
+        </p:spPr>
+        <p:txBody>
+          <a:bodyPr spcFirstLastPara="1" wrap="square" lIns="91425" tIns="91425" rIns="91425" bIns="91425" anchor="ctr" anchorCtr="0">
+            <a:noAutofit/>
+          </a:bodyPr>
+          <a:lstStyle/>
+          <a:p>
+            <a:pPr marL="0" marR="0" lvl="0" indent="0" defTabSz="914400" eaLnBrk="1" fontAlgn="auto" latinLnBrk="0" hangingPunct="1">
+              <a:lnSpc>
+                <a:spcPct val="100000"/>
+              </a:lnSpc>
+              <a:spcBef>
+                <a:spcPts val="0"/>
+              </a:spcBef>
+              <a:spcAft>
+                <a:spcPts val="0"/>
+              </a:spcAft>
+              <a:buClr>
+                <a:srgbClr val="000000"/>
+              </a:buClr>
+              <a:buSzTx/>
+              <a:buFont typeface="Arial"/>
+              <a:buNone/>
+              <a:tabLst/>
+              <a:defRPr/>
+            </a:pPr>
+            <a:endParaRPr kumimoji="0" sz="1400" b="0" i="0" u="none" strike="noStrike" kern="0" cap="none" spc="0" normalizeH="0" baseline="0" noProof="0">
+              <a:ln>
+                <a:noFill/>
+              </a:ln>
+              <a:solidFill>
+                <a:srgbClr val="000000"/>
+              </a:solidFill>
+              <a:effectLst/>
+              <a:uLnTx/>
+              <a:uFillTx/>
+              <a:latin typeface="Arial"/>
+              <a:cs typeface="Arial"/>
+              <a:sym typeface="Arial"/>
+            </a:endParaRPr>
+          </a:p>
+        </p:txBody>
+      </p:sp>
+      <p:sp>
+        <p:nvSpPr>
+          <p:cNvPr id="11" name="Google Shape;1457;p74">
+            <a:extLst>
+              <a:ext uri="{FF2B5EF4-FFF2-40B4-BE49-F238E27FC236}">
+                <a16:creationId xmlns:a16="http://schemas.microsoft.com/office/drawing/2014/main" id="{D5B91189-D1FE-9273-BC8A-9C82DECCA2E3}"/>
+              </a:ext>
+            </a:extLst>
+          </p:cNvPr>
+          <p:cNvSpPr/>
+          <p:nvPr/>
+        </p:nvSpPr>
+        <p:spPr>
+          <a:xfrm rot="10191456">
+            <a:off x="10056522" y="580606"/>
+            <a:ext cx="2411496" cy="1900868"/>
+          </a:xfrm>
+          <a:custGeom>
+            <a:avLst/>
+            <a:gdLst/>
+            <a:ahLst/>
+            <a:cxnLst/>
+            <a:rect l="l" t="t" r="r" b="b"/>
+            <a:pathLst>
+              <a:path w="39363" h="31028" extrusionOk="0">
+                <a:moveTo>
+                  <a:pt x="21078" y="1"/>
+                </a:moveTo>
+                <a:cubicBezTo>
+                  <a:pt x="18634" y="1"/>
+                  <a:pt x="16478" y="1773"/>
+                  <a:pt x="15979" y="4271"/>
+                </a:cubicBezTo>
+                <a:cubicBezTo>
+                  <a:pt x="15946" y="4537"/>
+                  <a:pt x="15912" y="4838"/>
+                  <a:pt x="15912" y="5104"/>
+                </a:cubicBezTo>
+                <a:lnTo>
+                  <a:pt x="15912" y="5305"/>
+                </a:lnTo>
+                <a:cubicBezTo>
+                  <a:pt x="15846" y="6272"/>
+                  <a:pt x="15379" y="10008"/>
+                  <a:pt x="9708" y="11342"/>
+                </a:cubicBezTo>
+                <a:cubicBezTo>
+                  <a:pt x="5438" y="11776"/>
+                  <a:pt x="1802" y="14945"/>
+                  <a:pt x="1002" y="19348"/>
+                </a:cubicBezTo>
+                <a:cubicBezTo>
+                  <a:pt x="1" y="24685"/>
+                  <a:pt x="3570" y="29856"/>
+                  <a:pt x="8907" y="30856"/>
+                </a:cubicBezTo>
+                <a:cubicBezTo>
+                  <a:pt x="9518" y="30972"/>
+                  <a:pt x="10126" y="31028"/>
+                  <a:pt x="10725" y="31028"/>
+                </a:cubicBezTo>
+                <a:cubicBezTo>
+                  <a:pt x="13752" y="31028"/>
+                  <a:pt x="16548" y="29604"/>
+                  <a:pt x="18414" y="27320"/>
+                </a:cubicBezTo>
+                <a:cubicBezTo>
+                  <a:pt x="19014" y="26520"/>
+                  <a:pt x="19515" y="25653"/>
+                  <a:pt x="19915" y="24685"/>
+                </a:cubicBezTo>
+                <a:cubicBezTo>
+                  <a:pt x="21857" y="21834"/>
+                  <a:pt x="25742" y="17659"/>
+                  <a:pt x="31816" y="17659"/>
+                </a:cubicBezTo>
+                <a:cubicBezTo>
+                  <a:pt x="32210" y="17659"/>
+                  <a:pt x="32613" y="17677"/>
+                  <a:pt x="33024" y="17714"/>
+                </a:cubicBezTo>
+                <a:cubicBezTo>
+                  <a:pt x="33258" y="17780"/>
+                  <a:pt x="33425" y="17847"/>
+                  <a:pt x="33625" y="17880"/>
+                </a:cubicBezTo>
+                <a:cubicBezTo>
+                  <a:pt x="33909" y="17934"/>
+                  <a:pt x="34192" y="17960"/>
+                  <a:pt x="34471" y="17960"/>
+                </a:cubicBezTo>
+                <a:cubicBezTo>
+                  <a:pt x="36614" y="17960"/>
+                  <a:pt x="38515" y="16432"/>
+                  <a:pt x="38929" y="14278"/>
+                </a:cubicBezTo>
+                <a:cubicBezTo>
+                  <a:pt x="39362" y="11809"/>
+                  <a:pt x="37761" y="9441"/>
+                  <a:pt x="35293" y="8974"/>
+                </a:cubicBezTo>
+                <a:cubicBezTo>
+                  <a:pt x="34999" y="8913"/>
+                  <a:pt x="34710" y="8883"/>
+                  <a:pt x="34425" y="8883"/>
+                </a:cubicBezTo>
+                <a:cubicBezTo>
+                  <a:pt x="33934" y="8883"/>
+                  <a:pt x="33456" y="8972"/>
+                  <a:pt x="32991" y="9141"/>
+                </a:cubicBezTo>
+                <a:cubicBezTo>
+                  <a:pt x="32529" y="9216"/>
+                  <a:pt x="31929" y="9288"/>
+                  <a:pt x="31278" y="9288"/>
+                </a:cubicBezTo>
+                <a:cubicBezTo>
+                  <a:pt x="29341" y="9288"/>
+                  <a:pt x="26944" y="8658"/>
+                  <a:pt x="26320" y="5638"/>
+                </a:cubicBezTo>
+                <a:cubicBezTo>
+                  <a:pt x="26587" y="3103"/>
+                  <a:pt x="24785" y="601"/>
+                  <a:pt x="22083" y="101"/>
+                </a:cubicBezTo>
+                <a:cubicBezTo>
+                  <a:pt x="21745" y="33"/>
+                  <a:pt x="21409" y="1"/>
+                  <a:pt x="21078" y="1"/>
+                </a:cubicBezTo>
+                <a:close/>
+              </a:path>
+            </a:pathLst>
+          </a:custGeom>
+          <a:solidFill>
+            <a:srgbClr val="ACDBD3"/>
+          </a:solidFill>
+          <a:ln>
+            <a:noFill/>
+          </a:ln>
+        </p:spPr>
+        <p:txBody>
+          <a:bodyPr spcFirstLastPara="1" wrap="square" lIns="91425" tIns="91425" rIns="91425" bIns="91425" anchor="ctr" anchorCtr="0">
+            <a:noAutofit/>
+          </a:bodyPr>
+          <a:lstStyle/>
+          <a:p>
+            <a:pPr marL="0" marR="0" lvl="0" indent="0" defTabSz="914400" eaLnBrk="1" fontAlgn="auto" latinLnBrk="0" hangingPunct="1">
+              <a:lnSpc>
+                <a:spcPct val="100000"/>
+              </a:lnSpc>
+              <a:spcBef>
+                <a:spcPts val="0"/>
+              </a:spcBef>
+              <a:spcAft>
+                <a:spcPts val="0"/>
+              </a:spcAft>
+              <a:buClr>
+                <a:srgbClr val="000000"/>
+              </a:buClr>
+              <a:buSzTx/>
+              <a:buFont typeface="Arial"/>
+              <a:buNone/>
+              <a:tabLst/>
+              <a:defRPr/>
+            </a:pPr>
+            <a:endParaRPr kumimoji="0" sz="1400" b="0" i="0" u="none" strike="noStrike" kern="0" cap="none" spc="0" normalizeH="0" baseline="0" noProof="0">
+              <a:ln>
+                <a:noFill/>
+              </a:ln>
+              <a:solidFill>
+                <a:srgbClr val="000000"/>
+              </a:solidFill>
+              <a:effectLst/>
+              <a:uLnTx/>
+              <a:uFillTx/>
+              <a:latin typeface="Arial"/>
+              <a:cs typeface="Arial"/>
+              <a:sym typeface="Arial"/>
+            </a:endParaRPr>
+          </a:p>
+        </p:txBody>
+      </p:sp>
+      <p:sp>
+        <p:nvSpPr>
+          <p:cNvPr id="13" name="Google Shape;1463;p74">
+            <a:extLst>
+              <a:ext uri="{FF2B5EF4-FFF2-40B4-BE49-F238E27FC236}">
+                <a16:creationId xmlns:a16="http://schemas.microsoft.com/office/drawing/2014/main" id="{9FBE7827-AFF9-E943-D4D6-469993A3A5E2}"/>
+              </a:ext>
+            </a:extLst>
+          </p:cNvPr>
+          <p:cNvSpPr/>
+          <p:nvPr/>
+        </p:nvSpPr>
+        <p:spPr>
+          <a:xfrm rot="18140219">
+            <a:off x="8441112" y="4410166"/>
+            <a:ext cx="3874663" cy="3662248"/>
+          </a:xfrm>
+          <a:custGeom>
+            <a:avLst/>
+            <a:gdLst/>
+            <a:ahLst/>
+            <a:cxnLst/>
+            <a:rect l="l" t="t" r="r" b="b"/>
+            <a:pathLst>
+              <a:path w="119881" h="113309" extrusionOk="0">
+                <a:moveTo>
+                  <a:pt x="20594" y="1"/>
+                </a:moveTo>
+                <a:cubicBezTo>
+                  <a:pt x="16552" y="1"/>
+                  <a:pt x="12368" y="1147"/>
+                  <a:pt x="9149" y="2790"/>
+                </a:cubicBezTo>
+                <a:cubicBezTo>
+                  <a:pt x="5471" y="4675"/>
+                  <a:pt x="1915" y="7836"/>
+                  <a:pt x="0" y="11605"/>
+                </a:cubicBezTo>
+                <a:lnTo>
+                  <a:pt x="0" y="113308"/>
+                </a:lnTo>
+                <a:lnTo>
+                  <a:pt x="117935" y="113308"/>
+                </a:lnTo>
+                <a:cubicBezTo>
+                  <a:pt x="117935" y="113308"/>
+                  <a:pt x="119881" y="98901"/>
+                  <a:pt x="102008" y="94250"/>
+                </a:cubicBezTo>
+                <a:cubicBezTo>
+                  <a:pt x="89485" y="90968"/>
+                  <a:pt x="95139" y="77472"/>
+                  <a:pt x="92190" y="68141"/>
+                </a:cubicBezTo>
+                <a:cubicBezTo>
+                  <a:pt x="88773" y="57366"/>
+                  <a:pt x="78869" y="50808"/>
+                  <a:pt x="68440" y="50808"/>
+                </a:cubicBezTo>
+                <a:cubicBezTo>
+                  <a:pt x="64953" y="50808"/>
+                  <a:pt x="61407" y="51541"/>
+                  <a:pt x="58025" y="53095"/>
+                </a:cubicBezTo>
+                <a:cubicBezTo>
+                  <a:pt x="53166" y="55347"/>
+                  <a:pt x="45940" y="60409"/>
+                  <a:pt x="39678" y="60409"/>
+                </a:cubicBezTo>
+                <a:cubicBezTo>
+                  <a:pt x="37911" y="60409"/>
+                  <a:pt x="36220" y="60005"/>
+                  <a:pt x="34681" y="59022"/>
+                </a:cubicBezTo>
+                <a:cubicBezTo>
+                  <a:pt x="26323" y="53703"/>
+                  <a:pt x="32341" y="38991"/>
+                  <a:pt x="33770" y="31635"/>
+                </a:cubicBezTo>
+                <a:cubicBezTo>
+                  <a:pt x="35381" y="23459"/>
+                  <a:pt x="36900" y="14249"/>
+                  <a:pt x="32858" y="6498"/>
+                </a:cubicBezTo>
+                <a:cubicBezTo>
+                  <a:pt x="30386" y="1757"/>
+                  <a:pt x="25599" y="1"/>
+                  <a:pt x="20594" y="1"/>
+                </a:cubicBezTo>
+                <a:close/>
+              </a:path>
+            </a:pathLst>
+          </a:custGeom>
+          <a:noFill/>
+          <a:ln>
+            <a:solidFill>
+              <a:srgbClr val="3D4D55"/>
+            </a:solidFill>
+          </a:ln>
+        </p:spPr>
+        <p:txBody>
+          <a:bodyPr spcFirstLastPara="1" wrap="square" lIns="91425" tIns="91425" rIns="91425" bIns="91425" anchor="ctr" anchorCtr="0">
+            <a:noAutofit/>
+          </a:bodyPr>
+          <a:lstStyle/>
+          <a:p>
+            <a:pPr marL="0" marR="0" lvl="0" indent="0" defTabSz="914400" eaLnBrk="1" fontAlgn="auto" latinLnBrk="0" hangingPunct="1">
+              <a:lnSpc>
+                <a:spcPct val="100000"/>
+              </a:lnSpc>
+              <a:spcBef>
+                <a:spcPts val="0"/>
+              </a:spcBef>
+              <a:spcAft>
+                <a:spcPts val="0"/>
+              </a:spcAft>
+              <a:buClr>
+                <a:srgbClr val="000000"/>
+              </a:buClr>
+              <a:buSzTx/>
+              <a:buFont typeface="Arial"/>
+              <a:buNone/>
+              <a:tabLst/>
+              <a:defRPr/>
+            </a:pPr>
+            <a:endParaRPr kumimoji="0" sz="1400" b="0" i="0" u="none" strike="noStrike" kern="0" cap="none" spc="0" normalizeH="0" baseline="0" noProof="0">
+              <a:ln>
+                <a:noFill/>
+              </a:ln>
+              <a:solidFill>
+                <a:srgbClr val="000000"/>
+              </a:solidFill>
+              <a:effectLst/>
+              <a:uLnTx/>
+              <a:uFillTx/>
+              <a:latin typeface="Arial"/>
+              <a:cs typeface="Arial"/>
+              <a:sym typeface="Arial"/>
+            </a:endParaRPr>
+          </a:p>
+        </p:txBody>
+      </p:sp>
+      <p:sp>
+        <p:nvSpPr>
+          <p:cNvPr id="2" name="Slide Number Placeholder 1">
+            <a:extLst>
+              <a:ext uri="{FF2B5EF4-FFF2-40B4-BE49-F238E27FC236}">
                 <a16:creationId xmlns:a16="http://schemas.microsoft.com/office/drawing/2014/main" id="{749BBD88-A4E5-6147-9010-7F2FA63B6611}"/>
               </a:ext>
             </a:extLst>
@@ -7331,7 +8576,7 @@
           <a:p>
             <a:fld id="{834E4636-1AC7-4593-8425-9A7E3B693646}" type="slidenum">
               <a:rPr lang="pt-PT" smtClean="0"/>
-              <a:t>10</a:t>
+              <a:t>11</a:t>
             </a:fld>
             <a:endParaRPr lang="pt-PT"/>
           </a:p>
@@ -7631,7 +8876,7 @@
 </p:sld>
 </file>
 
-<file path=ppt/slides/slide11.xml><?xml version="1.0" encoding="utf-8"?>
+<file path=ppt/slides/slide12.xml><?xml version="1.0" encoding="utf-8"?>
 <p:sld xmlns:a="http://schemas.openxmlformats.org/drawingml/2006/main" xmlns:r="http://schemas.openxmlformats.org/officeDocument/2006/relationships" xmlns:p="http://schemas.openxmlformats.org/presentationml/2006/main">
   <p:cSld>
     <p:bg>
@@ -7797,7 +9042,7 @@
             </a:pathLst>
           </a:custGeom>
           <a:solidFill>
-            <a:srgbClr val="3F4853"/>
+            <a:srgbClr val="ACDBD3"/>
           </a:solidFill>
           <a:ln>
             <a:noFill/>
@@ -8411,7 +9656,7 @@
             </a:pathLst>
           </a:custGeom>
           <a:solidFill>
-            <a:srgbClr val="ACDBD3"/>
+            <a:srgbClr val="3D4D55"/>
           </a:solidFill>
           <a:ln>
             <a:noFill/>
@@ -8728,7 +9973,7 @@
           <a:p>
             <a:fld id="{834E4636-1AC7-4593-8425-9A7E3B693646}" type="slidenum">
               <a:rPr lang="pt-PT" smtClean="0"/>
-              <a:t>11</a:t>
+              <a:t>12</a:t>
             </a:fld>
             <a:endParaRPr lang="pt-PT"/>
           </a:p>
@@ -8747,7 +9992,7 @@
 </p:sld>
 </file>
 
-<file path=ppt/slides/slide12.xml><?xml version="1.0" encoding="utf-8"?>
+<file path=ppt/slides/slide13.xml><?xml version="1.0" encoding="utf-8"?>
 <p:sld xmlns:a="http://schemas.openxmlformats.org/drawingml/2006/main" xmlns:r="http://schemas.openxmlformats.org/officeDocument/2006/relationships" xmlns:p="http://schemas.openxmlformats.org/presentationml/2006/main">
   <p:cSld>
     <p:bg>
@@ -10095,7 +11340,7 @@
           <a:p>
             <a:fld id="{834E4636-1AC7-4593-8425-9A7E3B693646}" type="slidenum">
               <a:rPr lang="pt-PT" smtClean="0"/>
-              <a:t>12</a:t>
+              <a:t>13</a:t>
             </a:fld>
             <a:endParaRPr lang="pt-PT"/>
           </a:p>
@@ -10114,7 +11359,7 @@
 </p:sld>
 </file>
 
-<file path=ppt/slides/slide13.xml><?xml version="1.0" encoding="utf-8"?>
+<file path=ppt/slides/slide14.xml><?xml version="1.0" encoding="utf-8"?>
 <p:sld xmlns:a="http://schemas.openxmlformats.org/drawingml/2006/main" xmlns:r="http://schemas.openxmlformats.org/officeDocument/2006/relationships" xmlns:p="http://schemas.openxmlformats.org/presentationml/2006/main">
   <p:cSld>
     <p:bg>
@@ -10231,7 +11476,7 @@
                 <a:latin typeface="Arial" panose="020B0604020202020204" pitchFamily="34" charset="0"/>
                 <a:cs typeface="Arial" panose="020B0604020202020204" pitchFamily="34" charset="0"/>
               </a:rPr>
-              <a:t>Autenticação</a:t>
+              <a:t>Autenticação e autorização</a:t>
             </a:r>
           </a:p>
           <a:p>
@@ -11175,7 +12420,7 @@
           <a:p>
             <a:fld id="{834E4636-1AC7-4593-8425-9A7E3B693646}" type="slidenum">
               <a:rPr lang="pt-PT" smtClean="0"/>
-              <a:t>13</a:t>
+              <a:t>14</a:t>
             </a:fld>
             <a:endParaRPr lang="pt-PT"/>
           </a:p>
@@ -11194,7 +12439,7 @@
 </p:sld>
 </file>
 
-<file path=ppt/slides/slide14.xml><?xml version="1.0" encoding="utf-8"?>
+<file path=ppt/slides/slide15.xml><?xml version="1.0" encoding="utf-8"?>
 <p:sld xmlns:a="http://schemas.openxmlformats.org/drawingml/2006/main" xmlns:r="http://schemas.openxmlformats.org/officeDocument/2006/relationships" xmlns:p="http://schemas.openxmlformats.org/presentationml/2006/main">
   <p:cSld>
     <p:bg>
@@ -12542,7 +13787,7 @@
           <a:p>
             <a:fld id="{834E4636-1AC7-4593-8425-9A7E3B693646}" type="slidenum">
               <a:rPr lang="pt-PT" smtClean="0"/>
-              <a:t>14</a:t>
+              <a:t>15</a:t>
             </a:fld>
             <a:endParaRPr lang="pt-PT"/>
           </a:p>
@@ -16162,7 +17407,7 @@
                 <a:latin typeface="Arial" panose="020B0604020202020204" pitchFamily="34" charset="0"/>
                 <a:cs typeface="Arial" panose="020B0604020202020204" pitchFamily="34" charset="0"/>
               </a:rPr>
-              <a:t>redux</a:t>
+              <a:t>Redux</a:t>
             </a:r>
             <a:r>
               <a:rPr lang="pt-PT" sz="2000" dirty="0">
@@ -16712,14 +17957,13 @@
               </a:ext>
             </a:extLst>
           </a:blip>
-          <a:stretch>
-            <a:fillRect/>
-          </a:stretch>
+          <a:srcRect/>
+          <a:stretch/>
         </p:blipFill>
         <p:spPr>
           <a:xfrm>
-            <a:off x="2298473" y="2311311"/>
-            <a:ext cx="7595054" cy="2235377"/>
+            <a:off x="2298474" y="2311311"/>
+            <a:ext cx="7595052" cy="2235377"/>
           </a:xfrm>
           <a:prstGeom prst="rect">
             <a:avLst/>
@@ -17133,6 +18377,1001 @@
             </a:pathLst>
           </a:custGeom>
           <a:solidFill>
+            <a:srgbClr val="ACDBD3"/>
+          </a:solidFill>
+          <a:ln>
+            <a:noFill/>
+          </a:ln>
+        </p:spPr>
+        <p:txBody>
+          <a:bodyPr spcFirstLastPara="1" wrap="square" lIns="91425" tIns="91425" rIns="91425" bIns="91425" anchor="ctr" anchorCtr="0">
+            <a:noAutofit/>
+          </a:bodyPr>
+          <a:lstStyle/>
+          <a:p>
+            <a:pPr marL="0" marR="0" lvl="0" indent="0" defTabSz="914400" eaLnBrk="1" fontAlgn="auto" latinLnBrk="0" hangingPunct="1">
+              <a:lnSpc>
+                <a:spcPct val="100000"/>
+              </a:lnSpc>
+              <a:spcBef>
+                <a:spcPts val="0"/>
+              </a:spcBef>
+              <a:spcAft>
+                <a:spcPts val="0"/>
+              </a:spcAft>
+              <a:buClr>
+                <a:srgbClr val="000000"/>
+              </a:buClr>
+              <a:buSzTx/>
+              <a:buFont typeface="Arial"/>
+              <a:buNone/>
+              <a:tabLst/>
+              <a:defRPr/>
+            </a:pPr>
+            <a:endParaRPr kumimoji="0" sz="1400" b="0" i="0" u="none" strike="noStrike" kern="0" cap="none" spc="0" normalizeH="0" baseline="0" noProof="0">
+              <a:ln>
+                <a:noFill/>
+              </a:ln>
+              <a:solidFill>
+                <a:srgbClr val="000000"/>
+              </a:solidFill>
+              <a:effectLst/>
+              <a:uLnTx/>
+              <a:uFillTx/>
+              <a:latin typeface="Arial"/>
+              <a:cs typeface="Arial"/>
+              <a:sym typeface="Arial"/>
+            </a:endParaRPr>
+          </a:p>
+        </p:txBody>
+      </p:sp>
+      <p:sp>
+        <p:nvSpPr>
+          <p:cNvPr id="7" name="Google Shape;296;p37">
+            <a:extLst>
+              <a:ext uri="{FF2B5EF4-FFF2-40B4-BE49-F238E27FC236}">
+                <a16:creationId xmlns:a16="http://schemas.microsoft.com/office/drawing/2014/main" id="{3D7AB695-BD0C-4E75-8783-E697EBED0E05}"/>
+              </a:ext>
+            </a:extLst>
+          </p:cNvPr>
+          <p:cNvSpPr txBox="1">
+            <a:spLocks/>
+          </p:cNvSpPr>
+          <p:nvPr/>
+        </p:nvSpPr>
+        <p:spPr>
+          <a:xfrm>
+            <a:off x="593554" y="383132"/>
+            <a:ext cx="6885581" cy="631554"/>
+          </a:xfrm>
+          <a:prstGeom prst="rect">
+            <a:avLst/>
+          </a:prstGeom>
+          <a:noFill/>
+          <a:ln>
+            <a:noFill/>
+          </a:ln>
+        </p:spPr>
+        <p:txBody>
+          <a:bodyPr spcFirstLastPara="1" wrap="square" lIns="0" tIns="0" rIns="0" bIns="0" anchor="t" anchorCtr="0">
+            <a:noAutofit/>
+          </a:bodyPr>
+          <a:lstStyle>
+            <a:defPPr marR="0" lvl="0" algn="l" rtl="0">
+              <a:lnSpc>
+                <a:spcPct val="100000"/>
+              </a:lnSpc>
+              <a:spcBef>
+                <a:spcPts val="0"/>
+              </a:spcBef>
+              <a:spcAft>
+                <a:spcPts val="0"/>
+              </a:spcAft>
+            </a:defPPr>
+            <a:lvl1pPr marL="0" marR="0" lvl="0" indent="0" algn="l" rtl="0">
+              <a:lnSpc>
+                <a:spcPct val="90000"/>
+              </a:lnSpc>
+              <a:spcBef>
+                <a:spcPts val="0"/>
+              </a:spcBef>
+              <a:spcAft>
+                <a:spcPts val="0"/>
+              </a:spcAft>
+              <a:buClr>
+                <a:schemeClr val="dk2"/>
+              </a:buClr>
+              <a:buSzPts val="5200"/>
+              <a:buFont typeface="Commissioner"/>
+              <a:buNone/>
+              <a:defRPr sz="5000" b="0" i="0" u="none" strike="noStrike" cap="none">
+                <a:solidFill>
+                  <a:schemeClr val="dk2"/>
+                </a:solidFill>
+                <a:latin typeface="Commissioner ExtraBold"/>
+                <a:ea typeface="Commissioner ExtraBold"/>
+                <a:cs typeface="Commissioner ExtraBold"/>
+                <a:sym typeface="Commissioner ExtraBold"/>
+              </a:defRPr>
+            </a:lvl1pPr>
+            <a:lvl2pPr marR="0" lvl="1" algn="ctr" rtl="0">
+              <a:lnSpc>
+                <a:spcPct val="100000"/>
+              </a:lnSpc>
+              <a:spcBef>
+                <a:spcPts val="0"/>
+              </a:spcBef>
+              <a:spcAft>
+                <a:spcPts val="0"/>
+              </a:spcAft>
+              <a:buClr>
+                <a:schemeClr val="dk2"/>
+              </a:buClr>
+              <a:buSzPts val="5200"/>
+              <a:buFont typeface="Barlow SemiBold"/>
+              <a:buNone/>
+              <a:defRPr sz="5200" b="0" i="0" u="none" strike="noStrike" cap="none">
+                <a:solidFill>
+                  <a:schemeClr val="dk2"/>
+                </a:solidFill>
+                <a:latin typeface="Barlow SemiBold"/>
+                <a:ea typeface="Barlow SemiBold"/>
+                <a:cs typeface="Barlow SemiBold"/>
+                <a:sym typeface="Barlow SemiBold"/>
+              </a:defRPr>
+            </a:lvl2pPr>
+            <a:lvl3pPr marR="0" lvl="2" algn="ctr" rtl="0">
+              <a:lnSpc>
+                <a:spcPct val="100000"/>
+              </a:lnSpc>
+              <a:spcBef>
+                <a:spcPts val="0"/>
+              </a:spcBef>
+              <a:spcAft>
+                <a:spcPts val="0"/>
+              </a:spcAft>
+              <a:buClr>
+                <a:schemeClr val="dk2"/>
+              </a:buClr>
+              <a:buSzPts val="5200"/>
+              <a:buFont typeface="Barlow SemiBold"/>
+              <a:buNone/>
+              <a:defRPr sz="5200" b="0" i="0" u="none" strike="noStrike" cap="none">
+                <a:solidFill>
+                  <a:schemeClr val="dk2"/>
+                </a:solidFill>
+                <a:latin typeface="Barlow SemiBold"/>
+                <a:ea typeface="Barlow SemiBold"/>
+                <a:cs typeface="Barlow SemiBold"/>
+                <a:sym typeface="Barlow SemiBold"/>
+              </a:defRPr>
+            </a:lvl3pPr>
+            <a:lvl4pPr marR="0" lvl="3" algn="ctr" rtl="0">
+              <a:lnSpc>
+                <a:spcPct val="100000"/>
+              </a:lnSpc>
+              <a:spcBef>
+                <a:spcPts val="0"/>
+              </a:spcBef>
+              <a:spcAft>
+                <a:spcPts val="0"/>
+              </a:spcAft>
+              <a:buClr>
+                <a:schemeClr val="dk2"/>
+              </a:buClr>
+              <a:buSzPts val="5200"/>
+              <a:buFont typeface="Barlow SemiBold"/>
+              <a:buNone/>
+              <a:defRPr sz="5200" b="0" i="0" u="none" strike="noStrike" cap="none">
+                <a:solidFill>
+                  <a:schemeClr val="dk2"/>
+                </a:solidFill>
+                <a:latin typeface="Barlow SemiBold"/>
+                <a:ea typeface="Barlow SemiBold"/>
+                <a:cs typeface="Barlow SemiBold"/>
+                <a:sym typeface="Barlow SemiBold"/>
+              </a:defRPr>
+            </a:lvl4pPr>
+            <a:lvl5pPr marR="0" lvl="4" algn="ctr" rtl="0">
+              <a:lnSpc>
+                <a:spcPct val="100000"/>
+              </a:lnSpc>
+              <a:spcBef>
+                <a:spcPts val="0"/>
+              </a:spcBef>
+              <a:spcAft>
+                <a:spcPts val="0"/>
+              </a:spcAft>
+              <a:buClr>
+                <a:schemeClr val="dk2"/>
+              </a:buClr>
+              <a:buSzPts val="5200"/>
+              <a:buFont typeface="Barlow SemiBold"/>
+              <a:buNone/>
+              <a:defRPr sz="5200" b="0" i="0" u="none" strike="noStrike" cap="none">
+                <a:solidFill>
+                  <a:schemeClr val="dk2"/>
+                </a:solidFill>
+                <a:latin typeface="Barlow SemiBold"/>
+                <a:ea typeface="Barlow SemiBold"/>
+                <a:cs typeface="Barlow SemiBold"/>
+                <a:sym typeface="Barlow SemiBold"/>
+              </a:defRPr>
+            </a:lvl5pPr>
+            <a:lvl6pPr marR="0" lvl="5" algn="ctr" rtl="0">
+              <a:lnSpc>
+                <a:spcPct val="100000"/>
+              </a:lnSpc>
+              <a:spcBef>
+                <a:spcPts val="0"/>
+              </a:spcBef>
+              <a:spcAft>
+                <a:spcPts val="0"/>
+              </a:spcAft>
+              <a:buClr>
+                <a:schemeClr val="dk2"/>
+              </a:buClr>
+              <a:buSzPts val="5200"/>
+              <a:buFont typeface="Barlow SemiBold"/>
+              <a:buNone/>
+              <a:defRPr sz="5200" b="0" i="0" u="none" strike="noStrike" cap="none">
+                <a:solidFill>
+                  <a:schemeClr val="dk2"/>
+                </a:solidFill>
+                <a:latin typeface="Barlow SemiBold"/>
+                <a:ea typeface="Barlow SemiBold"/>
+                <a:cs typeface="Barlow SemiBold"/>
+                <a:sym typeface="Barlow SemiBold"/>
+              </a:defRPr>
+            </a:lvl6pPr>
+            <a:lvl7pPr marR="0" lvl="6" algn="ctr" rtl="0">
+              <a:lnSpc>
+                <a:spcPct val="100000"/>
+              </a:lnSpc>
+              <a:spcBef>
+                <a:spcPts val="0"/>
+              </a:spcBef>
+              <a:spcAft>
+                <a:spcPts val="0"/>
+              </a:spcAft>
+              <a:buClr>
+                <a:schemeClr val="dk2"/>
+              </a:buClr>
+              <a:buSzPts val="5200"/>
+              <a:buFont typeface="Barlow SemiBold"/>
+              <a:buNone/>
+              <a:defRPr sz="5200" b="0" i="0" u="none" strike="noStrike" cap="none">
+                <a:solidFill>
+                  <a:schemeClr val="dk2"/>
+                </a:solidFill>
+                <a:latin typeface="Barlow SemiBold"/>
+                <a:ea typeface="Barlow SemiBold"/>
+                <a:cs typeface="Barlow SemiBold"/>
+                <a:sym typeface="Barlow SemiBold"/>
+              </a:defRPr>
+            </a:lvl7pPr>
+            <a:lvl8pPr marR="0" lvl="7" algn="ctr" rtl="0">
+              <a:lnSpc>
+                <a:spcPct val="100000"/>
+              </a:lnSpc>
+              <a:spcBef>
+                <a:spcPts val="0"/>
+              </a:spcBef>
+              <a:spcAft>
+                <a:spcPts val="0"/>
+              </a:spcAft>
+              <a:buClr>
+                <a:schemeClr val="dk2"/>
+              </a:buClr>
+              <a:buSzPts val="5200"/>
+              <a:buFont typeface="Barlow SemiBold"/>
+              <a:buNone/>
+              <a:defRPr sz="5200" b="0" i="0" u="none" strike="noStrike" cap="none">
+                <a:solidFill>
+                  <a:schemeClr val="dk2"/>
+                </a:solidFill>
+                <a:latin typeface="Barlow SemiBold"/>
+                <a:ea typeface="Barlow SemiBold"/>
+                <a:cs typeface="Barlow SemiBold"/>
+                <a:sym typeface="Barlow SemiBold"/>
+              </a:defRPr>
+            </a:lvl8pPr>
+            <a:lvl9pPr marR="0" lvl="8" algn="ctr" rtl="0">
+              <a:lnSpc>
+                <a:spcPct val="100000"/>
+              </a:lnSpc>
+              <a:spcBef>
+                <a:spcPts val="0"/>
+              </a:spcBef>
+              <a:spcAft>
+                <a:spcPts val="0"/>
+              </a:spcAft>
+              <a:buClr>
+                <a:schemeClr val="dk2"/>
+              </a:buClr>
+              <a:buSzPts val="5200"/>
+              <a:buFont typeface="Barlow SemiBold"/>
+              <a:buNone/>
+              <a:defRPr sz="5200" b="0" i="0" u="none" strike="noStrike" cap="none">
+                <a:solidFill>
+                  <a:schemeClr val="dk2"/>
+                </a:solidFill>
+                <a:latin typeface="Barlow SemiBold"/>
+                <a:ea typeface="Barlow SemiBold"/>
+                <a:cs typeface="Barlow SemiBold"/>
+                <a:sym typeface="Barlow SemiBold"/>
+              </a:defRPr>
+            </a:lvl9pPr>
+          </a:lstStyle>
+          <a:p>
+            <a:pPr marL="0" marR="0" lvl="0" indent="0" algn="l" defTabSz="914400" rtl="0" eaLnBrk="1" fontAlgn="auto" latinLnBrk="0" hangingPunct="1">
+              <a:lnSpc>
+                <a:spcPct val="90000"/>
+              </a:lnSpc>
+              <a:spcBef>
+                <a:spcPts val="0"/>
+              </a:spcBef>
+              <a:spcAft>
+                <a:spcPts val="0"/>
+              </a:spcAft>
+              <a:buClr>
+                <a:srgbClr val="164A4A"/>
+              </a:buClr>
+              <a:buSzPts val="5200"/>
+              <a:buFont typeface="Commissioner"/>
+              <a:buNone/>
+              <a:tabLst/>
+              <a:defRPr/>
+            </a:pPr>
+            <a:r>
+              <a:rPr kumimoji="0" lang="en-US" sz="5000" b="1" i="0" u="none" strike="noStrike" kern="0" cap="none" spc="0" normalizeH="0" baseline="0" noProof="0" dirty="0" err="1">
+                <a:ln>
+                  <a:noFill/>
+                </a:ln>
+                <a:solidFill>
+                  <a:srgbClr val="3D4D55"/>
+                </a:solidFill>
+                <a:effectLst/>
+                <a:uLnTx/>
+                <a:uFillTx/>
+                <a:latin typeface="Arial" panose="020B0604020202020204" pitchFamily="34" charset="0"/>
+                <a:cs typeface="Arial" panose="020B0604020202020204" pitchFamily="34" charset="0"/>
+                <a:sym typeface="Commissioner ExtraBold"/>
+              </a:rPr>
+              <a:t>Cartão</a:t>
+            </a:r>
+            <a:r>
+              <a:rPr kumimoji="0" lang="en-US" sz="5000" b="1" i="0" u="none" strike="noStrike" kern="0" cap="none" spc="0" normalizeH="0" baseline="0" noProof="0" dirty="0">
+                <a:ln>
+                  <a:noFill/>
+                </a:ln>
+                <a:solidFill>
+                  <a:srgbClr val="3D4D55"/>
+                </a:solidFill>
+                <a:effectLst/>
+                <a:uLnTx/>
+                <a:uFillTx/>
+                <a:latin typeface="Arial" panose="020B0604020202020204" pitchFamily="34" charset="0"/>
+                <a:cs typeface="Arial" panose="020B0604020202020204" pitchFamily="34" charset="0"/>
+                <a:sym typeface="Commissioner ExtraBold"/>
+              </a:rPr>
+              <a:t> de </a:t>
+            </a:r>
+            <a:r>
+              <a:rPr kumimoji="0" lang="en-US" sz="5000" b="1" i="0" u="none" strike="noStrike" kern="0" cap="none" spc="0" normalizeH="0" baseline="0" noProof="0" dirty="0" err="1">
+                <a:ln>
+                  <a:noFill/>
+                </a:ln>
+                <a:solidFill>
+                  <a:srgbClr val="3D4D55"/>
+                </a:solidFill>
+                <a:effectLst/>
+                <a:uLnTx/>
+                <a:uFillTx/>
+                <a:latin typeface="Arial" panose="020B0604020202020204" pitchFamily="34" charset="0"/>
+                <a:cs typeface="Arial" panose="020B0604020202020204" pitchFamily="34" charset="0"/>
+                <a:sym typeface="Commissioner ExtraBold"/>
+              </a:rPr>
+              <a:t>Membro</a:t>
+            </a:r>
+            <a:endParaRPr kumimoji="0" lang="en-US" sz="5000" b="1" i="0" u="none" strike="noStrike" kern="0" cap="none" spc="0" normalizeH="0" baseline="0" noProof="0" dirty="0">
+              <a:ln>
+                <a:noFill/>
+              </a:ln>
+              <a:solidFill>
+                <a:srgbClr val="3D4D55"/>
+              </a:solidFill>
+              <a:effectLst/>
+              <a:uLnTx/>
+              <a:uFillTx/>
+              <a:latin typeface="Arial" panose="020B0604020202020204" pitchFamily="34" charset="0"/>
+              <a:cs typeface="Arial" panose="020B0604020202020204" pitchFamily="34" charset="0"/>
+              <a:sym typeface="Commissioner ExtraBold"/>
+            </a:endParaRPr>
+          </a:p>
+        </p:txBody>
+      </p:sp>
+      <p:sp>
+        <p:nvSpPr>
+          <p:cNvPr id="9" name="Google Shape;1460;p74">
+            <a:extLst>
+              <a:ext uri="{FF2B5EF4-FFF2-40B4-BE49-F238E27FC236}">
+                <a16:creationId xmlns:a16="http://schemas.microsoft.com/office/drawing/2014/main" id="{D1F998ED-C0F8-F98C-374B-0151B38AD950}"/>
+              </a:ext>
+            </a:extLst>
+          </p:cNvPr>
+          <p:cNvSpPr/>
+          <p:nvPr/>
+        </p:nvSpPr>
+        <p:spPr>
+          <a:xfrm rot="9642873">
+            <a:off x="-447547" y="3897933"/>
+            <a:ext cx="3472201" cy="3722914"/>
+          </a:xfrm>
+          <a:custGeom>
+            <a:avLst/>
+            <a:gdLst/>
+            <a:ahLst/>
+            <a:cxnLst/>
+            <a:rect l="l" t="t" r="r" b="b"/>
+            <a:pathLst>
+              <a:path w="146265" h="156112" extrusionOk="0">
+                <a:moveTo>
+                  <a:pt x="5411" y="0"/>
+                </a:moveTo>
+                <a:cubicBezTo>
+                  <a:pt x="5411" y="0"/>
+                  <a:pt x="1" y="28329"/>
+                  <a:pt x="20548" y="36870"/>
+                </a:cubicBezTo>
+                <a:cubicBezTo>
+                  <a:pt x="24058" y="38329"/>
+                  <a:pt x="27694" y="38893"/>
+                  <a:pt x="31373" y="38893"/>
+                </a:cubicBezTo>
+                <a:cubicBezTo>
+                  <a:pt x="43912" y="38893"/>
+                  <a:pt x="56943" y="32338"/>
+                  <a:pt x="67152" y="32338"/>
+                </a:cubicBezTo>
+                <a:cubicBezTo>
+                  <a:pt x="71479" y="32338"/>
+                  <a:pt x="75300" y="33516"/>
+                  <a:pt x="78361" y="36870"/>
+                </a:cubicBezTo>
+                <a:cubicBezTo>
+                  <a:pt x="90793" y="50426"/>
+                  <a:pt x="72190" y="65958"/>
+                  <a:pt x="96993" y="74500"/>
+                </a:cubicBezTo>
+                <a:cubicBezTo>
+                  <a:pt x="105899" y="77600"/>
+                  <a:pt x="114015" y="83740"/>
+                  <a:pt x="115717" y="93497"/>
+                </a:cubicBezTo>
+                <a:cubicBezTo>
+                  <a:pt x="117814" y="105503"/>
+                  <a:pt x="109060" y="112403"/>
+                  <a:pt x="105504" y="122646"/>
+                </a:cubicBezTo>
+                <a:cubicBezTo>
+                  <a:pt x="103559" y="128148"/>
+                  <a:pt x="104744" y="135078"/>
+                  <a:pt x="107024" y="140245"/>
+                </a:cubicBezTo>
+                <a:cubicBezTo>
+                  <a:pt x="109699" y="146294"/>
+                  <a:pt x="114501" y="151218"/>
+                  <a:pt x="120580" y="153832"/>
+                </a:cubicBezTo>
+                <a:cubicBezTo>
+                  <a:pt x="124167" y="155413"/>
+                  <a:pt x="128027" y="156081"/>
+                  <a:pt x="131918" y="156112"/>
+                </a:cubicBezTo>
+                <a:cubicBezTo>
+                  <a:pt x="133438" y="156112"/>
+                  <a:pt x="146265" y="155200"/>
+                  <a:pt x="146265" y="153650"/>
+                </a:cubicBezTo>
+                <a:lnTo>
+                  <a:pt x="146265" y="0"/>
+                </a:lnTo>
+                <a:close/>
+              </a:path>
+            </a:pathLst>
+          </a:custGeom>
+          <a:solidFill>
+            <a:srgbClr val="3D4D55"/>
+          </a:solidFill>
+          <a:ln>
+            <a:noFill/>
+          </a:ln>
+        </p:spPr>
+        <p:txBody>
+          <a:bodyPr spcFirstLastPara="1" wrap="square" lIns="91425" tIns="91425" rIns="91425" bIns="91425" anchor="ctr" anchorCtr="0">
+            <a:noAutofit/>
+          </a:bodyPr>
+          <a:lstStyle/>
+          <a:p>
+            <a:pPr marL="0" marR="0" lvl="0" indent="0" defTabSz="914400" eaLnBrk="1" fontAlgn="auto" latinLnBrk="0" hangingPunct="1">
+              <a:lnSpc>
+                <a:spcPct val="100000"/>
+              </a:lnSpc>
+              <a:spcBef>
+                <a:spcPts val="0"/>
+              </a:spcBef>
+              <a:spcAft>
+                <a:spcPts val="0"/>
+              </a:spcAft>
+              <a:buClr>
+                <a:srgbClr val="000000"/>
+              </a:buClr>
+              <a:buSzTx/>
+              <a:buFont typeface="Arial"/>
+              <a:buNone/>
+              <a:tabLst/>
+              <a:defRPr/>
+            </a:pPr>
+            <a:endParaRPr kumimoji="0" sz="1400" b="0" i="0" u="none" strike="noStrike" kern="0" cap="none" spc="0" normalizeH="0" baseline="0" noProof="0">
+              <a:ln>
+                <a:noFill/>
+              </a:ln>
+              <a:solidFill>
+                <a:srgbClr val="000000"/>
+              </a:solidFill>
+              <a:effectLst/>
+              <a:uLnTx/>
+              <a:uFillTx/>
+              <a:latin typeface="Arial"/>
+              <a:cs typeface="Arial"/>
+              <a:sym typeface="Arial"/>
+            </a:endParaRPr>
+          </a:p>
+        </p:txBody>
+      </p:sp>
+      <p:pic>
+        <p:nvPicPr>
+          <p:cNvPr id="8" name="Imagem 7">
+            <a:extLst>
+              <a:ext uri="{FF2B5EF4-FFF2-40B4-BE49-F238E27FC236}">
+                <a16:creationId xmlns:a16="http://schemas.microsoft.com/office/drawing/2014/main" id="{43457FF5-3E3D-1D4E-1701-8FD05C8F31B0}"/>
+              </a:ext>
+            </a:extLst>
+          </p:cNvPr>
+          <p:cNvPicPr>
+            <a:picLocks noChangeAspect="1"/>
+          </p:cNvPicPr>
+          <p:nvPr/>
+        </p:nvPicPr>
+        <p:blipFill>
+          <a:blip r:embed="rId3">
+            <a:extLst>
+              <a:ext uri="{28A0092B-C50C-407E-A947-70E740481C1C}">
+                <a14:useLocalDpi xmlns:a14="http://schemas.microsoft.com/office/drawing/2010/main" val="0"/>
+              </a:ext>
+            </a:extLst>
+          </a:blip>
+          <a:srcRect/>
+          <a:stretch/>
+        </p:blipFill>
+        <p:spPr>
+          <a:xfrm>
+            <a:off x="2783060" y="2484783"/>
+            <a:ext cx="6552855" cy="1896003"/>
+          </a:xfrm>
+          <a:prstGeom prst="rect">
+            <a:avLst/>
+          </a:prstGeom>
+        </p:spPr>
+      </p:pic>
+      <p:sp>
+        <p:nvSpPr>
+          <p:cNvPr id="14" name="Google Shape;1458;p74">
+            <a:extLst>
+              <a:ext uri="{FF2B5EF4-FFF2-40B4-BE49-F238E27FC236}">
+                <a16:creationId xmlns:a16="http://schemas.microsoft.com/office/drawing/2014/main" id="{633FD01B-ABC4-69D0-7AAC-909B3022F502}"/>
+              </a:ext>
+            </a:extLst>
+          </p:cNvPr>
+          <p:cNvSpPr/>
+          <p:nvPr/>
+        </p:nvSpPr>
+        <p:spPr>
+          <a:xfrm>
+            <a:off x="11209933" y="698909"/>
+            <a:ext cx="1224873" cy="1366944"/>
+          </a:xfrm>
+          <a:custGeom>
+            <a:avLst/>
+            <a:gdLst/>
+            <a:ahLst/>
+            <a:cxnLst/>
+            <a:rect l="l" t="t" r="r" b="b"/>
+            <a:pathLst>
+              <a:path w="77206" h="86161" extrusionOk="0">
+                <a:moveTo>
+                  <a:pt x="43626" y="0"/>
+                </a:moveTo>
+                <a:cubicBezTo>
+                  <a:pt x="31498" y="0"/>
+                  <a:pt x="18907" y="6868"/>
+                  <a:pt x="11551" y="22967"/>
+                </a:cubicBezTo>
+                <a:cubicBezTo>
+                  <a:pt x="1" y="48195"/>
+                  <a:pt x="11521" y="68591"/>
+                  <a:pt x="18542" y="77801"/>
+                </a:cubicBezTo>
+                <a:cubicBezTo>
+                  <a:pt x="22068" y="82421"/>
+                  <a:pt x="27266" y="85460"/>
+                  <a:pt x="33041" y="86068"/>
+                </a:cubicBezTo>
+                <a:cubicBezTo>
+                  <a:pt x="33654" y="86131"/>
+                  <a:pt x="34255" y="86161"/>
+                  <a:pt x="34845" y="86161"/>
+                </a:cubicBezTo>
+                <a:cubicBezTo>
+                  <a:pt x="44307" y="86161"/>
+                  <a:pt x="50652" y="78321"/>
+                  <a:pt x="51826" y="69107"/>
+                </a:cubicBezTo>
+                <a:cubicBezTo>
+                  <a:pt x="52464" y="64001"/>
+                  <a:pt x="52585" y="60262"/>
+                  <a:pt x="56567" y="56706"/>
+                </a:cubicBezTo>
+                <a:cubicBezTo>
+                  <a:pt x="60944" y="52785"/>
+                  <a:pt x="66476" y="50323"/>
+                  <a:pt x="70428" y="45855"/>
+                </a:cubicBezTo>
+                <a:cubicBezTo>
+                  <a:pt x="76081" y="39563"/>
+                  <a:pt x="77206" y="31660"/>
+                  <a:pt x="74957" y="23605"/>
+                </a:cubicBezTo>
+                <a:cubicBezTo>
+                  <a:pt x="70878" y="9062"/>
+                  <a:pt x="57557" y="0"/>
+                  <a:pt x="43626" y="0"/>
+                </a:cubicBezTo>
+                <a:close/>
+              </a:path>
+            </a:pathLst>
+          </a:custGeom>
+          <a:solidFill>
+            <a:srgbClr val="3D4D55"/>
+          </a:solidFill>
+          <a:ln>
+            <a:noFill/>
+          </a:ln>
+        </p:spPr>
+        <p:txBody>
+          <a:bodyPr spcFirstLastPara="1" wrap="square" lIns="91425" tIns="91425" rIns="91425" bIns="91425" anchor="ctr" anchorCtr="0">
+            <a:noAutofit/>
+          </a:bodyPr>
+          <a:lstStyle/>
+          <a:p>
+            <a:pPr marL="0" marR="0" lvl="0" indent="0" defTabSz="914400" eaLnBrk="1" fontAlgn="auto" latinLnBrk="0" hangingPunct="1">
+              <a:lnSpc>
+                <a:spcPct val="100000"/>
+              </a:lnSpc>
+              <a:spcBef>
+                <a:spcPts val="0"/>
+              </a:spcBef>
+              <a:spcAft>
+                <a:spcPts val="0"/>
+              </a:spcAft>
+              <a:buClr>
+                <a:srgbClr val="000000"/>
+              </a:buClr>
+              <a:buSzTx/>
+              <a:buFont typeface="Arial"/>
+              <a:buNone/>
+              <a:tabLst/>
+              <a:defRPr/>
+            </a:pPr>
+            <a:endParaRPr kumimoji="0" sz="1400" b="0" i="0" u="none" strike="noStrike" kern="0" cap="none" spc="0" normalizeH="0" baseline="0" noProof="0">
+              <a:ln>
+                <a:noFill/>
+              </a:ln>
+              <a:solidFill>
+                <a:srgbClr val="000000"/>
+              </a:solidFill>
+              <a:effectLst/>
+              <a:uLnTx/>
+              <a:uFillTx/>
+              <a:latin typeface="Arial"/>
+              <a:cs typeface="Arial"/>
+              <a:sym typeface="Arial"/>
+            </a:endParaRPr>
+          </a:p>
+        </p:txBody>
+      </p:sp>
+      <p:sp>
+        <p:nvSpPr>
+          <p:cNvPr id="2" name="Slide Number Placeholder 1">
+            <a:extLst>
+              <a:ext uri="{FF2B5EF4-FFF2-40B4-BE49-F238E27FC236}">
+                <a16:creationId xmlns:a16="http://schemas.microsoft.com/office/drawing/2014/main" id="{828ACF4A-A3DF-F46E-4319-8AA4C342BAE4}"/>
+              </a:ext>
+            </a:extLst>
+          </p:cNvPr>
+          <p:cNvSpPr>
+            <a:spLocks noGrp="1"/>
+          </p:cNvSpPr>
+          <p:nvPr>
+            <p:ph type="sldNum" sz="quarter" idx="12"/>
+          </p:nvPr>
+        </p:nvSpPr>
+        <p:spPr/>
+        <p:txBody>
+          <a:bodyPr/>
+          <a:lstStyle/>
+          <a:p>
+            <a:fld id="{834E4636-1AC7-4593-8425-9A7E3B693646}" type="slidenum">
+              <a:rPr lang="pt-PT" smtClean="0"/>
+              <a:t>6</a:t>
+            </a:fld>
+            <a:endParaRPr lang="pt-PT"/>
+          </a:p>
+        </p:txBody>
+      </p:sp>
+      <p:sp>
+        <p:nvSpPr>
+          <p:cNvPr id="12" name="Google Shape;1459;p74">
+            <a:extLst>
+              <a:ext uri="{FF2B5EF4-FFF2-40B4-BE49-F238E27FC236}">
+                <a16:creationId xmlns:a16="http://schemas.microsoft.com/office/drawing/2014/main" id="{9F8BE949-C935-C8B4-DDD3-C528C8246C5D}"/>
+              </a:ext>
+            </a:extLst>
+          </p:cNvPr>
+          <p:cNvSpPr/>
+          <p:nvPr/>
+        </p:nvSpPr>
+        <p:spPr>
+          <a:xfrm>
+            <a:off x="10555358" y="-719069"/>
+            <a:ext cx="2534024" cy="1975801"/>
+          </a:xfrm>
+          <a:custGeom>
+            <a:avLst/>
+            <a:gdLst/>
+            <a:ahLst/>
+            <a:cxnLst/>
+            <a:rect l="l" t="t" r="r" b="b"/>
+            <a:pathLst>
+              <a:path w="97966" h="76385" fill="none" extrusionOk="0">
+                <a:moveTo>
+                  <a:pt x="608" y="34743"/>
+                </a:moveTo>
+                <a:cubicBezTo>
+                  <a:pt x="973" y="28967"/>
+                  <a:pt x="3769" y="23618"/>
+                  <a:pt x="8207" y="19849"/>
+                </a:cubicBezTo>
+                <a:cubicBezTo>
+                  <a:pt x="17083" y="12402"/>
+                  <a:pt x="36931" y="0"/>
+                  <a:pt x="62707" y="10396"/>
+                </a:cubicBezTo>
+                <a:cubicBezTo>
+                  <a:pt x="97966" y="24590"/>
+                  <a:pt x="91734" y="64925"/>
+                  <a:pt x="64895" y="73771"/>
+                </a:cubicBezTo>
+                <a:cubicBezTo>
+                  <a:pt x="56962" y="76385"/>
+                  <a:pt x="49028" y="75594"/>
+                  <a:pt x="42463" y="70275"/>
+                </a:cubicBezTo>
+                <a:cubicBezTo>
+                  <a:pt x="37812" y="66506"/>
+                  <a:pt x="35107" y="61126"/>
+                  <a:pt x="31004" y="56901"/>
+                </a:cubicBezTo>
+                <a:cubicBezTo>
+                  <a:pt x="27296" y="53071"/>
+                  <a:pt x="23526" y="53132"/>
+                  <a:pt x="18390" y="52706"/>
+                </a:cubicBezTo>
+                <a:cubicBezTo>
+                  <a:pt x="8602" y="51916"/>
+                  <a:pt x="0" y="45199"/>
+                  <a:pt x="608" y="34743"/>
+                </a:cubicBezTo>
+                <a:close/>
+              </a:path>
+            </a:pathLst>
+          </a:custGeom>
+          <a:noFill/>
+          <a:ln w="9875" cap="rnd" cmpd="sng">
+            <a:solidFill>
+              <a:srgbClr val="ACDBD3"/>
+            </a:solidFill>
+            <a:prstDash val="solid"/>
+            <a:round/>
+            <a:headEnd type="none" w="sm" len="sm"/>
+            <a:tailEnd type="none" w="sm" len="sm"/>
+          </a:ln>
+        </p:spPr>
+        <p:txBody>
+          <a:bodyPr spcFirstLastPara="1" wrap="square" lIns="91425" tIns="91425" rIns="91425" bIns="91425" anchor="ctr" anchorCtr="0">
+            <a:noAutofit/>
+          </a:bodyPr>
+          <a:lstStyle/>
+          <a:p>
+            <a:pPr marL="0" marR="0" lvl="0" indent="0" defTabSz="914400" eaLnBrk="1" fontAlgn="auto" latinLnBrk="0" hangingPunct="1">
+              <a:lnSpc>
+                <a:spcPct val="100000"/>
+              </a:lnSpc>
+              <a:spcBef>
+                <a:spcPts val="0"/>
+              </a:spcBef>
+              <a:spcAft>
+                <a:spcPts val="0"/>
+              </a:spcAft>
+              <a:buClr>
+                <a:srgbClr val="000000"/>
+              </a:buClr>
+              <a:buSzTx/>
+              <a:buFont typeface="Arial"/>
+              <a:buNone/>
+              <a:tabLst/>
+              <a:defRPr/>
+            </a:pPr>
+            <a:endParaRPr kumimoji="0" sz="1400" b="0" i="0" u="none" strike="noStrike" kern="0" cap="none" spc="0" normalizeH="0" baseline="0" noProof="0">
+              <a:ln>
+                <a:noFill/>
+              </a:ln>
+              <a:solidFill>
+                <a:srgbClr val="000000"/>
+              </a:solidFill>
+              <a:effectLst/>
+              <a:uLnTx/>
+              <a:uFillTx/>
+              <a:latin typeface="Arial"/>
+              <a:cs typeface="Arial"/>
+              <a:sym typeface="Arial"/>
+            </a:endParaRPr>
+          </a:p>
+        </p:txBody>
+      </p:sp>
+    </p:spTree>
+    <p:extLst>
+      <p:ext uri="{BB962C8B-B14F-4D97-AF65-F5344CB8AC3E}">
+        <p14:creationId xmlns:p14="http://schemas.microsoft.com/office/powerpoint/2010/main" val="2161799229"/>
+      </p:ext>
+    </p:extLst>
+  </p:cSld>
+  <p:clrMapOvr>
+    <a:masterClrMapping/>
+  </p:clrMapOvr>
+</p:sld>
+</file>
+
+<file path=ppt/slides/slide7.xml><?xml version="1.0" encoding="utf-8"?>
+<p:sld xmlns:a="http://schemas.openxmlformats.org/drawingml/2006/main" xmlns:r="http://schemas.openxmlformats.org/officeDocument/2006/relationships" xmlns:p="http://schemas.openxmlformats.org/presentationml/2006/main">
+  <p:cSld>
+    <p:bg>
+      <p:bgPr>
+        <a:solidFill>
+          <a:schemeClr val="bg1"/>
+        </a:solidFill>
+        <a:effectLst/>
+      </p:bgPr>
+    </p:bg>
+    <p:spTree>
+      <p:nvGrpSpPr>
+        <p:cNvPr id="1" name=""/>
+        <p:cNvGrpSpPr/>
+        <p:nvPr/>
+      </p:nvGrpSpPr>
+      <p:grpSpPr>
+        <a:xfrm>
+          <a:off x="0" y="0"/>
+          <a:ext cx="0" cy="0"/>
+          <a:chOff x="0" y="0"/>
+          <a:chExt cx="0" cy="0"/>
+        </a:xfrm>
+      </p:grpSpPr>
+      <p:sp>
+        <p:nvSpPr>
+          <p:cNvPr id="10" name="Google Shape;1463;p74">
+            <a:extLst>
+              <a:ext uri="{FF2B5EF4-FFF2-40B4-BE49-F238E27FC236}">
+                <a16:creationId xmlns:a16="http://schemas.microsoft.com/office/drawing/2014/main" id="{643C1A7C-0827-BEE8-C235-6F25C8D9BCB5}"/>
+              </a:ext>
+            </a:extLst>
+          </p:cNvPr>
+          <p:cNvSpPr/>
+          <p:nvPr/>
+        </p:nvSpPr>
+        <p:spPr>
+          <a:xfrm>
+            <a:off x="-702050" y="4373217"/>
+            <a:ext cx="3536281" cy="2484784"/>
+          </a:xfrm>
+          <a:custGeom>
+            <a:avLst/>
+            <a:gdLst/>
+            <a:ahLst/>
+            <a:cxnLst/>
+            <a:rect l="l" t="t" r="r" b="b"/>
+            <a:pathLst>
+              <a:path w="119881" h="113309" extrusionOk="0">
+                <a:moveTo>
+                  <a:pt x="20594" y="1"/>
+                </a:moveTo>
+                <a:cubicBezTo>
+                  <a:pt x="16552" y="1"/>
+                  <a:pt x="12368" y="1147"/>
+                  <a:pt x="9149" y="2790"/>
+                </a:cubicBezTo>
+                <a:cubicBezTo>
+                  <a:pt x="5471" y="4675"/>
+                  <a:pt x="1915" y="7836"/>
+                  <a:pt x="0" y="11605"/>
+                </a:cubicBezTo>
+                <a:lnTo>
+                  <a:pt x="0" y="113308"/>
+                </a:lnTo>
+                <a:lnTo>
+                  <a:pt x="117935" y="113308"/>
+                </a:lnTo>
+                <a:cubicBezTo>
+                  <a:pt x="117935" y="113308"/>
+                  <a:pt x="119881" y="98901"/>
+                  <a:pt x="102008" y="94250"/>
+                </a:cubicBezTo>
+                <a:cubicBezTo>
+                  <a:pt x="89485" y="90968"/>
+                  <a:pt x="95139" y="77472"/>
+                  <a:pt x="92190" y="68141"/>
+                </a:cubicBezTo>
+                <a:cubicBezTo>
+                  <a:pt x="88773" y="57366"/>
+                  <a:pt x="78869" y="50808"/>
+                  <a:pt x="68440" y="50808"/>
+                </a:cubicBezTo>
+                <a:cubicBezTo>
+                  <a:pt x="64953" y="50808"/>
+                  <a:pt x="61407" y="51541"/>
+                  <a:pt x="58025" y="53095"/>
+                </a:cubicBezTo>
+                <a:cubicBezTo>
+                  <a:pt x="53166" y="55347"/>
+                  <a:pt x="45940" y="60409"/>
+                  <a:pt x="39678" y="60409"/>
+                </a:cubicBezTo>
+                <a:cubicBezTo>
+                  <a:pt x="37911" y="60409"/>
+                  <a:pt x="36220" y="60005"/>
+                  <a:pt x="34681" y="59022"/>
+                </a:cubicBezTo>
+                <a:cubicBezTo>
+                  <a:pt x="26323" y="53703"/>
+                  <a:pt x="32341" y="38991"/>
+                  <a:pt x="33770" y="31635"/>
+                </a:cubicBezTo>
+                <a:cubicBezTo>
+                  <a:pt x="35381" y="23459"/>
+                  <a:pt x="36900" y="14249"/>
+                  <a:pt x="32858" y="6498"/>
+                </a:cubicBezTo>
+                <a:cubicBezTo>
+                  <a:pt x="30386" y="1757"/>
+                  <a:pt x="25599" y="1"/>
+                  <a:pt x="20594" y="1"/>
+                </a:cubicBezTo>
+                <a:close/>
+              </a:path>
+            </a:pathLst>
+          </a:custGeom>
+          <a:solidFill>
             <a:srgbClr val="3F4853"/>
           </a:solidFill>
           <a:ln>
@@ -17960,7 +20199,7 @@
           <a:p>
             <a:fld id="{834E4636-1AC7-4593-8425-9A7E3B693646}" type="slidenum">
               <a:rPr lang="pt-PT" smtClean="0"/>
-              <a:t>6</a:t>
+              <a:t>7</a:t>
             </a:fld>
             <a:endParaRPr lang="pt-PT"/>
           </a:p>
@@ -17979,7 +20218,7 @@
 </p:sld>
 </file>
 
-<file path=ppt/slides/slide7.xml><?xml version="1.0" encoding="utf-8"?>
+<file path=ppt/slides/slide8.xml><?xml version="1.0" encoding="utf-8"?>
 <p:sld xmlns:a="http://schemas.openxmlformats.org/drawingml/2006/main" xmlns:r="http://schemas.openxmlformats.org/officeDocument/2006/relationships" xmlns:p="http://schemas.openxmlformats.org/presentationml/2006/main">
   <p:cSld>
     <p:bg>
@@ -18969,7 +21208,7 @@
           <a:p>
             <a:fld id="{834E4636-1AC7-4593-8425-9A7E3B693646}" type="slidenum">
               <a:rPr lang="pt-PT" smtClean="0"/>
-              <a:t>7</a:t>
+              <a:t>8</a:t>
             </a:fld>
             <a:endParaRPr lang="pt-PT"/>
           </a:p>
@@ -18979,1037 +21218,6 @@
     <p:extLst>
       <p:ext uri="{BB962C8B-B14F-4D97-AF65-F5344CB8AC3E}">
         <p14:creationId xmlns:p14="http://schemas.microsoft.com/office/powerpoint/2010/main" val="2657622565"/>
-      </p:ext>
-    </p:extLst>
-  </p:cSld>
-  <p:clrMapOvr>
-    <a:masterClrMapping/>
-  </p:clrMapOvr>
-</p:sld>
-</file>
-
-<file path=ppt/slides/slide8.xml><?xml version="1.0" encoding="utf-8"?>
-<p:sld xmlns:a="http://schemas.openxmlformats.org/drawingml/2006/main" xmlns:r="http://schemas.openxmlformats.org/officeDocument/2006/relationships" xmlns:p="http://schemas.openxmlformats.org/presentationml/2006/main">
-  <p:cSld>
-    <p:bg>
-      <p:bgPr>
-        <a:solidFill>
-          <a:schemeClr val="bg1"/>
-        </a:solidFill>
-        <a:effectLst/>
-      </p:bgPr>
-    </p:bg>
-    <p:spTree>
-      <p:nvGrpSpPr>
-        <p:cNvPr id="1" name=""/>
-        <p:cNvGrpSpPr/>
-        <p:nvPr/>
-      </p:nvGrpSpPr>
-      <p:grpSpPr>
-        <a:xfrm>
-          <a:off x="0" y="0"/>
-          <a:ext cx="0" cy="0"/>
-          <a:chOff x="0" y="0"/>
-          <a:chExt cx="0" cy="0"/>
-        </a:xfrm>
-      </p:grpSpPr>
-      <p:sp>
-        <p:nvSpPr>
-          <p:cNvPr id="5" name="Subtítulo 4">
-            <a:extLst>
-              <a:ext uri="{FF2B5EF4-FFF2-40B4-BE49-F238E27FC236}">
-                <a16:creationId xmlns:a16="http://schemas.microsoft.com/office/drawing/2014/main" id="{0BBF98B1-EA66-EABA-F256-D9EE9AB32E0B}"/>
-              </a:ext>
-            </a:extLst>
-          </p:cNvPr>
-          <p:cNvSpPr>
-            <a:spLocks noGrp="1"/>
-          </p:cNvSpPr>
-          <p:nvPr>
-            <p:ph type="subTitle" idx="1"/>
-          </p:nvPr>
-        </p:nvSpPr>
-        <p:spPr>
-          <a:xfrm>
-            <a:off x="593554" y="1256732"/>
-            <a:ext cx="8710103" cy="4736420"/>
-          </a:xfrm>
-        </p:spPr>
-        <p:txBody>
-          <a:bodyPr>
-            <a:normAutofit/>
-          </a:bodyPr>
-          <a:lstStyle/>
-          <a:p>
-            <a:pPr marL="342900" indent="-342900" algn="l">
-              <a:lnSpc>
-                <a:spcPct val="100000"/>
-              </a:lnSpc>
-              <a:buSzPct val="100000"/>
-              <a:buFont typeface="Tahoma" panose="020B0604030504040204" pitchFamily="34" charset="0"/>
-              <a:buChar char="●"/>
-            </a:pPr>
-            <a:r>
-              <a:rPr lang="pt-PT" sz="2000" dirty="0">
-                <a:latin typeface="Arial" panose="020B0604020202020204" pitchFamily="34" charset="0"/>
-                <a:cs typeface="Arial" panose="020B0604020202020204" pitchFamily="34" charset="0"/>
-              </a:rPr>
-              <a:t>Realizado com o </a:t>
-            </a:r>
-            <a:r>
-              <a:rPr lang="pt-PT" sz="2000" dirty="0" err="1">
-                <a:latin typeface="Arial" panose="020B0604020202020204" pitchFamily="34" charset="0"/>
-                <a:cs typeface="Arial" panose="020B0604020202020204" pitchFamily="34" charset="0"/>
-              </a:rPr>
-              <a:t>middleware</a:t>
-            </a:r>
-            <a:r>
-              <a:rPr lang="pt-PT" sz="2000" dirty="0">
-                <a:latin typeface="Arial" panose="020B0604020202020204" pitchFamily="34" charset="0"/>
-                <a:cs typeface="Arial" panose="020B0604020202020204" pitchFamily="34" charset="0"/>
-              </a:rPr>
-              <a:t> </a:t>
-            </a:r>
-            <a:r>
-              <a:rPr lang="pt-PT" sz="2000" dirty="0" err="1">
-                <a:latin typeface="Arial" panose="020B0604020202020204" pitchFamily="34" charset="0"/>
-                <a:cs typeface="Arial" panose="020B0604020202020204" pitchFamily="34" charset="0"/>
-              </a:rPr>
-              <a:t>PassportJs</a:t>
-            </a:r>
-            <a:endParaRPr lang="pt-PT" sz="2000" dirty="0">
-              <a:latin typeface="Arial" panose="020B0604020202020204" pitchFamily="34" charset="0"/>
-              <a:cs typeface="Arial" panose="020B0604020202020204" pitchFamily="34" charset="0"/>
-            </a:endParaRPr>
-          </a:p>
-          <a:p>
-            <a:pPr marL="342900" indent="-342900" algn="l">
-              <a:lnSpc>
-                <a:spcPct val="100000"/>
-              </a:lnSpc>
-              <a:buSzPct val="100000"/>
-              <a:buFont typeface="Tahoma" panose="020B0604030504040204" pitchFamily="34" charset="0"/>
-              <a:buChar char="●"/>
-            </a:pPr>
-            <a:r>
-              <a:rPr lang="pt-PT" sz="2000" dirty="0">
-                <a:latin typeface="Arial" panose="020B0604020202020204" pitchFamily="34" charset="0"/>
-                <a:cs typeface="Arial" panose="020B0604020202020204" pitchFamily="34" charset="0"/>
-              </a:rPr>
-              <a:t>Implementa uma estratégia local baseada em username e password</a:t>
-            </a:r>
-          </a:p>
-          <a:p>
-            <a:pPr marL="342900" indent="-342900" algn="l">
-              <a:lnSpc>
-                <a:spcPct val="100000"/>
-              </a:lnSpc>
-              <a:buSzPct val="100000"/>
-              <a:buFont typeface="Tahoma" panose="020B0604030504040204" pitchFamily="34" charset="0"/>
-              <a:buChar char="●"/>
-            </a:pPr>
-            <a:r>
-              <a:rPr lang="pt-PT" sz="2000" dirty="0">
-                <a:latin typeface="Arial" panose="020B0604020202020204" pitchFamily="34" charset="0"/>
-                <a:cs typeface="Arial" panose="020B0604020202020204" pitchFamily="34" charset="0"/>
-              </a:rPr>
-              <a:t>Autenticação guardada na </a:t>
-            </a:r>
-            <a:r>
-              <a:rPr lang="pt-PT" sz="2000" dirty="0" err="1">
-                <a:latin typeface="Arial" panose="020B0604020202020204" pitchFamily="34" charset="0"/>
-                <a:cs typeface="Arial" panose="020B0604020202020204" pitchFamily="34" charset="0"/>
-              </a:rPr>
-              <a:t>session</a:t>
-            </a:r>
-            <a:endParaRPr lang="pt-PT" sz="2000" dirty="0">
-              <a:latin typeface="Arial" panose="020B0604020202020204" pitchFamily="34" charset="0"/>
-              <a:cs typeface="Arial" panose="020B0604020202020204" pitchFamily="34" charset="0"/>
-            </a:endParaRPr>
-          </a:p>
-          <a:p>
-            <a:pPr marL="342900" indent="-342900" algn="l">
-              <a:lnSpc>
-                <a:spcPct val="100000"/>
-              </a:lnSpc>
-              <a:buSzPct val="100000"/>
-              <a:buFont typeface="Tahoma" panose="020B0604030504040204" pitchFamily="34" charset="0"/>
-              <a:buChar char="●"/>
-            </a:pPr>
-            <a:r>
-              <a:rPr lang="pt-PT" sz="2000" dirty="0">
-                <a:latin typeface="Arial" panose="020B0604020202020204" pitchFamily="34" charset="0"/>
-                <a:cs typeface="Arial" panose="020B0604020202020204" pitchFamily="34" charset="0"/>
-              </a:rPr>
-              <a:t>Diferentes membros têm diferentes autorizações, consoante o seu papel no clube e a sua relação com a administração</a:t>
-            </a:r>
-          </a:p>
-          <a:p>
-            <a:pPr marL="342900" indent="-342900" algn="l">
-              <a:lnSpc>
-                <a:spcPct val="100000"/>
-              </a:lnSpc>
-              <a:buSzPct val="100000"/>
-              <a:buFont typeface="Tahoma" panose="020B0604030504040204" pitchFamily="34" charset="0"/>
-              <a:buChar char="●"/>
-            </a:pPr>
-            <a:r>
-              <a:rPr lang="pt-PT" sz="2000" dirty="0">
-                <a:latin typeface="Arial" panose="020B0604020202020204" pitchFamily="34" charset="0"/>
-                <a:cs typeface="Arial" panose="020B0604020202020204" pitchFamily="34" charset="0"/>
-              </a:rPr>
-              <a:t>Administradores têm permissão para aceder a todos os endpoints</a:t>
-            </a:r>
-          </a:p>
-          <a:p>
-            <a:pPr marL="342900" indent="-342900" algn="l">
-              <a:lnSpc>
-                <a:spcPct val="100000"/>
-              </a:lnSpc>
-              <a:buSzPct val="100000"/>
-              <a:buFont typeface="Tahoma" panose="020B0604030504040204" pitchFamily="34" charset="0"/>
-              <a:buChar char="●"/>
-            </a:pPr>
-            <a:r>
-              <a:rPr lang="pt-PT" sz="2000" dirty="0">
-                <a:latin typeface="Arial" panose="020B0604020202020204" pitchFamily="34" charset="0"/>
-                <a:cs typeface="Arial" panose="020B0604020202020204" pitchFamily="34" charset="0"/>
-              </a:rPr>
-              <a:t>Membros não administrativos, podem apenas aceder aos endpoints relacionados com eles próprios </a:t>
-            </a:r>
-          </a:p>
-        </p:txBody>
-      </p:sp>
-      <p:sp>
-        <p:nvSpPr>
-          <p:cNvPr id="7" name="Google Shape;296;p37">
-            <a:extLst>
-              <a:ext uri="{FF2B5EF4-FFF2-40B4-BE49-F238E27FC236}">
-                <a16:creationId xmlns:a16="http://schemas.microsoft.com/office/drawing/2014/main" id="{3D7AB695-BD0C-4E75-8783-E697EBED0E05}"/>
-              </a:ext>
-            </a:extLst>
-          </p:cNvPr>
-          <p:cNvSpPr txBox="1">
-            <a:spLocks/>
-          </p:cNvSpPr>
-          <p:nvPr/>
-        </p:nvSpPr>
-        <p:spPr>
-          <a:xfrm>
-            <a:off x="593554" y="383132"/>
-            <a:ext cx="6885581" cy="631554"/>
-          </a:xfrm>
-          <a:prstGeom prst="rect">
-            <a:avLst/>
-          </a:prstGeom>
-          <a:noFill/>
-          <a:ln>
-            <a:noFill/>
-          </a:ln>
-        </p:spPr>
-        <p:txBody>
-          <a:bodyPr spcFirstLastPara="1" wrap="square" lIns="0" tIns="0" rIns="0" bIns="0" anchor="t" anchorCtr="0">
-            <a:noAutofit/>
-          </a:bodyPr>
-          <a:lstStyle>
-            <a:defPPr marR="0" lvl="0" algn="l" rtl="0">
-              <a:lnSpc>
-                <a:spcPct val="100000"/>
-              </a:lnSpc>
-              <a:spcBef>
-                <a:spcPts val="0"/>
-              </a:spcBef>
-              <a:spcAft>
-                <a:spcPts val="0"/>
-              </a:spcAft>
-            </a:defPPr>
-            <a:lvl1pPr marL="0" marR="0" lvl="0" indent="0" algn="l" rtl="0">
-              <a:lnSpc>
-                <a:spcPct val="90000"/>
-              </a:lnSpc>
-              <a:spcBef>
-                <a:spcPts val="0"/>
-              </a:spcBef>
-              <a:spcAft>
-                <a:spcPts val="0"/>
-              </a:spcAft>
-              <a:buClr>
-                <a:schemeClr val="dk2"/>
-              </a:buClr>
-              <a:buSzPts val="5200"/>
-              <a:buFont typeface="Commissioner"/>
-              <a:buNone/>
-              <a:defRPr sz="5000" b="0" i="0" u="none" strike="noStrike" cap="none">
-                <a:solidFill>
-                  <a:schemeClr val="dk2"/>
-                </a:solidFill>
-                <a:latin typeface="Commissioner ExtraBold"/>
-                <a:ea typeface="Commissioner ExtraBold"/>
-                <a:cs typeface="Commissioner ExtraBold"/>
-                <a:sym typeface="Commissioner ExtraBold"/>
-              </a:defRPr>
-            </a:lvl1pPr>
-            <a:lvl2pPr marR="0" lvl="1" algn="ctr" rtl="0">
-              <a:lnSpc>
-                <a:spcPct val="100000"/>
-              </a:lnSpc>
-              <a:spcBef>
-                <a:spcPts val="0"/>
-              </a:spcBef>
-              <a:spcAft>
-                <a:spcPts val="0"/>
-              </a:spcAft>
-              <a:buClr>
-                <a:schemeClr val="dk2"/>
-              </a:buClr>
-              <a:buSzPts val="5200"/>
-              <a:buFont typeface="Barlow SemiBold"/>
-              <a:buNone/>
-              <a:defRPr sz="5200" b="0" i="0" u="none" strike="noStrike" cap="none">
-                <a:solidFill>
-                  <a:schemeClr val="dk2"/>
-                </a:solidFill>
-                <a:latin typeface="Barlow SemiBold"/>
-                <a:ea typeface="Barlow SemiBold"/>
-                <a:cs typeface="Barlow SemiBold"/>
-                <a:sym typeface="Barlow SemiBold"/>
-              </a:defRPr>
-            </a:lvl2pPr>
-            <a:lvl3pPr marR="0" lvl="2" algn="ctr" rtl="0">
-              <a:lnSpc>
-                <a:spcPct val="100000"/>
-              </a:lnSpc>
-              <a:spcBef>
-                <a:spcPts val="0"/>
-              </a:spcBef>
-              <a:spcAft>
-                <a:spcPts val="0"/>
-              </a:spcAft>
-              <a:buClr>
-                <a:schemeClr val="dk2"/>
-              </a:buClr>
-              <a:buSzPts val="5200"/>
-              <a:buFont typeface="Barlow SemiBold"/>
-              <a:buNone/>
-              <a:defRPr sz="5200" b="0" i="0" u="none" strike="noStrike" cap="none">
-                <a:solidFill>
-                  <a:schemeClr val="dk2"/>
-                </a:solidFill>
-                <a:latin typeface="Barlow SemiBold"/>
-                <a:ea typeface="Barlow SemiBold"/>
-                <a:cs typeface="Barlow SemiBold"/>
-                <a:sym typeface="Barlow SemiBold"/>
-              </a:defRPr>
-            </a:lvl3pPr>
-            <a:lvl4pPr marR="0" lvl="3" algn="ctr" rtl="0">
-              <a:lnSpc>
-                <a:spcPct val="100000"/>
-              </a:lnSpc>
-              <a:spcBef>
-                <a:spcPts val="0"/>
-              </a:spcBef>
-              <a:spcAft>
-                <a:spcPts val="0"/>
-              </a:spcAft>
-              <a:buClr>
-                <a:schemeClr val="dk2"/>
-              </a:buClr>
-              <a:buSzPts val="5200"/>
-              <a:buFont typeface="Barlow SemiBold"/>
-              <a:buNone/>
-              <a:defRPr sz="5200" b="0" i="0" u="none" strike="noStrike" cap="none">
-                <a:solidFill>
-                  <a:schemeClr val="dk2"/>
-                </a:solidFill>
-                <a:latin typeface="Barlow SemiBold"/>
-                <a:ea typeface="Barlow SemiBold"/>
-                <a:cs typeface="Barlow SemiBold"/>
-                <a:sym typeface="Barlow SemiBold"/>
-              </a:defRPr>
-            </a:lvl4pPr>
-            <a:lvl5pPr marR="0" lvl="4" algn="ctr" rtl="0">
-              <a:lnSpc>
-                <a:spcPct val="100000"/>
-              </a:lnSpc>
-              <a:spcBef>
-                <a:spcPts val="0"/>
-              </a:spcBef>
-              <a:spcAft>
-                <a:spcPts val="0"/>
-              </a:spcAft>
-              <a:buClr>
-                <a:schemeClr val="dk2"/>
-              </a:buClr>
-              <a:buSzPts val="5200"/>
-              <a:buFont typeface="Barlow SemiBold"/>
-              <a:buNone/>
-              <a:defRPr sz="5200" b="0" i="0" u="none" strike="noStrike" cap="none">
-                <a:solidFill>
-                  <a:schemeClr val="dk2"/>
-                </a:solidFill>
-                <a:latin typeface="Barlow SemiBold"/>
-                <a:ea typeface="Barlow SemiBold"/>
-                <a:cs typeface="Barlow SemiBold"/>
-                <a:sym typeface="Barlow SemiBold"/>
-              </a:defRPr>
-            </a:lvl5pPr>
-            <a:lvl6pPr marR="0" lvl="5" algn="ctr" rtl="0">
-              <a:lnSpc>
-                <a:spcPct val="100000"/>
-              </a:lnSpc>
-              <a:spcBef>
-                <a:spcPts val="0"/>
-              </a:spcBef>
-              <a:spcAft>
-                <a:spcPts val="0"/>
-              </a:spcAft>
-              <a:buClr>
-                <a:schemeClr val="dk2"/>
-              </a:buClr>
-              <a:buSzPts val="5200"/>
-              <a:buFont typeface="Barlow SemiBold"/>
-              <a:buNone/>
-              <a:defRPr sz="5200" b="0" i="0" u="none" strike="noStrike" cap="none">
-                <a:solidFill>
-                  <a:schemeClr val="dk2"/>
-                </a:solidFill>
-                <a:latin typeface="Barlow SemiBold"/>
-                <a:ea typeface="Barlow SemiBold"/>
-                <a:cs typeface="Barlow SemiBold"/>
-                <a:sym typeface="Barlow SemiBold"/>
-              </a:defRPr>
-            </a:lvl6pPr>
-            <a:lvl7pPr marR="0" lvl="6" algn="ctr" rtl="0">
-              <a:lnSpc>
-                <a:spcPct val="100000"/>
-              </a:lnSpc>
-              <a:spcBef>
-                <a:spcPts val="0"/>
-              </a:spcBef>
-              <a:spcAft>
-                <a:spcPts val="0"/>
-              </a:spcAft>
-              <a:buClr>
-                <a:schemeClr val="dk2"/>
-              </a:buClr>
-              <a:buSzPts val="5200"/>
-              <a:buFont typeface="Barlow SemiBold"/>
-              <a:buNone/>
-              <a:defRPr sz="5200" b="0" i="0" u="none" strike="noStrike" cap="none">
-                <a:solidFill>
-                  <a:schemeClr val="dk2"/>
-                </a:solidFill>
-                <a:latin typeface="Barlow SemiBold"/>
-                <a:ea typeface="Barlow SemiBold"/>
-                <a:cs typeface="Barlow SemiBold"/>
-                <a:sym typeface="Barlow SemiBold"/>
-              </a:defRPr>
-            </a:lvl7pPr>
-            <a:lvl8pPr marR="0" lvl="7" algn="ctr" rtl="0">
-              <a:lnSpc>
-                <a:spcPct val="100000"/>
-              </a:lnSpc>
-              <a:spcBef>
-                <a:spcPts val="0"/>
-              </a:spcBef>
-              <a:spcAft>
-                <a:spcPts val="0"/>
-              </a:spcAft>
-              <a:buClr>
-                <a:schemeClr val="dk2"/>
-              </a:buClr>
-              <a:buSzPts val="5200"/>
-              <a:buFont typeface="Barlow SemiBold"/>
-              <a:buNone/>
-              <a:defRPr sz="5200" b="0" i="0" u="none" strike="noStrike" cap="none">
-                <a:solidFill>
-                  <a:schemeClr val="dk2"/>
-                </a:solidFill>
-                <a:latin typeface="Barlow SemiBold"/>
-                <a:ea typeface="Barlow SemiBold"/>
-                <a:cs typeface="Barlow SemiBold"/>
-                <a:sym typeface="Barlow SemiBold"/>
-              </a:defRPr>
-            </a:lvl8pPr>
-            <a:lvl9pPr marR="0" lvl="8" algn="ctr" rtl="0">
-              <a:lnSpc>
-                <a:spcPct val="100000"/>
-              </a:lnSpc>
-              <a:spcBef>
-                <a:spcPts val="0"/>
-              </a:spcBef>
-              <a:spcAft>
-                <a:spcPts val="0"/>
-              </a:spcAft>
-              <a:buClr>
-                <a:schemeClr val="dk2"/>
-              </a:buClr>
-              <a:buSzPts val="5200"/>
-              <a:buFont typeface="Barlow SemiBold"/>
-              <a:buNone/>
-              <a:defRPr sz="5200" b="0" i="0" u="none" strike="noStrike" cap="none">
-                <a:solidFill>
-                  <a:schemeClr val="dk2"/>
-                </a:solidFill>
-                <a:latin typeface="Barlow SemiBold"/>
-                <a:ea typeface="Barlow SemiBold"/>
-                <a:cs typeface="Barlow SemiBold"/>
-                <a:sym typeface="Barlow SemiBold"/>
-              </a:defRPr>
-            </a:lvl9pPr>
-          </a:lstStyle>
-          <a:p>
-            <a:pPr marL="0" marR="0" lvl="0" indent="0" algn="l" defTabSz="914400" rtl="0" eaLnBrk="1" fontAlgn="auto" latinLnBrk="0" hangingPunct="1">
-              <a:lnSpc>
-                <a:spcPct val="90000"/>
-              </a:lnSpc>
-              <a:spcBef>
-                <a:spcPts val="0"/>
-              </a:spcBef>
-              <a:spcAft>
-                <a:spcPts val="0"/>
-              </a:spcAft>
-              <a:buClr>
-                <a:srgbClr val="164A4A"/>
-              </a:buClr>
-              <a:buSzPts val="5200"/>
-              <a:buFont typeface="Commissioner"/>
-              <a:buNone/>
-              <a:tabLst/>
-              <a:defRPr/>
-            </a:pPr>
-            <a:r>
-              <a:rPr kumimoji="0" lang="en-US" sz="5000" b="1" i="0" u="none" strike="noStrike" kern="0" cap="none" spc="0" normalizeH="0" baseline="0" noProof="0" dirty="0" err="1">
-                <a:ln>
-                  <a:noFill/>
-                </a:ln>
-                <a:solidFill>
-                  <a:srgbClr val="3D4D55"/>
-                </a:solidFill>
-                <a:effectLst/>
-                <a:uLnTx/>
-                <a:uFillTx/>
-                <a:latin typeface="Arial" panose="020B0604020202020204" pitchFamily="34" charset="0"/>
-                <a:cs typeface="Arial" panose="020B0604020202020204" pitchFamily="34" charset="0"/>
-                <a:sym typeface="Commissioner ExtraBold"/>
-              </a:rPr>
-              <a:t>Autenticação</a:t>
-            </a:r>
-            <a:endParaRPr kumimoji="0" lang="en-US" sz="5000" b="1" i="0" u="none" strike="noStrike" kern="0" cap="none" spc="0" normalizeH="0" baseline="0" noProof="0" dirty="0">
-              <a:ln>
-                <a:noFill/>
-              </a:ln>
-              <a:solidFill>
-                <a:srgbClr val="3D4D55"/>
-              </a:solidFill>
-              <a:effectLst/>
-              <a:uLnTx/>
-              <a:uFillTx/>
-              <a:latin typeface="Arial" panose="020B0604020202020204" pitchFamily="34" charset="0"/>
-              <a:cs typeface="Arial" panose="020B0604020202020204" pitchFamily="34" charset="0"/>
-              <a:sym typeface="Commissioner ExtraBold"/>
-            </a:endParaRPr>
-          </a:p>
-        </p:txBody>
-      </p:sp>
-      <p:sp>
-        <p:nvSpPr>
-          <p:cNvPr id="9" name="Google Shape;1460;p74">
-            <a:extLst>
-              <a:ext uri="{FF2B5EF4-FFF2-40B4-BE49-F238E27FC236}">
-                <a16:creationId xmlns:a16="http://schemas.microsoft.com/office/drawing/2014/main" id="{D1F998ED-C0F8-F98C-374B-0151B38AD950}"/>
-              </a:ext>
-            </a:extLst>
-          </p:cNvPr>
-          <p:cNvSpPr/>
-          <p:nvPr/>
-        </p:nvSpPr>
-        <p:spPr>
-          <a:xfrm>
-            <a:off x="8872199" y="-179614"/>
-            <a:ext cx="3472201" cy="3722914"/>
-          </a:xfrm>
-          <a:custGeom>
-            <a:avLst/>
-            <a:gdLst/>
-            <a:ahLst/>
-            <a:cxnLst/>
-            <a:rect l="l" t="t" r="r" b="b"/>
-            <a:pathLst>
-              <a:path w="146265" h="156112" extrusionOk="0">
-                <a:moveTo>
-                  <a:pt x="5411" y="0"/>
-                </a:moveTo>
-                <a:cubicBezTo>
-                  <a:pt x="5411" y="0"/>
-                  <a:pt x="1" y="28329"/>
-                  <a:pt x="20548" y="36870"/>
-                </a:cubicBezTo>
-                <a:cubicBezTo>
-                  <a:pt x="24058" y="38329"/>
-                  <a:pt x="27694" y="38893"/>
-                  <a:pt x="31373" y="38893"/>
-                </a:cubicBezTo>
-                <a:cubicBezTo>
-                  <a:pt x="43912" y="38893"/>
-                  <a:pt x="56943" y="32338"/>
-                  <a:pt x="67152" y="32338"/>
-                </a:cubicBezTo>
-                <a:cubicBezTo>
-                  <a:pt x="71479" y="32338"/>
-                  <a:pt x="75300" y="33516"/>
-                  <a:pt x="78361" y="36870"/>
-                </a:cubicBezTo>
-                <a:cubicBezTo>
-                  <a:pt x="90793" y="50426"/>
-                  <a:pt x="72190" y="65958"/>
-                  <a:pt x="96993" y="74500"/>
-                </a:cubicBezTo>
-                <a:cubicBezTo>
-                  <a:pt x="105899" y="77600"/>
-                  <a:pt x="114015" y="83740"/>
-                  <a:pt x="115717" y="93497"/>
-                </a:cubicBezTo>
-                <a:cubicBezTo>
-                  <a:pt x="117814" y="105503"/>
-                  <a:pt x="109060" y="112403"/>
-                  <a:pt x="105504" y="122646"/>
-                </a:cubicBezTo>
-                <a:cubicBezTo>
-                  <a:pt x="103559" y="128148"/>
-                  <a:pt x="104744" y="135078"/>
-                  <a:pt x="107024" y="140245"/>
-                </a:cubicBezTo>
-                <a:cubicBezTo>
-                  <a:pt x="109699" y="146294"/>
-                  <a:pt x="114501" y="151218"/>
-                  <a:pt x="120580" y="153832"/>
-                </a:cubicBezTo>
-                <a:cubicBezTo>
-                  <a:pt x="124167" y="155413"/>
-                  <a:pt x="128027" y="156081"/>
-                  <a:pt x="131918" y="156112"/>
-                </a:cubicBezTo>
-                <a:cubicBezTo>
-                  <a:pt x="133438" y="156112"/>
-                  <a:pt x="146265" y="155200"/>
-                  <a:pt x="146265" y="153650"/>
-                </a:cubicBezTo>
-                <a:lnTo>
-                  <a:pt x="146265" y="0"/>
-                </a:lnTo>
-                <a:close/>
-              </a:path>
-            </a:pathLst>
-          </a:custGeom>
-          <a:solidFill>
-            <a:srgbClr val="3D4D55"/>
-          </a:solidFill>
-          <a:ln>
-            <a:noFill/>
-          </a:ln>
-        </p:spPr>
-        <p:txBody>
-          <a:bodyPr spcFirstLastPara="1" wrap="square" lIns="91425" tIns="91425" rIns="91425" bIns="91425" anchor="ctr" anchorCtr="0">
-            <a:noAutofit/>
-          </a:bodyPr>
-          <a:lstStyle/>
-          <a:p>
-            <a:pPr marL="0" marR="0" lvl="0" indent="0" defTabSz="914400" eaLnBrk="1" fontAlgn="auto" latinLnBrk="0" hangingPunct="1">
-              <a:lnSpc>
-                <a:spcPct val="100000"/>
-              </a:lnSpc>
-              <a:spcBef>
-                <a:spcPts val="0"/>
-              </a:spcBef>
-              <a:spcAft>
-                <a:spcPts val="0"/>
-              </a:spcAft>
-              <a:buClr>
-                <a:srgbClr val="000000"/>
-              </a:buClr>
-              <a:buSzTx/>
-              <a:buFont typeface="Arial"/>
-              <a:buNone/>
-              <a:tabLst/>
-              <a:defRPr/>
-            </a:pPr>
-            <a:endParaRPr kumimoji="0" sz="1400" b="0" i="0" u="none" strike="noStrike" kern="0" cap="none" spc="0" normalizeH="0" baseline="0" noProof="0">
-              <a:ln>
-                <a:noFill/>
-              </a:ln>
-              <a:solidFill>
-                <a:srgbClr val="000000"/>
-              </a:solidFill>
-              <a:effectLst/>
-              <a:uLnTx/>
-              <a:uFillTx/>
-              <a:latin typeface="Arial"/>
-              <a:cs typeface="Arial"/>
-              <a:sym typeface="Arial"/>
-            </a:endParaRPr>
-          </a:p>
-        </p:txBody>
-      </p:sp>
-      <p:sp>
-        <p:nvSpPr>
-          <p:cNvPr id="11" name="Google Shape;1457;p74">
-            <a:extLst>
-              <a:ext uri="{FF2B5EF4-FFF2-40B4-BE49-F238E27FC236}">
-                <a16:creationId xmlns:a16="http://schemas.microsoft.com/office/drawing/2014/main" id="{D5B91189-D1FE-9273-BC8A-9C82DECCA2E3}"/>
-              </a:ext>
-            </a:extLst>
-          </p:cNvPr>
-          <p:cNvSpPr/>
-          <p:nvPr/>
-        </p:nvSpPr>
-        <p:spPr>
-          <a:xfrm rot="10191456">
-            <a:off x="10056522" y="580606"/>
-            <a:ext cx="2411496" cy="1900868"/>
-          </a:xfrm>
-          <a:custGeom>
-            <a:avLst/>
-            <a:gdLst/>
-            <a:ahLst/>
-            <a:cxnLst/>
-            <a:rect l="l" t="t" r="r" b="b"/>
-            <a:pathLst>
-              <a:path w="39363" h="31028" extrusionOk="0">
-                <a:moveTo>
-                  <a:pt x="21078" y="1"/>
-                </a:moveTo>
-                <a:cubicBezTo>
-                  <a:pt x="18634" y="1"/>
-                  <a:pt x="16478" y="1773"/>
-                  <a:pt x="15979" y="4271"/>
-                </a:cubicBezTo>
-                <a:cubicBezTo>
-                  <a:pt x="15946" y="4537"/>
-                  <a:pt x="15912" y="4838"/>
-                  <a:pt x="15912" y="5104"/>
-                </a:cubicBezTo>
-                <a:lnTo>
-                  <a:pt x="15912" y="5305"/>
-                </a:lnTo>
-                <a:cubicBezTo>
-                  <a:pt x="15846" y="6272"/>
-                  <a:pt x="15379" y="10008"/>
-                  <a:pt x="9708" y="11342"/>
-                </a:cubicBezTo>
-                <a:cubicBezTo>
-                  <a:pt x="5438" y="11776"/>
-                  <a:pt x="1802" y="14945"/>
-                  <a:pt x="1002" y="19348"/>
-                </a:cubicBezTo>
-                <a:cubicBezTo>
-                  <a:pt x="1" y="24685"/>
-                  <a:pt x="3570" y="29856"/>
-                  <a:pt x="8907" y="30856"/>
-                </a:cubicBezTo>
-                <a:cubicBezTo>
-                  <a:pt x="9518" y="30972"/>
-                  <a:pt x="10126" y="31028"/>
-                  <a:pt x="10725" y="31028"/>
-                </a:cubicBezTo>
-                <a:cubicBezTo>
-                  <a:pt x="13752" y="31028"/>
-                  <a:pt x="16548" y="29604"/>
-                  <a:pt x="18414" y="27320"/>
-                </a:cubicBezTo>
-                <a:cubicBezTo>
-                  <a:pt x="19014" y="26520"/>
-                  <a:pt x="19515" y="25653"/>
-                  <a:pt x="19915" y="24685"/>
-                </a:cubicBezTo>
-                <a:cubicBezTo>
-                  <a:pt x="21857" y="21834"/>
-                  <a:pt x="25742" y="17659"/>
-                  <a:pt x="31816" y="17659"/>
-                </a:cubicBezTo>
-                <a:cubicBezTo>
-                  <a:pt x="32210" y="17659"/>
-                  <a:pt x="32613" y="17677"/>
-                  <a:pt x="33024" y="17714"/>
-                </a:cubicBezTo>
-                <a:cubicBezTo>
-                  <a:pt x="33258" y="17780"/>
-                  <a:pt x="33425" y="17847"/>
-                  <a:pt x="33625" y="17880"/>
-                </a:cubicBezTo>
-                <a:cubicBezTo>
-                  <a:pt x="33909" y="17934"/>
-                  <a:pt x="34192" y="17960"/>
-                  <a:pt x="34471" y="17960"/>
-                </a:cubicBezTo>
-                <a:cubicBezTo>
-                  <a:pt x="36614" y="17960"/>
-                  <a:pt x="38515" y="16432"/>
-                  <a:pt x="38929" y="14278"/>
-                </a:cubicBezTo>
-                <a:cubicBezTo>
-                  <a:pt x="39362" y="11809"/>
-                  <a:pt x="37761" y="9441"/>
-                  <a:pt x="35293" y="8974"/>
-                </a:cubicBezTo>
-                <a:cubicBezTo>
-                  <a:pt x="34999" y="8913"/>
-                  <a:pt x="34710" y="8883"/>
-                  <a:pt x="34425" y="8883"/>
-                </a:cubicBezTo>
-                <a:cubicBezTo>
-                  <a:pt x="33934" y="8883"/>
-                  <a:pt x="33456" y="8972"/>
-                  <a:pt x="32991" y="9141"/>
-                </a:cubicBezTo>
-                <a:cubicBezTo>
-                  <a:pt x="32529" y="9216"/>
-                  <a:pt x="31929" y="9288"/>
-                  <a:pt x="31278" y="9288"/>
-                </a:cubicBezTo>
-                <a:cubicBezTo>
-                  <a:pt x="29341" y="9288"/>
-                  <a:pt x="26944" y="8658"/>
-                  <a:pt x="26320" y="5638"/>
-                </a:cubicBezTo>
-                <a:cubicBezTo>
-                  <a:pt x="26587" y="3103"/>
-                  <a:pt x="24785" y="601"/>
-                  <a:pt x="22083" y="101"/>
-                </a:cubicBezTo>
-                <a:cubicBezTo>
-                  <a:pt x="21745" y="33"/>
-                  <a:pt x="21409" y="1"/>
-                  <a:pt x="21078" y="1"/>
-                </a:cubicBezTo>
-                <a:close/>
-              </a:path>
-            </a:pathLst>
-          </a:custGeom>
-          <a:solidFill>
-            <a:srgbClr val="ACDBD3"/>
-          </a:solidFill>
-          <a:ln>
-            <a:noFill/>
-          </a:ln>
-        </p:spPr>
-        <p:txBody>
-          <a:bodyPr spcFirstLastPara="1" wrap="square" lIns="91425" tIns="91425" rIns="91425" bIns="91425" anchor="ctr" anchorCtr="0">
-            <a:noAutofit/>
-          </a:bodyPr>
-          <a:lstStyle/>
-          <a:p>
-            <a:pPr marL="0" marR="0" lvl="0" indent="0" defTabSz="914400" eaLnBrk="1" fontAlgn="auto" latinLnBrk="0" hangingPunct="1">
-              <a:lnSpc>
-                <a:spcPct val="100000"/>
-              </a:lnSpc>
-              <a:spcBef>
-                <a:spcPts val="0"/>
-              </a:spcBef>
-              <a:spcAft>
-                <a:spcPts val="0"/>
-              </a:spcAft>
-              <a:buClr>
-                <a:srgbClr val="000000"/>
-              </a:buClr>
-              <a:buSzTx/>
-              <a:buFont typeface="Arial"/>
-              <a:buNone/>
-              <a:tabLst/>
-              <a:defRPr/>
-            </a:pPr>
-            <a:endParaRPr kumimoji="0" sz="1400" b="0" i="0" u="none" strike="noStrike" kern="0" cap="none" spc="0" normalizeH="0" baseline="0" noProof="0">
-              <a:ln>
-                <a:noFill/>
-              </a:ln>
-              <a:solidFill>
-                <a:srgbClr val="000000"/>
-              </a:solidFill>
-              <a:effectLst/>
-              <a:uLnTx/>
-              <a:uFillTx/>
-              <a:latin typeface="Arial"/>
-              <a:cs typeface="Arial"/>
-              <a:sym typeface="Arial"/>
-            </a:endParaRPr>
-          </a:p>
-        </p:txBody>
-      </p:sp>
-      <p:sp>
-        <p:nvSpPr>
-          <p:cNvPr id="13" name="Google Shape;1463;p74">
-            <a:extLst>
-              <a:ext uri="{FF2B5EF4-FFF2-40B4-BE49-F238E27FC236}">
-                <a16:creationId xmlns:a16="http://schemas.microsoft.com/office/drawing/2014/main" id="{9FBE7827-AFF9-E943-D4D6-469993A3A5E2}"/>
-              </a:ext>
-            </a:extLst>
-          </p:cNvPr>
-          <p:cNvSpPr/>
-          <p:nvPr/>
-        </p:nvSpPr>
-        <p:spPr>
-          <a:xfrm rot="18140219">
-            <a:off x="8670966" y="4410165"/>
-            <a:ext cx="3874663" cy="3662248"/>
-          </a:xfrm>
-          <a:custGeom>
-            <a:avLst/>
-            <a:gdLst/>
-            <a:ahLst/>
-            <a:cxnLst/>
-            <a:rect l="l" t="t" r="r" b="b"/>
-            <a:pathLst>
-              <a:path w="119881" h="113309" extrusionOk="0">
-                <a:moveTo>
-                  <a:pt x="20594" y="1"/>
-                </a:moveTo>
-                <a:cubicBezTo>
-                  <a:pt x="16552" y="1"/>
-                  <a:pt x="12368" y="1147"/>
-                  <a:pt x="9149" y="2790"/>
-                </a:cubicBezTo>
-                <a:cubicBezTo>
-                  <a:pt x="5471" y="4675"/>
-                  <a:pt x="1915" y="7836"/>
-                  <a:pt x="0" y="11605"/>
-                </a:cubicBezTo>
-                <a:lnTo>
-                  <a:pt x="0" y="113308"/>
-                </a:lnTo>
-                <a:lnTo>
-                  <a:pt x="117935" y="113308"/>
-                </a:lnTo>
-                <a:cubicBezTo>
-                  <a:pt x="117935" y="113308"/>
-                  <a:pt x="119881" y="98901"/>
-                  <a:pt x="102008" y="94250"/>
-                </a:cubicBezTo>
-                <a:cubicBezTo>
-                  <a:pt x="89485" y="90968"/>
-                  <a:pt x="95139" y="77472"/>
-                  <a:pt x="92190" y="68141"/>
-                </a:cubicBezTo>
-                <a:cubicBezTo>
-                  <a:pt x="88773" y="57366"/>
-                  <a:pt x="78869" y="50808"/>
-                  <a:pt x="68440" y="50808"/>
-                </a:cubicBezTo>
-                <a:cubicBezTo>
-                  <a:pt x="64953" y="50808"/>
-                  <a:pt x="61407" y="51541"/>
-                  <a:pt x="58025" y="53095"/>
-                </a:cubicBezTo>
-                <a:cubicBezTo>
-                  <a:pt x="53166" y="55347"/>
-                  <a:pt x="45940" y="60409"/>
-                  <a:pt x="39678" y="60409"/>
-                </a:cubicBezTo>
-                <a:cubicBezTo>
-                  <a:pt x="37911" y="60409"/>
-                  <a:pt x="36220" y="60005"/>
-                  <a:pt x="34681" y="59022"/>
-                </a:cubicBezTo>
-                <a:cubicBezTo>
-                  <a:pt x="26323" y="53703"/>
-                  <a:pt x="32341" y="38991"/>
-                  <a:pt x="33770" y="31635"/>
-                </a:cubicBezTo>
-                <a:cubicBezTo>
-                  <a:pt x="35381" y="23459"/>
-                  <a:pt x="36900" y="14249"/>
-                  <a:pt x="32858" y="6498"/>
-                </a:cubicBezTo>
-                <a:cubicBezTo>
-                  <a:pt x="30386" y="1757"/>
-                  <a:pt x="25599" y="1"/>
-                  <a:pt x="20594" y="1"/>
-                </a:cubicBezTo>
-                <a:close/>
-              </a:path>
-            </a:pathLst>
-          </a:custGeom>
-          <a:noFill/>
-          <a:ln>
-            <a:solidFill>
-              <a:srgbClr val="3D4D55"/>
-            </a:solidFill>
-          </a:ln>
-        </p:spPr>
-        <p:txBody>
-          <a:bodyPr spcFirstLastPara="1" wrap="square" lIns="91425" tIns="91425" rIns="91425" bIns="91425" anchor="ctr" anchorCtr="0">
-            <a:noAutofit/>
-          </a:bodyPr>
-          <a:lstStyle/>
-          <a:p>
-            <a:pPr marL="0" marR="0" lvl="0" indent="0" defTabSz="914400" eaLnBrk="1" fontAlgn="auto" latinLnBrk="0" hangingPunct="1">
-              <a:lnSpc>
-                <a:spcPct val="100000"/>
-              </a:lnSpc>
-              <a:spcBef>
-                <a:spcPts val="0"/>
-              </a:spcBef>
-              <a:spcAft>
-                <a:spcPts val="0"/>
-              </a:spcAft>
-              <a:buClr>
-                <a:srgbClr val="000000"/>
-              </a:buClr>
-              <a:buSzTx/>
-              <a:buFont typeface="Arial"/>
-              <a:buNone/>
-              <a:tabLst/>
-              <a:defRPr/>
-            </a:pPr>
-            <a:endParaRPr kumimoji="0" sz="1400" b="0" i="0" u="none" strike="noStrike" kern="0" cap="none" spc="0" normalizeH="0" baseline="0" noProof="0">
-              <a:ln>
-                <a:noFill/>
-              </a:ln>
-              <a:solidFill>
-                <a:srgbClr val="000000"/>
-              </a:solidFill>
-              <a:effectLst/>
-              <a:uLnTx/>
-              <a:uFillTx/>
-              <a:latin typeface="Arial"/>
-              <a:cs typeface="Arial"/>
-              <a:sym typeface="Arial"/>
-            </a:endParaRPr>
-          </a:p>
-        </p:txBody>
-      </p:sp>
-      <p:sp>
-        <p:nvSpPr>
-          <p:cNvPr id="2" name="Slide Number Placeholder 1">
-            <a:extLst>
-              <a:ext uri="{FF2B5EF4-FFF2-40B4-BE49-F238E27FC236}">
-                <a16:creationId xmlns:a16="http://schemas.microsoft.com/office/drawing/2014/main" id="{749BBD88-A4E5-6147-9010-7F2FA63B6611}"/>
-              </a:ext>
-            </a:extLst>
-          </p:cNvPr>
-          <p:cNvSpPr>
-            <a:spLocks noGrp="1"/>
-          </p:cNvSpPr>
-          <p:nvPr>
-            <p:ph type="sldNum" sz="quarter" idx="12"/>
-          </p:nvPr>
-        </p:nvSpPr>
-        <p:spPr/>
-        <p:txBody>
-          <a:bodyPr/>
-          <a:lstStyle/>
-          <a:p>
-            <a:fld id="{834E4636-1AC7-4593-8425-9A7E3B693646}" type="slidenum">
-              <a:rPr lang="pt-PT" smtClean="0"/>
-              <a:t>8</a:t>
-            </a:fld>
-            <a:endParaRPr lang="pt-PT"/>
-          </a:p>
-        </p:txBody>
-      </p:sp>
-    </p:spTree>
-    <p:extLst>
-      <p:ext uri="{BB962C8B-B14F-4D97-AF65-F5344CB8AC3E}">
-        <p14:creationId xmlns:p14="http://schemas.microsoft.com/office/powerpoint/2010/main" val="717832360"/>
       </p:ext>
     </p:extLst>
   </p:cSld>
@@ -20063,7 +21271,7 @@
         <p:spPr>
           <a:xfrm>
             <a:off x="593554" y="1256732"/>
-            <a:ext cx="10464517" cy="4736420"/>
+            <a:ext cx="8710103" cy="4736420"/>
           </a:xfrm>
         </p:spPr>
         <p:txBody>
@@ -20085,136 +21293,33 @@
                 <a:latin typeface="Arial" panose="020B0604020202020204" pitchFamily="34" charset="0"/>
                 <a:cs typeface="Arial" panose="020B0604020202020204" pitchFamily="34" charset="0"/>
               </a:rPr>
-              <a:t>Aplicação híbrida</a:t>
+              <a:t>Realizado com o </a:t>
             </a:r>
-          </a:p>
-          <a:p>
-            <a:pPr marL="800100" lvl="1" indent="-342900" algn="l">
-              <a:lnSpc>
-                <a:spcPct val="100000"/>
-              </a:lnSpc>
-              <a:buSzPct val="100000"/>
-              <a:buFont typeface="Wingdings" panose="05000000000000000000" pitchFamily="2" charset="2"/>
-              <a:buChar char="§"/>
-            </a:pPr>
             <a:r>
-              <a:rPr lang="pt-PT" dirty="0" err="1">
+              <a:rPr lang="pt-PT" sz="2000" dirty="0" err="1">
                 <a:latin typeface="Arial" panose="020B0604020202020204" pitchFamily="34" charset="0"/>
                 <a:cs typeface="Arial" panose="020B0604020202020204" pitchFamily="34" charset="0"/>
               </a:rPr>
-              <a:t>Multi-Page</a:t>
+              <a:t>middleware</a:t>
             </a:r>
             <a:r>
-              <a:rPr lang="pt-PT" dirty="0">
+              <a:rPr lang="pt-PT" sz="2000" dirty="0">
                 <a:latin typeface="Arial" panose="020B0604020202020204" pitchFamily="34" charset="0"/>
                 <a:cs typeface="Arial" panose="020B0604020202020204" pitchFamily="34" charset="0"/>
               </a:rPr>
               <a:t> </a:t>
             </a:r>
             <a:r>
-              <a:rPr lang="pt-PT" dirty="0" err="1">
+              <a:rPr lang="pt-PT" sz="2000" dirty="0" err="1">
                 <a:latin typeface="Arial" panose="020B0604020202020204" pitchFamily="34" charset="0"/>
                 <a:cs typeface="Arial" panose="020B0604020202020204" pitchFamily="34" charset="0"/>
               </a:rPr>
-              <a:t>Application</a:t>
+              <a:t>PassportJs</a:t>
             </a:r>
-            <a:r>
-              <a:rPr lang="pt-PT" dirty="0">
-                <a:latin typeface="Arial" panose="020B0604020202020204" pitchFamily="34" charset="0"/>
-                <a:cs typeface="Arial" panose="020B0604020202020204" pitchFamily="34" charset="0"/>
-              </a:rPr>
-              <a:t> – visão geral da aplicação</a:t>
-            </a:r>
-          </a:p>
-          <a:p>
-            <a:pPr marL="1257300" lvl="2" indent="-342900" algn="l">
-              <a:lnSpc>
-                <a:spcPct val="100000"/>
-              </a:lnSpc>
-              <a:buSzPct val="100000"/>
-              <a:buFont typeface="Arial" panose="020B0604020202020204" pitchFamily="34" charset="0"/>
-              <a:buChar char="•"/>
-            </a:pPr>
-            <a:r>
-              <a:rPr lang="pt-PT" sz="2000" dirty="0">
-                <a:latin typeface="Arial" panose="020B0604020202020204" pitchFamily="34" charset="0"/>
-                <a:cs typeface="Arial" panose="020B0604020202020204" pitchFamily="34" charset="0"/>
-              </a:rPr>
-              <a:t>Experiência de um utilizador não autenticado.</a:t>
-            </a:r>
-          </a:p>
-          <a:p>
-            <a:pPr marL="800100" lvl="1" indent="-342900" algn="l">
-              <a:lnSpc>
-                <a:spcPct val="100000"/>
-              </a:lnSpc>
-              <a:buSzPct val="100000"/>
-              <a:buFont typeface="Wingdings" panose="05000000000000000000" pitchFamily="2" charset="2"/>
-              <a:buChar char="§"/>
-            </a:pPr>
-            <a:r>
-              <a:rPr lang="pt-PT" dirty="0">
-                <a:latin typeface="Arial" panose="020B0604020202020204" pitchFamily="34" charset="0"/>
-                <a:cs typeface="Arial" panose="020B0604020202020204" pitchFamily="34" charset="0"/>
-              </a:rPr>
-              <a:t>Single-</a:t>
-            </a:r>
-            <a:r>
-              <a:rPr lang="pt-PT" dirty="0" err="1">
-                <a:latin typeface="Arial" panose="020B0604020202020204" pitchFamily="34" charset="0"/>
-                <a:cs typeface="Arial" panose="020B0604020202020204" pitchFamily="34" charset="0"/>
-              </a:rPr>
-              <a:t>Page</a:t>
-            </a:r>
-            <a:r>
-              <a:rPr lang="pt-PT" dirty="0">
-                <a:latin typeface="Arial" panose="020B0604020202020204" pitchFamily="34" charset="0"/>
-                <a:cs typeface="Arial" panose="020B0604020202020204" pitchFamily="34" charset="0"/>
-              </a:rPr>
-              <a:t> </a:t>
-            </a:r>
-            <a:r>
-              <a:rPr lang="pt-PT" dirty="0" err="1">
-                <a:latin typeface="Arial" panose="020B0604020202020204" pitchFamily="34" charset="0"/>
-                <a:cs typeface="Arial" panose="020B0604020202020204" pitchFamily="34" charset="0"/>
-              </a:rPr>
-              <a:t>Application</a:t>
-            </a:r>
-            <a:r>
-              <a:rPr lang="pt-PT" dirty="0">
-                <a:latin typeface="Arial" panose="020B0604020202020204" pitchFamily="34" charset="0"/>
-                <a:cs typeface="Arial" panose="020B0604020202020204" pitchFamily="34" charset="0"/>
-              </a:rPr>
-              <a:t> – visão de </a:t>
-            </a:r>
-            <a:r>
-              <a:rPr lang="pt-PT" dirty="0" err="1">
-                <a:latin typeface="Arial" panose="020B0604020202020204" pitchFamily="34" charset="0"/>
-                <a:cs typeface="Arial" panose="020B0604020202020204" pitchFamily="34" charset="0"/>
-              </a:rPr>
-              <a:t>dashboard</a:t>
-            </a:r>
-            <a:endParaRPr lang="pt-PT" dirty="0">
+            <a:endParaRPr lang="pt-PT" sz="2000" dirty="0">
               <a:latin typeface="Arial" panose="020B0604020202020204" pitchFamily="34" charset="0"/>
               <a:cs typeface="Arial" panose="020B0604020202020204" pitchFamily="34" charset="0"/>
             </a:endParaRPr>
-          </a:p>
-          <a:p>
-            <a:pPr marL="1257300" lvl="2" indent="-342900" algn="l">
-              <a:lnSpc>
-                <a:spcPct val="100000"/>
-              </a:lnSpc>
-              <a:buSzPct val="100000"/>
-              <a:buFont typeface="Arial" panose="020B0604020202020204" pitchFamily="34" charset="0"/>
-              <a:buChar char="•"/>
-            </a:pPr>
-            <a:r>
-              <a:rPr lang="pt-PT" sz="2000" dirty="0">
-                <a:latin typeface="Arial" panose="020B0604020202020204" pitchFamily="34" charset="0"/>
-                <a:cs typeface="Arial" panose="020B0604020202020204" pitchFamily="34" charset="0"/>
-              </a:rPr>
-              <a:t>Experiência de um utilizador após autenticação</a:t>
-            </a:r>
           </a:p>
           <a:p>
             <a:pPr marL="342900" indent="-342900" algn="l">
@@ -20230,19 +21335,8 @@
                 <a:latin typeface="Arial" panose="020B0604020202020204" pitchFamily="34" charset="0"/>
                 <a:cs typeface="Arial" panose="020B0604020202020204" pitchFamily="34" charset="0"/>
               </a:rPr>
-              <a:t>Desenvolvido com </a:t>
+              <a:t>Implementa uma estratégia local baseada em username e password</a:t>
             </a:r>
-            <a:r>
-              <a:rPr lang="pt-PT" sz="2000" dirty="0" err="1">
-                <a:latin typeface="Arial" panose="020B0604020202020204" pitchFamily="34" charset="0"/>
-                <a:cs typeface="Arial" panose="020B0604020202020204" pitchFamily="34" charset="0"/>
-              </a:rPr>
-              <a:t>React</a:t>
-            </a:r>
-            <a:endParaRPr lang="pt-PT" sz="2000" dirty="0">
-              <a:latin typeface="Arial" panose="020B0604020202020204" pitchFamily="34" charset="0"/>
-              <a:cs typeface="Arial" panose="020B0604020202020204" pitchFamily="34" charset="0"/>
-            </a:endParaRPr>
           </a:p>
           <a:p>
             <a:pPr marL="342900" indent="-342900" algn="l">
@@ -20258,32 +21352,19 @@
                 <a:latin typeface="Arial" panose="020B0604020202020204" pitchFamily="34" charset="0"/>
                 <a:cs typeface="Arial" panose="020B0604020202020204" pitchFamily="34" charset="0"/>
               </a:rPr>
-              <a:t>Roteamento da parte do cliente</a:t>
+              <a:t>Autenticação guardada na </a:t>
             </a:r>
-          </a:p>
-          <a:p>
-            <a:pPr marL="800100" lvl="1" indent="-342900" algn="l">
-              <a:lnSpc>
-                <a:spcPct val="100000"/>
-              </a:lnSpc>
-              <a:buSzPct val="100000"/>
-              <a:buFont typeface="Wingdings" panose="05000000000000000000" pitchFamily="2" charset="2"/>
-              <a:buChar char="§"/>
-            </a:pPr>
             <a:r>
-              <a:rPr lang="pt-PT" dirty="0" err="1">
+              <a:rPr lang="pt-PT" sz="2000" dirty="0" err="1">
                 <a:latin typeface="Arial" panose="020B0604020202020204" pitchFamily="34" charset="0"/>
                 <a:cs typeface="Arial" panose="020B0604020202020204" pitchFamily="34" charset="0"/>
               </a:rPr>
-              <a:t>React</a:t>
+              <a:t>session</a:t>
             </a:r>
-            <a:r>
-              <a:rPr lang="pt-PT" dirty="0">
-                <a:latin typeface="Arial" panose="020B0604020202020204" pitchFamily="34" charset="0"/>
-                <a:cs typeface="Arial" panose="020B0604020202020204" pitchFamily="34" charset="0"/>
-              </a:rPr>
-              <a:t> router v6</a:t>
-            </a:r>
+            <a:endParaRPr lang="pt-PT" sz="2000" dirty="0">
+              <a:latin typeface="Arial" panose="020B0604020202020204" pitchFamily="34" charset="0"/>
+              <a:cs typeface="Arial" panose="020B0604020202020204" pitchFamily="34" charset="0"/>
+            </a:endParaRPr>
           </a:p>
           <a:p>
             <a:pPr marL="342900" indent="-342900" algn="l">
@@ -20299,7 +21380,7 @@
                 <a:latin typeface="Arial" panose="020B0604020202020204" pitchFamily="34" charset="0"/>
                 <a:cs typeface="Arial" panose="020B0604020202020204" pitchFamily="34" charset="0"/>
               </a:rPr>
-              <a:t>CSR (Client Side Rendering)</a:t>
+              <a:t>Diferentes membros têm diferentes autorizações, consoante o seu papel no clube e a sua relação com a administração</a:t>
             </a:r>
           </a:p>
           <a:p>
@@ -20316,38 +21397,24 @@
                 <a:latin typeface="Arial" panose="020B0604020202020204" pitchFamily="34" charset="0"/>
                 <a:cs typeface="Arial" panose="020B0604020202020204" pitchFamily="34" charset="0"/>
               </a:rPr>
-              <a:t>Aplicação responsiva</a:t>
+              <a:t>Administradores têm permissão para aceder a todos os endpoints</a:t>
             </a:r>
           </a:p>
           <a:p>
-            <a:pPr marL="800100" lvl="1" indent="-342900" algn="l">
+            <a:pPr marL="342900" indent="-342900" algn="l">
               <a:lnSpc>
                 <a:spcPct val="100000"/>
               </a:lnSpc>
               <a:buSzPct val="100000"/>
-              <a:buFont typeface="Wingdings" panose="05000000000000000000" pitchFamily="2" charset="2"/>
-              <a:buChar char="§"/>
+              <a:buFont typeface="Tahoma" panose="020B0604030504040204" pitchFamily="34" charset="0"/>
+              <a:buChar char="●"/>
             </a:pPr>
             <a:r>
-              <a:rPr lang="pt-PT" dirty="0">
+              <a:rPr lang="pt-PT" sz="2000" dirty="0">
                 <a:latin typeface="Arial" panose="020B0604020202020204" pitchFamily="34" charset="0"/>
                 <a:cs typeface="Arial" panose="020B0604020202020204" pitchFamily="34" charset="0"/>
               </a:rPr>
-              <a:t>Utiliza a </a:t>
-            </a:r>
-            <a:r>
-              <a:rPr lang="pt-PT" dirty="0" err="1">
-                <a:latin typeface="Arial" panose="020B0604020202020204" pitchFamily="34" charset="0"/>
-                <a:cs typeface="Arial" panose="020B0604020202020204" pitchFamily="34" charset="0"/>
-              </a:rPr>
-              <a:t>framework</a:t>
-            </a:r>
-            <a:r>
-              <a:rPr lang="pt-PT" dirty="0">
-                <a:latin typeface="Arial" panose="020B0604020202020204" pitchFamily="34" charset="0"/>
-                <a:cs typeface="Arial" panose="020B0604020202020204" pitchFamily="34" charset="0"/>
-              </a:rPr>
-              <a:t> Material-UI</a:t>
+              <a:t>Membros não administrativos, podem apenas aceder aos endpoints relacionados com eles próprios </a:t>
             </a:r>
           </a:p>
         </p:txBody>
@@ -20665,25 +21732,22 @@
                 <a:cs typeface="Arial" panose="020B0604020202020204" pitchFamily="34" charset="0"/>
                 <a:sym typeface="Commissioner ExtraBold"/>
               </a:rPr>
-              <a:t>Cliente</a:t>
+              <a:t>Autenticação</a:t>
             </a:r>
-            <a:r>
-              <a:rPr kumimoji="0" lang="en-US" sz="5000" b="1" i="0" u="none" strike="noStrike" kern="0" cap="none" spc="0" normalizeH="0" baseline="0" noProof="0" dirty="0">
-                <a:ln>
-                  <a:noFill/>
-                </a:ln>
-                <a:solidFill>
-                  <a:srgbClr val="3D4D55"/>
-                </a:solidFill>
-                <a:effectLst/>
-                <a:uLnTx/>
-                <a:uFillTx/>
-                <a:latin typeface="Arial" panose="020B0604020202020204" pitchFamily="34" charset="0"/>
-                <a:cs typeface="Arial" panose="020B0604020202020204" pitchFamily="34" charset="0"/>
-                <a:sym typeface="Commissioner ExtraBold"/>
-              </a:rPr>
-              <a:t> Web</a:t>
-            </a:r>
+            <a:endParaRPr kumimoji="0" lang="en-US" sz="5000" b="1" i="0" u="none" strike="noStrike" kern="0" cap="none" spc="0" normalizeH="0" baseline="0" noProof="0" dirty="0">
+              <a:ln>
+                <a:noFill/>
+              </a:ln>
+              <a:solidFill>
+                <a:srgbClr val="3D4D55"/>
+              </a:solidFill>
+              <a:effectLst/>
+              <a:uLnTx/>
+              <a:uFillTx/>
+              <a:latin typeface="Arial" panose="020B0604020202020204" pitchFamily="34" charset="0"/>
+              <a:cs typeface="Arial" panose="020B0604020202020204" pitchFamily="34" charset="0"/>
+              <a:sym typeface="Commissioner ExtraBold"/>
+            </a:endParaRPr>
           </a:p>
         </p:txBody>
       </p:sp>
@@ -20778,7 +21842,7 @@
             </a:pathLst>
           </a:custGeom>
           <a:solidFill>
-            <a:srgbClr val="ACDBD3"/>
+            <a:srgbClr val="3D4D55"/>
           </a:solidFill>
           <a:ln>
             <a:noFill/>
@@ -20962,7 +22026,7 @@
             </a:pathLst>
           </a:custGeom>
           <a:solidFill>
-            <a:srgbClr val="3F4853"/>
+            <a:srgbClr val="ACDBD3"/>
           </a:solidFill>
           <a:ln>
             <a:noFill/>
@@ -21024,7 +22088,7 @@
         </p:nvSpPr>
         <p:spPr>
           <a:xfrm rot="18140219">
-            <a:off x="8441112" y="4410166"/>
+            <a:off x="8670966" y="4410165"/>
             <a:ext cx="3874663" cy="3662248"/>
           </a:xfrm>
           <a:custGeom>
@@ -21157,7 +22221,7 @@
           <p:cNvPr id="2" name="Slide Number Placeholder 1">
             <a:extLst>
               <a:ext uri="{FF2B5EF4-FFF2-40B4-BE49-F238E27FC236}">
-                <a16:creationId xmlns:a16="http://schemas.microsoft.com/office/drawing/2014/main" id="{57AF5AC8-D573-A81D-344D-E676EDF92889}"/>
+                <a16:creationId xmlns:a16="http://schemas.microsoft.com/office/drawing/2014/main" id="{749BBD88-A4E5-6147-9010-7F2FA63B6611}"/>
               </a:ext>
             </a:extLst>
           </p:cNvPr>
@@ -21184,7 +22248,7 @@
     </p:spTree>
     <p:extLst>
       <p:ext uri="{BB962C8B-B14F-4D97-AF65-F5344CB8AC3E}">
-        <p14:creationId xmlns:p14="http://schemas.microsoft.com/office/powerpoint/2010/main" val="1901076948"/>
+        <p14:creationId xmlns:p14="http://schemas.microsoft.com/office/powerpoint/2010/main" val="717832360"/>
       </p:ext>
     </p:extLst>
   </p:cSld>

--- a/docs/demonstration/demonstration.pptx
+++ b/docs/demonstration/demonstration.pptx
@@ -5156,8 +5156,8 @@
         </p:nvSpPr>
         <p:spPr>
           <a:xfrm>
-            <a:off x="1524000" y="3930635"/>
-            <a:ext cx="9144000" cy="1655762"/>
+            <a:off x="1524000" y="3567532"/>
+            <a:ext cx="9144000" cy="2018865"/>
           </a:xfrm>
         </p:spPr>
         <p:txBody>
@@ -5165,6 +5165,18 @@
             <a:normAutofit/>
           </a:bodyPr>
           <a:lstStyle/>
+          <a:p>
+            <a:r>
+              <a:rPr lang="pt-PT" sz="2000" b="1" dirty="0">
+                <a:solidFill>
+                  <a:srgbClr val="3D4D55"/>
+                </a:solidFill>
+                <a:latin typeface="Arial" panose="020B0604020202020204" pitchFamily="34" charset="0"/>
+                <a:cs typeface="Arial" panose="020B0604020202020204" pitchFamily="34" charset="0"/>
+              </a:rPr>
+              <a:t>Grupo 09</a:t>
+            </a:r>
+          </a:p>
           <a:p>
             <a:r>
               <a:rPr lang="pt-PT" sz="2000" dirty="0">
@@ -5246,7 +5258,7 @@
         </p:blipFill>
         <p:spPr>
           <a:xfrm>
-            <a:off x="6385972" y="1687955"/>
+            <a:off x="6385972" y="1475164"/>
             <a:ext cx="3810000" cy="1838325"/>
           </a:xfrm>
           <a:prstGeom prst="rect">
@@ -5309,7 +5321,7 @@
         </p:nvSpPr>
         <p:spPr>
           <a:xfrm>
-            <a:off x="1806259" y="1579756"/>
+            <a:off x="1806259" y="1366965"/>
             <a:ext cx="6885581" cy="2018864"/>
           </a:xfrm>
           <a:prstGeom prst="rect">
@@ -5703,7 +5715,7 @@
         </p:nvCxnSpPr>
         <p:spPr>
           <a:xfrm>
-            <a:off x="6095999" y="1579756"/>
+            <a:off x="6059488" y="1366965"/>
             <a:ext cx="0" cy="2018864"/>
           </a:xfrm>
           <a:prstGeom prst="line">

--- a/docs/demonstration/demonstration.pptx
+++ b/docs/demonstration/demonstration.pptx
@@ -5,24 +5,23 @@
     <p:sldMasterId id="2147483648" r:id="rId1"/>
   </p:sldMasterIdLst>
   <p:notesMasterIdLst>
-    <p:notesMasterId r:id="rId17"/>
+    <p:notesMasterId r:id="rId16"/>
   </p:notesMasterIdLst>
   <p:sldIdLst>
     <p:sldId id="256" r:id="rId2"/>
-    <p:sldId id="257" r:id="rId3"/>
-    <p:sldId id="277" r:id="rId4"/>
+    <p:sldId id="277" r:id="rId3"/>
+    <p:sldId id="257" r:id="rId4"/>
     <p:sldId id="259" r:id="rId5"/>
     <p:sldId id="269" r:id="rId6"/>
-    <p:sldId id="279" r:id="rId7"/>
-    <p:sldId id="270" r:id="rId8"/>
-    <p:sldId id="271" r:id="rId9"/>
-    <p:sldId id="272" r:id="rId10"/>
-    <p:sldId id="273" r:id="rId11"/>
-    <p:sldId id="278" r:id="rId12"/>
-    <p:sldId id="274" r:id="rId13"/>
-    <p:sldId id="265" r:id="rId14"/>
-    <p:sldId id="276" r:id="rId15"/>
-    <p:sldId id="275" r:id="rId16"/>
+    <p:sldId id="271" r:id="rId7"/>
+    <p:sldId id="272" r:id="rId8"/>
+    <p:sldId id="270" r:id="rId9"/>
+    <p:sldId id="273" r:id="rId10"/>
+    <p:sldId id="274" r:id="rId11"/>
+    <p:sldId id="279" r:id="rId12"/>
+    <p:sldId id="265" r:id="rId13"/>
+    <p:sldId id="276" r:id="rId14"/>
+    <p:sldId id="275" r:id="rId15"/>
   </p:sldIdLst>
   <p:sldSz cx="12192000" cy="6858000"/>
   <p:notesSz cx="6858000" cy="9144000"/>
@@ -397,7 +396,7 @@
           <a:p>
             <a:fld id="{AE2878C6-71D8-4CCA-BAA2-BDA9B09C4693}" type="datetimeFigureOut">
               <a:rPr lang="pt-PT" smtClean="0"/>
-              <a:t>09/05/2022</a:t>
+              <a:t>17/05/2022</a:t>
             </a:fld>
             <a:endParaRPr lang="pt-PT"/>
           </a:p>
@@ -555,7 +554,7 @@
           <a:p>
             <a:fld id="{94CA1B7B-AC94-4A5F-A3AF-BA18A1FB115E}" type="slidenum">
               <a:rPr lang="pt-PT" smtClean="0"/>
-              <a:t>‹nº›</a:t>
+              <a:t>‹#›</a:t>
             </a:fld>
             <a:endParaRPr lang="pt-PT"/>
           </a:p>
@@ -822,7 +821,7 @@
     </p:spTree>
     <p:extLst>
       <p:ext uri="{BB962C8B-B14F-4D97-AF65-F5344CB8AC3E}">
-        <p14:creationId xmlns:p14="http://schemas.microsoft.com/office/powerpoint/2010/main" val="4221033489"/>
+        <p14:creationId xmlns:p14="http://schemas.microsoft.com/office/powerpoint/2010/main" val="1357454804"/>
       </p:ext>
     </p:extLst>
   </p:cSld>
@@ -898,90 +897,6 @@
             <a:fld id="{94CA1B7B-AC94-4A5F-A3AF-BA18A1FB115E}" type="slidenum">
               <a:rPr lang="pt-PT" smtClean="0"/>
               <a:t>14</a:t>
-            </a:fld>
-            <a:endParaRPr lang="pt-PT"/>
-          </a:p>
-        </p:txBody>
-      </p:sp>
-    </p:spTree>
-    <p:extLst>
-      <p:ext uri="{BB962C8B-B14F-4D97-AF65-F5344CB8AC3E}">
-        <p14:creationId xmlns:p14="http://schemas.microsoft.com/office/powerpoint/2010/main" val="1357454804"/>
-      </p:ext>
-    </p:extLst>
-  </p:cSld>
-  <p:clrMapOvr>
-    <a:masterClrMapping/>
-  </p:clrMapOvr>
-</p:notes>
-</file>
-
-<file path=ppt/notesSlides/notesSlide12.xml><?xml version="1.0" encoding="utf-8"?>
-<p:notes xmlns:a="http://schemas.openxmlformats.org/drawingml/2006/main" xmlns:r="http://schemas.openxmlformats.org/officeDocument/2006/relationships" xmlns:p="http://schemas.openxmlformats.org/presentationml/2006/main">
-  <p:cSld>
-    <p:spTree>
-      <p:nvGrpSpPr>
-        <p:cNvPr id="1" name=""/>
-        <p:cNvGrpSpPr/>
-        <p:nvPr/>
-      </p:nvGrpSpPr>
-      <p:grpSpPr>
-        <a:xfrm>
-          <a:off x="0" y="0"/>
-          <a:ext cx="0" cy="0"/>
-          <a:chOff x="0" y="0"/>
-          <a:chExt cx="0" cy="0"/>
-        </a:xfrm>
-      </p:grpSpPr>
-      <p:sp>
-        <p:nvSpPr>
-          <p:cNvPr id="2" name="Marcador de Posição da Imagem do Diapositivo 1"/>
-          <p:cNvSpPr>
-            <a:spLocks noGrp="1" noRot="1" noChangeAspect="1"/>
-          </p:cNvSpPr>
-          <p:nvPr>
-            <p:ph type="sldImg"/>
-          </p:nvPr>
-        </p:nvSpPr>
-        <p:spPr/>
-      </p:sp>
-      <p:sp>
-        <p:nvSpPr>
-          <p:cNvPr id="3" name="Marcador de Posição de Notas 2"/>
-          <p:cNvSpPr>
-            <a:spLocks noGrp="1"/>
-          </p:cNvSpPr>
-          <p:nvPr>
-            <p:ph type="body" idx="1"/>
-          </p:nvPr>
-        </p:nvSpPr>
-        <p:spPr/>
-        <p:txBody>
-          <a:bodyPr/>
-          <a:lstStyle/>
-          <a:p>
-            <a:endParaRPr lang="pt-PT" dirty="0"/>
-          </a:p>
-        </p:txBody>
-      </p:sp>
-      <p:sp>
-        <p:nvSpPr>
-          <p:cNvPr id="4" name="Marcador de Posição do Número do Diapositivo 3"/>
-          <p:cNvSpPr>
-            <a:spLocks noGrp="1"/>
-          </p:cNvSpPr>
-          <p:nvPr>
-            <p:ph type="sldNum" sz="quarter" idx="5"/>
-          </p:nvPr>
-        </p:nvSpPr>
-        <p:spPr/>
-        <p:txBody>
-          <a:bodyPr/>
-          <a:lstStyle/>
-          <a:p>
-            <a:fld id="{94CA1B7B-AC94-4A5F-A3AF-BA18A1FB115E}" type="slidenum">
-              <a:rPr lang="pt-PT" smtClean="0"/>
-              <a:t>15</a:t>
             </a:fld>
             <a:endParaRPr lang="pt-PT"/>
           </a:p>
@@ -1158,7 +1073,7 @@
     </p:spTree>
     <p:extLst>
       <p:ext uri="{BB962C8B-B14F-4D97-AF65-F5344CB8AC3E}">
-        <p14:creationId xmlns:p14="http://schemas.microsoft.com/office/powerpoint/2010/main" val="948851562"/>
+        <p14:creationId xmlns:p14="http://schemas.microsoft.com/office/powerpoint/2010/main" val="3467865903"/>
       </p:ext>
     </p:extLst>
   </p:cSld>
@@ -1242,7 +1157,7 @@
     </p:spTree>
     <p:extLst>
       <p:ext uri="{BB962C8B-B14F-4D97-AF65-F5344CB8AC3E}">
-        <p14:creationId xmlns:p14="http://schemas.microsoft.com/office/powerpoint/2010/main" val="1949837133"/>
+        <p14:creationId xmlns:p14="http://schemas.microsoft.com/office/powerpoint/2010/main" val="3568146495"/>
       </p:ext>
     </p:extLst>
   </p:cSld>
@@ -1326,7 +1241,7 @@
     </p:spTree>
     <p:extLst>
       <p:ext uri="{BB962C8B-B14F-4D97-AF65-F5344CB8AC3E}">
-        <p14:creationId xmlns:p14="http://schemas.microsoft.com/office/powerpoint/2010/main" val="3467865903"/>
+        <p14:creationId xmlns:p14="http://schemas.microsoft.com/office/powerpoint/2010/main" val="1949837133"/>
       </p:ext>
     </p:extLst>
   </p:cSld>
@@ -1410,7 +1325,7 @@
     </p:spTree>
     <p:extLst>
       <p:ext uri="{BB962C8B-B14F-4D97-AF65-F5344CB8AC3E}">
-        <p14:creationId xmlns:p14="http://schemas.microsoft.com/office/powerpoint/2010/main" val="3568146495"/>
+        <p14:creationId xmlns:p14="http://schemas.microsoft.com/office/powerpoint/2010/main" val="1154179291"/>
       </p:ext>
     </p:extLst>
   </p:cSld>
@@ -1494,7 +1409,7 @@
     </p:spTree>
     <p:extLst>
       <p:ext uri="{BB962C8B-B14F-4D97-AF65-F5344CB8AC3E}">
-        <p14:creationId xmlns:p14="http://schemas.microsoft.com/office/powerpoint/2010/main" val="1154179291"/>
+        <p14:creationId xmlns:p14="http://schemas.microsoft.com/office/powerpoint/2010/main" val="356707761"/>
       </p:ext>
     </p:extLst>
   </p:cSld>
@@ -1578,7 +1493,7 @@
     </p:spTree>
     <p:extLst>
       <p:ext uri="{BB962C8B-B14F-4D97-AF65-F5344CB8AC3E}">
-        <p14:creationId xmlns:p14="http://schemas.microsoft.com/office/powerpoint/2010/main" val="1950631954"/>
+        <p14:creationId xmlns:p14="http://schemas.microsoft.com/office/powerpoint/2010/main" val="948851562"/>
       </p:ext>
     </p:extLst>
   </p:cSld>
@@ -1662,7 +1577,7 @@
     </p:spTree>
     <p:extLst>
       <p:ext uri="{BB962C8B-B14F-4D97-AF65-F5344CB8AC3E}">
-        <p14:creationId xmlns:p14="http://schemas.microsoft.com/office/powerpoint/2010/main" val="356707761"/>
+        <p14:creationId xmlns:p14="http://schemas.microsoft.com/office/powerpoint/2010/main" val="4221033489"/>
       </p:ext>
     </p:extLst>
   </p:cSld>
@@ -1819,7 +1734,7 @@
           <a:p>
             <a:fld id="{71E8F39A-2FD0-4B84-8CE2-B235B2217E9A}" type="datetime1">
               <a:rPr lang="pt-PT" smtClean="0"/>
-              <a:t>09/05/2022</a:t>
+              <a:t>17/05/2022</a:t>
             </a:fld>
             <a:endParaRPr lang="pt-PT"/>
           </a:p>
@@ -1873,7 +1788,7 @@
           <a:p>
             <a:fld id="{834E4636-1AC7-4593-8425-9A7E3B693646}" type="slidenum">
               <a:rPr lang="pt-PT" smtClean="0"/>
-              <a:t>‹nº›</a:t>
+              <a:t>‹#›</a:t>
             </a:fld>
             <a:endParaRPr lang="pt-PT"/>
           </a:p>
@@ -2017,7 +1932,7 @@
           <a:p>
             <a:fld id="{476DE7D9-5358-409F-B54B-B36C5B5CAEAE}" type="datetime1">
               <a:rPr lang="pt-PT" smtClean="0"/>
-              <a:t>09/05/2022</a:t>
+              <a:t>17/05/2022</a:t>
             </a:fld>
             <a:endParaRPr lang="pt-PT"/>
           </a:p>
@@ -2071,7 +1986,7 @@
           <a:p>
             <a:fld id="{834E4636-1AC7-4593-8425-9A7E3B693646}" type="slidenum">
               <a:rPr lang="pt-PT" smtClean="0"/>
-              <a:t>‹nº›</a:t>
+              <a:t>‹#›</a:t>
             </a:fld>
             <a:endParaRPr lang="pt-PT"/>
           </a:p>
@@ -2225,7 +2140,7 @@
           <a:p>
             <a:fld id="{81C46145-D87A-4E31-8E4A-B7DA916B4134}" type="datetime1">
               <a:rPr lang="pt-PT" smtClean="0"/>
-              <a:t>09/05/2022</a:t>
+              <a:t>17/05/2022</a:t>
             </a:fld>
             <a:endParaRPr lang="pt-PT"/>
           </a:p>
@@ -2279,7 +2194,7 @@
           <a:p>
             <a:fld id="{834E4636-1AC7-4593-8425-9A7E3B693646}" type="slidenum">
               <a:rPr lang="pt-PT" smtClean="0"/>
-              <a:t>‹nº›</a:t>
+              <a:t>‹#›</a:t>
             </a:fld>
             <a:endParaRPr lang="pt-PT"/>
           </a:p>
@@ -2423,7 +2338,7 @@
           <a:p>
             <a:fld id="{B0762F41-A4A9-4B81-B0FE-157A422CC113}" type="datetime1">
               <a:rPr lang="pt-PT" smtClean="0"/>
-              <a:t>09/05/2022</a:t>
+              <a:t>17/05/2022</a:t>
             </a:fld>
             <a:endParaRPr lang="pt-PT"/>
           </a:p>
@@ -2477,7 +2392,7 @@
           <a:p>
             <a:fld id="{834E4636-1AC7-4593-8425-9A7E3B693646}" type="slidenum">
               <a:rPr lang="pt-PT" smtClean="0"/>
-              <a:t>‹nº›</a:t>
+              <a:t>‹#›</a:t>
             </a:fld>
             <a:endParaRPr lang="pt-PT"/>
           </a:p>
@@ -2698,7 +2613,7 @@
           <a:p>
             <a:fld id="{8A6FE2CF-506A-44EE-9CDB-9CA32A0EA254}" type="datetime1">
               <a:rPr lang="pt-PT" smtClean="0"/>
-              <a:t>09/05/2022</a:t>
+              <a:t>17/05/2022</a:t>
             </a:fld>
             <a:endParaRPr lang="pt-PT"/>
           </a:p>
@@ -2752,7 +2667,7 @@
           <a:p>
             <a:fld id="{834E4636-1AC7-4593-8425-9A7E3B693646}" type="slidenum">
               <a:rPr lang="pt-PT" smtClean="0"/>
-              <a:t>‹nº›</a:t>
+              <a:t>‹#›</a:t>
             </a:fld>
             <a:endParaRPr lang="pt-PT"/>
           </a:p>
@@ -2963,7 +2878,7 @@
           <a:p>
             <a:fld id="{4D093144-108E-4ABB-B5EE-989550599024}" type="datetime1">
               <a:rPr lang="pt-PT" smtClean="0"/>
-              <a:t>09/05/2022</a:t>
+              <a:t>17/05/2022</a:t>
             </a:fld>
             <a:endParaRPr lang="pt-PT"/>
           </a:p>
@@ -3017,7 +2932,7 @@
           <a:p>
             <a:fld id="{834E4636-1AC7-4593-8425-9A7E3B693646}" type="slidenum">
               <a:rPr lang="pt-PT" smtClean="0"/>
-              <a:t>‹nº›</a:t>
+              <a:t>‹#›</a:t>
             </a:fld>
             <a:endParaRPr lang="pt-PT"/>
           </a:p>
@@ -3375,7 +3290,7 @@
           <a:p>
             <a:fld id="{71037909-39AA-4969-A8DE-541654EC4B3C}" type="datetime1">
               <a:rPr lang="pt-PT" smtClean="0"/>
-              <a:t>09/05/2022</a:t>
+              <a:t>17/05/2022</a:t>
             </a:fld>
             <a:endParaRPr lang="pt-PT"/>
           </a:p>
@@ -3429,7 +3344,7 @@
           <a:p>
             <a:fld id="{834E4636-1AC7-4593-8425-9A7E3B693646}" type="slidenum">
               <a:rPr lang="pt-PT" smtClean="0"/>
-              <a:t>‹nº›</a:t>
+              <a:t>‹#›</a:t>
             </a:fld>
             <a:endParaRPr lang="pt-PT"/>
           </a:p>
@@ -3516,7 +3431,7 @@
           <a:p>
             <a:fld id="{2925BD8D-BF4A-433C-8BD2-12F51FF2706D}" type="datetime1">
               <a:rPr lang="pt-PT" smtClean="0"/>
-              <a:t>09/05/2022</a:t>
+              <a:t>17/05/2022</a:t>
             </a:fld>
             <a:endParaRPr lang="pt-PT"/>
           </a:p>
@@ -3570,7 +3485,7 @@
           <a:p>
             <a:fld id="{834E4636-1AC7-4593-8425-9A7E3B693646}" type="slidenum">
               <a:rPr lang="pt-PT" smtClean="0"/>
-              <a:t>‹nº›</a:t>
+              <a:t>‹#›</a:t>
             </a:fld>
             <a:endParaRPr lang="pt-PT"/>
           </a:p>
@@ -3629,7 +3544,7 @@
           <a:p>
             <a:fld id="{8154E443-2AAA-469F-ABFA-1C5467D579D4}" type="datetime1">
               <a:rPr lang="pt-PT" smtClean="0"/>
-              <a:t>09/05/2022</a:t>
+              <a:t>17/05/2022</a:t>
             </a:fld>
             <a:endParaRPr lang="pt-PT"/>
           </a:p>
@@ -3683,7 +3598,7 @@
           <a:p>
             <a:fld id="{834E4636-1AC7-4593-8425-9A7E3B693646}" type="slidenum">
               <a:rPr lang="pt-PT" smtClean="0"/>
-              <a:t>‹nº›</a:t>
+              <a:t>‹#›</a:t>
             </a:fld>
             <a:endParaRPr lang="pt-PT"/>
           </a:p>
@@ -3940,7 +3855,7 @@
           <a:p>
             <a:fld id="{530DAAB8-059A-4AA6-9B4B-B3069E6F3839}" type="datetime1">
               <a:rPr lang="pt-PT" smtClean="0"/>
-              <a:t>09/05/2022</a:t>
+              <a:t>17/05/2022</a:t>
             </a:fld>
             <a:endParaRPr lang="pt-PT"/>
           </a:p>
@@ -3994,7 +3909,7 @@
           <a:p>
             <a:fld id="{834E4636-1AC7-4593-8425-9A7E3B693646}" type="slidenum">
               <a:rPr lang="pt-PT" smtClean="0"/>
-              <a:t>‹nº›</a:t>
+              <a:t>‹#›</a:t>
             </a:fld>
             <a:endParaRPr lang="pt-PT"/>
           </a:p>
@@ -4228,7 +4143,7 @@
           <a:p>
             <a:fld id="{5E0E70E8-D5C9-4440-8F9C-97207B2B1563}" type="datetime1">
               <a:rPr lang="pt-PT" smtClean="0"/>
-              <a:t>09/05/2022</a:t>
+              <a:t>17/05/2022</a:t>
             </a:fld>
             <a:endParaRPr lang="pt-PT"/>
           </a:p>
@@ -4282,7 +4197,7 @@
           <a:p>
             <a:fld id="{834E4636-1AC7-4593-8425-9A7E3B693646}" type="slidenum">
               <a:rPr lang="pt-PT" smtClean="0"/>
-              <a:t>‹nº›</a:t>
+              <a:t>‹#›</a:t>
             </a:fld>
             <a:endParaRPr lang="pt-PT"/>
           </a:p>
@@ -4469,7 +4384,7 @@
           <a:p>
             <a:fld id="{DC24F65C-C974-4992-BD7A-F0053110CB9D}" type="datetime1">
               <a:rPr lang="pt-PT" smtClean="0"/>
-              <a:t>09/05/2022</a:t>
+              <a:t>17/05/2022</a:t>
             </a:fld>
             <a:endParaRPr lang="pt-PT"/>
           </a:p>
@@ -4559,7 +4474,7 @@
           <a:p>
             <a:fld id="{834E4636-1AC7-4593-8425-9A7E3B693646}" type="slidenum">
               <a:rPr lang="pt-PT" smtClean="0"/>
-              <a:t>‹nº›</a:t>
+              <a:t>‹#›</a:t>
             </a:fld>
             <a:endParaRPr lang="pt-PT"/>
           </a:p>
@@ -6463,2456 +6378,6 @@
           <a:chExt cx="0" cy="0"/>
         </a:xfrm>
       </p:grpSpPr>
-      <p:sp>
-        <p:nvSpPr>
-          <p:cNvPr id="5" name="Subtítulo 4">
-            <a:extLst>
-              <a:ext uri="{FF2B5EF4-FFF2-40B4-BE49-F238E27FC236}">
-                <a16:creationId xmlns:a16="http://schemas.microsoft.com/office/drawing/2014/main" id="{0BBF98B1-EA66-EABA-F256-D9EE9AB32E0B}"/>
-              </a:ext>
-            </a:extLst>
-          </p:cNvPr>
-          <p:cNvSpPr>
-            <a:spLocks noGrp="1"/>
-          </p:cNvSpPr>
-          <p:nvPr>
-            <p:ph type="subTitle" idx="1"/>
-          </p:nvPr>
-        </p:nvSpPr>
-        <p:spPr>
-          <a:xfrm>
-            <a:off x="593554" y="1256732"/>
-            <a:ext cx="10464517" cy="4736420"/>
-          </a:xfrm>
-        </p:spPr>
-        <p:txBody>
-          <a:bodyPr>
-            <a:normAutofit/>
-          </a:bodyPr>
-          <a:lstStyle/>
-          <a:p>
-            <a:pPr marL="342900" indent="-342900" algn="l">
-              <a:lnSpc>
-                <a:spcPct val="100000"/>
-              </a:lnSpc>
-              <a:buSzPct val="100000"/>
-              <a:buFont typeface="Tahoma" panose="020B0604030504040204" pitchFamily="34" charset="0"/>
-              <a:buChar char="●"/>
-            </a:pPr>
-            <a:r>
-              <a:rPr lang="pt-PT" sz="2000" dirty="0">
-                <a:latin typeface="Arial" panose="020B0604020202020204" pitchFamily="34" charset="0"/>
-                <a:cs typeface="Arial" panose="020B0604020202020204" pitchFamily="34" charset="0"/>
-              </a:rPr>
-              <a:t>Single </a:t>
-            </a:r>
-            <a:r>
-              <a:rPr lang="pt-PT" sz="2000" dirty="0" err="1">
-                <a:latin typeface="Arial" panose="020B0604020202020204" pitchFamily="34" charset="0"/>
-                <a:cs typeface="Arial" panose="020B0604020202020204" pitchFamily="34" charset="0"/>
-              </a:rPr>
-              <a:t>Page</a:t>
-            </a:r>
-            <a:r>
-              <a:rPr lang="pt-PT" sz="2000" dirty="0">
-                <a:latin typeface="Arial" panose="020B0604020202020204" pitchFamily="34" charset="0"/>
-                <a:cs typeface="Arial" panose="020B0604020202020204" pitchFamily="34" charset="0"/>
-              </a:rPr>
-              <a:t> </a:t>
-            </a:r>
-            <a:r>
-              <a:rPr lang="pt-PT" sz="2000" dirty="0" err="1">
-                <a:latin typeface="Arial" panose="020B0604020202020204" pitchFamily="34" charset="0"/>
-                <a:cs typeface="Arial" panose="020B0604020202020204" pitchFamily="34" charset="0"/>
-              </a:rPr>
-              <a:t>Application</a:t>
-            </a:r>
-            <a:endParaRPr lang="pt-PT" sz="2000" dirty="0">
-              <a:latin typeface="Arial" panose="020B0604020202020204" pitchFamily="34" charset="0"/>
-              <a:cs typeface="Arial" panose="020B0604020202020204" pitchFamily="34" charset="0"/>
-            </a:endParaRPr>
-          </a:p>
-          <a:p>
-            <a:pPr marL="342900" indent="-342900" algn="l">
-              <a:lnSpc>
-                <a:spcPct val="100000"/>
-              </a:lnSpc>
-              <a:buSzPct val="100000"/>
-              <a:buFont typeface="Tahoma" panose="020B0604030504040204" pitchFamily="34" charset="0"/>
-              <a:buChar char="●"/>
-            </a:pPr>
-            <a:r>
-              <a:rPr lang="pt-PT" sz="2000" dirty="0">
-                <a:latin typeface="Arial" panose="020B0604020202020204" pitchFamily="34" charset="0"/>
-                <a:cs typeface="Arial" panose="020B0604020202020204" pitchFamily="34" charset="0"/>
-              </a:rPr>
-              <a:t>Desenvolvido com </a:t>
-            </a:r>
-            <a:r>
-              <a:rPr lang="pt-PT" sz="2000" dirty="0" err="1">
-                <a:latin typeface="Arial" panose="020B0604020202020204" pitchFamily="34" charset="0"/>
-                <a:cs typeface="Arial" panose="020B0604020202020204" pitchFamily="34" charset="0"/>
-              </a:rPr>
-              <a:t>React</a:t>
-            </a:r>
-            <a:endParaRPr lang="pt-PT" sz="2000" dirty="0">
-              <a:latin typeface="Arial" panose="020B0604020202020204" pitchFamily="34" charset="0"/>
-              <a:cs typeface="Arial" panose="020B0604020202020204" pitchFamily="34" charset="0"/>
-            </a:endParaRPr>
-          </a:p>
-          <a:p>
-            <a:pPr marL="342900" indent="-342900" algn="l">
-              <a:lnSpc>
-                <a:spcPct val="100000"/>
-              </a:lnSpc>
-              <a:buSzPct val="100000"/>
-              <a:buFont typeface="Tahoma" panose="020B0604030504040204" pitchFamily="34" charset="0"/>
-              <a:buChar char="●"/>
-            </a:pPr>
-            <a:r>
-              <a:rPr lang="pt-PT" sz="2000" dirty="0">
-                <a:latin typeface="Arial" panose="020B0604020202020204" pitchFamily="34" charset="0"/>
-                <a:cs typeface="Arial" panose="020B0604020202020204" pitchFamily="34" charset="0"/>
-              </a:rPr>
-              <a:t>Roteamento da parte do cliente</a:t>
-            </a:r>
-          </a:p>
-          <a:p>
-            <a:pPr marL="800100" lvl="1" indent="-342900" algn="l">
-              <a:lnSpc>
-                <a:spcPct val="100000"/>
-              </a:lnSpc>
-              <a:buSzPct val="100000"/>
-              <a:buFont typeface="Wingdings" panose="05000000000000000000" pitchFamily="2" charset="2"/>
-              <a:buChar char="§"/>
-            </a:pPr>
-            <a:r>
-              <a:rPr lang="pt-PT" dirty="0" err="1">
-                <a:latin typeface="Arial" panose="020B0604020202020204" pitchFamily="34" charset="0"/>
-                <a:cs typeface="Arial" panose="020B0604020202020204" pitchFamily="34" charset="0"/>
-              </a:rPr>
-              <a:t>React</a:t>
-            </a:r>
-            <a:r>
-              <a:rPr lang="pt-PT" dirty="0">
-                <a:latin typeface="Arial" panose="020B0604020202020204" pitchFamily="34" charset="0"/>
-                <a:cs typeface="Arial" panose="020B0604020202020204" pitchFamily="34" charset="0"/>
-              </a:rPr>
-              <a:t>-Router v6</a:t>
-            </a:r>
-          </a:p>
-          <a:p>
-            <a:pPr marL="342900" indent="-342900" algn="l">
-              <a:lnSpc>
-                <a:spcPct val="100000"/>
-              </a:lnSpc>
-              <a:buSzPct val="100000"/>
-              <a:buFont typeface="Tahoma" panose="020B0604030504040204" pitchFamily="34" charset="0"/>
-              <a:buChar char="●"/>
-            </a:pPr>
-            <a:r>
-              <a:rPr lang="pt-PT" sz="2000" dirty="0">
-                <a:latin typeface="Arial" panose="020B0604020202020204" pitchFamily="34" charset="0"/>
-                <a:cs typeface="Arial" panose="020B0604020202020204" pitchFamily="34" charset="0"/>
-              </a:rPr>
-              <a:t>CSR (Client Side Rendering)</a:t>
-            </a:r>
-          </a:p>
-          <a:p>
-            <a:pPr marL="342900" indent="-342900" algn="l">
-              <a:lnSpc>
-                <a:spcPct val="100000"/>
-              </a:lnSpc>
-              <a:buSzPct val="100000"/>
-              <a:buFont typeface="Tahoma" panose="020B0604030504040204" pitchFamily="34" charset="0"/>
-              <a:buChar char="●"/>
-            </a:pPr>
-            <a:r>
-              <a:rPr lang="pt-PT" sz="2000" dirty="0">
-                <a:latin typeface="Arial" panose="020B0604020202020204" pitchFamily="34" charset="0"/>
-                <a:cs typeface="Arial" panose="020B0604020202020204" pitchFamily="34" charset="0"/>
-              </a:rPr>
-              <a:t>Aplicação responsiva</a:t>
-            </a:r>
-          </a:p>
-          <a:p>
-            <a:pPr marL="800100" lvl="1" indent="-342900" algn="l">
-              <a:lnSpc>
-                <a:spcPct val="100000"/>
-              </a:lnSpc>
-              <a:buSzPct val="100000"/>
-              <a:buFont typeface="Wingdings" panose="05000000000000000000" pitchFamily="2" charset="2"/>
-              <a:buChar char="§"/>
-            </a:pPr>
-            <a:r>
-              <a:rPr lang="pt-PT" dirty="0">
-                <a:latin typeface="Arial" panose="020B0604020202020204" pitchFamily="34" charset="0"/>
-                <a:cs typeface="Arial" panose="020B0604020202020204" pitchFamily="34" charset="0"/>
-              </a:rPr>
-              <a:t>Utiliza a </a:t>
-            </a:r>
-            <a:r>
-              <a:rPr lang="pt-PT" dirty="0" err="1">
-                <a:latin typeface="Arial" panose="020B0604020202020204" pitchFamily="34" charset="0"/>
-                <a:cs typeface="Arial" panose="020B0604020202020204" pitchFamily="34" charset="0"/>
-              </a:rPr>
-              <a:t>framework</a:t>
-            </a:r>
-            <a:r>
-              <a:rPr lang="pt-PT" dirty="0">
-                <a:latin typeface="Arial" panose="020B0604020202020204" pitchFamily="34" charset="0"/>
-                <a:cs typeface="Arial" panose="020B0604020202020204" pitchFamily="34" charset="0"/>
-              </a:rPr>
-              <a:t> Material-UI</a:t>
-            </a:r>
-          </a:p>
-        </p:txBody>
-      </p:sp>
-      <p:sp>
-        <p:nvSpPr>
-          <p:cNvPr id="7" name="Google Shape;296;p37">
-            <a:extLst>
-              <a:ext uri="{FF2B5EF4-FFF2-40B4-BE49-F238E27FC236}">
-                <a16:creationId xmlns:a16="http://schemas.microsoft.com/office/drawing/2014/main" id="{3D7AB695-BD0C-4E75-8783-E697EBED0E05}"/>
-              </a:ext>
-            </a:extLst>
-          </p:cNvPr>
-          <p:cNvSpPr txBox="1">
-            <a:spLocks/>
-          </p:cNvSpPr>
-          <p:nvPr/>
-        </p:nvSpPr>
-        <p:spPr>
-          <a:xfrm>
-            <a:off x="593554" y="383132"/>
-            <a:ext cx="6885581" cy="631554"/>
-          </a:xfrm>
-          <a:prstGeom prst="rect">
-            <a:avLst/>
-          </a:prstGeom>
-          <a:noFill/>
-          <a:ln>
-            <a:noFill/>
-          </a:ln>
-        </p:spPr>
-        <p:txBody>
-          <a:bodyPr spcFirstLastPara="1" wrap="square" lIns="0" tIns="0" rIns="0" bIns="0" anchor="t" anchorCtr="0">
-            <a:noAutofit/>
-          </a:bodyPr>
-          <a:lstStyle>
-            <a:defPPr marR="0" lvl="0" algn="l" rtl="0">
-              <a:lnSpc>
-                <a:spcPct val="100000"/>
-              </a:lnSpc>
-              <a:spcBef>
-                <a:spcPts val="0"/>
-              </a:spcBef>
-              <a:spcAft>
-                <a:spcPts val="0"/>
-              </a:spcAft>
-            </a:defPPr>
-            <a:lvl1pPr marL="0" marR="0" lvl="0" indent="0" algn="l" rtl="0">
-              <a:lnSpc>
-                <a:spcPct val="90000"/>
-              </a:lnSpc>
-              <a:spcBef>
-                <a:spcPts val="0"/>
-              </a:spcBef>
-              <a:spcAft>
-                <a:spcPts val="0"/>
-              </a:spcAft>
-              <a:buClr>
-                <a:schemeClr val="dk2"/>
-              </a:buClr>
-              <a:buSzPts val="5200"/>
-              <a:buFont typeface="Commissioner"/>
-              <a:buNone/>
-              <a:defRPr sz="5000" b="0" i="0" u="none" strike="noStrike" cap="none">
-                <a:solidFill>
-                  <a:schemeClr val="dk2"/>
-                </a:solidFill>
-                <a:latin typeface="Commissioner ExtraBold"/>
-                <a:ea typeface="Commissioner ExtraBold"/>
-                <a:cs typeface="Commissioner ExtraBold"/>
-                <a:sym typeface="Commissioner ExtraBold"/>
-              </a:defRPr>
-            </a:lvl1pPr>
-            <a:lvl2pPr marR="0" lvl="1" algn="ctr" rtl="0">
-              <a:lnSpc>
-                <a:spcPct val="100000"/>
-              </a:lnSpc>
-              <a:spcBef>
-                <a:spcPts val="0"/>
-              </a:spcBef>
-              <a:spcAft>
-                <a:spcPts val="0"/>
-              </a:spcAft>
-              <a:buClr>
-                <a:schemeClr val="dk2"/>
-              </a:buClr>
-              <a:buSzPts val="5200"/>
-              <a:buFont typeface="Barlow SemiBold"/>
-              <a:buNone/>
-              <a:defRPr sz="5200" b="0" i="0" u="none" strike="noStrike" cap="none">
-                <a:solidFill>
-                  <a:schemeClr val="dk2"/>
-                </a:solidFill>
-                <a:latin typeface="Barlow SemiBold"/>
-                <a:ea typeface="Barlow SemiBold"/>
-                <a:cs typeface="Barlow SemiBold"/>
-                <a:sym typeface="Barlow SemiBold"/>
-              </a:defRPr>
-            </a:lvl2pPr>
-            <a:lvl3pPr marR="0" lvl="2" algn="ctr" rtl="0">
-              <a:lnSpc>
-                <a:spcPct val="100000"/>
-              </a:lnSpc>
-              <a:spcBef>
-                <a:spcPts val="0"/>
-              </a:spcBef>
-              <a:spcAft>
-                <a:spcPts val="0"/>
-              </a:spcAft>
-              <a:buClr>
-                <a:schemeClr val="dk2"/>
-              </a:buClr>
-              <a:buSzPts val="5200"/>
-              <a:buFont typeface="Barlow SemiBold"/>
-              <a:buNone/>
-              <a:defRPr sz="5200" b="0" i="0" u="none" strike="noStrike" cap="none">
-                <a:solidFill>
-                  <a:schemeClr val="dk2"/>
-                </a:solidFill>
-                <a:latin typeface="Barlow SemiBold"/>
-                <a:ea typeface="Barlow SemiBold"/>
-                <a:cs typeface="Barlow SemiBold"/>
-                <a:sym typeface="Barlow SemiBold"/>
-              </a:defRPr>
-            </a:lvl3pPr>
-            <a:lvl4pPr marR="0" lvl="3" algn="ctr" rtl="0">
-              <a:lnSpc>
-                <a:spcPct val="100000"/>
-              </a:lnSpc>
-              <a:spcBef>
-                <a:spcPts val="0"/>
-              </a:spcBef>
-              <a:spcAft>
-                <a:spcPts val="0"/>
-              </a:spcAft>
-              <a:buClr>
-                <a:schemeClr val="dk2"/>
-              </a:buClr>
-              <a:buSzPts val="5200"/>
-              <a:buFont typeface="Barlow SemiBold"/>
-              <a:buNone/>
-              <a:defRPr sz="5200" b="0" i="0" u="none" strike="noStrike" cap="none">
-                <a:solidFill>
-                  <a:schemeClr val="dk2"/>
-                </a:solidFill>
-                <a:latin typeface="Barlow SemiBold"/>
-                <a:ea typeface="Barlow SemiBold"/>
-                <a:cs typeface="Barlow SemiBold"/>
-                <a:sym typeface="Barlow SemiBold"/>
-              </a:defRPr>
-            </a:lvl4pPr>
-            <a:lvl5pPr marR="0" lvl="4" algn="ctr" rtl="0">
-              <a:lnSpc>
-                <a:spcPct val="100000"/>
-              </a:lnSpc>
-              <a:spcBef>
-                <a:spcPts val="0"/>
-              </a:spcBef>
-              <a:spcAft>
-                <a:spcPts val="0"/>
-              </a:spcAft>
-              <a:buClr>
-                <a:schemeClr val="dk2"/>
-              </a:buClr>
-              <a:buSzPts val="5200"/>
-              <a:buFont typeface="Barlow SemiBold"/>
-              <a:buNone/>
-              <a:defRPr sz="5200" b="0" i="0" u="none" strike="noStrike" cap="none">
-                <a:solidFill>
-                  <a:schemeClr val="dk2"/>
-                </a:solidFill>
-                <a:latin typeface="Barlow SemiBold"/>
-                <a:ea typeface="Barlow SemiBold"/>
-                <a:cs typeface="Barlow SemiBold"/>
-                <a:sym typeface="Barlow SemiBold"/>
-              </a:defRPr>
-            </a:lvl5pPr>
-            <a:lvl6pPr marR="0" lvl="5" algn="ctr" rtl="0">
-              <a:lnSpc>
-                <a:spcPct val="100000"/>
-              </a:lnSpc>
-              <a:spcBef>
-                <a:spcPts val="0"/>
-              </a:spcBef>
-              <a:spcAft>
-                <a:spcPts val="0"/>
-              </a:spcAft>
-              <a:buClr>
-                <a:schemeClr val="dk2"/>
-              </a:buClr>
-              <a:buSzPts val="5200"/>
-              <a:buFont typeface="Barlow SemiBold"/>
-              <a:buNone/>
-              <a:defRPr sz="5200" b="0" i="0" u="none" strike="noStrike" cap="none">
-                <a:solidFill>
-                  <a:schemeClr val="dk2"/>
-                </a:solidFill>
-                <a:latin typeface="Barlow SemiBold"/>
-                <a:ea typeface="Barlow SemiBold"/>
-                <a:cs typeface="Barlow SemiBold"/>
-                <a:sym typeface="Barlow SemiBold"/>
-              </a:defRPr>
-            </a:lvl6pPr>
-            <a:lvl7pPr marR="0" lvl="6" algn="ctr" rtl="0">
-              <a:lnSpc>
-                <a:spcPct val="100000"/>
-              </a:lnSpc>
-              <a:spcBef>
-                <a:spcPts val="0"/>
-              </a:spcBef>
-              <a:spcAft>
-                <a:spcPts val="0"/>
-              </a:spcAft>
-              <a:buClr>
-                <a:schemeClr val="dk2"/>
-              </a:buClr>
-              <a:buSzPts val="5200"/>
-              <a:buFont typeface="Barlow SemiBold"/>
-              <a:buNone/>
-              <a:defRPr sz="5200" b="0" i="0" u="none" strike="noStrike" cap="none">
-                <a:solidFill>
-                  <a:schemeClr val="dk2"/>
-                </a:solidFill>
-                <a:latin typeface="Barlow SemiBold"/>
-                <a:ea typeface="Barlow SemiBold"/>
-                <a:cs typeface="Barlow SemiBold"/>
-                <a:sym typeface="Barlow SemiBold"/>
-              </a:defRPr>
-            </a:lvl7pPr>
-            <a:lvl8pPr marR="0" lvl="7" algn="ctr" rtl="0">
-              <a:lnSpc>
-                <a:spcPct val="100000"/>
-              </a:lnSpc>
-              <a:spcBef>
-                <a:spcPts val="0"/>
-              </a:spcBef>
-              <a:spcAft>
-                <a:spcPts val="0"/>
-              </a:spcAft>
-              <a:buClr>
-                <a:schemeClr val="dk2"/>
-              </a:buClr>
-              <a:buSzPts val="5200"/>
-              <a:buFont typeface="Barlow SemiBold"/>
-              <a:buNone/>
-              <a:defRPr sz="5200" b="0" i="0" u="none" strike="noStrike" cap="none">
-                <a:solidFill>
-                  <a:schemeClr val="dk2"/>
-                </a:solidFill>
-                <a:latin typeface="Barlow SemiBold"/>
-                <a:ea typeface="Barlow SemiBold"/>
-                <a:cs typeface="Barlow SemiBold"/>
-                <a:sym typeface="Barlow SemiBold"/>
-              </a:defRPr>
-            </a:lvl8pPr>
-            <a:lvl9pPr marR="0" lvl="8" algn="ctr" rtl="0">
-              <a:lnSpc>
-                <a:spcPct val="100000"/>
-              </a:lnSpc>
-              <a:spcBef>
-                <a:spcPts val="0"/>
-              </a:spcBef>
-              <a:spcAft>
-                <a:spcPts val="0"/>
-              </a:spcAft>
-              <a:buClr>
-                <a:schemeClr val="dk2"/>
-              </a:buClr>
-              <a:buSzPts val="5200"/>
-              <a:buFont typeface="Barlow SemiBold"/>
-              <a:buNone/>
-              <a:defRPr sz="5200" b="0" i="0" u="none" strike="noStrike" cap="none">
-                <a:solidFill>
-                  <a:schemeClr val="dk2"/>
-                </a:solidFill>
-                <a:latin typeface="Barlow SemiBold"/>
-                <a:ea typeface="Barlow SemiBold"/>
-                <a:cs typeface="Barlow SemiBold"/>
-                <a:sym typeface="Barlow SemiBold"/>
-              </a:defRPr>
-            </a:lvl9pPr>
-          </a:lstStyle>
-          <a:p>
-            <a:pPr marL="0" marR="0" lvl="0" indent="0" algn="l" defTabSz="914400" rtl="0" eaLnBrk="1" fontAlgn="auto" latinLnBrk="0" hangingPunct="1">
-              <a:lnSpc>
-                <a:spcPct val="90000"/>
-              </a:lnSpc>
-              <a:spcBef>
-                <a:spcPts val="0"/>
-              </a:spcBef>
-              <a:spcAft>
-                <a:spcPts val="0"/>
-              </a:spcAft>
-              <a:buClr>
-                <a:srgbClr val="164A4A"/>
-              </a:buClr>
-              <a:buSzPts val="5200"/>
-              <a:buFont typeface="Commissioner"/>
-              <a:buNone/>
-              <a:tabLst/>
-              <a:defRPr/>
-            </a:pPr>
-            <a:r>
-              <a:rPr kumimoji="0" lang="en-US" sz="5000" b="1" i="0" u="none" strike="noStrike" kern="0" cap="none" spc="0" normalizeH="0" baseline="0" noProof="0" dirty="0" err="1">
-                <a:ln>
-                  <a:noFill/>
-                </a:ln>
-                <a:solidFill>
-                  <a:srgbClr val="3D4D55"/>
-                </a:solidFill>
-                <a:effectLst/>
-                <a:uLnTx/>
-                <a:uFillTx/>
-                <a:latin typeface="Arial" panose="020B0604020202020204" pitchFamily="34" charset="0"/>
-                <a:cs typeface="Arial" panose="020B0604020202020204" pitchFamily="34" charset="0"/>
-                <a:sym typeface="Commissioner ExtraBold"/>
-              </a:rPr>
-              <a:t>Cliente</a:t>
-            </a:r>
-            <a:r>
-              <a:rPr kumimoji="0" lang="en-US" sz="5000" b="1" i="0" u="none" strike="noStrike" kern="0" cap="none" spc="0" normalizeH="0" baseline="0" noProof="0" dirty="0">
-                <a:ln>
-                  <a:noFill/>
-                </a:ln>
-                <a:solidFill>
-                  <a:srgbClr val="3D4D55"/>
-                </a:solidFill>
-                <a:effectLst/>
-                <a:uLnTx/>
-                <a:uFillTx/>
-                <a:latin typeface="Arial" panose="020B0604020202020204" pitchFamily="34" charset="0"/>
-                <a:cs typeface="Arial" panose="020B0604020202020204" pitchFamily="34" charset="0"/>
-                <a:sym typeface="Commissioner ExtraBold"/>
-              </a:rPr>
-              <a:t> Web</a:t>
-            </a:r>
-          </a:p>
-        </p:txBody>
-      </p:sp>
-      <p:sp>
-        <p:nvSpPr>
-          <p:cNvPr id="9" name="Google Shape;1460;p74">
-            <a:extLst>
-              <a:ext uri="{FF2B5EF4-FFF2-40B4-BE49-F238E27FC236}">
-                <a16:creationId xmlns:a16="http://schemas.microsoft.com/office/drawing/2014/main" id="{D1F998ED-C0F8-F98C-374B-0151B38AD950}"/>
-              </a:ext>
-            </a:extLst>
-          </p:cNvPr>
-          <p:cNvSpPr/>
-          <p:nvPr/>
-        </p:nvSpPr>
-        <p:spPr>
-          <a:xfrm>
-            <a:off x="8872199" y="-179614"/>
-            <a:ext cx="3472201" cy="3722914"/>
-          </a:xfrm>
-          <a:custGeom>
-            <a:avLst/>
-            <a:gdLst/>
-            <a:ahLst/>
-            <a:cxnLst/>
-            <a:rect l="l" t="t" r="r" b="b"/>
-            <a:pathLst>
-              <a:path w="146265" h="156112" extrusionOk="0">
-                <a:moveTo>
-                  <a:pt x="5411" y="0"/>
-                </a:moveTo>
-                <a:cubicBezTo>
-                  <a:pt x="5411" y="0"/>
-                  <a:pt x="1" y="28329"/>
-                  <a:pt x="20548" y="36870"/>
-                </a:cubicBezTo>
-                <a:cubicBezTo>
-                  <a:pt x="24058" y="38329"/>
-                  <a:pt x="27694" y="38893"/>
-                  <a:pt x="31373" y="38893"/>
-                </a:cubicBezTo>
-                <a:cubicBezTo>
-                  <a:pt x="43912" y="38893"/>
-                  <a:pt x="56943" y="32338"/>
-                  <a:pt x="67152" y="32338"/>
-                </a:cubicBezTo>
-                <a:cubicBezTo>
-                  <a:pt x="71479" y="32338"/>
-                  <a:pt x="75300" y="33516"/>
-                  <a:pt x="78361" y="36870"/>
-                </a:cubicBezTo>
-                <a:cubicBezTo>
-                  <a:pt x="90793" y="50426"/>
-                  <a:pt x="72190" y="65958"/>
-                  <a:pt x="96993" y="74500"/>
-                </a:cubicBezTo>
-                <a:cubicBezTo>
-                  <a:pt x="105899" y="77600"/>
-                  <a:pt x="114015" y="83740"/>
-                  <a:pt x="115717" y="93497"/>
-                </a:cubicBezTo>
-                <a:cubicBezTo>
-                  <a:pt x="117814" y="105503"/>
-                  <a:pt x="109060" y="112403"/>
-                  <a:pt x="105504" y="122646"/>
-                </a:cubicBezTo>
-                <a:cubicBezTo>
-                  <a:pt x="103559" y="128148"/>
-                  <a:pt x="104744" y="135078"/>
-                  <a:pt x="107024" y="140245"/>
-                </a:cubicBezTo>
-                <a:cubicBezTo>
-                  <a:pt x="109699" y="146294"/>
-                  <a:pt x="114501" y="151218"/>
-                  <a:pt x="120580" y="153832"/>
-                </a:cubicBezTo>
-                <a:cubicBezTo>
-                  <a:pt x="124167" y="155413"/>
-                  <a:pt x="128027" y="156081"/>
-                  <a:pt x="131918" y="156112"/>
-                </a:cubicBezTo>
-                <a:cubicBezTo>
-                  <a:pt x="133438" y="156112"/>
-                  <a:pt x="146265" y="155200"/>
-                  <a:pt x="146265" y="153650"/>
-                </a:cubicBezTo>
-                <a:lnTo>
-                  <a:pt x="146265" y="0"/>
-                </a:lnTo>
-                <a:close/>
-              </a:path>
-            </a:pathLst>
-          </a:custGeom>
-          <a:solidFill>
-            <a:srgbClr val="ACDBD3"/>
-          </a:solidFill>
-          <a:ln>
-            <a:noFill/>
-          </a:ln>
-        </p:spPr>
-        <p:txBody>
-          <a:bodyPr spcFirstLastPara="1" wrap="square" lIns="91425" tIns="91425" rIns="91425" bIns="91425" anchor="ctr" anchorCtr="0">
-            <a:noAutofit/>
-          </a:bodyPr>
-          <a:lstStyle/>
-          <a:p>
-            <a:pPr marL="0" marR="0" lvl="0" indent="0" defTabSz="914400" eaLnBrk="1" fontAlgn="auto" latinLnBrk="0" hangingPunct="1">
-              <a:lnSpc>
-                <a:spcPct val="100000"/>
-              </a:lnSpc>
-              <a:spcBef>
-                <a:spcPts val="0"/>
-              </a:spcBef>
-              <a:spcAft>
-                <a:spcPts val="0"/>
-              </a:spcAft>
-              <a:buClr>
-                <a:srgbClr val="000000"/>
-              </a:buClr>
-              <a:buSzTx/>
-              <a:buFont typeface="Arial"/>
-              <a:buNone/>
-              <a:tabLst/>
-              <a:defRPr/>
-            </a:pPr>
-            <a:endParaRPr kumimoji="0" sz="1400" b="0" i="0" u="none" strike="noStrike" kern="0" cap="none" spc="0" normalizeH="0" baseline="0" noProof="0">
-              <a:ln>
-                <a:noFill/>
-              </a:ln>
-              <a:solidFill>
-                <a:srgbClr val="000000"/>
-              </a:solidFill>
-              <a:effectLst/>
-              <a:uLnTx/>
-              <a:uFillTx/>
-              <a:latin typeface="Arial"/>
-              <a:cs typeface="Arial"/>
-              <a:sym typeface="Arial"/>
-            </a:endParaRPr>
-          </a:p>
-        </p:txBody>
-      </p:sp>
-      <p:sp>
-        <p:nvSpPr>
-          <p:cNvPr id="11" name="Google Shape;1457;p74">
-            <a:extLst>
-              <a:ext uri="{FF2B5EF4-FFF2-40B4-BE49-F238E27FC236}">
-                <a16:creationId xmlns:a16="http://schemas.microsoft.com/office/drawing/2014/main" id="{D5B91189-D1FE-9273-BC8A-9C82DECCA2E3}"/>
-              </a:ext>
-            </a:extLst>
-          </p:cNvPr>
-          <p:cNvSpPr/>
-          <p:nvPr/>
-        </p:nvSpPr>
-        <p:spPr>
-          <a:xfrm rot="10191456">
-            <a:off x="10056522" y="580606"/>
-            <a:ext cx="2411496" cy="1900868"/>
-          </a:xfrm>
-          <a:custGeom>
-            <a:avLst/>
-            <a:gdLst/>
-            <a:ahLst/>
-            <a:cxnLst/>
-            <a:rect l="l" t="t" r="r" b="b"/>
-            <a:pathLst>
-              <a:path w="39363" h="31028" extrusionOk="0">
-                <a:moveTo>
-                  <a:pt x="21078" y="1"/>
-                </a:moveTo>
-                <a:cubicBezTo>
-                  <a:pt x="18634" y="1"/>
-                  <a:pt x="16478" y="1773"/>
-                  <a:pt x="15979" y="4271"/>
-                </a:cubicBezTo>
-                <a:cubicBezTo>
-                  <a:pt x="15946" y="4537"/>
-                  <a:pt x="15912" y="4838"/>
-                  <a:pt x="15912" y="5104"/>
-                </a:cubicBezTo>
-                <a:lnTo>
-                  <a:pt x="15912" y="5305"/>
-                </a:lnTo>
-                <a:cubicBezTo>
-                  <a:pt x="15846" y="6272"/>
-                  <a:pt x="15379" y="10008"/>
-                  <a:pt x="9708" y="11342"/>
-                </a:cubicBezTo>
-                <a:cubicBezTo>
-                  <a:pt x="5438" y="11776"/>
-                  <a:pt x="1802" y="14945"/>
-                  <a:pt x="1002" y="19348"/>
-                </a:cubicBezTo>
-                <a:cubicBezTo>
-                  <a:pt x="1" y="24685"/>
-                  <a:pt x="3570" y="29856"/>
-                  <a:pt x="8907" y="30856"/>
-                </a:cubicBezTo>
-                <a:cubicBezTo>
-                  <a:pt x="9518" y="30972"/>
-                  <a:pt x="10126" y="31028"/>
-                  <a:pt x="10725" y="31028"/>
-                </a:cubicBezTo>
-                <a:cubicBezTo>
-                  <a:pt x="13752" y="31028"/>
-                  <a:pt x="16548" y="29604"/>
-                  <a:pt x="18414" y="27320"/>
-                </a:cubicBezTo>
-                <a:cubicBezTo>
-                  <a:pt x="19014" y="26520"/>
-                  <a:pt x="19515" y="25653"/>
-                  <a:pt x="19915" y="24685"/>
-                </a:cubicBezTo>
-                <a:cubicBezTo>
-                  <a:pt x="21857" y="21834"/>
-                  <a:pt x="25742" y="17659"/>
-                  <a:pt x="31816" y="17659"/>
-                </a:cubicBezTo>
-                <a:cubicBezTo>
-                  <a:pt x="32210" y="17659"/>
-                  <a:pt x="32613" y="17677"/>
-                  <a:pt x="33024" y="17714"/>
-                </a:cubicBezTo>
-                <a:cubicBezTo>
-                  <a:pt x="33258" y="17780"/>
-                  <a:pt x="33425" y="17847"/>
-                  <a:pt x="33625" y="17880"/>
-                </a:cubicBezTo>
-                <a:cubicBezTo>
-                  <a:pt x="33909" y="17934"/>
-                  <a:pt x="34192" y="17960"/>
-                  <a:pt x="34471" y="17960"/>
-                </a:cubicBezTo>
-                <a:cubicBezTo>
-                  <a:pt x="36614" y="17960"/>
-                  <a:pt x="38515" y="16432"/>
-                  <a:pt x="38929" y="14278"/>
-                </a:cubicBezTo>
-                <a:cubicBezTo>
-                  <a:pt x="39362" y="11809"/>
-                  <a:pt x="37761" y="9441"/>
-                  <a:pt x="35293" y="8974"/>
-                </a:cubicBezTo>
-                <a:cubicBezTo>
-                  <a:pt x="34999" y="8913"/>
-                  <a:pt x="34710" y="8883"/>
-                  <a:pt x="34425" y="8883"/>
-                </a:cubicBezTo>
-                <a:cubicBezTo>
-                  <a:pt x="33934" y="8883"/>
-                  <a:pt x="33456" y="8972"/>
-                  <a:pt x="32991" y="9141"/>
-                </a:cubicBezTo>
-                <a:cubicBezTo>
-                  <a:pt x="32529" y="9216"/>
-                  <a:pt x="31929" y="9288"/>
-                  <a:pt x="31278" y="9288"/>
-                </a:cubicBezTo>
-                <a:cubicBezTo>
-                  <a:pt x="29341" y="9288"/>
-                  <a:pt x="26944" y="8658"/>
-                  <a:pt x="26320" y="5638"/>
-                </a:cubicBezTo>
-                <a:cubicBezTo>
-                  <a:pt x="26587" y="3103"/>
-                  <a:pt x="24785" y="601"/>
-                  <a:pt x="22083" y="101"/>
-                </a:cubicBezTo>
-                <a:cubicBezTo>
-                  <a:pt x="21745" y="33"/>
-                  <a:pt x="21409" y="1"/>
-                  <a:pt x="21078" y="1"/>
-                </a:cubicBezTo>
-                <a:close/>
-              </a:path>
-            </a:pathLst>
-          </a:custGeom>
-          <a:solidFill>
-            <a:srgbClr val="3F4853"/>
-          </a:solidFill>
-          <a:ln>
-            <a:noFill/>
-          </a:ln>
-        </p:spPr>
-        <p:txBody>
-          <a:bodyPr spcFirstLastPara="1" wrap="square" lIns="91425" tIns="91425" rIns="91425" bIns="91425" anchor="ctr" anchorCtr="0">
-            <a:noAutofit/>
-          </a:bodyPr>
-          <a:lstStyle/>
-          <a:p>
-            <a:pPr marL="0" marR="0" lvl="0" indent="0" defTabSz="914400" eaLnBrk="1" fontAlgn="auto" latinLnBrk="0" hangingPunct="1">
-              <a:lnSpc>
-                <a:spcPct val="100000"/>
-              </a:lnSpc>
-              <a:spcBef>
-                <a:spcPts val="0"/>
-              </a:spcBef>
-              <a:spcAft>
-                <a:spcPts val="0"/>
-              </a:spcAft>
-              <a:buClr>
-                <a:srgbClr val="000000"/>
-              </a:buClr>
-              <a:buSzTx/>
-              <a:buFont typeface="Arial"/>
-              <a:buNone/>
-              <a:tabLst/>
-              <a:defRPr/>
-            </a:pPr>
-            <a:endParaRPr kumimoji="0" sz="1400" b="0" i="0" u="none" strike="noStrike" kern="0" cap="none" spc="0" normalizeH="0" baseline="0" noProof="0">
-              <a:ln>
-                <a:noFill/>
-              </a:ln>
-              <a:solidFill>
-                <a:srgbClr val="000000"/>
-              </a:solidFill>
-              <a:effectLst/>
-              <a:uLnTx/>
-              <a:uFillTx/>
-              <a:latin typeface="Arial"/>
-              <a:cs typeface="Arial"/>
-              <a:sym typeface="Arial"/>
-            </a:endParaRPr>
-          </a:p>
-        </p:txBody>
-      </p:sp>
-      <p:sp>
-        <p:nvSpPr>
-          <p:cNvPr id="13" name="Google Shape;1463;p74">
-            <a:extLst>
-              <a:ext uri="{FF2B5EF4-FFF2-40B4-BE49-F238E27FC236}">
-                <a16:creationId xmlns:a16="http://schemas.microsoft.com/office/drawing/2014/main" id="{9FBE7827-AFF9-E943-D4D6-469993A3A5E2}"/>
-              </a:ext>
-            </a:extLst>
-          </p:cNvPr>
-          <p:cNvSpPr/>
-          <p:nvPr/>
-        </p:nvSpPr>
-        <p:spPr>
-          <a:xfrm rot="18140219">
-            <a:off x="8441112" y="4410166"/>
-            <a:ext cx="3874663" cy="3662248"/>
-          </a:xfrm>
-          <a:custGeom>
-            <a:avLst/>
-            <a:gdLst/>
-            <a:ahLst/>
-            <a:cxnLst/>
-            <a:rect l="l" t="t" r="r" b="b"/>
-            <a:pathLst>
-              <a:path w="119881" h="113309" extrusionOk="0">
-                <a:moveTo>
-                  <a:pt x="20594" y="1"/>
-                </a:moveTo>
-                <a:cubicBezTo>
-                  <a:pt x="16552" y="1"/>
-                  <a:pt x="12368" y="1147"/>
-                  <a:pt x="9149" y="2790"/>
-                </a:cubicBezTo>
-                <a:cubicBezTo>
-                  <a:pt x="5471" y="4675"/>
-                  <a:pt x="1915" y="7836"/>
-                  <a:pt x="0" y="11605"/>
-                </a:cubicBezTo>
-                <a:lnTo>
-                  <a:pt x="0" y="113308"/>
-                </a:lnTo>
-                <a:lnTo>
-                  <a:pt x="117935" y="113308"/>
-                </a:lnTo>
-                <a:cubicBezTo>
-                  <a:pt x="117935" y="113308"/>
-                  <a:pt x="119881" y="98901"/>
-                  <a:pt x="102008" y="94250"/>
-                </a:cubicBezTo>
-                <a:cubicBezTo>
-                  <a:pt x="89485" y="90968"/>
-                  <a:pt x="95139" y="77472"/>
-                  <a:pt x="92190" y="68141"/>
-                </a:cubicBezTo>
-                <a:cubicBezTo>
-                  <a:pt x="88773" y="57366"/>
-                  <a:pt x="78869" y="50808"/>
-                  <a:pt x="68440" y="50808"/>
-                </a:cubicBezTo>
-                <a:cubicBezTo>
-                  <a:pt x="64953" y="50808"/>
-                  <a:pt x="61407" y="51541"/>
-                  <a:pt x="58025" y="53095"/>
-                </a:cubicBezTo>
-                <a:cubicBezTo>
-                  <a:pt x="53166" y="55347"/>
-                  <a:pt x="45940" y="60409"/>
-                  <a:pt x="39678" y="60409"/>
-                </a:cubicBezTo>
-                <a:cubicBezTo>
-                  <a:pt x="37911" y="60409"/>
-                  <a:pt x="36220" y="60005"/>
-                  <a:pt x="34681" y="59022"/>
-                </a:cubicBezTo>
-                <a:cubicBezTo>
-                  <a:pt x="26323" y="53703"/>
-                  <a:pt x="32341" y="38991"/>
-                  <a:pt x="33770" y="31635"/>
-                </a:cubicBezTo>
-                <a:cubicBezTo>
-                  <a:pt x="35381" y="23459"/>
-                  <a:pt x="36900" y="14249"/>
-                  <a:pt x="32858" y="6498"/>
-                </a:cubicBezTo>
-                <a:cubicBezTo>
-                  <a:pt x="30386" y="1757"/>
-                  <a:pt x="25599" y="1"/>
-                  <a:pt x="20594" y="1"/>
-                </a:cubicBezTo>
-                <a:close/>
-              </a:path>
-            </a:pathLst>
-          </a:custGeom>
-          <a:noFill/>
-          <a:ln>
-            <a:solidFill>
-              <a:srgbClr val="3D4D55"/>
-            </a:solidFill>
-          </a:ln>
-        </p:spPr>
-        <p:txBody>
-          <a:bodyPr spcFirstLastPara="1" wrap="square" lIns="91425" tIns="91425" rIns="91425" bIns="91425" anchor="ctr" anchorCtr="0">
-            <a:noAutofit/>
-          </a:bodyPr>
-          <a:lstStyle/>
-          <a:p>
-            <a:pPr marL="0" marR="0" lvl="0" indent="0" defTabSz="914400" eaLnBrk="1" fontAlgn="auto" latinLnBrk="0" hangingPunct="1">
-              <a:lnSpc>
-                <a:spcPct val="100000"/>
-              </a:lnSpc>
-              <a:spcBef>
-                <a:spcPts val="0"/>
-              </a:spcBef>
-              <a:spcAft>
-                <a:spcPts val="0"/>
-              </a:spcAft>
-              <a:buClr>
-                <a:srgbClr val="000000"/>
-              </a:buClr>
-              <a:buSzTx/>
-              <a:buFont typeface="Arial"/>
-              <a:buNone/>
-              <a:tabLst/>
-              <a:defRPr/>
-            </a:pPr>
-            <a:endParaRPr kumimoji="0" sz="1400" b="0" i="0" u="none" strike="noStrike" kern="0" cap="none" spc="0" normalizeH="0" baseline="0" noProof="0">
-              <a:ln>
-                <a:noFill/>
-              </a:ln>
-              <a:solidFill>
-                <a:srgbClr val="000000"/>
-              </a:solidFill>
-              <a:effectLst/>
-              <a:uLnTx/>
-              <a:uFillTx/>
-              <a:latin typeface="Arial"/>
-              <a:cs typeface="Arial"/>
-              <a:sym typeface="Arial"/>
-            </a:endParaRPr>
-          </a:p>
-        </p:txBody>
-      </p:sp>
-      <p:sp>
-        <p:nvSpPr>
-          <p:cNvPr id="2" name="Slide Number Placeholder 1">
-            <a:extLst>
-              <a:ext uri="{FF2B5EF4-FFF2-40B4-BE49-F238E27FC236}">
-                <a16:creationId xmlns:a16="http://schemas.microsoft.com/office/drawing/2014/main" id="{57AF5AC8-D573-A81D-344D-E676EDF92889}"/>
-              </a:ext>
-            </a:extLst>
-          </p:cNvPr>
-          <p:cNvSpPr>
-            <a:spLocks noGrp="1"/>
-          </p:cNvSpPr>
-          <p:nvPr>
-            <p:ph type="sldNum" sz="quarter" idx="12"/>
-          </p:nvPr>
-        </p:nvSpPr>
-        <p:spPr/>
-        <p:txBody>
-          <a:bodyPr/>
-          <a:lstStyle/>
-          <a:p>
-            <a:fld id="{834E4636-1AC7-4593-8425-9A7E3B693646}" type="slidenum">
-              <a:rPr lang="pt-PT" smtClean="0"/>
-              <a:t>10</a:t>
-            </a:fld>
-            <a:endParaRPr lang="pt-PT"/>
-          </a:p>
-        </p:txBody>
-      </p:sp>
-    </p:spTree>
-    <p:extLst>
-      <p:ext uri="{BB962C8B-B14F-4D97-AF65-F5344CB8AC3E}">
-        <p14:creationId xmlns:p14="http://schemas.microsoft.com/office/powerpoint/2010/main" val="1901076948"/>
-      </p:ext>
-    </p:extLst>
-  </p:cSld>
-  <p:clrMapOvr>
-    <a:masterClrMapping/>
-  </p:clrMapOvr>
-</p:sld>
-</file>
-
-<file path=ppt/slides/slide11.xml><?xml version="1.0" encoding="utf-8"?>
-<p:sld xmlns:a="http://schemas.openxmlformats.org/drawingml/2006/main" xmlns:r="http://schemas.openxmlformats.org/officeDocument/2006/relationships" xmlns:p="http://schemas.openxmlformats.org/presentationml/2006/main">
-  <p:cSld>
-    <p:bg>
-      <p:bgPr>
-        <a:solidFill>
-          <a:schemeClr val="bg1"/>
-        </a:solidFill>
-        <a:effectLst/>
-      </p:bgPr>
-    </p:bg>
-    <p:spTree>
-      <p:nvGrpSpPr>
-        <p:cNvPr id="1" name=""/>
-        <p:cNvGrpSpPr/>
-        <p:nvPr/>
-      </p:nvGrpSpPr>
-      <p:grpSpPr>
-        <a:xfrm>
-          <a:off x="0" y="0"/>
-          <a:ext cx="0" cy="0"/>
-          <a:chOff x="0" y="0"/>
-          <a:chExt cx="0" cy="0"/>
-        </a:xfrm>
-      </p:grpSpPr>
-      <p:sp>
-        <p:nvSpPr>
-          <p:cNvPr id="5" name="Subtítulo 4">
-            <a:extLst>
-              <a:ext uri="{FF2B5EF4-FFF2-40B4-BE49-F238E27FC236}">
-                <a16:creationId xmlns:a16="http://schemas.microsoft.com/office/drawing/2014/main" id="{0BBF98B1-EA66-EABA-F256-D9EE9AB32E0B}"/>
-              </a:ext>
-            </a:extLst>
-          </p:cNvPr>
-          <p:cNvSpPr>
-            <a:spLocks noGrp="1"/>
-          </p:cNvSpPr>
-          <p:nvPr>
-            <p:ph type="subTitle" idx="1"/>
-          </p:nvPr>
-        </p:nvSpPr>
-        <p:spPr>
-          <a:xfrm>
-            <a:off x="593554" y="1256732"/>
-            <a:ext cx="8710103" cy="4736420"/>
-          </a:xfrm>
-        </p:spPr>
-        <p:txBody>
-          <a:bodyPr>
-            <a:normAutofit/>
-          </a:bodyPr>
-          <a:lstStyle/>
-          <a:p>
-            <a:pPr marL="342900" indent="-342900" algn="l">
-              <a:lnSpc>
-                <a:spcPct val="100000"/>
-              </a:lnSpc>
-              <a:buSzPct val="100000"/>
-              <a:buFont typeface="Tahoma" panose="020B0604030504040204" pitchFamily="34" charset="0"/>
-              <a:buChar char="●"/>
-            </a:pPr>
-            <a:r>
-              <a:rPr lang="pt-PT" sz="2000" dirty="0">
-                <a:latin typeface="Arial" panose="020B0604020202020204" pitchFamily="34" charset="0"/>
-                <a:cs typeface="Arial" panose="020B0604020202020204" pitchFamily="34" charset="0"/>
-              </a:rPr>
-              <a:t>UI dinâmico</a:t>
-            </a:r>
-          </a:p>
-          <a:p>
-            <a:pPr marL="800100" lvl="1" indent="-342900" algn="l">
-              <a:lnSpc>
-                <a:spcPct val="100000"/>
-              </a:lnSpc>
-              <a:buSzPct val="100000"/>
-              <a:buFont typeface="Wingdings" panose="05000000000000000000" pitchFamily="2" charset="2"/>
-              <a:buChar char="§"/>
-            </a:pPr>
-            <a:r>
-              <a:rPr lang="pt-PT" dirty="0">
-                <a:latin typeface="Arial" panose="020B0604020202020204" pitchFamily="34" charset="0"/>
-                <a:cs typeface="Arial" panose="020B0604020202020204" pitchFamily="34" charset="0"/>
-              </a:rPr>
-              <a:t>Páginas acessíveis consoante o tipo e papel no clube</a:t>
-            </a:r>
-          </a:p>
-          <a:p>
-            <a:pPr marL="342900" indent="-342900" algn="l">
-              <a:lnSpc>
-                <a:spcPct val="100000"/>
-              </a:lnSpc>
-              <a:buSzPct val="100000"/>
-              <a:buFont typeface="Tahoma" panose="020B0604030504040204" pitchFamily="34" charset="0"/>
-              <a:buChar char="●"/>
-            </a:pPr>
-            <a:r>
-              <a:rPr lang="pt-PT" sz="2000" dirty="0">
-                <a:latin typeface="Arial" panose="020B0604020202020204" pitchFamily="34" charset="0"/>
-                <a:cs typeface="Arial" panose="020B0604020202020204" pitchFamily="34" charset="0"/>
-              </a:rPr>
-              <a:t>Views de dashboard protegidas</a:t>
-            </a:r>
-          </a:p>
-          <a:p>
-            <a:pPr marL="800100" lvl="1" indent="-342900" algn="l">
-              <a:lnSpc>
-                <a:spcPct val="100000"/>
-              </a:lnSpc>
-              <a:buSzPct val="100000"/>
-              <a:buFont typeface="Wingdings" panose="05000000000000000000" pitchFamily="2" charset="2"/>
-              <a:buChar char="§"/>
-            </a:pPr>
-            <a:r>
-              <a:rPr lang="pt-PT" dirty="0">
-                <a:latin typeface="Arial" panose="020B0604020202020204" pitchFamily="34" charset="0"/>
-                <a:cs typeface="Arial" panose="020B0604020202020204" pitchFamily="34" charset="0"/>
-              </a:rPr>
-              <a:t>Componente costumizado – </a:t>
-            </a:r>
-            <a:r>
-              <a:rPr lang="pt-PT" dirty="0" err="1">
-                <a:latin typeface="Arial" panose="020B0604020202020204" pitchFamily="34" charset="0"/>
-                <a:cs typeface="Arial" panose="020B0604020202020204" pitchFamily="34" charset="0"/>
-              </a:rPr>
-              <a:t>RequireAuth</a:t>
-            </a:r>
-            <a:endParaRPr lang="pt-PT" dirty="0">
-              <a:latin typeface="Arial" panose="020B0604020202020204" pitchFamily="34" charset="0"/>
-              <a:cs typeface="Arial" panose="020B0604020202020204" pitchFamily="34" charset="0"/>
-            </a:endParaRPr>
-          </a:p>
-          <a:p>
-            <a:pPr marL="1257300" lvl="2" indent="-342900" algn="l">
-              <a:lnSpc>
-                <a:spcPct val="100000"/>
-              </a:lnSpc>
-              <a:buSzPct val="100000"/>
-              <a:buFont typeface="Arial" panose="020B0604020202020204" pitchFamily="34" charset="0"/>
-              <a:buChar char="•"/>
-            </a:pPr>
-            <a:r>
-              <a:rPr lang="pt-PT" sz="2000" dirty="0" err="1">
-                <a:latin typeface="Arial" panose="020B0604020202020204" pitchFamily="34" charset="0"/>
-                <a:cs typeface="Arial" panose="020B0604020202020204" pitchFamily="34" charset="0"/>
-              </a:rPr>
-              <a:t>Wrapper</a:t>
-            </a:r>
-            <a:r>
-              <a:rPr lang="pt-PT" sz="2000" dirty="0">
-                <a:latin typeface="Arial" panose="020B0604020202020204" pitchFamily="34" charset="0"/>
-                <a:cs typeface="Arial" panose="020B0604020202020204" pitchFamily="34" charset="0"/>
-              </a:rPr>
-              <a:t> sobre o layout de </a:t>
-            </a:r>
-            <a:r>
-              <a:rPr lang="pt-PT" sz="2000" dirty="0" err="1">
-                <a:latin typeface="Arial" panose="020B0604020202020204" pitchFamily="34" charset="0"/>
-                <a:cs typeface="Arial" panose="020B0604020202020204" pitchFamily="34" charset="0"/>
-              </a:rPr>
-              <a:t>dashboard</a:t>
-            </a:r>
-            <a:endParaRPr lang="pt-PT" dirty="0">
-              <a:latin typeface="Arial" panose="020B0604020202020204" pitchFamily="34" charset="0"/>
-              <a:cs typeface="Arial" panose="020B0604020202020204" pitchFamily="34" charset="0"/>
-            </a:endParaRPr>
-          </a:p>
-          <a:p>
-            <a:pPr marL="800100" lvl="1" indent="-342900" algn="l">
-              <a:lnSpc>
-                <a:spcPct val="100000"/>
-              </a:lnSpc>
-              <a:buSzPct val="100000"/>
-              <a:buFont typeface="Wingdings" panose="05000000000000000000" pitchFamily="2" charset="2"/>
-              <a:buChar char="§"/>
-            </a:pPr>
-            <a:r>
-              <a:rPr lang="pt-PT" dirty="0">
-                <a:latin typeface="Arial" panose="020B0604020202020204" pitchFamily="34" charset="0"/>
-                <a:cs typeface="Arial" panose="020B0604020202020204" pitchFamily="34" charset="0"/>
-              </a:rPr>
-              <a:t>Com auxílio de um </a:t>
-            </a:r>
-            <a:r>
-              <a:rPr lang="pt-PT" dirty="0" err="1">
-                <a:latin typeface="Arial" panose="020B0604020202020204" pitchFamily="34" charset="0"/>
-                <a:cs typeface="Arial" panose="020B0604020202020204" pitchFamily="34" charset="0"/>
-              </a:rPr>
-              <a:t>hook</a:t>
-            </a:r>
-            <a:r>
-              <a:rPr lang="pt-PT" dirty="0">
-                <a:latin typeface="Arial" panose="020B0604020202020204" pitchFamily="34" charset="0"/>
-                <a:cs typeface="Arial" panose="020B0604020202020204" pitchFamily="34" charset="0"/>
-              </a:rPr>
-              <a:t> – </a:t>
-            </a:r>
-            <a:r>
-              <a:rPr lang="pt-PT" dirty="0" err="1">
-                <a:latin typeface="Arial" panose="020B0604020202020204" pitchFamily="34" charset="0"/>
-                <a:cs typeface="Arial" panose="020B0604020202020204" pitchFamily="34" charset="0"/>
-              </a:rPr>
-              <a:t>UseAuth</a:t>
-            </a:r>
-            <a:endParaRPr lang="pt-PT" dirty="0">
-              <a:latin typeface="Arial" panose="020B0604020202020204" pitchFamily="34" charset="0"/>
-              <a:cs typeface="Arial" panose="020B0604020202020204" pitchFamily="34" charset="0"/>
-            </a:endParaRPr>
-          </a:p>
-          <a:p>
-            <a:pPr marL="1257300" lvl="2" indent="-342900" algn="l">
-              <a:lnSpc>
-                <a:spcPct val="100000"/>
-              </a:lnSpc>
-              <a:buSzPct val="100000"/>
-              <a:buFont typeface="Arial" panose="020B0604020202020204" pitchFamily="34" charset="0"/>
-              <a:buChar char="•"/>
-            </a:pPr>
-            <a:r>
-              <a:rPr lang="pt-PT" sz="2000" dirty="0">
-                <a:latin typeface="Arial" panose="020B0604020202020204" pitchFamily="34" charset="0"/>
-                <a:cs typeface="Arial" panose="020B0604020202020204" pitchFamily="34" charset="0"/>
-              </a:rPr>
-              <a:t>Mantém estado sobre a existência de um utilizador que tenha realizado login</a:t>
-            </a:r>
-          </a:p>
-          <a:p>
-            <a:pPr marL="342900" indent="-342900" algn="l">
-              <a:lnSpc>
-                <a:spcPct val="100000"/>
-              </a:lnSpc>
-              <a:buSzPct val="100000"/>
-              <a:buFont typeface="Tahoma" panose="020B0604030504040204" pitchFamily="34" charset="0"/>
-              <a:buChar char="●"/>
-            </a:pPr>
-            <a:r>
-              <a:rPr lang="pt-PT" sz="2000" dirty="0">
-                <a:latin typeface="Arial" panose="020B0604020202020204" pitchFamily="34" charset="0"/>
-                <a:cs typeface="Arial" panose="020B0604020202020204" pitchFamily="34" charset="0"/>
-              </a:rPr>
-              <a:t>Mantém o estado persistente entre sessões</a:t>
-            </a:r>
-          </a:p>
-          <a:p>
-            <a:pPr marL="342900" indent="-342900" algn="l">
-              <a:lnSpc>
-                <a:spcPct val="100000"/>
-              </a:lnSpc>
-              <a:buSzPct val="100000"/>
-              <a:buFont typeface="Tahoma" panose="020B0604030504040204" pitchFamily="34" charset="0"/>
-              <a:buChar char="●"/>
-            </a:pPr>
-            <a:endParaRPr lang="pt-PT" sz="2000" dirty="0">
-              <a:latin typeface="Arial" panose="020B0604020202020204" pitchFamily="34" charset="0"/>
-              <a:cs typeface="Arial" panose="020B0604020202020204" pitchFamily="34" charset="0"/>
-            </a:endParaRPr>
-          </a:p>
-        </p:txBody>
-      </p:sp>
-      <p:sp>
-        <p:nvSpPr>
-          <p:cNvPr id="7" name="Google Shape;296;p37">
-            <a:extLst>
-              <a:ext uri="{FF2B5EF4-FFF2-40B4-BE49-F238E27FC236}">
-                <a16:creationId xmlns:a16="http://schemas.microsoft.com/office/drawing/2014/main" id="{3D7AB695-BD0C-4E75-8783-E697EBED0E05}"/>
-              </a:ext>
-            </a:extLst>
-          </p:cNvPr>
-          <p:cNvSpPr txBox="1">
-            <a:spLocks/>
-          </p:cNvSpPr>
-          <p:nvPr/>
-        </p:nvSpPr>
-        <p:spPr>
-          <a:xfrm>
-            <a:off x="593554" y="383132"/>
-            <a:ext cx="6885581" cy="631554"/>
-          </a:xfrm>
-          <a:prstGeom prst="rect">
-            <a:avLst/>
-          </a:prstGeom>
-          <a:noFill/>
-          <a:ln>
-            <a:noFill/>
-          </a:ln>
-        </p:spPr>
-        <p:txBody>
-          <a:bodyPr spcFirstLastPara="1" wrap="square" lIns="0" tIns="0" rIns="0" bIns="0" anchor="t" anchorCtr="0">
-            <a:noAutofit/>
-          </a:bodyPr>
-          <a:lstStyle>
-            <a:defPPr marR="0" lvl="0" algn="l" rtl="0">
-              <a:lnSpc>
-                <a:spcPct val="100000"/>
-              </a:lnSpc>
-              <a:spcBef>
-                <a:spcPts val="0"/>
-              </a:spcBef>
-              <a:spcAft>
-                <a:spcPts val="0"/>
-              </a:spcAft>
-            </a:defPPr>
-            <a:lvl1pPr marL="0" marR="0" lvl="0" indent="0" algn="l" rtl="0">
-              <a:lnSpc>
-                <a:spcPct val="90000"/>
-              </a:lnSpc>
-              <a:spcBef>
-                <a:spcPts val="0"/>
-              </a:spcBef>
-              <a:spcAft>
-                <a:spcPts val="0"/>
-              </a:spcAft>
-              <a:buClr>
-                <a:schemeClr val="dk2"/>
-              </a:buClr>
-              <a:buSzPts val="5200"/>
-              <a:buFont typeface="Commissioner"/>
-              <a:buNone/>
-              <a:defRPr sz="5000" b="0" i="0" u="none" strike="noStrike" cap="none">
-                <a:solidFill>
-                  <a:schemeClr val="dk2"/>
-                </a:solidFill>
-                <a:latin typeface="Commissioner ExtraBold"/>
-                <a:ea typeface="Commissioner ExtraBold"/>
-                <a:cs typeface="Commissioner ExtraBold"/>
-                <a:sym typeface="Commissioner ExtraBold"/>
-              </a:defRPr>
-            </a:lvl1pPr>
-            <a:lvl2pPr marR="0" lvl="1" algn="ctr" rtl="0">
-              <a:lnSpc>
-                <a:spcPct val="100000"/>
-              </a:lnSpc>
-              <a:spcBef>
-                <a:spcPts val="0"/>
-              </a:spcBef>
-              <a:spcAft>
-                <a:spcPts val="0"/>
-              </a:spcAft>
-              <a:buClr>
-                <a:schemeClr val="dk2"/>
-              </a:buClr>
-              <a:buSzPts val="5200"/>
-              <a:buFont typeface="Barlow SemiBold"/>
-              <a:buNone/>
-              <a:defRPr sz="5200" b="0" i="0" u="none" strike="noStrike" cap="none">
-                <a:solidFill>
-                  <a:schemeClr val="dk2"/>
-                </a:solidFill>
-                <a:latin typeface="Barlow SemiBold"/>
-                <a:ea typeface="Barlow SemiBold"/>
-                <a:cs typeface="Barlow SemiBold"/>
-                <a:sym typeface="Barlow SemiBold"/>
-              </a:defRPr>
-            </a:lvl2pPr>
-            <a:lvl3pPr marR="0" lvl="2" algn="ctr" rtl="0">
-              <a:lnSpc>
-                <a:spcPct val="100000"/>
-              </a:lnSpc>
-              <a:spcBef>
-                <a:spcPts val="0"/>
-              </a:spcBef>
-              <a:spcAft>
-                <a:spcPts val="0"/>
-              </a:spcAft>
-              <a:buClr>
-                <a:schemeClr val="dk2"/>
-              </a:buClr>
-              <a:buSzPts val="5200"/>
-              <a:buFont typeface="Barlow SemiBold"/>
-              <a:buNone/>
-              <a:defRPr sz="5200" b="0" i="0" u="none" strike="noStrike" cap="none">
-                <a:solidFill>
-                  <a:schemeClr val="dk2"/>
-                </a:solidFill>
-                <a:latin typeface="Barlow SemiBold"/>
-                <a:ea typeface="Barlow SemiBold"/>
-                <a:cs typeface="Barlow SemiBold"/>
-                <a:sym typeface="Barlow SemiBold"/>
-              </a:defRPr>
-            </a:lvl3pPr>
-            <a:lvl4pPr marR="0" lvl="3" algn="ctr" rtl="0">
-              <a:lnSpc>
-                <a:spcPct val="100000"/>
-              </a:lnSpc>
-              <a:spcBef>
-                <a:spcPts val="0"/>
-              </a:spcBef>
-              <a:spcAft>
-                <a:spcPts val="0"/>
-              </a:spcAft>
-              <a:buClr>
-                <a:schemeClr val="dk2"/>
-              </a:buClr>
-              <a:buSzPts val="5200"/>
-              <a:buFont typeface="Barlow SemiBold"/>
-              <a:buNone/>
-              <a:defRPr sz="5200" b="0" i="0" u="none" strike="noStrike" cap="none">
-                <a:solidFill>
-                  <a:schemeClr val="dk2"/>
-                </a:solidFill>
-                <a:latin typeface="Barlow SemiBold"/>
-                <a:ea typeface="Barlow SemiBold"/>
-                <a:cs typeface="Barlow SemiBold"/>
-                <a:sym typeface="Barlow SemiBold"/>
-              </a:defRPr>
-            </a:lvl4pPr>
-            <a:lvl5pPr marR="0" lvl="4" algn="ctr" rtl="0">
-              <a:lnSpc>
-                <a:spcPct val="100000"/>
-              </a:lnSpc>
-              <a:spcBef>
-                <a:spcPts val="0"/>
-              </a:spcBef>
-              <a:spcAft>
-                <a:spcPts val="0"/>
-              </a:spcAft>
-              <a:buClr>
-                <a:schemeClr val="dk2"/>
-              </a:buClr>
-              <a:buSzPts val="5200"/>
-              <a:buFont typeface="Barlow SemiBold"/>
-              <a:buNone/>
-              <a:defRPr sz="5200" b="0" i="0" u="none" strike="noStrike" cap="none">
-                <a:solidFill>
-                  <a:schemeClr val="dk2"/>
-                </a:solidFill>
-                <a:latin typeface="Barlow SemiBold"/>
-                <a:ea typeface="Barlow SemiBold"/>
-                <a:cs typeface="Barlow SemiBold"/>
-                <a:sym typeface="Barlow SemiBold"/>
-              </a:defRPr>
-            </a:lvl5pPr>
-            <a:lvl6pPr marR="0" lvl="5" algn="ctr" rtl="0">
-              <a:lnSpc>
-                <a:spcPct val="100000"/>
-              </a:lnSpc>
-              <a:spcBef>
-                <a:spcPts val="0"/>
-              </a:spcBef>
-              <a:spcAft>
-                <a:spcPts val="0"/>
-              </a:spcAft>
-              <a:buClr>
-                <a:schemeClr val="dk2"/>
-              </a:buClr>
-              <a:buSzPts val="5200"/>
-              <a:buFont typeface="Barlow SemiBold"/>
-              <a:buNone/>
-              <a:defRPr sz="5200" b="0" i="0" u="none" strike="noStrike" cap="none">
-                <a:solidFill>
-                  <a:schemeClr val="dk2"/>
-                </a:solidFill>
-                <a:latin typeface="Barlow SemiBold"/>
-                <a:ea typeface="Barlow SemiBold"/>
-                <a:cs typeface="Barlow SemiBold"/>
-                <a:sym typeface="Barlow SemiBold"/>
-              </a:defRPr>
-            </a:lvl6pPr>
-            <a:lvl7pPr marR="0" lvl="6" algn="ctr" rtl="0">
-              <a:lnSpc>
-                <a:spcPct val="100000"/>
-              </a:lnSpc>
-              <a:spcBef>
-                <a:spcPts val="0"/>
-              </a:spcBef>
-              <a:spcAft>
-                <a:spcPts val="0"/>
-              </a:spcAft>
-              <a:buClr>
-                <a:schemeClr val="dk2"/>
-              </a:buClr>
-              <a:buSzPts val="5200"/>
-              <a:buFont typeface="Barlow SemiBold"/>
-              <a:buNone/>
-              <a:defRPr sz="5200" b="0" i="0" u="none" strike="noStrike" cap="none">
-                <a:solidFill>
-                  <a:schemeClr val="dk2"/>
-                </a:solidFill>
-                <a:latin typeface="Barlow SemiBold"/>
-                <a:ea typeface="Barlow SemiBold"/>
-                <a:cs typeface="Barlow SemiBold"/>
-                <a:sym typeface="Barlow SemiBold"/>
-              </a:defRPr>
-            </a:lvl7pPr>
-            <a:lvl8pPr marR="0" lvl="7" algn="ctr" rtl="0">
-              <a:lnSpc>
-                <a:spcPct val="100000"/>
-              </a:lnSpc>
-              <a:spcBef>
-                <a:spcPts val="0"/>
-              </a:spcBef>
-              <a:spcAft>
-                <a:spcPts val="0"/>
-              </a:spcAft>
-              <a:buClr>
-                <a:schemeClr val="dk2"/>
-              </a:buClr>
-              <a:buSzPts val="5200"/>
-              <a:buFont typeface="Barlow SemiBold"/>
-              <a:buNone/>
-              <a:defRPr sz="5200" b="0" i="0" u="none" strike="noStrike" cap="none">
-                <a:solidFill>
-                  <a:schemeClr val="dk2"/>
-                </a:solidFill>
-                <a:latin typeface="Barlow SemiBold"/>
-                <a:ea typeface="Barlow SemiBold"/>
-                <a:cs typeface="Barlow SemiBold"/>
-                <a:sym typeface="Barlow SemiBold"/>
-              </a:defRPr>
-            </a:lvl8pPr>
-            <a:lvl9pPr marR="0" lvl="8" algn="ctr" rtl="0">
-              <a:lnSpc>
-                <a:spcPct val="100000"/>
-              </a:lnSpc>
-              <a:spcBef>
-                <a:spcPts val="0"/>
-              </a:spcBef>
-              <a:spcAft>
-                <a:spcPts val="0"/>
-              </a:spcAft>
-              <a:buClr>
-                <a:schemeClr val="dk2"/>
-              </a:buClr>
-              <a:buSzPts val="5200"/>
-              <a:buFont typeface="Barlow SemiBold"/>
-              <a:buNone/>
-              <a:defRPr sz="5200" b="0" i="0" u="none" strike="noStrike" cap="none">
-                <a:solidFill>
-                  <a:schemeClr val="dk2"/>
-                </a:solidFill>
-                <a:latin typeface="Barlow SemiBold"/>
-                <a:ea typeface="Barlow SemiBold"/>
-                <a:cs typeface="Barlow SemiBold"/>
-                <a:sym typeface="Barlow SemiBold"/>
-              </a:defRPr>
-            </a:lvl9pPr>
-          </a:lstStyle>
-          <a:p>
-            <a:pPr marL="0" marR="0" lvl="0" indent="0" algn="l" defTabSz="914400" rtl="0" eaLnBrk="1" fontAlgn="auto" latinLnBrk="0" hangingPunct="1">
-              <a:lnSpc>
-                <a:spcPct val="90000"/>
-              </a:lnSpc>
-              <a:spcBef>
-                <a:spcPts val="0"/>
-              </a:spcBef>
-              <a:spcAft>
-                <a:spcPts val="0"/>
-              </a:spcAft>
-              <a:buClr>
-                <a:srgbClr val="164A4A"/>
-              </a:buClr>
-              <a:buSzPts val="5200"/>
-              <a:buFont typeface="Commissioner"/>
-              <a:buNone/>
-              <a:tabLst/>
-              <a:defRPr/>
-            </a:pPr>
-            <a:r>
-              <a:rPr kumimoji="0" lang="en-US" sz="5000" b="1" i="0" u="none" strike="noStrike" kern="0" cap="none" spc="0" normalizeH="0" baseline="0" noProof="0" dirty="0" err="1">
-                <a:ln>
-                  <a:noFill/>
-                </a:ln>
-                <a:solidFill>
-                  <a:srgbClr val="3D4D55"/>
-                </a:solidFill>
-                <a:effectLst/>
-                <a:uLnTx/>
-                <a:uFillTx/>
-                <a:latin typeface="Arial" panose="020B0604020202020204" pitchFamily="34" charset="0"/>
-                <a:cs typeface="Arial" panose="020B0604020202020204" pitchFamily="34" charset="0"/>
-                <a:sym typeface="Commissioner ExtraBold"/>
-              </a:rPr>
-              <a:t>Autorização</a:t>
-            </a:r>
-            <a:endParaRPr kumimoji="0" lang="en-US" sz="5000" b="1" i="0" u="none" strike="noStrike" kern="0" cap="none" spc="0" normalizeH="0" baseline="0" noProof="0" dirty="0">
-              <a:ln>
-                <a:noFill/>
-              </a:ln>
-              <a:solidFill>
-                <a:srgbClr val="3D4D55"/>
-              </a:solidFill>
-              <a:effectLst/>
-              <a:uLnTx/>
-              <a:uFillTx/>
-              <a:latin typeface="Arial" panose="020B0604020202020204" pitchFamily="34" charset="0"/>
-              <a:cs typeface="Arial" panose="020B0604020202020204" pitchFamily="34" charset="0"/>
-              <a:sym typeface="Commissioner ExtraBold"/>
-            </a:endParaRPr>
-          </a:p>
-        </p:txBody>
-      </p:sp>
-      <p:sp>
-        <p:nvSpPr>
-          <p:cNvPr id="9" name="Google Shape;1460;p74">
-            <a:extLst>
-              <a:ext uri="{FF2B5EF4-FFF2-40B4-BE49-F238E27FC236}">
-                <a16:creationId xmlns:a16="http://schemas.microsoft.com/office/drawing/2014/main" id="{D1F998ED-C0F8-F98C-374B-0151B38AD950}"/>
-              </a:ext>
-            </a:extLst>
-          </p:cNvPr>
-          <p:cNvSpPr/>
-          <p:nvPr/>
-        </p:nvSpPr>
-        <p:spPr>
-          <a:xfrm>
-            <a:off x="8872199" y="-179614"/>
-            <a:ext cx="3472201" cy="3722914"/>
-          </a:xfrm>
-          <a:custGeom>
-            <a:avLst/>
-            <a:gdLst/>
-            <a:ahLst/>
-            <a:cxnLst/>
-            <a:rect l="l" t="t" r="r" b="b"/>
-            <a:pathLst>
-              <a:path w="146265" h="156112" extrusionOk="0">
-                <a:moveTo>
-                  <a:pt x="5411" y="0"/>
-                </a:moveTo>
-                <a:cubicBezTo>
-                  <a:pt x="5411" y="0"/>
-                  <a:pt x="1" y="28329"/>
-                  <a:pt x="20548" y="36870"/>
-                </a:cubicBezTo>
-                <a:cubicBezTo>
-                  <a:pt x="24058" y="38329"/>
-                  <a:pt x="27694" y="38893"/>
-                  <a:pt x="31373" y="38893"/>
-                </a:cubicBezTo>
-                <a:cubicBezTo>
-                  <a:pt x="43912" y="38893"/>
-                  <a:pt x="56943" y="32338"/>
-                  <a:pt x="67152" y="32338"/>
-                </a:cubicBezTo>
-                <a:cubicBezTo>
-                  <a:pt x="71479" y="32338"/>
-                  <a:pt x="75300" y="33516"/>
-                  <a:pt x="78361" y="36870"/>
-                </a:cubicBezTo>
-                <a:cubicBezTo>
-                  <a:pt x="90793" y="50426"/>
-                  <a:pt x="72190" y="65958"/>
-                  <a:pt x="96993" y="74500"/>
-                </a:cubicBezTo>
-                <a:cubicBezTo>
-                  <a:pt x="105899" y="77600"/>
-                  <a:pt x="114015" y="83740"/>
-                  <a:pt x="115717" y="93497"/>
-                </a:cubicBezTo>
-                <a:cubicBezTo>
-                  <a:pt x="117814" y="105503"/>
-                  <a:pt x="109060" y="112403"/>
-                  <a:pt x="105504" y="122646"/>
-                </a:cubicBezTo>
-                <a:cubicBezTo>
-                  <a:pt x="103559" y="128148"/>
-                  <a:pt x="104744" y="135078"/>
-                  <a:pt x="107024" y="140245"/>
-                </a:cubicBezTo>
-                <a:cubicBezTo>
-                  <a:pt x="109699" y="146294"/>
-                  <a:pt x="114501" y="151218"/>
-                  <a:pt x="120580" y="153832"/>
-                </a:cubicBezTo>
-                <a:cubicBezTo>
-                  <a:pt x="124167" y="155413"/>
-                  <a:pt x="128027" y="156081"/>
-                  <a:pt x="131918" y="156112"/>
-                </a:cubicBezTo>
-                <a:cubicBezTo>
-                  <a:pt x="133438" y="156112"/>
-                  <a:pt x="146265" y="155200"/>
-                  <a:pt x="146265" y="153650"/>
-                </a:cubicBezTo>
-                <a:lnTo>
-                  <a:pt x="146265" y="0"/>
-                </a:lnTo>
-                <a:close/>
-              </a:path>
-            </a:pathLst>
-          </a:custGeom>
-          <a:solidFill>
-            <a:srgbClr val="3D4D55"/>
-          </a:solidFill>
-          <a:ln>
-            <a:noFill/>
-          </a:ln>
-        </p:spPr>
-        <p:txBody>
-          <a:bodyPr spcFirstLastPara="1" wrap="square" lIns="91425" tIns="91425" rIns="91425" bIns="91425" anchor="ctr" anchorCtr="0">
-            <a:noAutofit/>
-          </a:bodyPr>
-          <a:lstStyle/>
-          <a:p>
-            <a:pPr marL="0" marR="0" lvl="0" indent="0" defTabSz="914400" eaLnBrk="1" fontAlgn="auto" latinLnBrk="0" hangingPunct="1">
-              <a:lnSpc>
-                <a:spcPct val="100000"/>
-              </a:lnSpc>
-              <a:spcBef>
-                <a:spcPts val="0"/>
-              </a:spcBef>
-              <a:spcAft>
-                <a:spcPts val="0"/>
-              </a:spcAft>
-              <a:buClr>
-                <a:srgbClr val="000000"/>
-              </a:buClr>
-              <a:buSzTx/>
-              <a:buFont typeface="Arial"/>
-              <a:buNone/>
-              <a:tabLst/>
-              <a:defRPr/>
-            </a:pPr>
-            <a:endParaRPr kumimoji="0" sz="1400" b="0" i="0" u="none" strike="noStrike" kern="0" cap="none" spc="0" normalizeH="0" baseline="0" noProof="0">
-              <a:ln>
-                <a:noFill/>
-              </a:ln>
-              <a:solidFill>
-                <a:srgbClr val="000000"/>
-              </a:solidFill>
-              <a:effectLst/>
-              <a:uLnTx/>
-              <a:uFillTx/>
-              <a:latin typeface="Arial"/>
-              <a:cs typeface="Arial"/>
-              <a:sym typeface="Arial"/>
-            </a:endParaRPr>
-          </a:p>
-        </p:txBody>
-      </p:sp>
-      <p:sp>
-        <p:nvSpPr>
-          <p:cNvPr id="11" name="Google Shape;1457;p74">
-            <a:extLst>
-              <a:ext uri="{FF2B5EF4-FFF2-40B4-BE49-F238E27FC236}">
-                <a16:creationId xmlns:a16="http://schemas.microsoft.com/office/drawing/2014/main" id="{D5B91189-D1FE-9273-BC8A-9C82DECCA2E3}"/>
-              </a:ext>
-            </a:extLst>
-          </p:cNvPr>
-          <p:cNvSpPr/>
-          <p:nvPr/>
-        </p:nvSpPr>
-        <p:spPr>
-          <a:xfrm rot="10191456">
-            <a:off x="10056522" y="580606"/>
-            <a:ext cx="2411496" cy="1900868"/>
-          </a:xfrm>
-          <a:custGeom>
-            <a:avLst/>
-            <a:gdLst/>
-            <a:ahLst/>
-            <a:cxnLst/>
-            <a:rect l="l" t="t" r="r" b="b"/>
-            <a:pathLst>
-              <a:path w="39363" h="31028" extrusionOk="0">
-                <a:moveTo>
-                  <a:pt x="21078" y="1"/>
-                </a:moveTo>
-                <a:cubicBezTo>
-                  <a:pt x="18634" y="1"/>
-                  <a:pt x="16478" y="1773"/>
-                  <a:pt x="15979" y="4271"/>
-                </a:cubicBezTo>
-                <a:cubicBezTo>
-                  <a:pt x="15946" y="4537"/>
-                  <a:pt x="15912" y="4838"/>
-                  <a:pt x="15912" y="5104"/>
-                </a:cubicBezTo>
-                <a:lnTo>
-                  <a:pt x="15912" y="5305"/>
-                </a:lnTo>
-                <a:cubicBezTo>
-                  <a:pt x="15846" y="6272"/>
-                  <a:pt x="15379" y="10008"/>
-                  <a:pt x="9708" y="11342"/>
-                </a:cubicBezTo>
-                <a:cubicBezTo>
-                  <a:pt x="5438" y="11776"/>
-                  <a:pt x="1802" y="14945"/>
-                  <a:pt x="1002" y="19348"/>
-                </a:cubicBezTo>
-                <a:cubicBezTo>
-                  <a:pt x="1" y="24685"/>
-                  <a:pt x="3570" y="29856"/>
-                  <a:pt x="8907" y="30856"/>
-                </a:cubicBezTo>
-                <a:cubicBezTo>
-                  <a:pt x="9518" y="30972"/>
-                  <a:pt x="10126" y="31028"/>
-                  <a:pt x="10725" y="31028"/>
-                </a:cubicBezTo>
-                <a:cubicBezTo>
-                  <a:pt x="13752" y="31028"/>
-                  <a:pt x="16548" y="29604"/>
-                  <a:pt x="18414" y="27320"/>
-                </a:cubicBezTo>
-                <a:cubicBezTo>
-                  <a:pt x="19014" y="26520"/>
-                  <a:pt x="19515" y="25653"/>
-                  <a:pt x="19915" y="24685"/>
-                </a:cubicBezTo>
-                <a:cubicBezTo>
-                  <a:pt x="21857" y="21834"/>
-                  <a:pt x="25742" y="17659"/>
-                  <a:pt x="31816" y="17659"/>
-                </a:cubicBezTo>
-                <a:cubicBezTo>
-                  <a:pt x="32210" y="17659"/>
-                  <a:pt x="32613" y="17677"/>
-                  <a:pt x="33024" y="17714"/>
-                </a:cubicBezTo>
-                <a:cubicBezTo>
-                  <a:pt x="33258" y="17780"/>
-                  <a:pt x="33425" y="17847"/>
-                  <a:pt x="33625" y="17880"/>
-                </a:cubicBezTo>
-                <a:cubicBezTo>
-                  <a:pt x="33909" y="17934"/>
-                  <a:pt x="34192" y="17960"/>
-                  <a:pt x="34471" y="17960"/>
-                </a:cubicBezTo>
-                <a:cubicBezTo>
-                  <a:pt x="36614" y="17960"/>
-                  <a:pt x="38515" y="16432"/>
-                  <a:pt x="38929" y="14278"/>
-                </a:cubicBezTo>
-                <a:cubicBezTo>
-                  <a:pt x="39362" y="11809"/>
-                  <a:pt x="37761" y="9441"/>
-                  <a:pt x="35293" y="8974"/>
-                </a:cubicBezTo>
-                <a:cubicBezTo>
-                  <a:pt x="34999" y="8913"/>
-                  <a:pt x="34710" y="8883"/>
-                  <a:pt x="34425" y="8883"/>
-                </a:cubicBezTo>
-                <a:cubicBezTo>
-                  <a:pt x="33934" y="8883"/>
-                  <a:pt x="33456" y="8972"/>
-                  <a:pt x="32991" y="9141"/>
-                </a:cubicBezTo>
-                <a:cubicBezTo>
-                  <a:pt x="32529" y="9216"/>
-                  <a:pt x="31929" y="9288"/>
-                  <a:pt x="31278" y="9288"/>
-                </a:cubicBezTo>
-                <a:cubicBezTo>
-                  <a:pt x="29341" y="9288"/>
-                  <a:pt x="26944" y="8658"/>
-                  <a:pt x="26320" y="5638"/>
-                </a:cubicBezTo>
-                <a:cubicBezTo>
-                  <a:pt x="26587" y="3103"/>
-                  <a:pt x="24785" y="601"/>
-                  <a:pt x="22083" y="101"/>
-                </a:cubicBezTo>
-                <a:cubicBezTo>
-                  <a:pt x="21745" y="33"/>
-                  <a:pt x="21409" y="1"/>
-                  <a:pt x="21078" y="1"/>
-                </a:cubicBezTo>
-                <a:close/>
-              </a:path>
-            </a:pathLst>
-          </a:custGeom>
-          <a:solidFill>
-            <a:srgbClr val="ACDBD3"/>
-          </a:solidFill>
-          <a:ln>
-            <a:noFill/>
-          </a:ln>
-        </p:spPr>
-        <p:txBody>
-          <a:bodyPr spcFirstLastPara="1" wrap="square" lIns="91425" tIns="91425" rIns="91425" bIns="91425" anchor="ctr" anchorCtr="0">
-            <a:noAutofit/>
-          </a:bodyPr>
-          <a:lstStyle/>
-          <a:p>
-            <a:pPr marL="0" marR="0" lvl="0" indent="0" defTabSz="914400" eaLnBrk="1" fontAlgn="auto" latinLnBrk="0" hangingPunct="1">
-              <a:lnSpc>
-                <a:spcPct val="100000"/>
-              </a:lnSpc>
-              <a:spcBef>
-                <a:spcPts val="0"/>
-              </a:spcBef>
-              <a:spcAft>
-                <a:spcPts val="0"/>
-              </a:spcAft>
-              <a:buClr>
-                <a:srgbClr val="000000"/>
-              </a:buClr>
-              <a:buSzTx/>
-              <a:buFont typeface="Arial"/>
-              <a:buNone/>
-              <a:tabLst/>
-              <a:defRPr/>
-            </a:pPr>
-            <a:endParaRPr kumimoji="0" sz="1400" b="0" i="0" u="none" strike="noStrike" kern="0" cap="none" spc="0" normalizeH="0" baseline="0" noProof="0">
-              <a:ln>
-                <a:noFill/>
-              </a:ln>
-              <a:solidFill>
-                <a:srgbClr val="000000"/>
-              </a:solidFill>
-              <a:effectLst/>
-              <a:uLnTx/>
-              <a:uFillTx/>
-              <a:latin typeface="Arial"/>
-              <a:cs typeface="Arial"/>
-              <a:sym typeface="Arial"/>
-            </a:endParaRPr>
-          </a:p>
-        </p:txBody>
-      </p:sp>
-      <p:sp>
-        <p:nvSpPr>
-          <p:cNvPr id="13" name="Google Shape;1463;p74">
-            <a:extLst>
-              <a:ext uri="{FF2B5EF4-FFF2-40B4-BE49-F238E27FC236}">
-                <a16:creationId xmlns:a16="http://schemas.microsoft.com/office/drawing/2014/main" id="{9FBE7827-AFF9-E943-D4D6-469993A3A5E2}"/>
-              </a:ext>
-            </a:extLst>
-          </p:cNvPr>
-          <p:cNvSpPr/>
-          <p:nvPr/>
-        </p:nvSpPr>
-        <p:spPr>
-          <a:xfrm rot="18140219">
-            <a:off x="8441112" y="4410166"/>
-            <a:ext cx="3874663" cy="3662248"/>
-          </a:xfrm>
-          <a:custGeom>
-            <a:avLst/>
-            <a:gdLst/>
-            <a:ahLst/>
-            <a:cxnLst/>
-            <a:rect l="l" t="t" r="r" b="b"/>
-            <a:pathLst>
-              <a:path w="119881" h="113309" extrusionOk="0">
-                <a:moveTo>
-                  <a:pt x="20594" y="1"/>
-                </a:moveTo>
-                <a:cubicBezTo>
-                  <a:pt x="16552" y="1"/>
-                  <a:pt x="12368" y="1147"/>
-                  <a:pt x="9149" y="2790"/>
-                </a:cubicBezTo>
-                <a:cubicBezTo>
-                  <a:pt x="5471" y="4675"/>
-                  <a:pt x="1915" y="7836"/>
-                  <a:pt x="0" y="11605"/>
-                </a:cubicBezTo>
-                <a:lnTo>
-                  <a:pt x="0" y="113308"/>
-                </a:lnTo>
-                <a:lnTo>
-                  <a:pt x="117935" y="113308"/>
-                </a:lnTo>
-                <a:cubicBezTo>
-                  <a:pt x="117935" y="113308"/>
-                  <a:pt x="119881" y="98901"/>
-                  <a:pt x="102008" y="94250"/>
-                </a:cubicBezTo>
-                <a:cubicBezTo>
-                  <a:pt x="89485" y="90968"/>
-                  <a:pt x="95139" y="77472"/>
-                  <a:pt x="92190" y="68141"/>
-                </a:cubicBezTo>
-                <a:cubicBezTo>
-                  <a:pt x="88773" y="57366"/>
-                  <a:pt x="78869" y="50808"/>
-                  <a:pt x="68440" y="50808"/>
-                </a:cubicBezTo>
-                <a:cubicBezTo>
-                  <a:pt x="64953" y="50808"/>
-                  <a:pt x="61407" y="51541"/>
-                  <a:pt x="58025" y="53095"/>
-                </a:cubicBezTo>
-                <a:cubicBezTo>
-                  <a:pt x="53166" y="55347"/>
-                  <a:pt x="45940" y="60409"/>
-                  <a:pt x="39678" y="60409"/>
-                </a:cubicBezTo>
-                <a:cubicBezTo>
-                  <a:pt x="37911" y="60409"/>
-                  <a:pt x="36220" y="60005"/>
-                  <a:pt x="34681" y="59022"/>
-                </a:cubicBezTo>
-                <a:cubicBezTo>
-                  <a:pt x="26323" y="53703"/>
-                  <a:pt x="32341" y="38991"/>
-                  <a:pt x="33770" y="31635"/>
-                </a:cubicBezTo>
-                <a:cubicBezTo>
-                  <a:pt x="35381" y="23459"/>
-                  <a:pt x="36900" y="14249"/>
-                  <a:pt x="32858" y="6498"/>
-                </a:cubicBezTo>
-                <a:cubicBezTo>
-                  <a:pt x="30386" y="1757"/>
-                  <a:pt x="25599" y="1"/>
-                  <a:pt x="20594" y="1"/>
-                </a:cubicBezTo>
-                <a:close/>
-              </a:path>
-            </a:pathLst>
-          </a:custGeom>
-          <a:noFill/>
-          <a:ln>
-            <a:solidFill>
-              <a:srgbClr val="3D4D55"/>
-            </a:solidFill>
-          </a:ln>
-        </p:spPr>
-        <p:txBody>
-          <a:bodyPr spcFirstLastPara="1" wrap="square" lIns="91425" tIns="91425" rIns="91425" bIns="91425" anchor="ctr" anchorCtr="0">
-            <a:noAutofit/>
-          </a:bodyPr>
-          <a:lstStyle/>
-          <a:p>
-            <a:pPr marL="0" marR="0" lvl="0" indent="0" defTabSz="914400" eaLnBrk="1" fontAlgn="auto" latinLnBrk="0" hangingPunct="1">
-              <a:lnSpc>
-                <a:spcPct val="100000"/>
-              </a:lnSpc>
-              <a:spcBef>
-                <a:spcPts val="0"/>
-              </a:spcBef>
-              <a:spcAft>
-                <a:spcPts val="0"/>
-              </a:spcAft>
-              <a:buClr>
-                <a:srgbClr val="000000"/>
-              </a:buClr>
-              <a:buSzTx/>
-              <a:buFont typeface="Arial"/>
-              <a:buNone/>
-              <a:tabLst/>
-              <a:defRPr/>
-            </a:pPr>
-            <a:endParaRPr kumimoji="0" sz="1400" b="0" i="0" u="none" strike="noStrike" kern="0" cap="none" spc="0" normalizeH="0" baseline="0" noProof="0">
-              <a:ln>
-                <a:noFill/>
-              </a:ln>
-              <a:solidFill>
-                <a:srgbClr val="000000"/>
-              </a:solidFill>
-              <a:effectLst/>
-              <a:uLnTx/>
-              <a:uFillTx/>
-              <a:latin typeface="Arial"/>
-              <a:cs typeface="Arial"/>
-              <a:sym typeface="Arial"/>
-            </a:endParaRPr>
-          </a:p>
-        </p:txBody>
-      </p:sp>
-      <p:sp>
-        <p:nvSpPr>
-          <p:cNvPr id="2" name="Slide Number Placeholder 1">
-            <a:extLst>
-              <a:ext uri="{FF2B5EF4-FFF2-40B4-BE49-F238E27FC236}">
-                <a16:creationId xmlns:a16="http://schemas.microsoft.com/office/drawing/2014/main" id="{749BBD88-A4E5-6147-9010-7F2FA63B6611}"/>
-              </a:ext>
-            </a:extLst>
-          </p:cNvPr>
-          <p:cNvSpPr>
-            <a:spLocks noGrp="1"/>
-          </p:cNvSpPr>
-          <p:nvPr>
-            <p:ph type="sldNum" sz="quarter" idx="12"/>
-          </p:nvPr>
-        </p:nvSpPr>
-        <p:spPr/>
-        <p:txBody>
-          <a:bodyPr/>
-          <a:lstStyle/>
-          <a:p>
-            <a:fld id="{834E4636-1AC7-4593-8425-9A7E3B693646}" type="slidenum">
-              <a:rPr lang="pt-PT" smtClean="0"/>
-              <a:t>11</a:t>
-            </a:fld>
-            <a:endParaRPr lang="pt-PT"/>
-          </a:p>
-        </p:txBody>
-      </p:sp>
-      <p:sp>
-        <p:nvSpPr>
-          <p:cNvPr id="8" name="Google Shape;1463;p74">
-            <a:extLst>
-              <a:ext uri="{FF2B5EF4-FFF2-40B4-BE49-F238E27FC236}">
-                <a16:creationId xmlns:a16="http://schemas.microsoft.com/office/drawing/2014/main" id="{8748D113-06D6-DA2F-32F4-14CF4A57695C}"/>
-              </a:ext>
-            </a:extLst>
-          </p:cNvPr>
-          <p:cNvSpPr/>
-          <p:nvPr/>
-        </p:nvSpPr>
-        <p:spPr>
-          <a:xfrm>
-            <a:off x="-702050" y="4373217"/>
-            <a:ext cx="3536281" cy="2484784"/>
-          </a:xfrm>
-          <a:custGeom>
-            <a:avLst/>
-            <a:gdLst/>
-            <a:ahLst/>
-            <a:cxnLst/>
-            <a:rect l="l" t="t" r="r" b="b"/>
-            <a:pathLst>
-              <a:path w="119881" h="113309" extrusionOk="0">
-                <a:moveTo>
-                  <a:pt x="20594" y="1"/>
-                </a:moveTo>
-                <a:cubicBezTo>
-                  <a:pt x="16552" y="1"/>
-                  <a:pt x="12368" y="1147"/>
-                  <a:pt x="9149" y="2790"/>
-                </a:cubicBezTo>
-                <a:cubicBezTo>
-                  <a:pt x="5471" y="4675"/>
-                  <a:pt x="1915" y="7836"/>
-                  <a:pt x="0" y="11605"/>
-                </a:cubicBezTo>
-                <a:lnTo>
-                  <a:pt x="0" y="113308"/>
-                </a:lnTo>
-                <a:lnTo>
-                  <a:pt x="117935" y="113308"/>
-                </a:lnTo>
-                <a:cubicBezTo>
-                  <a:pt x="117935" y="113308"/>
-                  <a:pt x="119881" y="98901"/>
-                  <a:pt x="102008" y="94250"/>
-                </a:cubicBezTo>
-                <a:cubicBezTo>
-                  <a:pt x="89485" y="90968"/>
-                  <a:pt x="95139" y="77472"/>
-                  <a:pt x="92190" y="68141"/>
-                </a:cubicBezTo>
-                <a:cubicBezTo>
-                  <a:pt x="88773" y="57366"/>
-                  <a:pt x="78869" y="50808"/>
-                  <a:pt x="68440" y="50808"/>
-                </a:cubicBezTo>
-                <a:cubicBezTo>
-                  <a:pt x="64953" y="50808"/>
-                  <a:pt x="61407" y="51541"/>
-                  <a:pt x="58025" y="53095"/>
-                </a:cubicBezTo>
-                <a:cubicBezTo>
-                  <a:pt x="53166" y="55347"/>
-                  <a:pt x="45940" y="60409"/>
-                  <a:pt x="39678" y="60409"/>
-                </a:cubicBezTo>
-                <a:cubicBezTo>
-                  <a:pt x="37911" y="60409"/>
-                  <a:pt x="36220" y="60005"/>
-                  <a:pt x="34681" y="59022"/>
-                </a:cubicBezTo>
-                <a:cubicBezTo>
-                  <a:pt x="26323" y="53703"/>
-                  <a:pt x="32341" y="38991"/>
-                  <a:pt x="33770" y="31635"/>
-                </a:cubicBezTo>
-                <a:cubicBezTo>
-                  <a:pt x="35381" y="23459"/>
-                  <a:pt x="36900" y="14249"/>
-                  <a:pt x="32858" y="6498"/>
-                </a:cubicBezTo>
-                <a:cubicBezTo>
-                  <a:pt x="30386" y="1757"/>
-                  <a:pt x="25599" y="1"/>
-                  <a:pt x="20594" y="1"/>
-                </a:cubicBezTo>
-                <a:close/>
-              </a:path>
-            </a:pathLst>
-          </a:custGeom>
-          <a:solidFill>
-            <a:srgbClr val="3F4853"/>
-          </a:solidFill>
-          <a:ln>
-            <a:noFill/>
-          </a:ln>
-        </p:spPr>
-        <p:txBody>
-          <a:bodyPr spcFirstLastPara="1" wrap="square" lIns="91425" tIns="91425" rIns="91425" bIns="91425" anchor="ctr" anchorCtr="0">
-            <a:noAutofit/>
-          </a:bodyPr>
-          <a:lstStyle/>
-          <a:p>
-            <a:pPr marL="0" marR="0" lvl="0" indent="0" defTabSz="914400" eaLnBrk="1" fontAlgn="auto" latinLnBrk="0" hangingPunct="1">
-              <a:lnSpc>
-                <a:spcPct val="100000"/>
-              </a:lnSpc>
-              <a:spcBef>
-                <a:spcPts val="0"/>
-              </a:spcBef>
-              <a:spcAft>
-                <a:spcPts val="0"/>
-              </a:spcAft>
-              <a:buClr>
-                <a:srgbClr val="000000"/>
-              </a:buClr>
-              <a:buSzTx/>
-              <a:buFont typeface="Arial"/>
-              <a:buNone/>
-              <a:tabLst/>
-              <a:defRPr/>
-            </a:pPr>
-            <a:endParaRPr kumimoji="0" sz="1400" b="0" i="0" u="none" strike="noStrike" kern="0" cap="none" spc="0" normalizeH="0" baseline="0" noProof="0">
-              <a:ln>
-                <a:noFill/>
-              </a:ln>
-              <a:solidFill>
-                <a:srgbClr val="000000"/>
-              </a:solidFill>
-              <a:effectLst/>
-              <a:uLnTx/>
-              <a:uFillTx/>
-              <a:latin typeface="Arial"/>
-              <a:cs typeface="Arial"/>
-              <a:sym typeface="Arial"/>
-            </a:endParaRPr>
-          </a:p>
-        </p:txBody>
-      </p:sp>
-      <p:sp>
-        <p:nvSpPr>
-          <p:cNvPr id="10" name="Google Shape;1460;p74">
-            <a:extLst>
-              <a:ext uri="{FF2B5EF4-FFF2-40B4-BE49-F238E27FC236}">
-                <a16:creationId xmlns:a16="http://schemas.microsoft.com/office/drawing/2014/main" id="{4C23886B-6987-A37B-93B9-19278F4820BE}"/>
-              </a:ext>
-            </a:extLst>
-          </p:cNvPr>
-          <p:cNvSpPr/>
-          <p:nvPr/>
-        </p:nvSpPr>
-        <p:spPr>
-          <a:xfrm rot="9642873">
-            <a:off x="-447547" y="3897933"/>
-            <a:ext cx="3472201" cy="3722914"/>
-          </a:xfrm>
-          <a:custGeom>
-            <a:avLst/>
-            <a:gdLst/>
-            <a:ahLst/>
-            <a:cxnLst/>
-            <a:rect l="l" t="t" r="r" b="b"/>
-            <a:pathLst>
-              <a:path w="146265" h="156112" extrusionOk="0">
-                <a:moveTo>
-                  <a:pt x="5411" y="0"/>
-                </a:moveTo>
-                <a:cubicBezTo>
-                  <a:pt x="5411" y="0"/>
-                  <a:pt x="1" y="28329"/>
-                  <a:pt x="20548" y="36870"/>
-                </a:cubicBezTo>
-                <a:cubicBezTo>
-                  <a:pt x="24058" y="38329"/>
-                  <a:pt x="27694" y="38893"/>
-                  <a:pt x="31373" y="38893"/>
-                </a:cubicBezTo>
-                <a:cubicBezTo>
-                  <a:pt x="43912" y="38893"/>
-                  <a:pt x="56943" y="32338"/>
-                  <a:pt x="67152" y="32338"/>
-                </a:cubicBezTo>
-                <a:cubicBezTo>
-                  <a:pt x="71479" y="32338"/>
-                  <a:pt x="75300" y="33516"/>
-                  <a:pt x="78361" y="36870"/>
-                </a:cubicBezTo>
-                <a:cubicBezTo>
-                  <a:pt x="90793" y="50426"/>
-                  <a:pt x="72190" y="65958"/>
-                  <a:pt x="96993" y="74500"/>
-                </a:cubicBezTo>
-                <a:cubicBezTo>
-                  <a:pt x="105899" y="77600"/>
-                  <a:pt x="114015" y="83740"/>
-                  <a:pt x="115717" y="93497"/>
-                </a:cubicBezTo>
-                <a:cubicBezTo>
-                  <a:pt x="117814" y="105503"/>
-                  <a:pt x="109060" y="112403"/>
-                  <a:pt x="105504" y="122646"/>
-                </a:cubicBezTo>
-                <a:cubicBezTo>
-                  <a:pt x="103559" y="128148"/>
-                  <a:pt x="104744" y="135078"/>
-                  <a:pt x="107024" y="140245"/>
-                </a:cubicBezTo>
-                <a:cubicBezTo>
-                  <a:pt x="109699" y="146294"/>
-                  <a:pt x="114501" y="151218"/>
-                  <a:pt x="120580" y="153832"/>
-                </a:cubicBezTo>
-                <a:cubicBezTo>
-                  <a:pt x="124167" y="155413"/>
-                  <a:pt x="128027" y="156081"/>
-                  <a:pt x="131918" y="156112"/>
-                </a:cubicBezTo>
-                <a:cubicBezTo>
-                  <a:pt x="133438" y="156112"/>
-                  <a:pt x="146265" y="155200"/>
-                  <a:pt x="146265" y="153650"/>
-                </a:cubicBezTo>
-                <a:lnTo>
-                  <a:pt x="146265" y="0"/>
-                </a:lnTo>
-                <a:close/>
-              </a:path>
-            </a:pathLst>
-          </a:custGeom>
-          <a:solidFill>
-            <a:srgbClr val="ACDBD3"/>
-          </a:solidFill>
-          <a:ln>
-            <a:noFill/>
-          </a:ln>
-        </p:spPr>
-        <p:txBody>
-          <a:bodyPr spcFirstLastPara="1" wrap="square" lIns="91425" tIns="91425" rIns="91425" bIns="91425" anchor="ctr" anchorCtr="0">
-            <a:noAutofit/>
-          </a:bodyPr>
-          <a:lstStyle/>
-          <a:p>
-            <a:pPr marL="0" marR="0" lvl="0" indent="0" defTabSz="914400" eaLnBrk="1" fontAlgn="auto" latinLnBrk="0" hangingPunct="1">
-              <a:lnSpc>
-                <a:spcPct val="100000"/>
-              </a:lnSpc>
-              <a:spcBef>
-                <a:spcPts val="0"/>
-              </a:spcBef>
-              <a:spcAft>
-                <a:spcPts val="0"/>
-              </a:spcAft>
-              <a:buClr>
-                <a:srgbClr val="000000"/>
-              </a:buClr>
-              <a:buSzTx/>
-              <a:buFont typeface="Arial"/>
-              <a:buNone/>
-              <a:tabLst/>
-              <a:defRPr/>
-            </a:pPr>
-            <a:endParaRPr kumimoji="0" sz="1400" b="0" i="0" u="none" strike="noStrike" kern="0" cap="none" spc="0" normalizeH="0" baseline="0" noProof="0">
-              <a:ln>
-                <a:noFill/>
-              </a:ln>
-              <a:solidFill>
-                <a:srgbClr val="000000"/>
-              </a:solidFill>
-              <a:effectLst/>
-              <a:uLnTx/>
-              <a:uFillTx/>
-              <a:latin typeface="Arial"/>
-              <a:cs typeface="Arial"/>
-              <a:sym typeface="Arial"/>
-            </a:endParaRPr>
-          </a:p>
-        </p:txBody>
-      </p:sp>
-    </p:spTree>
-    <p:extLst>
-      <p:ext uri="{BB962C8B-B14F-4D97-AF65-F5344CB8AC3E}">
-        <p14:creationId xmlns:p14="http://schemas.microsoft.com/office/powerpoint/2010/main" val="1890884866"/>
-      </p:ext>
-    </p:extLst>
-  </p:cSld>
-  <p:clrMapOvr>
-    <a:masterClrMapping/>
-  </p:clrMapOvr>
-</p:sld>
-</file>
-
-<file path=ppt/slides/slide12.xml><?xml version="1.0" encoding="utf-8"?>
-<p:sld xmlns:a="http://schemas.openxmlformats.org/drawingml/2006/main" xmlns:r="http://schemas.openxmlformats.org/officeDocument/2006/relationships" xmlns:p="http://schemas.openxmlformats.org/presentationml/2006/main">
-  <p:cSld>
-    <p:bg>
-      <p:bgPr>
-        <a:solidFill>
-          <a:schemeClr val="bg1"/>
-        </a:solidFill>
-        <a:effectLst/>
-      </p:bgPr>
-    </p:bg>
-    <p:spTree>
-      <p:nvGrpSpPr>
-        <p:cNvPr id="1" name=""/>
-        <p:cNvGrpSpPr/>
-        <p:nvPr/>
-      </p:nvGrpSpPr>
-      <p:grpSpPr>
-        <a:xfrm>
-          <a:off x="0" y="0"/>
-          <a:ext cx="0" cy="0"/>
-          <a:chOff x="0" y="0"/>
-          <a:chExt cx="0" cy="0"/>
-        </a:xfrm>
-      </p:grpSpPr>
       <p:pic>
         <p:nvPicPr>
           <p:cNvPr id="1026" name="Picture 2">
@@ -9985,7 +7450,7 @@
           <a:p>
             <a:fld id="{834E4636-1AC7-4593-8425-9A7E3B693646}" type="slidenum">
               <a:rPr lang="pt-PT" smtClean="0"/>
-              <a:t>12</a:t>
+              <a:t>10</a:t>
             </a:fld>
             <a:endParaRPr lang="pt-PT"/>
           </a:p>
@@ -10004,7 +7469,1002 @@
 </p:sld>
 </file>
 
-<file path=ppt/slides/slide13.xml><?xml version="1.0" encoding="utf-8"?>
+<file path=ppt/slides/slide11.xml><?xml version="1.0" encoding="utf-8"?>
+<p:sld xmlns:a="http://schemas.openxmlformats.org/drawingml/2006/main" xmlns:r="http://schemas.openxmlformats.org/officeDocument/2006/relationships" xmlns:p="http://schemas.openxmlformats.org/presentationml/2006/main">
+  <p:cSld>
+    <p:bg>
+      <p:bgPr>
+        <a:solidFill>
+          <a:schemeClr val="bg1"/>
+        </a:solidFill>
+        <a:effectLst/>
+      </p:bgPr>
+    </p:bg>
+    <p:spTree>
+      <p:nvGrpSpPr>
+        <p:cNvPr id="1" name=""/>
+        <p:cNvGrpSpPr/>
+        <p:nvPr/>
+      </p:nvGrpSpPr>
+      <p:grpSpPr>
+        <a:xfrm>
+          <a:off x="0" y="0"/>
+          <a:ext cx="0" cy="0"/>
+          <a:chOff x="0" y="0"/>
+          <a:chExt cx="0" cy="0"/>
+        </a:xfrm>
+      </p:grpSpPr>
+      <p:sp>
+        <p:nvSpPr>
+          <p:cNvPr id="10" name="Google Shape;1463;p74">
+            <a:extLst>
+              <a:ext uri="{FF2B5EF4-FFF2-40B4-BE49-F238E27FC236}">
+                <a16:creationId xmlns:a16="http://schemas.microsoft.com/office/drawing/2014/main" id="{643C1A7C-0827-BEE8-C235-6F25C8D9BCB5}"/>
+              </a:ext>
+            </a:extLst>
+          </p:cNvPr>
+          <p:cNvSpPr/>
+          <p:nvPr/>
+        </p:nvSpPr>
+        <p:spPr>
+          <a:xfrm>
+            <a:off x="-702050" y="4373217"/>
+            <a:ext cx="3536281" cy="2484784"/>
+          </a:xfrm>
+          <a:custGeom>
+            <a:avLst/>
+            <a:gdLst/>
+            <a:ahLst/>
+            <a:cxnLst/>
+            <a:rect l="l" t="t" r="r" b="b"/>
+            <a:pathLst>
+              <a:path w="119881" h="113309" extrusionOk="0">
+                <a:moveTo>
+                  <a:pt x="20594" y="1"/>
+                </a:moveTo>
+                <a:cubicBezTo>
+                  <a:pt x="16552" y="1"/>
+                  <a:pt x="12368" y="1147"/>
+                  <a:pt x="9149" y="2790"/>
+                </a:cubicBezTo>
+                <a:cubicBezTo>
+                  <a:pt x="5471" y="4675"/>
+                  <a:pt x="1915" y="7836"/>
+                  <a:pt x="0" y="11605"/>
+                </a:cubicBezTo>
+                <a:lnTo>
+                  <a:pt x="0" y="113308"/>
+                </a:lnTo>
+                <a:lnTo>
+                  <a:pt x="117935" y="113308"/>
+                </a:lnTo>
+                <a:cubicBezTo>
+                  <a:pt x="117935" y="113308"/>
+                  <a:pt x="119881" y="98901"/>
+                  <a:pt x="102008" y="94250"/>
+                </a:cubicBezTo>
+                <a:cubicBezTo>
+                  <a:pt x="89485" y="90968"/>
+                  <a:pt x="95139" y="77472"/>
+                  <a:pt x="92190" y="68141"/>
+                </a:cubicBezTo>
+                <a:cubicBezTo>
+                  <a:pt x="88773" y="57366"/>
+                  <a:pt x="78869" y="50808"/>
+                  <a:pt x="68440" y="50808"/>
+                </a:cubicBezTo>
+                <a:cubicBezTo>
+                  <a:pt x="64953" y="50808"/>
+                  <a:pt x="61407" y="51541"/>
+                  <a:pt x="58025" y="53095"/>
+                </a:cubicBezTo>
+                <a:cubicBezTo>
+                  <a:pt x="53166" y="55347"/>
+                  <a:pt x="45940" y="60409"/>
+                  <a:pt x="39678" y="60409"/>
+                </a:cubicBezTo>
+                <a:cubicBezTo>
+                  <a:pt x="37911" y="60409"/>
+                  <a:pt x="36220" y="60005"/>
+                  <a:pt x="34681" y="59022"/>
+                </a:cubicBezTo>
+                <a:cubicBezTo>
+                  <a:pt x="26323" y="53703"/>
+                  <a:pt x="32341" y="38991"/>
+                  <a:pt x="33770" y="31635"/>
+                </a:cubicBezTo>
+                <a:cubicBezTo>
+                  <a:pt x="35381" y="23459"/>
+                  <a:pt x="36900" y="14249"/>
+                  <a:pt x="32858" y="6498"/>
+                </a:cubicBezTo>
+                <a:cubicBezTo>
+                  <a:pt x="30386" y="1757"/>
+                  <a:pt x="25599" y="1"/>
+                  <a:pt x="20594" y="1"/>
+                </a:cubicBezTo>
+                <a:close/>
+              </a:path>
+            </a:pathLst>
+          </a:custGeom>
+          <a:solidFill>
+            <a:srgbClr val="ACDBD3"/>
+          </a:solidFill>
+          <a:ln>
+            <a:noFill/>
+          </a:ln>
+        </p:spPr>
+        <p:txBody>
+          <a:bodyPr spcFirstLastPara="1" wrap="square" lIns="91425" tIns="91425" rIns="91425" bIns="91425" anchor="ctr" anchorCtr="0">
+            <a:noAutofit/>
+          </a:bodyPr>
+          <a:lstStyle/>
+          <a:p>
+            <a:pPr marL="0" marR="0" lvl="0" indent="0" defTabSz="914400" eaLnBrk="1" fontAlgn="auto" latinLnBrk="0" hangingPunct="1">
+              <a:lnSpc>
+                <a:spcPct val="100000"/>
+              </a:lnSpc>
+              <a:spcBef>
+                <a:spcPts val="0"/>
+              </a:spcBef>
+              <a:spcAft>
+                <a:spcPts val="0"/>
+              </a:spcAft>
+              <a:buClr>
+                <a:srgbClr val="000000"/>
+              </a:buClr>
+              <a:buSzTx/>
+              <a:buFont typeface="Arial"/>
+              <a:buNone/>
+              <a:tabLst/>
+              <a:defRPr/>
+            </a:pPr>
+            <a:endParaRPr kumimoji="0" sz="1400" b="0" i="0" u="none" strike="noStrike" kern="0" cap="none" spc="0" normalizeH="0" baseline="0" noProof="0">
+              <a:ln>
+                <a:noFill/>
+              </a:ln>
+              <a:solidFill>
+                <a:srgbClr val="000000"/>
+              </a:solidFill>
+              <a:effectLst/>
+              <a:uLnTx/>
+              <a:uFillTx/>
+              <a:latin typeface="Arial"/>
+              <a:cs typeface="Arial"/>
+              <a:sym typeface="Arial"/>
+            </a:endParaRPr>
+          </a:p>
+        </p:txBody>
+      </p:sp>
+      <p:sp>
+        <p:nvSpPr>
+          <p:cNvPr id="7" name="Google Shape;296;p37">
+            <a:extLst>
+              <a:ext uri="{FF2B5EF4-FFF2-40B4-BE49-F238E27FC236}">
+                <a16:creationId xmlns:a16="http://schemas.microsoft.com/office/drawing/2014/main" id="{3D7AB695-BD0C-4E75-8783-E697EBED0E05}"/>
+              </a:ext>
+            </a:extLst>
+          </p:cNvPr>
+          <p:cNvSpPr txBox="1">
+            <a:spLocks/>
+          </p:cNvSpPr>
+          <p:nvPr/>
+        </p:nvSpPr>
+        <p:spPr>
+          <a:xfrm>
+            <a:off x="593554" y="383132"/>
+            <a:ext cx="6885581" cy="631554"/>
+          </a:xfrm>
+          <a:prstGeom prst="rect">
+            <a:avLst/>
+          </a:prstGeom>
+          <a:noFill/>
+          <a:ln>
+            <a:noFill/>
+          </a:ln>
+        </p:spPr>
+        <p:txBody>
+          <a:bodyPr spcFirstLastPara="1" wrap="square" lIns="0" tIns="0" rIns="0" bIns="0" anchor="t" anchorCtr="0">
+            <a:noAutofit/>
+          </a:bodyPr>
+          <a:lstStyle>
+            <a:defPPr marR="0" lvl="0" algn="l" rtl="0">
+              <a:lnSpc>
+                <a:spcPct val="100000"/>
+              </a:lnSpc>
+              <a:spcBef>
+                <a:spcPts val="0"/>
+              </a:spcBef>
+              <a:spcAft>
+                <a:spcPts val="0"/>
+              </a:spcAft>
+            </a:defPPr>
+            <a:lvl1pPr marL="0" marR="0" lvl="0" indent="0" algn="l" rtl="0">
+              <a:lnSpc>
+                <a:spcPct val="90000"/>
+              </a:lnSpc>
+              <a:spcBef>
+                <a:spcPts val="0"/>
+              </a:spcBef>
+              <a:spcAft>
+                <a:spcPts val="0"/>
+              </a:spcAft>
+              <a:buClr>
+                <a:schemeClr val="dk2"/>
+              </a:buClr>
+              <a:buSzPts val="5200"/>
+              <a:buFont typeface="Commissioner"/>
+              <a:buNone/>
+              <a:defRPr sz="5000" b="0" i="0" u="none" strike="noStrike" cap="none">
+                <a:solidFill>
+                  <a:schemeClr val="dk2"/>
+                </a:solidFill>
+                <a:latin typeface="Commissioner ExtraBold"/>
+                <a:ea typeface="Commissioner ExtraBold"/>
+                <a:cs typeface="Commissioner ExtraBold"/>
+                <a:sym typeface="Commissioner ExtraBold"/>
+              </a:defRPr>
+            </a:lvl1pPr>
+            <a:lvl2pPr marR="0" lvl="1" algn="ctr" rtl="0">
+              <a:lnSpc>
+                <a:spcPct val="100000"/>
+              </a:lnSpc>
+              <a:spcBef>
+                <a:spcPts val="0"/>
+              </a:spcBef>
+              <a:spcAft>
+                <a:spcPts val="0"/>
+              </a:spcAft>
+              <a:buClr>
+                <a:schemeClr val="dk2"/>
+              </a:buClr>
+              <a:buSzPts val="5200"/>
+              <a:buFont typeface="Barlow SemiBold"/>
+              <a:buNone/>
+              <a:defRPr sz="5200" b="0" i="0" u="none" strike="noStrike" cap="none">
+                <a:solidFill>
+                  <a:schemeClr val="dk2"/>
+                </a:solidFill>
+                <a:latin typeface="Barlow SemiBold"/>
+                <a:ea typeface="Barlow SemiBold"/>
+                <a:cs typeface="Barlow SemiBold"/>
+                <a:sym typeface="Barlow SemiBold"/>
+              </a:defRPr>
+            </a:lvl2pPr>
+            <a:lvl3pPr marR="0" lvl="2" algn="ctr" rtl="0">
+              <a:lnSpc>
+                <a:spcPct val="100000"/>
+              </a:lnSpc>
+              <a:spcBef>
+                <a:spcPts val="0"/>
+              </a:spcBef>
+              <a:spcAft>
+                <a:spcPts val="0"/>
+              </a:spcAft>
+              <a:buClr>
+                <a:schemeClr val="dk2"/>
+              </a:buClr>
+              <a:buSzPts val="5200"/>
+              <a:buFont typeface="Barlow SemiBold"/>
+              <a:buNone/>
+              <a:defRPr sz="5200" b="0" i="0" u="none" strike="noStrike" cap="none">
+                <a:solidFill>
+                  <a:schemeClr val="dk2"/>
+                </a:solidFill>
+                <a:latin typeface="Barlow SemiBold"/>
+                <a:ea typeface="Barlow SemiBold"/>
+                <a:cs typeface="Barlow SemiBold"/>
+                <a:sym typeface="Barlow SemiBold"/>
+              </a:defRPr>
+            </a:lvl3pPr>
+            <a:lvl4pPr marR="0" lvl="3" algn="ctr" rtl="0">
+              <a:lnSpc>
+                <a:spcPct val="100000"/>
+              </a:lnSpc>
+              <a:spcBef>
+                <a:spcPts val="0"/>
+              </a:spcBef>
+              <a:spcAft>
+                <a:spcPts val="0"/>
+              </a:spcAft>
+              <a:buClr>
+                <a:schemeClr val="dk2"/>
+              </a:buClr>
+              <a:buSzPts val="5200"/>
+              <a:buFont typeface="Barlow SemiBold"/>
+              <a:buNone/>
+              <a:defRPr sz="5200" b="0" i="0" u="none" strike="noStrike" cap="none">
+                <a:solidFill>
+                  <a:schemeClr val="dk2"/>
+                </a:solidFill>
+                <a:latin typeface="Barlow SemiBold"/>
+                <a:ea typeface="Barlow SemiBold"/>
+                <a:cs typeface="Barlow SemiBold"/>
+                <a:sym typeface="Barlow SemiBold"/>
+              </a:defRPr>
+            </a:lvl4pPr>
+            <a:lvl5pPr marR="0" lvl="4" algn="ctr" rtl="0">
+              <a:lnSpc>
+                <a:spcPct val="100000"/>
+              </a:lnSpc>
+              <a:spcBef>
+                <a:spcPts val="0"/>
+              </a:spcBef>
+              <a:spcAft>
+                <a:spcPts val="0"/>
+              </a:spcAft>
+              <a:buClr>
+                <a:schemeClr val="dk2"/>
+              </a:buClr>
+              <a:buSzPts val="5200"/>
+              <a:buFont typeface="Barlow SemiBold"/>
+              <a:buNone/>
+              <a:defRPr sz="5200" b="0" i="0" u="none" strike="noStrike" cap="none">
+                <a:solidFill>
+                  <a:schemeClr val="dk2"/>
+                </a:solidFill>
+                <a:latin typeface="Barlow SemiBold"/>
+                <a:ea typeface="Barlow SemiBold"/>
+                <a:cs typeface="Barlow SemiBold"/>
+                <a:sym typeface="Barlow SemiBold"/>
+              </a:defRPr>
+            </a:lvl5pPr>
+            <a:lvl6pPr marR="0" lvl="5" algn="ctr" rtl="0">
+              <a:lnSpc>
+                <a:spcPct val="100000"/>
+              </a:lnSpc>
+              <a:spcBef>
+                <a:spcPts val="0"/>
+              </a:spcBef>
+              <a:spcAft>
+                <a:spcPts val="0"/>
+              </a:spcAft>
+              <a:buClr>
+                <a:schemeClr val="dk2"/>
+              </a:buClr>
+              <a:buSzPts val="5200"/>
+              <a:buFont typeface="Barlow SemiBold"/>
+              <a:buNone/>
+              <a:defRPr sz="5200" b="0" i="0" u="none" strike="noStrike" cap="none">
+                <a:solidFill>
+                  <a:schemeClr val="dk2"/>
+                </a:solidFill>
+                <a:latin typeface="Barlow SemiBold"/>
+                <a:ea typeface="Barlow SemiBold"/>
+                <a:cs typeface="Barlow SemiBold"/>
+                <a:sym typeface="Barlow SemiBold"/>
+              </a:defRPr>
+            </a:lvl6pPr>
+            <a:lvl7pPr marR="0" lvl="6" algn="ctr" rtl="0">
+              <a:lnSpc>
+                <a:spcPct val="100000"/>
+              </a:lnSpc>
+              <a:spcBef>
+                <a:spcPts val="0"/>
+              </a:spcBef>
+              <a:spcAft>
+                <a:spcPts val="0"/>
+              </a:spcAft>
+              <a:buClr>
+                <a:schemeClr val="dk2"/>
+              </a:buClr>
+              <a:buSzPts val="5200"/>
+              <a:buFont typeface="Barlow SemiBold"/>
+              <a:buNone/>
+              <a:defRPr sz="5200" b="0" i="0" u="none" strike="noStrike" cap="none">
+                <a:solidFill>
+                  <a:schemeClr val="dk2"/>
+                </a:solidFill>
+                <a:latin typeface="Barlow SemiBold"/>
+                <a:ea typeface="Barlow SemiBold"/>
+                <a:cs typeface="Barlow SemiBold"/>
+                <a:sym typeface="Barlow SemiBold"/>
+              </a:defRPr>
+            </a:lvl7pPr>
+            <a:lvl8pPr marR="0" lvl="7" algn="ctr" rtl="0">
+              <a:lnSpc>
+                <a:spcPct val="100000"/>
+              </a:lnSpc>
+              <a:spcBef>
+                <a:spcPts val="0"/>
+              </a:spcBef>
+              <a:spcAft>
+                <a:spcPts val="0"/>
+              </a:spcAft>
+              <a:buClr>
+                <a:schemeClr val="dk2"/>
+              </a:buClr>
+              <a:buSzPts val="5200"/>
+              <a:buFont typeface="Barlow SemiBold"/>
+              <a:buNone/>
+              <a:defRPr sz="5200" b="0" i="0" u="none" strike="noStrike" cap="none">
+                <a:solidFill>
+                  <a:schemeClr val="dk2"/>
+                </a:solidFill>
+                <a:latin typeface="Barlow SemiBold"/>
+                <a:ea typeface="Barlow SemiBold"/>
+                <a:cs typeface="Barlow SemiBold"/>
+                <a:sym typeface="Barlow SemiBold"/>
+              </a:defRPr>
+            </a:lvl8pPr>
+            <a:lvl9pPr marR="0" lvl="8" algn="ctr" rtl="0">
+              <a:lnSpc>
+                <a:spcPct val="100000"/>
+              </a:lnSpc>
+              <a:spcBef>
+                <a:spcPts val="0"/>
+              </a:spcBef>
+              <a:spcAft>
+                <a:spcPts val="0"/>
+              </a:spcAft>
+              <a:buClr>
+                <a:schemeClr val="dk2"/>
+              </a:buClr>
+              <a:buSzPts val="5200"/>
+              <a:buFont typeface="Barlow SemiBold"/>
+              <a:buNone/>
+              <a:defRPr sz="5200" b="0" i="0" u="none" strike="noStrike" cap="none">
+                <a:solidFill>
+                  <a:schemeClr val="dk2"/>
+                </a:solidFill>
+                <a:latin typeface="Barlow SemiBold"/>
+                <a:ea typeface="Barlow SemiBold"/>
+                <a:cs typeface="Barlow SemiBold"/>
+                <a:sym typeface="Barlow SemiBold"/>
+              </a:defRPr>
+            </a:lvl9pPr>
+          </a:lstStyle>
+          <a:p>
+            <a:pPr marL="0" marR="0" lvl="0" indent="0" algn="l" defTabSz="914400" rtl="0" eaLnBrk="1" fontAlgn="auto" latinLnBrk="0" hangingPunct="1">
+              <a:lnSpc>
+                <a:spcPct val="90000"/>
+              </a:lnSpc>
+              <a:spcBef>
+                <a:spcPts val="0"/>
+              </a:spcBef>
+              <a:spcAft>
+                <a:spcPts val="0"/>
+              </a:spcAft>
+              <a:buClr>
+                <a:srgbClr val="164A4A"/>
+              </a:buClr>
+              <a:buSzPts val="5200"/>
+              <a:buFont typeface="Commissioner"/>
+              <a:buNone/>
+              <a:tabLst/>
+              <a:defRPr/>
+            </a:pPr>
+            <a:r>
+              <a:rPr kumimoji="0" lang="en-US" sz="5000" b="1" i="0" u="none" strike="noStrike" kern="0" cap="none" spc="0" normalizeH="0" baseline="0" noProof="0" dirty="0" err="1">
+                <a:ln>
+                  <a:noFill/>
+                </a:ln>
+                <a:solidFill>
+                  <a:srgbClr val="3D4D55"/>
+                </a:solidFill>
+                <a:effectLst/>
+                <a:uLnTx/>
+                <a:uFillTx/>
+                <a:latin typeface="Arial" panose="020B0604020202020204" pitchFamily="34" charset="0"/>
+                <a:cs typeface="Arial" panose="020B0604020202020204" pitchFamily="34" charset="0"/>
+                <a:sym typeface="Commissioner ExtraBold"/>
+              </a:rPr>
+              <a:t>Cartão</a:t>
+            </a:r>
+            <a:r>
+              <a:rPr kumimoji="0" lang="en-US" sz="5000" b="1" i="0" u="none" strike="noStrike" kern="0" cap="none" spc="0" normalizeH="0" baseline="0" noProof="0" dirty="0">
+                <a:ln>
+                  <a:noFill/>
+                </a:ln>
+                <a:solidFill>
+                  <a:srgbClr val="3D4D55"/>
+                </a:solidFill>
+                <a:effectLst/>
+                <a:uLnTx/>
+                <a:uFillTx/>
+                <a:latin typeface="Arial" panose="020B0604020202020204" pitchFamily="34" charset="0"/>
+                <a:cs typeface="Arial" panose="020B0604020202020204" pitchFamily="34" charset="0"/>
+                <a:sym typeface="Commissioner ExtraBold"/>
+              </a:rPr>
+              <a:t> de </a:t>
+            </a:r>
+            <a:r>
+              <a:rPr kumimoji="0" lang="en-US" sz="5000" b="1" i="0" u="none" strike="noStrike" kern="0" cap="none" spc="0" normalizeH="0" baseline="0" noProof="0" dirty="0" err="1">
+                <a:ln>
+                  <a:noFill/>
+                </a:ln>
+                <a:solidFill>
+                  <a:srgbClr val="3D4D55"/>
+                </a:solidFill>
+                <a:effectLst/>
+                <a:uLnTx/>
+                <a:uFillTx/>
+                <a:latin typeface="Arial" panose="020B0604020202020204" pitchFamily="34" charset="0"/>
+                <a:cs typeface="Arial" panose="020B0604020202020204" pitchFamily="34" charset="0"/>
+                <a:sym typeface="Commissioner ExtraBold"/>
+              </a:rPr>
+              <a:t>Membro</a:t>
+            </a:r>
+            <a:endParaRPr kumimoji="0" lang="en-US" sz="5000" b="1" i="0" u="none" strike="noStrike" kern="0" cap="none" spc="0" normalizeH="0" baseline="0" noProof="0" dirty="0">
+              <a:ln>
+                <a:noFill/>
+              </a:ln>
+              <a:solidFill>
+                <a:srgbClr val="3D4D55"/>
+              </a:solidFill>
+              <a:effectLst/>
+              <a:uLnTx/>
+              <a:uFillTx/>
+              <a:latin typeface="Arial" panose="020B0604020202020204" pitchFamily="34" charset="0"/>
+              <a:cs typeface="Arial" panose="020B0604020202020204" pitchFamily="34" charset="0"/>
+              <a:sym typeface="Commissioner ExtraBold"/>
+            </a:endParaRPr>
+          </a:p>
+        </p:txBody>
+      </p:sp>
+      <p:sp>
+        <p:nvSpPr>
+          <p:cNvPr id="9" name="Google Shape;1460;p74">
+            <a:extLst>
+              <a:ext uri="{FF2B5EF4-FFF2-40B4-BE49-F238E27FC236}">
+                <a16:creationId xmlns:a16="http://schemas.microsoft.com/office/drawing/2014/main" id="{D1F998ED-C0F8-F98C-374B-0151B38AD950}"/>
+              </a:ext>
+            </a:extLst>
+          </p:cNvPr>
+          <p:cNvSpPr/>
+          <p:nvPr/>
+        </p:nvSpPr>
+        <p:spPr>
+          <a:xfrm rot="9642873">
+            <a:off x="-447547" y="3897933"/>
+            <a:ext cx="3472201" cy="3722914"/>
+          </a:xfrm>
+          <a:custGeom>
+            <a:avLst/>
+            <a:gdLst/>
+            <a:ahLst/>
+            <a:cxnLst/>
+            <a:rect l="l" t="t" r="r" b="b"/>
+            <a:pathLst>
+              <a:path w="146265" h="156112" extrusionOk="0">
+                <a:moveTo>
+                  <a:pt x="5411" y="0"/>
+                </a:moveTo>
+                <a:cubicBezTo>
+                  <a:pt x="5411" y="0"/>
+                  <a:pt x="1" y="28329"/>
+                  <a:pt x="20548" y="36870"/>
+                </a:cubicBezTo>
+                <a:cubicBezTo>
+                  <a:pt x="24058" y="38329"/>
+                  <a:pt x="27694" y="38893"/>
+                  <a:pt x="31373" y="38893"/>
+                </a:cubicBezTo>
+                <a:cubicBezTo>
+                  <a:pt x="43912" y="38893"/>
+                  <a:pt x="56943" y="32338"/>
+                  <a:pt x="67152" y="32338"/>
+                </a:cubicBezTo>
+                <a:cubicBezTo>
+                  <a:pt x="71479" y="32338"/>
+                  <a:pt x="75300" y="33516"/>
+                  <a:pt x="78361" y="36870"/>
+                </a:cubicBezTo>
+                <a:cubicBezTo>
+                  <a:pt x="90793" y="50426"/>
+                  <a:pt x="72190" y="65958"/>
+                  <a:pt x="96993" y="74500"/>
+                </a:cubicBezTo>
+                <a:cubicBezTo>
+                  <a:pt x="105899" y="77600"/>
+                  <a:pt x="114015" y="83740"/>
+                  <a:pt x="115717" y="93497"/>
+                </a:cubicBezTo>
+                <a:cubicBezTo>
+                  <a:pt x="117814" y="105503"/>
+                  <a:pt x="109060" y="112403"/>
+                  <a:pt x="105504" y="122646"/>
+                </a:cubicBezTo>
+                <a:cubicBezTo>
+                  <a:pt x="103559" y="128148"/>
+                  <a:pt x="104744" y="135078"/>
+                  <a:pt x="107024" y="140245"/>
+                </a:cubicBezTo>
+                <a:cubicBezTo>
+                  <a:pt x="109699" y="146294"/>
+                  <a:pt x="114501" y="151218"/>
+                  <a:pt x="120580" y="153832"/>
+                </a:cubicBezTo>
+                <a:cubicBezTo>
+                  <a:pt x="124167" y="155413"/>
+                  <a:pt x="128027" y="156081"/>
+                  <a:pt x="131918" y="156112"/>
+                </a:cubicBezTo>
+                <a:cubicBezTo>
+                  <a:pt x="133438" y="156112"/>
+                  <a:pt x="146265" y="155200"/>
+                  <a:pt x="146265" y="153650"/>
+                </a:cubicBezTo>
+                <a:lnTo>
+                  <a:pt x="146265" y="0"/>
+                </a:lnTo>
+                <a:close/>
+              </a:path>
+            </a:pathLst>
+          </a:custGeom>
+          <a:solidFill>
+            <a:srgbClr val="3D4D55"/>
+          </a:solidFill>
+          <a:ln>
+            <a:noFill/>
+          </a:ln>
+        </p:spPr>
+        <p:txBody>
+          <a:bodyPr spcFirstLastPara="1" wrap="square" lIns="91425" tIns="91425" rIns="91425" bIns="91425" anchor="ctr" anchorCtr="0">
+            <a:noAutofit/>
+          </a:bodyPr>
+          <a:lstStyle/>
+          <a:p>
+            <a:pPr marL="0" marR="0" lvl="0" indent="0" defTabSz="914400" eaLnBrk="1" fontAlgn="auto" latinLnBrk="0" hangingPunct="1">
+              <a:lnSpc>
+                <a:spcPct val="100000"/>
+              </a:lnSpc>
+              <a:spcBef>
+                <a:spcPts val="0"/>
+              </a:spcBef>
+              <a:spcAft>
+                <a:spcPts val="0"/>
+              </a:spcAft>
+              <a:buClr>
+                <a:srgbClr val="000000"/>
+              </a:buClr>
+              <a:buSzTx/>
+              <a:buFont typeface="Arial"/>
+              <a:buNone/>
+              <a:tabLst/>
+              <a:defRPr/>
+            </a:pPr>
+            <a:endParaRPr kumimoji="0" sz="1400" b="0" i="0" u="none" strike="noStrike" kern="0" cap="none" spc="0" normalizeH="0" baseline="0" noProof="0">
+              <a:ln>
+                <a:noFill/>
+              </a:ln>
+              <a:solidFill>
+                <a:srgbClr val="000000"/>
+              </a:solidFill>
+              <a:effectLst/>
+              <a:uLnTx/>
+              <a:uFillTx/>
+              <a:latin typeface="Arial"/>
+              <a:cs typeface="Arial"/>
+              <a:sym typeface="Arial"/>
+            </a:endParaRPr>
+          </a:p>
+        </p:txBody>
+      </p:sp>
+      <p:pic>
+        <p:nvPicPr>
+          <p:cNvPr id="8" name="Imagem 7">
+            <a:extLst>
+              <a:ext uri="{FF2B5EF4-FFF2-40B4-BE49-F238E27FC236}">
+                <a16:creationId xmlns:a16="http://schemas.microsoft.com/office/drawing/2014/main" id="{43457FF5-3E3D-1D4E-1701-8FD05C8F31B0}"/>
+              </a:ext>
+            </a:extLst>
+          </p:cNvPr>
+          <p:cNvPicPr>
+            <a:picLocks noChangeAspect="1"/>
+          </p:cNvPicPr>
+          <p:nvPr/>
+        </p:nvPicPr>
+        <p:blipFill>
+          <a:blip r:embed="rId3">
+            <a:extLst>
+              <a:ext uri="{28A0092B-C50C-407E-A947-70E740481C1C}">
+                <a14:useLocalDpi xmlns:a14="http://schemas.microsoft.com/office/drawing/2010/main" val="0"/>
+              </a:ext>
+            </a:extLst>
+          </a:blip>
+          <a:srcRect/>
+          <a:stretch/>
+        </p:blipFill>
+        <p:spPr>
+          <a:xfrm>
+            <a:off x="2783060" y="2484783"/>
+            <a:ext cx="6552855" cy="1896003"/>
+          </a:xfrm>
+          <a:prstGeom prst="rect">
+            <a:avLst/>
+          </a:prstGeom>
+        </p:spPr>
+      </p:pic>
+      <p:sp>
+        <p:nvSpPr>
+          <p:cNvPr id="14" name="Google Shape;1458;p74">
+            <a:extLst>
+              <a:ext uri="{FF2B5EF4-FFF2-40B4-BE49-F238E27FC236}">
+                <a16:creationId xmlns:a16="http://schemas.microsoft.com/office/drawing/2014/main" id="{633FD01B-ABC4-69D0-7AAC-909B3022F502}"/>
+              </a:ext>
+            </a:extLst>
+          </p:cNvPr>
+          <p:cNvSpPr/>
+          <p:nvPr/>
+        </p:nvSpPr>
+        <p:spPr>
+          <a:xfrm>
+            <a:off x="11209933" y="698909"/>
+            <a:ext cx="1224873" cy="1366944"/>
+          </a:xfrm>
+          <a:custGeom>
+            <a:avLst/>
+            <a:gdLst/>
+            <a:ahLst/>
+            <a:cxnLst/>
+            <a:rect l="l" t="t" r="r" b="b"/>
+            <a:pathLst>
+              <a:path w="77206" h="86161" extrusionOk="0">
+                <a:moveTo>
+                  <a:pt x="43626" y="0"/>
+                </a:moveTo>
+                <a:cubicBezTo>
+                  <a:pt x="31498" y="0"/>
+                  <a:pt x="18907" y="6868"/>
+                  <a:pt x="11551" y="22967"/>
+                </a:cubicBezTo>
+                <a:cubicBezTo>
+                  <a:pt x="1" y="48195"/>
+                  <a:pt x="11521" y="68591"/>
+                  <a:pt x="18542" y="77801"/>
+                </a:cubicBezTo>
+                <a:cubicBezTo>
+                  <a:pt x="22068" y="82421"/>
+                  <a:pt x="27266" y="85460"/>
+                  <a:pt x="33041" y="86068"/>
+                </a:cubicBezTo>
+                <a:cubicBezTo>
+                  <a:pt x="33654" y="86131"/>
+                  <a:pt x="34255" y="86161"/>
+                  <a:pt x="34845" y="86161"/>
+                </a:cubicBezTo>
+                <a:cubicBezTo>
+                  <a:pt x="44307" y="86161"/>
+                  <a:pt x="50652" y="78321"/>
+                  <a:pt x="51826" y="69107"/>
+                </a:cubicBezTo>
+                <a:cubicBezTo>
+                  <a:pt x="52464" y="64001"/>
+                  <a:pt x="52585" y="60262"/>
+                  <a:pt x="56567" y="56706"/>
+                </a:cubicBezTo>
+                <a:cubicBezTo>
+                  <a:pt x="60944" y="52785"/>
+                  <a:pt x="66476" y="50323"/>
+                  <a:pt x="70428" y="45855"/>
+                </a:cubicBezTo>
+                <a:cubicBezTo>
+                  <a:pt x="76081" y="39563"/>
+                  <a:pt x="77206" y="31660"/>
+                  <a:pt x="74957" y="23605"/>
+                </a:cubicBezTo>
+                <a:cubicBezTo>
+                  <a:pt x="70878" y="9062"/>
+                  <a:pt x="57557" y="0"/>
+                  <a:pt x="43626" y="0"/>
+                </a:cubicBezTo>
+                <a:close/>
+              </a:path>
+            </a:pathLst>
+          </a:custGeom>
+          <a:solidFill>
+            <a:srgbClr val="3D4D55"/>
+          </a:solidFill>
+          <a:ln>
+            <a:noFill/>
+          </a:ln>
+        </p:spPr>
+        <p:txBody>
+          <a:bodyPr spcFirstLastPara="1" wrap="square" lIns="91425" tIns="91425" rIns="91425" bIns="91425" anchor="ctr" anchorCtr="0">
+            <a:noAutofit/>
+          </a:bodyPr>
+          <a:lstStyle/>
+          <a:p>
+            <a:pPr marL="0" marR="0" lvl="0" indent="0" defTabSz="914400" eaLnBrk="1" fontAlgn="auto" latinLnBrk="0" hangingPunct="1">
+              <a:lnSpc>
+                <a:spcPct val="100000"/>
+              </a:lnSpc>
+              <a:spcBef>
+                <a:spcPts val="0"/>
+              </a:spcBef>
+              <a:spcAft>
+                <a:spcPts val="0"/>
+              </a:spcAft>
+              <a:buClr>
+                <a:srgbClr val="000000"/>
+              </a:buClr>
+              <a:buSzTx/>
+              <a:buFont typeface="Arial"/>
+              <a:buNone/>
+              <a:tabLst/>
+              <a:defRPr/>
+            </a:pPr>
+            <a:endParaRPr kumimoji="0" sz="1400" b="0" i="0" u="none" strike="noStrike" kern="0" cap="none" spc="0" normalizeH="0" baseline="0" noProof="0">
+              <a:ln>
+                <a:noFill/>
+              </a:ln>
+              <a:solidFill>
+                <a:srgbClr val="000000"/>
+              </a:solidFill>
+              <a:effectLst/>
+              <a:uLnTx/>
+              <a:uFillTx/>
+              <a:latin typeface="Arial"/>
+              <a:cs typeface="Arial"/>
+              <a:sym typeface="Arial"/>
+            </a:endParaRPr>
+          </a:p>
+        </p:txBody>
+      </p:sp>
+      <p:sp>
+        <p:nvSpPr>
+          <p:cNvPr id="2" name="Slide Number Placeholder 1">
+            <a:extLst>
+              <a:ext uri="{FF2B5EF4-FFF2-40B4-BE49-F238E27FC236}">
+                <a16:creationId xmlns:a16="http://schemas.microsoft.com/office/drawing/2014/main" id="{828ACF4A-A3DF-F46E-4319-8AA4C342BAE4}"/>
+              </a:ext>
+            </a:extLst>
+          </p:cNvPr>
+          <p:cNvSpPr>
+            <a:spLocks noGrp="1"/>
+          </p:cNvSpPr>
+          <p:nvPr>
+            <p:ph type="sldNum" sz="quarter" idx="12"/>
+          </p:nvPr>
+        </p:nvSpPr>
+        <p:spPr/>
+        <p:txBody>
+          <a:bodyPr/>
+          <a:lstStyle/>
+          <a:p>
+            <a:fld id="{834E4636-1AC7-4593-8425-9A7E3B693646}" type="slidenum">
+              <a:rPr lang="pt-PT" smtClean="0"/>
+              <a:t>11</a:t>
+            </a:fld>
+            <a:endParaRPr lang="pt-PT"/>
+          </a:p>
+        </p:txBody>
+      </p:sp>
+      <p:sp>
+        <p:nvSpPr>
+          <p:cNvPr id="12" name="Google Shape;1459;p74">
+            <a:extLst>
+              <a:ext uri="{FF2B5EF4-FFF2-40B4-BE49-F238E27FC236}">
+                <a16:creationId xmlns:a16="http://schemas.microsoft.com/office/drawing/2014/main" id="{9F8BE949-C935-C8B4-DDD3-C528C8246C5D}"/>
+              </a:ext>
+            </a:extLst>
+          </p:cNvPr>
+          <p:cNvSpPr/>
+          <p:nvPr/>
+        </p:nvSpPr>
+        <p:spPr>
+          <a:xfrm>
+            <a:off x="10555358" y="-719069"/>
+            <a:ext cx="2534024" cy="1975801"/>
+          </a:xfrm>
+          <a:custGeom>
+            <a:avLst/>
+            <a:gdLst/>
+            <a:ahLst/>
+            <a:cxnLst/>
+            <a:rect l="l" t="t" r="r" b="b"/>
+            <a:pathLst>
+              <a:path w="97966" h="76385" fill="none" extrusionOk="0">
+                <a:moveTo>
+                  <a:pt x="608" y="34743"/>
+                </a:moveTo>
+                <a:cubicBezTo>
+                  <a:pt x="973" y="28967"/>
+                  <a:pt x="3769" y="23618"/>
+                  <a:pt x="8207" y="19849"/>
+                </a:cubicBezTo>
+                <a:cubicBezTo>
+                  <a:pt x="17083" y="12402"/>
+                  <a:pt x="36931" y="0"/>
+                  <a:pt x="62707" y="10396"/>
+                </a:cubicBezTo>
+                <a:cubicBezTo>
+                  <a:pt x="97966" y="24590"/>
+                  <a:pt x="91734" y="64925"/>
+                  <a:pt x="64895" y="73771"/>
+                </a:cubicBezTo>
+                <a:cubicBezTo>
+                  <a:pt x="56962" y="76385"/>
+                  <a:pt x="49028" y="75594"/>
+                  <a:pt x="42463" y="70275"/>
+                </a:cubicBezTo>
+                <a:cubicBezTo>
+                  <a:pt x="37812" y="66506"/>
+                  <a:pt x="35107" y="61126"/>
+                  <a:pt x="31004" y="56901"/>
+                </a:cubicBezTo>
+                <a:cubicBezTo>
+                  <a:pt x="27296" y="53071"/>
+                  <a:pt x="23526" y="53132"/>
+                  <a:pt x="18390" y="52706"/>
+                </a:cubicBezTo>
+                <a:cubicBezTo>
+                  <a:pt x="8602" y="51916"/>
+                  <a:pt x="0" y="45199"/>
+                  <a:pt x="608" y="34743"/>
+                </a:cubicBezTo>
+                <a:close/>
+              </a:path>
+            </a:pathLst>
+          </a:custGeom>
+          <a:noFill/>
+          <a:ln w="9875" cap="rnd" cmpd="sng">
+            <a:solidFill>
+              <a:srgbClr val="ACDBD3"/>
+            </a:solidFill>
+            <a:prstDash val="solid"/>
+            <a:round/>
+            <a:headEnd type="none" w="sm" len="sm"/>
+            <a:tailEnd type="none" w="sm" len="sm"/>
+          </a:ln>
+        </p:spPr>
+        <p:txBody>
+          <a:bodyPr spcFirstLastPara="1" wrap="square" lIns="91425" tIns="91425" rIns="91425" bIns="91425" anchor="ctr" anchorCtr="0">
+            <a:noAutofit/>
+          </a:bodyPr>
+          <a:lstStyle/>
+          <a:p>
+            <a:pPr marL="0" marR="0" lvl="0" indent="0" defTabSz="914400" eaLnBrk="1" fontAlgn="auto" latinLnBrk="0" hangingPunct="1">
+              <a:lnSpc>
+                <a:spcPct val="100000"/>
+              </a:lnSpc>
+              <a:spcBef>
+                <a:spcPts val="0"/>
+              </a:spcBef>
+              <a:spcAft>
+                <a:spcPts val="0"/>
+              </a:spcAft>
+              <a:buClr>
+                <a:srgbClr val="000000"/>
+              </a:buClr>
+              <a:buSzTx/>
+              <a:buFont typeface="Arial"/>
+              <a:buNone/>
+              <a:tabLst/>
+              <a:defRPr/>
+            </a:pPr>
+            <a:endParaRPr kumimoji="0" sz="1400" b="0" i="0" u="none" strike="noStrike" kern="0" cap="none" spc="0" normalizeH="0" baseline="0" noProof="0">
+              <a:ln>
+                <a:noFill/>
+              </a:ln>
+              <a:solidFill>
+                <a:srgbClr val="000000"/>
+              </a:solidFill>
+              <a:effectLst/>
+              <a:uLnTx/>
+              <a:uFillTx/>
+              <a:latin typeface="Arial"/>
+              <a:cs typeface="Arial"/>
+              <a:sym typeface="Arial"/>
+            </a:endParaRPr>
+          </a:p>
+        </p:txBody>
+      </p:sp>
+    </p:spTree>
+    <p:extLst>
+      <p:ext uri="{BB962C8B-B14F-4D97-AF65-F5344CB8AC3E}">
+        <p14:creationId xmlns:p14="http://schemas.microsoft.com/office/powerpoint/2010/main" val="2161799229"/>
+      </p:ext>
+    </p:extLst>
+  </p:cSld>
+  <p:clrMapOvr>
+    <a:masterClrMapping/>
+  </p:clrMapOvr>
+</p:sld>
+</file>
+
+<file path=ppt/slides/slide12.xml><?xml version="1.0" encoding="utf-8"?>
 <p:sld xmlns:a="http://schemas.openxmlformats.org/drawingml/2006/main" xmlns:r="http://schemas.openxmlformats.org/officeDocument/2006/relationships" xmlns:p="http://schemas.openxmlformats.org/presentationml/2006/main">
   <p:cSld>
     <p:bg>
@@ -11352,7 +9812,7 @@
           <a:p>
             <a:fld id="{834E4636-1AC7-4593-8425-9A7E3B693646}" type="slidenum">
               <a:rPr lang="pt-PT" smtClean="0"/>
-              <a:t>13</a:t>
+              <a:t>12</a:t>
             </a:fld>
             <a:endParaRPr lang="pt-PT"/>
           </a:p>
@@ -11371,7 +9831,7 @@
 </p:sld>
 </file>
 
-<file path=ppt/slides/slide14.xml><?xml version="1.0" encoding="utf-8"?>
+<file path=ppt/slides/slide13.xml><?xml version="1.0" encoding="utf-8"?>
 <p:sld xmlns:a="http://schemas.openxmlformats.org/drawingml/2006/main" xmlns:r="http://schemas.openxmlformats.org/officeDocument/2006/relationships" xmlns:p="http://schemas.openxmlformats.org/presentationml/2006/main">
   <p:cSld>
     <p:bg>
@@ -12432,7 +10892,7 @@
           <a:p>
             <a:fld id="{834E4636-1AC7-4593-8425-9A7E3B693646}" type="slidenum">
               <a:rPr lang="pt-PT" smtClean="0"/>
-              <a:t>14</a:t>
+              <a:t>13</a:t>
             </a:fld>
             <a:endParaRPr lang="pt-PT"/>
           </a:p>
@@ -12451,7 +10911,7 @@
 </p:sld>
 </file>
 
-<file path=ppt/slides/slide15.xml><?xml version="1.0" encoding="utf-8"?>
+<file path=ppt/slides/slide14.xml><?xml version="1.0" encoding="utf-8"?>
 <p:sld xmlns:a="http://schemas.openxmlformats.org/drawingml/2006/main" xmlns:r="http://schemas.openxmlformats.org/officeDocument/2006/relationships" xmlns:p="http://schemas.openxmlformats.org/presentationml/2006/main">
   <p:cSld>
     <p:bg>
@@ -13799,7 +12259,7 @@
           <a:p>
             <a:fld id="{834E4636-1AC7-4593-8425-9A7E3B693646}" type="slidenum">
               <a:rPr lang="pt-PT" smtClean="0"/>
-              <a:t>15</a:t>
+              <a:t>14</a:t>
             </a:fld>
             <a:endParaRPr lang="pt-PT"/>
           </a:p>
@@ -13884,7 +12344,7 @@
                 <a:latin typeface="Arial" panose="020B0604020202020204" pitchFamily="34" charset="0"/>
                 <a:cs typeface="Arial" panose="020B0604020202020204" pitchFamily="34" charset="0"/>
               </a:rPr>
-              <a:t>Desenvolvimento de uma aplicação Web para gestão dos membros de um clube de surf</a:t>
+              <a:t>Interface visual que facilite a análise e filtragem de dados</a:t>
             </a:r>
           </a:p>
           <a:p>
@@ -13901,7 +12361,7 @@
                 <a:latin typeface="Arial" panose="020B0604020202020204" pitchFamily="34" charset="0"/>
                 <a:cs typeface="Arial" panose="020B0604020202020204" pitchFamily="34" charset="0"/>
               </a:rPr>
-              <a:t>Permitir a gestão de quotas e criação de um cartão digital para aplicação de descontos em empresas parceiras</a:t>
+              <a:t>Interação de membros do clube sem intervenção imediata dos administradores</a:t>
             </a:r>
           </a:p>
           <a:p>
@@ -13918,22 +12378,8 @@
                 <a:latin typeface="Arial" panose="020B0604020202020204" pitchFamily="34" charset="0"/>
                 <a:cs typeface="Arial" panose="020B0604020202020204" pitchFamily="34" charset="0"/>
               </a:rPr>
-              <a:t>Notificações automáticas por email</a:t>
+              <a:t>Criação de cartão de membro com QRcode a utilizar em lojas para descontos</a:t>
             </a:r>
-          </a:p>
-          <a:p>
-            <a:pPr marL="342900" indent="-342900" algn="l">
-              <a:lnSpc>
-                <a:spcPct val="100000"/>
-              </a:lnSpc>
-              <a:buSzPct val="100000"/>
-              <a:buFont typeface="Tahoma" panose="020B0604030504040204" pitchFamily="34" charset="0"/>
-              <a:buChar char="●"/>
-            </a:pPr>
-            <a:endParaRPr lang="pt-PT" sz="2000" dirty="0">
-              <a:latin typeface="Arial" panose="020B0604020202020204" pitchFamily="34" charset="0"/>
-              <a:cs typeface="Arial" panose="020B0604020202020204" pitchFamily="34" charset="0"/>
-            </a:endParaRPr>
           </a:p>
         </p:txBody>
       </p:sp>
@@ -14236,29 +12682,22 @@
               <a:defRPr/>
             </a:pPr>
             <a:r>
-              <a:rPr lang="pt-PT" b="1" kern="0" dirty="0">
+              <a:rPr kumimoji="0" lang="pt-PT" sz="5000" b="1" i="0" u="none" strike="noStrike" kern="0" cap="none" spc="0" normalizeH="0" baseline="0" dirty="0">
+                <a:ln>
+                  <a:noFill/>
+                </a:ln>
                 <a:solidFill>
                   <a:srgbClr val="3D4D55"/>
                 </a:solidFill>
+                <a:effectLst/>
+                <a:uLnTx/>
+                <a:uFillTx/>
                 <a:latin typeface="Arial" panose="020B0604020202020204" pitchFamily="34" charset="0"/>
                 <a:cs typeface="Arial" panose="020B0604020202020204" pitchFamily="34" charset="0"/>
+                <a:sym typeface="Commissioner ExtraBold"/>
               </a:rPr>
-              <a:t>Sinopse</a:t>
+              <a:t>Motivação</a:t>
             </a:r>
-            <a:endParaRPr kumimoji="0" lang="pt-PT" sz="5000" b="1" i="0" u="none" strike="noStrike" kern="0" cap="none" spc="0" normalizeH="0" baseline="0" dirty="0">
-              <a:ln>
-                <a:noFill/>
-              </a:ln>
-              <a:solidFill>
-                <a:srgbClr val="3D4D55"/>
-              </a:solidFill>
-              <a:effectLst/>
-              <a:uLnTx/>
-              <a:uFillTx/>
-              <a:latin typeface="Arial" panose="020B0604020202020204" pitchFamily="34" charset="0"/>
-              <a:cs typeface="Arial" panose="020B0604020202020204" pitchFamily="34" charset="0"/>
-              <a:sym typeface="Commissioner ExtraBold"/>
-            </a:endParaRPr>
           </a:p>
         </p:txBody>
       </p:sp>
@@ -14356,7 +12795,7 @@
             </a:pathLst>
           </a:custGeom>
           <a:solidFill>
-            <a:srgbClr val="ACDBD3"/>
+            <a:srgbClr val="3F4853"/>
           </a:solidFill>
           <a:ln>
             <a:noFill/>
@@ -14482,7 +12921,7 @@
             </a:pathLst>
           </a:custGeom>
           <a:solidFill>
-            <a:srgbClr val="3D4D55"/>
+            <a:srgbClr val="81B5A8"/>
           </a:solidFill>
           <a:ln>
             <a:noFill/>
@@ -14775,7 +13214,7 @@
             </a:pathLst>
           </a:custGeom>
           <a:solidFill>
-            <a:srgbClr val="3D4D55"/>
+            <a:srgbClr val="ADDBD0"/>
           </a:solidFill>
           <a:ln>
             <a:noFill/>
@@ -14917,7 +13356,7 @@
             </a:pathLst>
           </a:custGeom>
           <a:solidFill>
-            <a:srgbClr val="ACDBD3"/>
+            <a:srgbClr val="3F4853"/>
           </a:solidFill>
           <a:ln>
             <a:noFill/>
@@ -14970,7 +13409,7 @@
           <p:cNvPr id="2" name="Slide Number Placeholder 1">
             <a:extLst>
               <a:ext uri="{FF2B5EF4-FFF2-40B4-BE49-F238E27FC236}">
-                <a16:creationId xmlns:a16="http://schemas.microsoft.com/office/drawing/2014/main" id="{6CB4DED2-B005-A152-E611-38AB42243BCE}"/>
+                <a16:creationId xmlns:a16="http://schemas.microsoft.com/office/drawing/2014/main" id="{E66AD933-E960-FB6A-4DC4-C41CDA8D0DE5}"/>
               </a:ext>
             </a:extLst>
           </p:cNvPr>
@@ -14997,7 +13436,7 @@
     </p:spTree>
     <p:extLst>
       <p:ext uri="{BB962C8B-B14F-4D97-AF65-F5344CB8AC3E}">
-        <p14:creationId xmlns:p14="http://schemas.microsoft.com/office/powerpoint/2010/main" val="45181423"/>
+        <p14:creationId xmlns:p14="http://schemas.microsoft.com/office/powerpoint/2010/main" val="3231315417"/>
       </p:ext>
     </p:extLst>
   </p:cSld>
@@ -15073,7 +13512,7 @@
                 <a:latin typeface="Arial" panose="020B0604020202020204" pitchFamily="34" charset="0"/>
                 <a:cs typeface="Arial" panose="020B0604020202020204" pitchFamily="34" charset="0"/>
               </a:rPr>
-              <a:t>Interface visual que facilite a análise e filtragem de dados</a:t>
+              <a:t>Desenvolvimento de uma aplicação Web para gestão dos membros de um clube de surf</a:t>
             </a:r>
           </a:p>
           <a:p>
@@ -15090,7 +13529,7 @@
                 <a:latin typeface="Arial" panose="020B0604020202020204" pitchFamily="34" charset="0"/>
                 <a:cs typeface="Arial" panose="020B0604020202020204" pitchFamily="34" charset="0"/>
               </a:rPr>
-              <a:t>Interação de membros do clube sem intervenção imediata dos administradores</a:t>
+              <a:t>Permitir a gestão de quotas e criação de um cartão digital para aplicação de descontos em empresas parceiras</a:t>
             </a:r>
           </a:p>
           <a:p>
@@ -15107,8 +13546,22 @@
                 <a:latin typeface="Arial" panose="020B0604020202020204" pitchFamily="34" charset="0"/>
                 <a:cs typeface="Arial" panose="020B0604020202020204" pitchFamily="34" charset="0"/>
               </a:rPr>
-              <a:t>Aplicações semelhantes não preenchem todas as necessidades</a:t>
+              <a:t>Notificações automáticas por email</a:t>
             </a:r>
+          </a:p>
+          <a:p>
+            <a:pPr marL="342900" indent="-342900" algn="l">
+              <a:lnSpc>
+                <a:spcPct val="100000"/>
+              </a:lnSpc>
+              <a:buSzPct val="100000"/>
+              <a:buFont typeface="Tahoma" panose="020B0604030504040204" pitchFamily="34" charset="0"/>
+              <a:buChar char="●"/>
+            </a:pPr>
+            <a:endParaRPr lang="pt-PT" sz="2000" dirty="0">
+              <a:latin typeface="Arial" panose="020B0604020202020204" pitchFamily="34" charset="0"/>
+              <a:cs typeface="Arial" panose="020B0604020202020204" pitchFamily="34" charset="0"/>
+            </a:endParaRPr>
           </a:p>
         </p:txBody>
       </p:sp>
@@ -15411,22 +13864,29 @@
               <a:defRPr/>
             </a:pPr>
             <a:r>
-              <a:rPr kumimoji="0" lang="pt-PT" sz="5000" b="1" i="0" u="none" strike="noStrike" kern="0" cap="none" spc="0" normalizeH="0" baseline="0" dirty="0">
-                <a:ln>
-                  <a:noFill/>
-                </a:ln>
+              <a:rPr lang="pt-PT" b="1" kern="0" dirty="0">
                 <a:solidFill>
                   <a:srgbClr val="3D4D55"/>
                 </a:solidFill>
-                <a:effectLst/>
-                <a:uLnTx/>
-                <a:uFillTx/>
                 <a:latin typeface="Arial" panose="020B0604020202020204" pitchFamily="34" charset="0"/>
                 <a:cs typeface="Arial" panose="020B0604020202020204" pitchFamily="34" charset="0"/>
-                <a:sym typeface="Commissioner ExtraBold"/>
               </a:rPr>
-              <a:t>Motivação</a:t>
+              <a:t>Objetivos</a:t>
             </a:r>
+            <a:endParaRPr kumimoji="0" lang="pt-PT" sz="5000" b="1" i="0" u="none" strike="noStrike" kern="0" cap="none" spc="0" normalizeH="0" baseline="0" dirty="0">
+              <a:ln>
+                <a:noFill/>
+              </a:ln>
+              <a:solidFill>
+                <a:srgbClr val="3D4D55"/>
+              </a:solidFill>
+              <a:effectLst/>
+              <a:uLnTx/>
+              <a:uFillTx/>
+              <a:latin typeface="Arial" panose="020B0604020202020204" pitchFamily="34" charset="0"/>
+              <a:cs typeface="Arial" panose="020B0604020202020204" pitchFamily="34" charset="0"/>
+              <a:sym typeface="Commissioner ExtraBold"/>
+            </a:endParaRPr>
           </a:p>
         </p:txBody>
       </p:sp>
@@ -15524,7 +13984,7 @@
             </a:pathLst>
           </a:custGeom>
           <a:solidFill>
-            <a:srgbClr val="3F4853"/>
+            <a:srgbClr val="ACDBD3"/>
           </a:solidFill>
           <a:ln>
             <a:noFill/>
@@ -15650,7 +14110,7 @@
             </a:pathLst>
           </a:custGeom>
           <a:solidFill>
-            <a:srgbClr val="81B5A8"/>
+            <a:srgbClr val="3D4D55"/>
           </a:solidFill>
           <a:ln>
             <a:noFill/>
@@ -15943,7 +14403,7 @@
             </a:pathLst>
           </a:custGeom>
           <a:solidFill>
-            <a:srgbClr val="ADDBD0"/>
+            <a:srgbClr val="3D4D55"/>
           </a:solidFill>
           <a:ln>
             <a:noFill/>
@@ -16085,7 +14545,7 @@
             </a:pathLst>
           </a:custGeom>
           <a:solidFill>
-            <a:srgbClr val="3F4853"/>
+            <a:srgbClr val="ACDBD3"/>
           </a:solidFill>
           <a:ln>
             <a:noFill/>
@@ -16138,7 +14598,7 @@
           <p:cNvPr id="2" name="Slide Number Placeholder 1">
             <a:extLst>
               <a:ext uri="{FF2B5EF4-FFF2-40B4-BE49-F238E27FC236}">
-                <a16:creationId xmlns:a16="http://schemas.microsoft.com/office/drawing/2014/main" id="{E66AD933-E960-FB6A-4DC4-C41CDA8D0DE5}"/>
+                <a16:creationId xmlns:a16="http://schemas.microsoft.com/office/drawing/2014/main" id="{6CB4DED2-B005-A152-E611-38AB42243BCE}"/>
               </a:ext>
             </a:extLst>
           </p:cNvPr>
@@ -16165,7 +14625,7 @@
     </p:spTree>
     <p:extLst>
       <p:ext uri="{BB962C8B-B14F-4D97-AF65-F5344CB8AC3E}">
-        <p14:creationId xmlns:p14="http://schemas.microsoft.com/office/powerpoint/2010/main" val="3231315417"/>
+        <p14:creationId xmlns:p14="http://schemas.microsoft.com/office/powerpoint/2010/main" val="45181423"/>
       </p:ext>
     </p:extLst>
   </p:cSld>
@@ -17373,77 +15833,6 @@
       </p:sp>
       <p:sp>
         <p:nvSpPr>
-          <p:cNvPr id="5" name="Subtítulo 4">
-            <a:extLst>
-              <a:ext uri="{FF2B5EF4-FFF2-40B4-BE49-F238E27FC236}">
-                <a16:creationId xmlns:a16="http://schemas.microsoft.com/office/drawing/2014/main" id="{0BBF98B1-EA66-EABA-F256-D9EE9AB32E0B}"/>
-              </a:ext>
-            </a:extLst>
-          </p:cNvPr>
-          <p:cNvSpPr>
-            <a:spLocks noGrp="1"/>
-          </p:cNvSpPr>
-          <p:nvPr>
-            <p:ph type="subTitle" idx="1"/>
-          </p:nvPr>
-        </p:nvSpPr>
-        <p:spPr>
-          <a:xfrm>
-            <a:off x="593554" y="1256732"/>
-            <a:ext cx="10464517" cy="4736420"/>
-          </a:xfrm>
-        </p:spPr>
-        <p:txBody>
-          <a:bodyPr>
-            <a:normAutofit/>
-          </a:bodyPr>
-          <a:lstStyle/>
-          <a:p>
-            <a:pPr marL="342900" indent="-342900" algn="l">
-              <a:lnSpc>
-                <a:spcPct val="100000"/>
-              </a:lnSpc>
-              <a:buSzPct val="100000"/>
-              <a:buFont typeface="Tahoma" panose="020B0604030504040204" pitchFamily="34" charset="0"/>
-              <a:buChar char="●"/>
-            </a:pPr>
-            <a:r>
-              <a:rPr lang="pt-PT" sz="2000" dirty="0">
-                <a:latin typeface="Arial" panose="020B0604020202020204" pitchFamily="34" charset="0"/>
-                <a:cs typeface="Arial" panose="020B0604020202020204" pitchFamily="34" charset="0"/>
-              </a:rPr>
-              <a:t>Os pedidos no cliente web são realizados através de uma </a:t>
-            </a:r>
-            <a:r>
-              <a:rPr lang="pt-PT" sz="2000" dirty="0" err="1">
-                <a:latin typeface="Arial" panose="020B0604020202020204" pitchFamily="34" charset="0"/>
-                <a:cs typeface="Arial" panose="020B0604020202020204" pitchFamily="34" charset="0"/>
-              </a:rPr>
-              <a:t>Redux</a:t>
-            </a:r>
-            <a:r>
-              <a:rPr lang="pt-PT" sz="2000" dirty="0">
-                <a:latin typeface="Arial" panose="020B0604020202020204" pitchFamily="34" charset="0"/>
-                <a:cs typeface="Arial" panose="020B0604020202020204" pitchFamily="34" charset="0"/>
-              </a:rPr>
-              <a:t> </a:t>
-            </a:r>
-            <a:r>
-              <a:rPr lang="pt-PT" sz="2000" dirty="0" err="1">
-                <a:latin typeface="Arial" panose="020B0604020202020204" pitchFamily="34" charset="0"/>
-                <a:cs typeface="Arial" panose="020B0604020202020204" pitchFamily="34" charset="0"/>
-              </a:rPr>
-              <a:t>store</a:t>
-            </a:r>
-            <a:endParaRPr lang="pt-PT" sz="2000" dirty="0">
-              <a:latin typeface="Arial" panose="020B0604020202020204" pitchFamily="34" charset="0"/>
-              <a:cs typeface="Arial" panose="020B0604020202020204" pitchFamily="34" charset="0"/>
-            </a:endParaRPr>
-          </a:p>
-        </p:txBody>
-      </p:sp>
-      <p:sp>
-        <p:nvSpPr>
           <p:cNvPr id="7" name="Google Shape;296;p37">
             <a:extLst>
               <a:ext uri="{FF2B5EF4-FFF2-40B4-BE49-F238E27FC236}">
@@ -17947,41 +16336,6 @@
           </a:p>
         </p:txBody>
       </p:sp>
-      <p:pic>
-        <p:nvPicPr>
-          <p:cNvPr id="8" name="Imagem 7">
-            <a:extLst>
-              <a:ext uri="{FF2B5EF4-FFF2-40B4-BE49-F238E27FC236}">
-                <a16:creationId xmlns:a16="http://schemas.microsoft.com/office/drawing/2014/main" id="{43457FF5-3E3D-1D4E-1701-8FD05C8F31B0}"/>
-              </a:ext>
-            </a:extLst>
-          </p:cNvPr>
-          <p:cNvPicPr>
-            <a:picLocks noChangeAspect="1"/>
-          </p:cNvPicPr>
-          <p:nvPr/>
-        </p:nvPicPr>
-        <p:blipFill>
-          <a:blip r:embed="rId3">
-            <a:extLst>
-              <a:ext uri="{28A0092B-C50C-407E-A947-70E740481C1C}">
-                <a14:useLocalDpi xmlns:a14="http://schemas.microsoft.com/office/drawing/2010/main" val="0"/>
-              </a:ext>
-            </a:extLst>
-          </a:blip>
-          <a:srcRect/>
-          <a:stretch/>
-        </p:blipFill>
-        <p:spPr>
-          <a:xfrm>
-            <a:off x="2298474" y="2311311"/>
-            <a:ext cx="7595052" cy="2235377"/>
-          </a:xfrm>
-          <a:prstGeom prst="rect">
-            <a:avLst/>
-          </a:prstGeom>
-        </p:spPr>
-      </p:pic>
       <p:sp>
         <p:nvSpPr>
           <p:cNvPr id="12" name="Google Shape;1459;p74">
@@ -18257,6 +16611,42 @@
           </a:p>
         </p:txBody>
       </p:sp>
+      <p:pic>
+        <p:nvPicPr>
+          <p:cNvPr id="4" name="Picture 3" descr="Diagram&#10;&#10;Description automatically generated">
+            <a:extLst>
+              <a:ext uri="{FF2B5EF4-FFF2-40B4-BE49-F238E27FC236}">
+                <a16:creationId xmlns:a16="http://schemas.microsoft.com/office/drawing/2014/main" id="{E65FC1AA-5076-3FF0-A9AE-BFA999825C8E}"/>
+              </a:ext>
+            </a:extLst>
+          </p:cNvPr>
+          <p:cNvPicPr>
+            <a:picLocks noChangeAspect="1"/>
+          </p:cNvPicPr>
+          <p:nvPr/>
+        </p:nvPicPr>
+        <p:blipFill>
+          <a:blip r:embed="rId3">
+            <a:extLst>
+              <a:ext uri="{28A0092B-C50C-407E-A947-70E740481C1C}">
+                <a14:useLocalDpi xmlns:a14="http://schemas.microsoft.com/office/drawing/2010/main" val="0"/>
+              </a:ext>
+            </a:extLst>
+          </a:blip>
+          <a:stretch>
+            <a:fillRect/>
+          </a:stretch>
+        </p:blipFill>
+        <p:spPr>
+          <a:xfrm>
+            <a:off x="2320577" y="1465869"/>
+            <a:ext cx="7010326" cy="3926257"/>
+          </a:xfrm>
+          <a:prstGeom prst="rect">
+            <a:avLst/>
+          </a:prstGeom>
+        </p:spPr>
+      </p:pic>
     </p:spTree>
     <p:extLst>
       <p:ext uri="{BB962C8B-B14F-4D97-AF65-F5344CB8AC3E}">
@@ -18297,143 +16687,129 @@
       </p:grpSpPr>
       <p:sp>
         <p:nvSpPr>
-          <p:cNvPr id="10" name="Google Shape;1463;p74">
+          <p:cNvPr id="5" name="Subtítulo 4">
             <a:extLst>
               <a:ext uri="{FF2B5EF4-FFF2-40B4-BE49-F238E27FC236}">
-                <a16:creationId xmlns:a16="http://schemas.microsoft.com/office/drawing/2014/main" id="{643C1A7C-0827-BEE8-C235-6F25C8D9BCB5}"/>
+                <a16:creationId xmlns:a16="http://schemas.microsoft.com/office/drawing/2014/main" id="{0BBF98B1-EA66-EABA-F256-D9EE9AB32E0B}"/>
               </a:ext>
             </a:extLst>
           </p:cNvPr>
-          <p:cNvSpPr/>
-          <p:nvPr/>
+          <p:cNvSpPr>
+            <a:spLocks noGrp="1"/>
+          </p:cNvSpPr>
+          <p:nvPr>
+            <p:ph type="subTitle" idx="1"/>
+          </p:nvPr>
         </p:nvSpPr>
         <p:spPr>
           <a:xfrm>
-            <a:off x="-702050" y="4373217"/>
-            <a:ext cx="3536281" cy="2484784"/>
+            <a:off x="593554" y="1256732"/>
+            <a:ext cx="9314443" cy="4736420"/>
           </a:xfrm>
-          <a:custGeom>
-            <a:avLst/>
-            <a:gdLst/>
-            <a:ahLst/>
-            <a:cxnLst/>
-            <a:rect l="l" t="t" r="r" b="b"/>
-            <a:pathLst>
-              <a:path w="119881" h="113309" extrusionOk="0">
-                <a:moveTo>
-                  <a:pt x="20594" y="1"/>
-                </a:moveTo>
-                <a:cubicBezTo>
-                  <a:pt x="16552" y="1"/>
-                  <a:pt x="12368" y="1147"/>
-                  <a:pt x="9149" y="2790"/>
-                </a:cubicBezTo>
-                <a:cubicBezTo>
-                  <a:pt x="5471" y="4675"/>
-                  <a:pt x="1915" y="7836"/>
-                  <a:pt x="0" y="11605"/>
-                </a:cubicBezTo>
-                <a:lnTo>
-                  <a:pt x="0" y="113308"/>
-                </a:lnTo>
-                <a:lnTo>
-                  <a:pt x="117935" y="113308"/>
-                </a:lnTo>
-                <a:cubicBezTo>
-                  <a:pt x="117935" y="113308"/>
-                  <a:pt x="119881" y="98901"/>
-                  <a:pt x="102008" y="94250"/>
-                </a:cubicBezTo>
-                <a:cubicBezTo>
-                  <a:pt x="89485" y="90968"/>
-                  <a:pt x="95139" y="77472"/>
-                  <a:pt x="92190" y="68141"/>
-                </a:cubicBezTo>
-                <a:cubicBezTo>
-                  <a:pt x="88773" y="57366"/>
-                  <a:pt x="78869" y="50808"/>
-                  <a:pt x="68440" y="50808"/>
-                </a:cubicBezTo>
-                <a:cubicBezTo>
-                  <a:pt x="64953" y="50808"/>
-                  <a:pt x="61407" y="51541"/>
-                  <a:pt x="58025" y="53095"/>
-                </a:cubicBezTo>
-                <a:cubicBezTo>
-                  <a:pt x="53166" y="55347"/>
-                  <a:pt x="45940" y="60409"/>
-                  <a:pt x="39678" y="60409"/>
-                </a:cubicBezTo>
-                <a:cubicBezTo>
-                  <a:pt x="37911" y="60409"/>
-                  <a:pt x="36220" y="60005"/>
-                  <a:pt x="34681" y="59022"/>
-                </a:cubicBezTo>
-                <a:cubicBezTo>
-                  <a:pt x="26323" y="53703"/>
-                  <a:pt x="32341" y="38991"/>
-                  <a:pt x="33770" y="31635"/>
-                </a:cubicBezTo>
-                <a:cubicBezTo>
-                  <a:pt x="35381" y="23459"/>
-                  <a:pt x="36900" y="14249"/>
-                  <a:pt x="32858" y="6498"/>
-                </a:cubicBezTo>
-                <a:cubicBezTo>
-                  <a:pt x="30386" y="1757"/>
-                  <a:pt x="25599" y="1"/>
-                  <a:pt x="20594" y="1"/>
-                </a:cubicBezTo>
-                <a:close/>
-              </a:path>
-            </a:pathLst>
-          </a:custGeom>
-          <a:solidFill>
-            <a:srgbClr val="ACDBD3"/>
-          </a:solidFill>
-          <a:ln>
-            <a:noFill/>
-          </a:ln>
         </p:spPr>
         <p:txBody>
-          <a:bodyPr spcFirstLastPara="1" wrap="square" lIns="91425" tIns="91425" rIns="91425" bIns="91425" anchor="ctr" anchorCtr="0">
-            <a:noAutofit/>
+          <a:bodyPr>
+            <a:normAutofit/>
           </a:bodyPr>
           <a:lstStyle/>
           <a:p>
-            <a:pPr marL="0" marR="0" lvl="0" indent="0" defTabSz="914400" eaLnBrk="1" fontAlgn="auto" latinLnBrk="0" hangingPunct="1">
-              <a:lnSpc>
-                <a:spcPct val="100000"/>
-              </a:lnSpc>
-              <a:spcBef>
-                <a:spcPts val="0"/>
-              </a:spcBef>
-              <a:spcAft>
-                <a:spcPts val="0"/>
-              </a:spcAft>
-              <a:buClr>
-                <a:srgbClr val="000000"/>
-              </a:buClr>
-              <a:buSzTx/>
-              <a:buFont typeface="Arial"/>
-              <a:buNone/>
-              <a:tabLst/>
-              <a:defRPr/>
+            <a:pPr marL="342900" indent="-342900" algn="l">
+              <a:lnSpc>
+                <a:spcPct val="100000"/>
+              </a:lnSpc>
+              <a:buSzPct val="100000"/>
+              <a:buFont typeface="Tahoma" panose="020B0604030504040204" pitchFamily="34" charset="0"/>
+              <a:buChar char="●"/>
             </a:pPr>
-            <a:endParaRPr kumimoji="0" sz="1400" b="0" i="0" u="none" strike="noStrike" kern="0" cap="none" spc="0" normalizeH="0" baseline="0" noProof="0">
-              <a:ln>
-                <a:noFill/>
-              </a:ln>
-              <a:solidFill>
-                <a:srgbClr val="000000"/>
-              </a:solidFill>
-              <a:effectLst/>
-              <a:uLnTx/>
-              <a:uFillTx/>
-              <a:latin typeface="Arial"/>
-              <a:cs typeface="Arial"/>
-              <a:sym typeface="Arial"/>
-            </a:endParaRPr>
+            <a:r>
+              <a:rPr lang="pt-PT" sz="2000" dirty="0">
+                <a:latin typeface="Arial" panose="020B0604020202020204" pitchFamily="34" charset="0"/>
+                <a:cs typeface="Arial" panose="020B0604020202020204" pitchFamily="34" charset="0"/>
+              </a:rPr>
+              <a:t>Disponibiliza uma Web API</a:t>
+            </a:r>
+          </a:p>
+          <a:p>
+            <a:pPr marL="342900" indent="-342900" algn="l">
+              <a:lnSpc>
+                <a:spcPct val="100000"/>
+              </a:lnSpc>
+              <a:buSzPct val="100000"/>
+              <a:buFont typeface="Tahoma" panose="020B0604030504040204" pitchFamily="34" charset="0"/>
+              <a:buChar char="●"/>
+            </a:pPr>
+            <a:r>
+              <a:rPr lang="pt-PT" sz="2000" dirty="0">
+                <a:latin typeface="Arial" panose="020B0604020202020204" pitchFamily="34" charset="0"/>
+                <a:cs typeface="Arial" panose="020B0604020202020204" pitchFamily="34" charset="0"/>
+              </a:rPr>
+              <a:t>que implementa a lógica e acesso a dados</a:t>
+            </a:r>
+          </a:p>
+          <a:p>
+            <a:pPr marL="342900" indent="-342900" algn="l">
+              <a:lnSpc>
+                <a:spcPct val="100000"/>
+              </a:lnSpc>
+              <a:buSzPct val="100000"/>
+              <a:buFont typeface="Tahoma" panose="020B0604030504040204" pitchFamily="34" charset="0"/>
+              <a:buChar char="●"/>
+            </a:pPr>
+            <a:r>
+              <a:rPr lang="pt-PT" sz="2000" dirty="0">
+                <a:latin typeface="Arial" panose="020B0604020202020204" pitchFamily="34" charset="0"/>
+                <a:cs typeface="Arial" panose="020B0604020202020204" pitchFamily="34" charset="0"/>
+              </a:rPr>
+              <a:t>Utilização da framework express para a definição e implementação dos endpoints</a:t>
+            </a:r>
+          </a:p>
+          <a:p>
+            <a:pPr marL="342900" indent="-342900" algn="l">
+              <a:lnSpc>
+                <a:spcPct val="100000"/>
+              </a:lnSpc>
+              <a:buSzPct val="100000"/>
+              <a:buFont typeface="Tahoma" panose="020B0604030504040204" pitchFamily="34" charset="0"/>
+              <a:buChar char="●"/>
+            </a:pPr>
+            <a:r>
+              <a:rPr lang="pt-PT" sz="2000" dirty="0">
+                <a:latin typeface="Arial" panose="020B0604020202020204" pitchFamily="34" charset="0"/>
+                <a:cs typeface="Arial" panose="020B0604020202020204" pitchFamily="34" charset="0"/>
+              </a:rPr>
+              <a:t>Utilização de </a:t>
+            </a:r>
+            <a:r>
+              <a:rPr lang="pt-PT" sz="2000" dirty="0" err="1">
+                <a:latin typeface="Arial" panose="020B0604020202020204" pitchFamily="34" charset="0"/>
+                <a:cs typeface="Arial" panose="020B0604020202020204" pitchFamily="34" charset="0"/>
+              </a:rPr>
+              <a:t>PostgreSQL</a:t>
+            </a:r>
+            <a:r>
+              <a:rPr lang="pt-PT" sz="2000" dirty="0">
+                <a:latin typeface="Arial" panose="020B0604020202020204" pitchFamily="34" charset="0"/>
+                <a:cs typeface="Arial" panose="020B0604020202020204" pitchFamily="34" charset="0"/>
+              </a:rPr>
+              <a:t> para armazenamento de dados</a:t>
+            </a:r>
+          </a:p>
+          <a:p>
+            <a:pPr marL="342900" indent="-342900" algn="l">
+              <a:lnSpc>
+                <a:spcPct val="100000"/>
+              </a:lnSpc>
+              <a:buSzPct val="100000"/>
+              <a:buFont typeface="Tahoma" panose="020B0604030504040204" pitchFamily="34" charset="0"/>
+              <a:buChar char="●"/>
+            </a:pPr>
+            <a:r>
+              <a:rPr lang="pt-PT" sz="2000" dirty="0">
+                <a:latin typeface="Arial" panose="020B0604020202020204" pitchFamily="34" charset="0"/>
+                <a:cs typeface="Arial" panose="020B0604020202020204" pitchFamily="34" charset="0"/>
+              </a:rPr>
+              <a:t>Contém um estrutura modular para que a adição de novas funcionalidades seja simples</a:t>
+            </a:r>
           </a:p>
         </p:txBody>
       </p:sp>
@@ -18750,41 +17126,7 @@
                 <a:cs typeface="Arial" panose="020B0604020202020204" pitchFamily="34" charset="0"/>
                 <a:sym typeface="Commissioner ExtraBold"/>
               </a:rPr>
-              <a:t>Cartão</a:t>
-            </a:r>
-            <a:r>
-              <a:rPr kumimoji="0" lang="en-US" sz="5000" b="1" i="0" u="none" strike="noStrike" kern="0" cap="none" spc="0" normalizeH="0" baseline="0" noProof="0" dirty="0">
-                <a:ln>
-                  <a:noFill/>
-                </a:ln>
-                <a:solidFill>
-                  <a:srgbClr val="3D4D55"/>
-                </a:solidFill>
-                <a:effectLst/>
-                <a:uLnTx/>
-                <a:uFillTx/>
-                <a:latin typeface="Arial" panose="020B0604020202020204" pitchFamily="34" charset="0"/>
-                <a:cs typeface="Arial" panose="020B0604020202020204" pitchFamily="34" charset="0"/>
-                <a:sym typeface="Commissioner ExtraBold"/>
-              </a:rPr>
-              <a:t> de </a:t>
-            </a:r>
-            <a:r>
-              <a:rPr kumimoji="0" lang="en-US" sz="5000" b="1" i="0" u="none" strike="noStrike" kern="0" cap="none" spc="0" normalizeH="0" baseline="0" noProof="0" dirty="0" err="1">
-                <a:ln>
-                  <a:noFill/>
-                </a:ln>
-                <a:solidFill>
-                  <a:srgbClr val="3D4D55"/>
-                </a:solidFill>
-                <a:effectLst/>
-                <a:uLnTx/>
-                <a:uFillTx/>
-                <a:latin typeface="Arial" panose="020B0604020202020204" pitchFamily="34" charset="0"/>
-                <a:cs typeface="Arial" panose="020B0604020202020204" pitchFamily="34" charset="0"/>
-                <a:sym typeface="Commissioner ExtraBold"/>
-              </a:rPr>
-              <a:t>Membro</a:t>
+              <a:t>Servidor</a:t>
             </a:r>
             <a:endParaRPr kumimoji="0" lang="en-US" sz="5000" b="1" i="0" u="none" strike="noStrike" kern="0" cap="none" spc="0" normalizeH="0" baseline="0" noProof="0" dirty="0">
               <a:ln>
@@ -18816,8 +17158,1109 @@
           <p:nvPr/>
         </p:nvSpPr>
         <p:spPr>
-          <a:xfrm rot="9642873">
-            <a:off x="-447547" y="3897933"/>
+          <a:xfrm>
+            <a:off x="8872199" y="-179614"/>
+            <a:ext cx="3472201" cy="3722914"/>
+          </a:xfrm>
+          <a:custGeom>
+            <a:avLst/>
+            <a:gdLst/>
+            <a:ahLst/>
+            <a:cxnLst/>
+            <a:rect l="l" t="t" r="r" b="b"/>
+            <a:pathLst>
+              <a:path w="146265" h="156112" extrusionOk="0">
+                <a:moveTo>
+                  <a:pt x="5411" y="0"/>
+                </a:moveTo>
+                <a:cubicBezTo>
+                  <a:pt x="5411" y="0"/>
+                  <a:pt x="1" y="28329"/>
+                  <a:pt x="20548" y="36870"/>
+                </a:cubicBezTo>
+                <a:cubicBezTo>
+                  <a:pt x="24058" y="38329"/>
+                  <a:pt x="27694" y="38893"/>
+                  <a:pt x="31373" y="38893"/>
+                </a:cubicBezTo>
+                <a:cubicBezTo>
+                  <a:pt x="43912" y="38893"/>
+                  <a:pt x="56943" y="32338"/>
+                  <a:pt x="67152" y="32338"/>
+                </a:cubicBezTo>
+                <a:cubicBezTo>
+                  <a:pt x="71479" y="32338"/>
+                  <a:pt x="75300" y="33516"/>
+                  <a:pt x="78361" y="36870"/>
+                </a:cubicBezTo>
+                <a:cubicBezTo>
+                  <a:pt x="90793" y="50426"/>
+                  <a:pt x="72190" y="65958"/>
+                  <a:pt x="96993" y="74500"/>
+                </a:cubicBezTo>
+                <a:cubicBezTo>
+                  <a:pt x="105899" y="77600"/>
+                  <a:pt x="114015" y="83740"/>
+                  <a:pt x="115717" y="93497"/>
+                </a:cubicBezTo>
+                <a:cubicBezTo>
+                  <a:pt x="117814" y="105503"/>
+                  <a:pt x="109060" y="112403"/>
+                  <a:pt x="105504" y="122646"/>
+                </a:cubicBezTo>
+                <a:cubicBezTo>
+                  <a:pt x="103559" y="128148"/>
+                  <a:pt x="104744" y="135078"/>
+                  <a:pt x="107024" y="140245"/>
+                </a:cubicBezTo>
+                <a:cubicBezTo>
+                  <a:pt x="109699" y="146294"/>
+                  <a:pt x="114501" y="151218"/>
+                  <a:pt x="120580" y="153832"/>
+                </a:cubicBezTo>
+                <a:cubicBezTo>
+                  <a:pt x="124167" y="155413"/>
+                  <a:pt x="128027" y="156081"/>
+                  <a:pt x="131918" y="156112"/>
+                </a:cubicBezTo>
+                <a:cubicBezTo>
+                  <a:pt x="133438" y="156112"/>
+                  <a:pt x="146265" y="155200"/>
+                  <a:pt x="146265" y="153650"/>
+                </a:cubicBezTo>
+                <a:lnTo>
+                  <a:pt x="146265" y="0"/>
+                </a:lnTo>
+                <a:close/>
+              </a:path>
+            </a:pathLst>
+          </a:custGeom>
+          <a:solidFill>
+            <a:srgbClr val="ACDBD3"/>
+          </a:solidFill>
+          <a:ln>
+            <a:noFill/>
+          </a:ln>
+        </p:spPr>
+        <p:txBody>
+          <a:bodyPr spcFirstLastPara="1" wrap="square" lIns="91425" tIns="91425" rIns="91425" bIns="91425" anchor="ctr" anchorCtr="0">
+            <a:noAutofit/>
+          </a:bodyPr>
+          <a:lstStyle/>
+          <a:p>
+            <a:pPr marL="0" marR="0" lvl="0" indent="0" defTabSz="914400" eaLnBrk="1" fontAlgn="auto" latinLnBrk="0" hangingPunct="1">
+              <a:lnSpc>
+                <a:spcPct val="100000"/>
+              </a:lnSpc>
+              <a:spcBef>
+                <a:spcPts val="0"/>
+              </a:spcBef>
+              <a:spcAft>
+                <a:spcPts val="0"/>
+              </a:spcAft>
+              <a:buClr>
+                <a:srgbClr val="000000"/>
+              </a:buClr>
+              <a:buSzTx/>
+              <a:buFont typeface="Arial"/>
+              <a:buNone/>
+              <a:tabLst/>
+              <a:defRPr/>
+            </a:pPr>
+            <a:endParaRPr kumimoji="0" sz="1400" b="0" i="0" u="none" strike="noStrike" kern="0" cap="none" spc="0" normalizeH="0" baseline="0" noProof="0">
+              <a:ln>
+                <a:noFill/>
+              </a:ln>
+              <a:solidFill>
+                <a:srgbClr val="000000"/>
+              </a:solidFill>
+              <a:effectLst/>
+              <a:uLnTx/>
+              <a:uFillTx/>
+              <a:latin typeface="Arial"/>
+              <a:cs typeface="Arial"/>
+              <a:sym typeface="Arial"/>
+            </a:endParaRPr>
+          </a:p>
+        </p:txBody>
+      </p:sp>
+      <p:sp>
+        <p:nvSpPr>
+          <p:cNvPr id="11" name="Google Shape;1457;p74">
+            <a:extLst>
+              <a:ext uri="{FF2B5EF4-FFF2-40B4-BE49-F238E27FC236}">
+                <a16:creationId xmlns:a16="http://schemas.microsoft.com/office/drawing/2014/main" id="{D5B91189-D1FE-9273-BC8A-9C82DECCA2E3}"/>
+              </a:ext>
+            </a:extLst>
+          </p:cNvPr>
+          <p:cNvSpPr/>
+          <p:nvPr/>
+        </p:nvSpPr>
+        <p:spPr>
+          <a:xfrm rot="10191456">
+            <a:off x="10056522" y="580606"/>
+            <a:ext cx="2411496" cy="1900868"/>
+          </a:xfrm>
+          <a:custGeom>
+            <a:avLst/>
+            <a:gdLst/>
+            <a:ahLst/>
+            <a:cxnLst/>
+            <a:rect l="l" t="t" r="r" b="b"/>
+            <a:pathLst>
+              <a:path w="39363" h="31028" extrusionOk="0">
+                <a:moveTo>
+                  <a:pt x="21078" y="1"/>
+                </a:moveTo>
+                <a:cubicBezTo>
+                  <a:pt x="18634" y="1"/>
+                  <a:pt x="16478" y="1773"/>
+                  <a:pt x="15979" y="4271"/>
+                </a:cubicBezTo>
+                <a:cubicBezTo>
+                  <a:pt x="15946" y="4537"/>
+                  <a:pt x="15912" y="4838"/>
+                  <a:pt x="15912" y="5104"/>
+                </a:cubicBezTo>
+                <a:lnTo>
+                  <a:pt x="15912" y="5305"/>
+                </a:lnTo>
+                <a:cubicBezTo>
+                  <a:pt x="15846" y="6272"/>
+                  <a:pt x="15379" y="10008"/>
+                  <a:pt x="9708" y="11342"/>
+                </a:cubicBezTo>
+                <a:cubicBezTo>
+                  <a:pt x="5438" y="11776"/>
+                  <a:pt x="1802" y="14945"/>
+                  <a:pt x="1002" y="19348"/>
+                </a:cubicBezTo>
+                <a:cubicBezTo>
+                  <a:pt x="1" y="24685"/>
+                  <a:pt x="3570" y="29856"/>
+                  <a:pt x="8907" y="30856"/>
+                </a:cubicBezTo>
+                <a:cubicBezTo>
+                  <a:pt x="9518" y="30972"/>
+                  <a:pt x="10126" y="31028"/>
+                  <a:pt x="10725" y="31028"/>
+                </a:cubicBezTo>
+                <a:cubicBezTo>
+                  <a:pt x="13752" y="31028"/>
+                  <a:pt x="16548" y="29604"/>
+                  <a:pt x="18414" y="27320"/>
+                </a:cubicBezTo>
+                <a:cubicBezTo>
+                  <a:pt x="19014" y="26520"/>
+                  <a:pt x="19515" y="25653"/>
+                  <a:pt x="19915" y="24685"/>
+                </a:cubicBezTo>
+                <a:cubicBezTo>
+                  <a:pt x="21857" y="21834"/>
+                  <a:pt x="25742" y="17659"/>
+                  <a:pt x="31816" y="17659"/>
+                </a:cubicBezTo>
+                <a:cubicBezTo>
+                  <a:pt x="32210" y="17659"/>
+                  <a:pt x="32613" y="17677"/>
+                  <a:pt x="33024" y="17714"/>
+                </a:cubicBezTo>
+                <a:cubicBezTo>
+                  <a:pt x="33258" y="17780"/>
+                  <a:pt x="33425" y="17847"/>
+                  <a:pt x="33625" y="17880"/>
+                </a:cubicBezTo>
+                <a:cubicBezTo>
+                  <a:pt x="33909" y="17934"/>
+                  <a:pt x="34192" y="17960"/>
+                  <a:pt x="34471" y="17960"/>
+                </a:cubicBezTo>
+                <a:cubicBezTo>
+                  <a:pt x="36614" y="17960"/>
+                  <a:pt x="38515" y="16432"/>
+                  <a:pt x="38929" y="14278"/>
+                </a:cubicBezTo>
+                <a:cubicBezTo>
+                  <a:pt x="39362" y="11809"/>
+                  <a:pt x="37761" y="9441"/>
+                  <a:pt x="35293" y="8974"/>
+                </a:cubicBezTo>
+                <a:cubicBezTo>
+                  <a:pt x="34999" y="8913"/>
+                  <a:pt x="34710" y="8883"/>
+                  <a:pt x="34425" y="8883"/>
+                </a:cubicBezTo>
+                <a:cubicBezTo>
+                  <a:pt x="33934" y="8883"/>
+                  <a:pt x="33456" y="8972"/>
+                  <a:pt x="32991" y="9141"/>
+                </a:cubicBezTo>
+                <a:cubicBezTo>
+                  <a:pt x="32529" y="9216"/>
+                  <a:pt x="31929" y="9288"/>
+                  <a:pt x="31278" y="9288"/>
+                </a:cubicBezTo>
+                <a:cubicBezTo>
+                  <a:pt x="29341" y="9288"/>
+                  <a:pt x="26944" y="8658"/>
+                  <a:pt x="26320" y="5638"/>
+                </a:cubicBezTo>
+                <a:cubicBezTo>
+                  <a:pt x="26587" y="3103"/>
+                  <a:pt x="24785" y="601"/>
+                  <a:pt x="22083" y="101"/>
+                </a:cubicBezTo>
+                <a:cubicBezTo>
+                  <a:pt x="21745" y="33"/>
+                  <a:pt x="21409" y="1"/>
+                  <a:pt x="21078" y="1"/>
+                </a:cubicBezTo>
+                <a:close/>
+              </a:path>
+            </a:pathLst>
+          </a:custGeom>
+          <a:solidFill>
+            <a:srgbClr val="3F4853"/>
+          </a:solidFill>
+          <a:ln>
+            <a:noFill/>
+          </a:ln>
+        </p:spPr>
+        <p:txBody>
+          <a:bodyPr spcFirstLastPara="1" wrap="square" lIns="91425" tIns="91425" rIns="91425" bIns="91425" anchor="ctr" anchorCtr="0">
+            <a:noAutofit/>
+          </a:bodyPr>
+          <a:lstStyle/>
+          <a:p>
+            <a:pPr marL="0" marR="0" lvl="0" indent="0" defTabSz="914400" eaLnBrk="1" fontAlgn="auto" latinLnBrk="0" hangingPunct="1">
+              <a:lnSpc>
+                <a:spcPct val="100000"/>
+              </a:lnSpc>
+              <a:spcBef>
+                <a:spcPts val="0"/>
+              </a:spcBef>
+              <a:spcAft>
+                <a:spcPts val="0"/>
+              </a:spcAft>
+              <a:buClr>
+                <a:srgbClr val="000000"/>
+              </a:buClr>
+              <a:buSzTx/>
+              <a:buFont typeface="Arial"/>
+              <a:buNone/>
+              <a:tabLst/>
+              <a:defRPr/>
+            </a:pPr>
+            <a:endParaRPr kumimoji="0" sz="1400" b="0" i="0" u="none" strike="noStrike" kern="0" cap="none" spc="0" normalizeH="0" baseline="0" noProof="0">
+              <a:ln>
+                <a:noFill/>
+              </a:ln>
+              <a:solidFill>
+                <a:srgbClr val="000000"/>
+              </a:solidFill>
+              <a:effectLst/>
+              <a:uLnTx/>
+              <a:uFillTx/>
+              <a:latin typeface="Arial"/>
+              <a:cs typeface="Arial"/>
+              <a:sym typeface="Arial"/>
+            </a:endParaRPr>
+          </a:p>
+        </p:txBody>
+      </p:sp>
+      <p:sp>
+        <p:nvSpPr>
+          <p:cNvPr id="13" name="Google Shape;1463;p74">
+            <a:extLst>
+              <a:ext uri="{FF2B5EF4-FFF2-40B4-BE49-F238E27FC236}">
+                <a16:creationId xmlns:a16="http://schemas.microsoft.com/office/drawing/2014/main" id="{9FBE7827-AFF9-E943-D4D6-469993A3A5E2}"/>
+              </a:ext>
+            </a:extLst>
+          </p:cNvPr>
+          <p:cNvSpPr/>
+          <p:nvPr/>
+        </p:nvSpPr>
+        <p:spPr>
+          <a:xfrm rot="18140219">
+            <a:off x="8441112" y="4410166"/>
+            <a:ext cx="3874663" cy="3662248"/>
+          </a:xfrm>
+          <a:custGeom>
+            <a:avLst/>
+            <a:gdLst/>
+            <a:ahLst/>
+            <a:cxnLst/>
+            <a:rect l="l" t="t" r="r" b="b"/>
+            <a:pathLst>
+              <a:path w="119881" h="113309" extrusionOk="0">
+                <a:moveTo>
+                  <a:pt x="20594" y="1"/>
+                </a:moveTo>
+                <a:cubicBezTo>
+                  <a:pt x="16552" y="1"/>
+                  <a:pt x="12368" y="1147"/>
+                  <a:pt x="9149" y="2790"/>
+                </a:cubicBezTo>
+                <a:cubicBezTo>
+                  <a:pt x="5471" y="4675"/>
+                  <a:pt x="1915" y="7836"/>
+                  <a:pt x="0" y="11605"/>
+                </a:cubicBezTo>
+                <a:lnTo>
+                  <a:pt x="0" y="113308"/>
+                </a:lnTo>
+                <a:lnTo>
+                  <a:pt x="117935" y="113308"/>
+                </a:lnTo>
+                <a:cubicBezTo>
+                  <a:pt x="117935" y="113308"/>
+                  <a:pt x="119881" y="98901"/>
+                  <a:pt x="102008" y="94250"/>
+                </a:cubicBezTo>
+                <a:cubicBezTo>
+                  <a:pt x="89485" y="90968"/>
+                  <a:pt x="95139" y="77472"/>
+                  <a:pt x="92190" y="68141"/>
+                </a:cubicBezTo>
+                <a:cubicBezTo>
+                  <a:pt x="88773" y="57366"/>
+                  <a:pt x="78869" y="50808"/>
+                  <a:pt x="68440" y="50808"/>
+                </a:cubicBezTo>
+                <a:cubicBezTo>
+                  <a:pt x="64953" y="50808"/>
+                  <a:pt x="61407" y="51541"/>
+                  <a:pt x="58025" y="53095"/>
+                </a:cubicBezTo>
+                <a:cubicBezTo>
+                  <a:pt x="53166" y="55347"/>
+                  <a:pt x="45940" y="60409"/>
+                  <a:pt x="39678" y="60409"/>
+                </a:cubicBezTo>
+                <a:cubicBezTo>
+                  <a:pt x="37911" y="60409"/>
+                  <a:pt x="36220" y="60005"/>
+                  <a:pt x="34681" y="59022"/>
+                </a:cubicBezTo>
+                <a:cubicBezTo>
+                  <a:pt x="26323" y="53703"/>
+                  <a:pt x="32341" y="38991"/>
+                  <a:pt x="33770" y="31635"/>
+                </a:cubicBezTo>
+                <a:cubicBezTo>
+                  <a:pt x="35381" y="23459"/>
+                  <a:pt x="36900" y="14249"/>
+                  <a:pt x="32858" y="6498"/>
+                </a:cubicBezTo>
+                <a:cubicBezTo>
+                  <a:pt x="30386" y="1757"/>
+                  <a:pt x="25599" y="1"/>
+                  <a:pt x="20594" y="1"/>
+                </a:cubicBezTo>
+                <a:close/>
+              </a:path>
+            </a:pathLst>
+          </a:custGeom>
+          <a:noFill/>
+          <a:ln>
+            <a:solidFill>
+              <a:srgbClr val="3D4D55"/>
+            </a:solidFill>
+          </a:ln>
+        </p:spPr>
+        <p:txBody>
+          <a:bodyPr spcFirstLastPara="1" wrap="square" lIns="91425" tIns="91425" rIns="91425" bIns="91425" anchor="ctr" anchorCtr="0">
+            <a:noAutofit/>
+          </a:bodyPr>
+          <a:lstStyle/>
+          <a:p>
+            <a:pPr marL="0" marR="0" lvl="0" indent="0" defTabSz="914400" eaLnBrk="1" fontAlgn="auto" latinLnBrk="0" hangingPunct="1">
+              <a:lnSpc>
+                <a:spcPct val="100000"/>
+              </a:lnSpc>
+              <a:spcBef>
+                <a:spcPts val="0"/>
+              </a:spcBef>
+              <a:spcAft>
+                <a:spcPts val="0"/>
+              </a:spcAft>
+              <a:buClr>
+                <a:srgbClr val="000000"/>
+              </a:buClr>
+              <a:buSzTx/>
+              <a:buFont typeface="Arial"/>
+              <a:buNone/>
+              <a:tabLst/>
+              <a:defRPr/>
+            </a:pPr>
+            <a:endParaRPr kumimoji="0" sz="1400" b="0" i="0" u="none" strike="noStrike" kern="0" cap="none" spc="0" normalizeH="0" baseline="0" noProof="0">
+              <a:ln>
+                <a:noFill/>
+              </a:ln>
+              <a:solidFill>
+                <a:srgbClr val="000000"/>
+              </a:solidFill>
+              <a:effectLst/>
+              <a:uLnTx/>
+              <a:uFillTx/>
+              <a:latin typeface="Arial"/>
+              <a:cs typeface="Arial"/>
+              <a:sym typeface="Arial"/>
+            </a:endParaRPr>
+          </a:p>
+        </p:txBody>
+      </p:sp>
+      <p:sp>
+        <p:nvSpPr>
+          <p:cNvPr id="2" name="Slide Number Placeholder 1">
+            <a:extLst>
+              <a:ext uri="{FF2B5EF4-FFF2-40B4-BE49-F238E27FC236}">
+                <a16:creationId xmlns:a16="http://schemas.microsoft.com/office/drawing/2014/main" id="{41C6F999-F5AE-2F2D-2A38-E186FBF76BA3}"/>
+              </a:ext>
+            </a:extLst>
+          </p:cNvPr>
+          <p:cNvSpPr>
+            <a:spLocks noGrp="1"/>
+          </p:cNvSpPr>
+          <p:nvPr>
+            <p:ph type="sldNum" sz="quarter" idx="12"/>
+          </p:nvPr>
+        </p:nvSpPr>
+        <p:spPr/>
+        <p:txBody>
+          <a:bodyPr/>
+          <a:lstStyle/>
+          <a:p>
+            <a:fld id="{834E4636-1AC7-4593-8425-9A7E3B693646}" type="slidenum">
+              <a:rPr lang="pt-PT" smtClean="0"/>
+              <a:t>6</a:t>
+            </a:fld>
+            <a:endParaRPr lang="pt-PT"/>
+          </a:p>
+        </p:txBody>
+      </p:sp>
+      <p:pic>
+        <p:nvPicPr>
+          <p:cNvPr id="4" name="Picture 3" descr="Diagram&#10;&#10;Description automatically generated">
+            <a:extLst>
+              <a:ext uri="{FF2B5EF4-FFF2-40B4-BE49-F238E27FC236}">
+                <a16:creationId xmlns:a16="http://schemas.microsoft.com/office/drawing/2014/main" id="{C16559D3-1317-0D45-01B7-74C5BFE40DD1}"/>
+              </a:ext>
+            </a:extLst>
+          </p:cNvPr>
+          <p:cNvPicPr>
+            <a:picLocks noChangeAspect="1"/>
+          </p:cNvPicPr>
+          <p:nvPr/>
+        </p:nvPicPr>
+        <p:blipFill>
+          <a:blip r:embed="rId3">
+            <a:extLst>
+              <a:ext uri="{28A0092B-C50C-407E-A947-70E740481C1C}">
+                <a14:useLocalDpi xmlns:a14="http://schemas.microsoft.com/office/drawing/2010/main" val="0"/>
+              </a:ext>
+            </a:extLst>
+          </a:blip>
+          <a:stretch>
+            <a:fillRect/>
+          </a:stretch>
+        </p:blipFill>
+        <p:spPr>
+          <a:xfrm>
+            <a:off x="1162564" y="4365996"/>
+            <a:ext cx="6782830" cy="1808755"/>
+          </a:xfrm>
+          <a:prstGeom prst="rect">
+            <a:avLst/>
+          </a:prstGeom>
+        </p:spPr>
+      </p:pic>
+    </p:spTree>
+    <p:extLst>
+      <p:ext uri="{BB962C8B-B14F-4D97-AF65-F5344CB8AC3E}">
+        <p14:creationId xmlns:p14="http://schemas.microsoft.com/office/powerpoint/2010/main" val="2657622565"/>
+      </p:ext>
+    </p:extLst>
+  </p:cSld>
+  <p:clrMapOvr>
+    <a:masterClrMapping/>
+  </p:clrMapOvr>
+</p:sld>
+</file>
+
+<file path=ppt/slides/slide7.xml><?xml version="1.0" encoding="utf-8"?>
+<p:sld xmlns:a="http://schemas.openxmlformats.org/drawingml/2006/main" xmlns:r="http://schemas.openxmlformats.org/officeDocument/2006/relationships" xmlns:p="http://schemas.openxmlformats.org/presentationml/2006/main">
+  <p:cSld>
+    <p:bg>
+      <p:bgPr>
+        <a:solidFill>
+          <a:schemeClr val="bg1"/>
+        </a:solidFill>
+        <a:effectLst/>
+      </p:bgPr>
+    </p:bg>
+    <p:spTree>
+      <p:nvGrpSpPr>
+        <p:cNvPr id="1" name=""/>
+        <p:cNvGrpSpPr/>
+        <p:nvPr/>
+      </p:nvGrpSpPr>
+      <p:grpSpPr>
+        <a:xfrm>
+          <a:off x="0" y="0"/>
+          <a:ext cx="0" cy="0"/>
+          <a:chOff x="0" y="0"/>
+          <a:chExt cx="0" cy="0"/>
+        </a:xfrm>
+      </p:grpSpPr>
+      <p:sp>
+        <p:nvSpPr>
+          <p:cNvPr id="5" name="Subtítulo 4">
+            <a:extLst>
+              <a:ext uri="{FF2B5EF4-FFF2-40B4-BE49-F238E27FC236}">
+                <a16:creationId xmlns:a16="http://schemas.microsoft.com/office/drawing/2014/main" id="{0BBF98B1-EA66-EABA-F256-D9EE9AB32E0B}"/>
+              </a:ext>
+            </a:extLst>
+          </p:cNvPr>
+          <p:cNvSpPr>
+            <a:spLocks noGrp="1"/>
+          </p:cNvSpPr>
+          <p:nvPr>
+            <p:ph type="subTitle" idx="1"/>
+          </p:nvPr>
+        </p:nvSpPr>
+        <p:spPr>
+          <a:xfrm>
+            <a:off x="593554" y="1256732"/>
+            <a:ext cx="8710103" cy="4736420"/>
+          </a:xfrm>
+        </p:spPr>
+        <p:txBody>
+          <a:bodyPr>
+            <a:normAutofit/>
+          </a:bodyPr>
+          <a:lstStyle/>
+          <a:p>
+            <a:pPr marL="342900" indent="-342900" algn="l">
+              <a:lnSpc>
+                <a:spcPct val="100000"/>
+              </a:lnSpc>
+              <a:buSzPct val="100000"/>
+              <a:buFont typeface="Tahoma" panose="020B0604030504040204" pitchFamily="34" charset="0"/>
+              <a:buChar char="●"/>
+            </a:pPr>
+            <a:r>
+              <a:rPr lang="pt-PT" sz="2000" dirty="0">
+                <a:latin typeface="Arial" panose="020B0604020202020204" pitchFamily="34" charset="0"/>
+                <a:cs typeface="Arial" panose="020B0604020202020204" pitchFamily="34" charset="0"/>
+              </a:rPr>
+              <a:t>Realizado com o </a:t>
+            </a:r>
+            <a:r>
+              <a:rPr lang="pt-PT" sz="2000" dirty="0" err="1">
+                <a:latin typeface="Arial" panose="020B0604020202020204" pitchFamily="34" charset="0"/>
+                <a:cs typeface="Arial" panose="020B0604020202020204" pitchFamily="34" charset="0"/>
+              </a:rPr>
+              <a:t>middleware</a:t>
+            </a:r>
+            <a:r>
+              <a:rPr lang="pt-PT" sz="2000" dirty="0">
+                <a:latin typeface="Arial" panose="020B0604020202020204" pitchFamily="34" charset="0"/>
+                <a:cs typeface="Arial" panose="020B0604020202020204" pitchFamily="34" charset="0"/>
+              </a:rPr>
+              <a:t> </a:t>
+            </a:r>
+            <a:r>
+              <a:rPr lang="pt-PT" sz="2000" dirty="0" err="1">
+                <a:latin typeface="Arial" panose="020B0604020202020204" pitchFamily="34" charset="0"/>
+                <a:cs typeface="Arial" panose="020B0604020202020204" pitchFamily="34" charset="0"/>
+              </a:rPr>
+              <a:t>PassportJs</a:t>
+            </a:r>
+            <a:endParaRPr lang="pt-PT" sz="2000" dirty="0">
+              <a:latin typeface="Arial" panose="020B0604020202020204" pitchFamily="34" charset="0"/>
+              <a:cs typeface="Arial" panose="020B0604020202020204" pitchFamily="34" charset="0"/>
+            </a:endParaRPr>
+          </a:p>
+          <a:p>
+            <a:pPr marL="342900" indent="-342900" algn="l">
+              <a:lnSpc>
+                <a:spcPct val="100000"/>
+              </a:lnSpc>
+              <a:buSzPct val="100000"/>
+              <a:buFont typeface="Tahoma" panose="020B0604030504040204" pitchFamily="34" charset="0"/>
+              <a:buChar char="●"/>
+            </a:pPr>
+            <a:r>
+              <a:rPr lang="pt-PT" sz="2000" dirty="0">
+                <a:latin typeface="Arial" panose="020B0604020202020204" pitchFamily="34" charset="0"/>
+                <a:cs typeface="Arial" panose="020B0604020202020204" pitchFamily="34" charset="0"/>
+              </a:rPr>
+              <a:t>Implementa uma estratégia local baseada em username e password</a:t>
+            </a:r>
+          </a:p>
+          <a:p>
+            <a:pPr marL="342900" indent="-342900" algn="l">
+              <a:lnSpc>
+                <a:spcPct val="100000"/>
+              </a:lnSpc>
+              <a:buSzPct val="100000"/>
+              <a:buFont typeface="Tahoma" panose="020B0604030504040204" pitchFamily="34" charset="0"/>
+              <a:buChar char="●"/>
+            </a:pPr>
+            <a:r>
+              <a:rPr lang="pt-PT" sz="2000" dirty="0">
+                <a:latin typeface="Arial" panose="020B0604020202020204" pitchFamily="34" charset="0"/>
+                <a:cs typeface="Arial" panose="020B0604020202020204" pitchFamily="34" charset="0"/>
+              </a:rPr>
+              <a:t>Autenticação guardada na </a:t>
+            </a:r>
+            <a:r>
+              <a:rPr lang="pt-PT" sz="2000" dirty="0" err="1">
+                <a:latin typeface="Arial" panose="020B0604020202020204" pitchFamily="34" charset="0"/>
+                <a:cs typeface="Arial" panose="020B0604020202020204" pitchFamily="34" charset="0"/>
+              </a:rPr>
+              <a:t>session</a:t>
+            </a:r>
+            <a:endParaRPr lang="pt-PT" sz="2000" dirty="0">
+              <a:latin typeface="Arial" panose="020B0604020202020204" pitchFamily="34" charset="0"/>
+              <a:cs typeface="Arial" panose="020B0604020202020204" pitchFamily="34" charset="0"/>
+            </a:endParaRPr>
+          </a:p>
+          <a:p>
+            <a:pPr marL="342900" indent="-342900" algn="l">
+              <a:lnSpc>
+                <a:spcPct val="100000"/>
+              </a:lnSpc>
+              <a:buSzPct val="100000"/>
+              <a:buFont typeface="Tahoma" panose="020B0604030504040204" pitchFamily="34" charset="0"/>
+              <a:buChar char="●"/>
+            </a:pPr>
+            <a:r>
+              <a:rPr lang="pt-PT" sz="2000" dirty="0">
+                <a:latin typeface="Arial" panose="020B0604020202020204" pitchFamily="34" charset="0"/>
+                <a:cs typeface="Arial" panose="020B0604020202020204" pitchFamily="34" charset="0"/>
+              </a:rPr>
+              <a:t>Diferentes membros têm diferentes autorizações, consoante o seu papel no clube e a sua relação com a administração</a:t>
+            </a:r>
+          </a:p>
+          <a:p>
+            <a:pPr marL="342900" indent="-342900" algn="l">
+              <a:lnSpc>
+                <a:spcPct val="100000"/>
+              </a:lnSpc>
+              <a:buSzPct val="100000"/>
+              <a:buFont typeface="Tahoma" panose="020B0604030504040204" pitchFamily="34" charset="0"/>
+              <a:buChar char="●"/>
+            </a:pPr>
+            <a:r>
+              <a:rPr lang="pt-PT" sz="2000" dirty="0">
+                <a:latin typeface="Arial" panose="020B0604020202020204" pitchFamily="34" charset="0"/>
+                <a:cs typeface="Arial" panose="020B0604020202020204" pitchFamily="34" charset="0"/>
+              </a:rPr>
+              <a:t>Administradores têm permissão para aceder a todos os endpoints</a:t>
+            </a:r>
+          </a:p>
+          <a:p>
+            <a:pPr marL="342900" indent="-342900" algn="l">
+              <a:lnSpc>
+                <a:spcPct val="100000"/>
+              </a:lnSpc>
+              <a:buSzPct val="100000"/>
+              <a:buFont typeface="Tahoma" panose="020B0604030504040204" pitchFamily="34" charset="0"/>
+              <a:buChar char="●"/>
+            </a:pPr>
+            <a:r>
+              <a:rPr lang="pt-PT" sz="2000" dirty="0">
+                <a:latin typeface="Arial" panose="020B0604020202020204" pitchFamily="34" charset="0"/>
+                <a:cs typeface="Arial" panose="020B0604020202020204" pitchFamily="34" charset="0"/>
+              </a:rPr>
+              <a:t>Membros não administrativos, podem apenas aceder aos endpoints relacionados com eles próprios </a:t>
+            </a:r>
+          </a:p>
+        </p:txBody>
+      </p:sp>
+      <p:sp>
+        <p:nvSpPr>
+          <p:cNvPr id="7" name="Google Shape;296;p37">
+            <a:extLst>
+              <a:ext uri="{FF2B5EF4-FFF2-40B4-BE49-F238E27FC236}">
+                <a16:creationId xmlns:a16="http://schemas.microsoft.com/office/drawing/2014/main" id="{3D7AB695-BD0C-4E75-8783-E697EBED0E05}"/>
+              </a:ext>
+            </a:extLst>
+          </p:cNvPr>
+          <p:cNvSpPr txBox="1">
+            <a:spLocks/>
+          </p:cNvSpPr>
+          <p:nvPr/>
+        </p:nvSpPr>
+        <p:spPr>
+          <a:xfrm>
+            <a:off x="593554" y="383132"/>
+            <a:ext cx="6885581" cy="631554"/>
+          </a:xfrm>
+          <a:prstGeom prst="rect">
+            <a:avLst/>
+          </a:prstGeom>
+          <a:noFill/>
+          <a:ln>
+            <a:noFill/>
+          </a:ln>
+        </p:spPr>
+        <p:txBody>
+          <a:bodyPr spcFirstLastPara="1" wrap="square" lIns="0" tIns="0" rIns="0" bIns="0" anchor="t" anchorCtr="0">
+            <a:noAutofit/>
+          </a:bodyPr>
+          <a:lstStyle>
+            <a:defPPr marR="0" lvl="0" algn="l" rtl="0">
+              <a:lnSpc>
+                <a:spcPct val="100000"/>
+              </a:lnSpc>
+              <a:spcBef>
+                <a:spcPts val="0"/>
+              </a:spcBef>
+              <a:spcAft>
+                <a:spcPts val="0"/>
+              </a:spcAft>
+            </a:defPPr>
+            <a:lvl1pPr marL="0" marR="0" lvl="0" indent="0" algn="l" rtl="0">
+              <a:lnSpc>
+                <a:spcPct val="90000"/>
+              </a:lnSpc>
+              <a:spcBef>
+                <a:spcPts val="0"/>
+              </a:spcBef>
+              <a:spcAft>
+                <a:spcPts val="0"/>
+              </a:spcAft>
+              <a:buClr>
+                <a:schemeClr val="dk2"/>
+              </a:buClr>
+              <a:buSzPts val="5200"/>
+              <a:buFont typeface="Commissioner"/>
+              <a:buNone/>
+              <a:defRPr sz="5000" b="0" i="0" u="none" strike="noStrike" cap="none">
+                <a:solidFill>
+                  <a:schemeClr val="dk2"/>
+                </a:solidFill>
+                <a:latin typeface="Commissioner ExtraBold"/>
+                <a:ea typeface="Commissioner ExtraBold"/>
+                <a:cs typeface="Commissioner ExtraBold"/>
+                <a:sym typeface="Commissioner ExtraBold"/>
+              </a:defRPr>
+            </a:lvl1pPr>
+            <a:lvl2pPr marR="0" lvl="1" algn="ctr" rtl="0">
+              <a:lnSpc>
+                <a:spcPct val="100000"/>
+              </a:lnSpc>
+              <a:spcBef>
+                <a:spcPts val="0"/>
+              </a:spcBef>
+              <a:spcAft>
+                <a:spcPts val="0"/>
+              </a:spcAft>
+              <a:buClr>
+                <a:schemeClr val="dk2"/>
+              </a:buClr>
+              <a:buSzPts val="5200"/>
+              <a:buFont typeface="Barlow SemiBold"/>
+              <a:buNone/>
+              <a:defRPr sz="5200" b="0" i="0" u="none" strike="noStrike" cap="none">
+                <a:solidFill>
+                  <a:schemeClr val="dk2"/>
+                </a:solidFill>
+                <a:latin typeface="Barlow SemiBold"/>
+                <a:ea typeface="Barlow SemiBold"/>
+                <a:cs typeface="Barlow SemiBold"/>
+                <a:sym typeface="Barlow SemiBold"/>
+              </a:defRPr>
+            </a:lvl2pPr>
+            <a:lvl3pPr marR="0" lvl="2" algn="ctr" rtl="0">
+              <a:lnSpc>
+                <a:spcPct val="100000"/>
+              </a:lnSpc>
+              <a:spcBef>
+                <a:spcPts val="0"/>
+              </a:spcBef>
+              <a:spcAft>
+                <a:spcPts val="0"/>
+              </a:spcAft>
+              <a:buClr>
+                <a:schemeClr val="dk2"/>
+              </a:buClr>
+              <a:buSzPts val="5200"/>
+              <a:buFont typeface="Barlow SemiBold"/>
+              <a:buNone/>
+              <a:defRPr sz="5200" b="0" i="0" u="none" strike="noStrike" cap="none">
+                <a:solidFill>
+                  <a:schemeClr val="dk2"/>
+                </a:solidFill>
+                <a:latin typeface="Barlow SemiBold"/>
+                <a:ea typeface="Barlow SemiBold"/>
+                <a:cs typeface="Barlow SemiBold"/>
+                <a:sym typeface="Barlow SemiBold"/>
+              </a:defRPr>
+            </a:lvl3pPr>
+            <a:lvl4pPr marR="0" lvl="3" algn="ctr" rtl="0">
+              <a:lnSpc>
+                <a:spcPct val="100000"/>
+              </a:lnSpc>
+              <a:spcBef>
+                <a:spcPts val="0"/>
+              </a:spcBef>
+              <a:spcAft>
+                <a:spcPts val="0"/>
+              </a:spcAft>
+              <a:buClr>
+                <a:schemeClr val="dk2"/>
+              </a:buClr>
+              <a:buSzPts val="5200"/>
+              <a:buFont typeface="Barlow SemiBold"/>
+              <a:buNone/>
+              <a:defRPr sz="5200" b="0" i="0" u="none" strike="noStrike" cap="none">
+                <a:solidFill>
+                  <a:schemeClr val="dk2"/>
+                </a:solidFill>
+                <a:latin typeface="Barlow SemiBold"/>
+                <a:ea typeface="Barlow SemiBold"/>
+                <a:cs typeface="Barlow SemiBold"/>
+                <a:sym typeface="Barlow SemiBold"/>
+              </a:defRPr>
+            </a:lvl4pPr>
+            <a:lvl5pPr marR="0" lvl="4" algn="ctr" rtl="0">
+              <a:lnSpc>
+                <a:spcPct val="100000"/>
+              </a:lnSpc>
+              <a:spcBef>
+                <a:spcPts val="0"/>
+              </a:spcBef>
+              <a:spcAft>
+                <a:spcPts val="0"/>
+              </a:spcAft>
+              <a:buClr>
+                <a:schemeClr val="dk2"/>
+              </a:buClr>
+              <a:buSzPts val="5200"/>
+              <a:buFont typeface="Barlow SemiBold"/>
+              <a:buNone/>
+              <a:defRPr sz="5200" b="0" i="0" u="none" strike="noStrike" cap="none">
+                <a:solidFill>
+                  <a:schemeClr val="dk2"/>
+                </a:solidFill>
+                <a:latin typeface="Barlow SemiBold"/>
+                <a:ea typeface="Barlow SemiBold"/>
+                <a:cs typeface="Barlow SemiBold"/>
+                <a:sym typeface="Barlow SemiBold"/>
+              </a:defRPr>
+            </a:lvl5pPr>
+            <a:lvl6pPr marR="0" lvl="5" algn="ctr" rtl="0">
+              <a:lnSpc>
+                <a:spcPct val="100000"/>
+              </a:lnSpc>
+              <a:spcBef>
+                <a:spcPts val="0"/>
+              </a:spcBef>
+              <a:spcAft>
+                <a:spcPts val="0"/>
+              </a:spcAft>
+              <a:buClr>
+                <a:schemeClr val="dk2"/>
+              </a:buClr>
+              <a:buSzPts val="5200"/>
+              <a:buFont typeface="Barlow SemiBold"/>
+              <a:buNone/>
+              <a:defRPr sz="5200" b="0" i="0" u="none" strike="noStrike" cap="none">
+                <a:solidFill>
+                  <a:schemeClr val="dk2"/>
+                </a:solidFill>
+                <a:latin typeface="Barlow SemiBold"/>
+                <a:ea typeface="Barlow SemiBold"/>
+                <a:cs typeface="Barlow SemiBold"/>
+                <a:sym typeface="Barlow SemiBold"/>
+              </a:defRPr>
+            </a:lvl6pPr>
+            <a:lvl7pPr marR="0" lvl="6" algn="ctr" rtl="0">
+              <a:lnSpc>
+                <a:spcPct val="100000"/>
+              </a:lnSpc>
+              <a:spcBef>
+                <a:spcPts val="0"/>
+              </a:spcBef>
+              <a:spcAft>
+                <a:spcPts val="0"/>
+              </a:spcAft>
+              <a:buClr>
+                <a:schemeClr val="dk2"/>
+              </a:buClr>
+              <a:buSzPts val="5200"/>
+              <a:buFont typeface="Barlow SemiBold"/>
+              <a:buNone/>
+              <a:defRPr sz="5200" b="0" i="0" u="none" strike="noStrike" cap="none">
+                <a:solidFill>
+                  <a:schemeClr val="dk2"/>
+                </a:solidFill>
+                <a:latin typeface="Barlow SemiBold"/>
+                <a:ea typeface="Barlow SemiBold"/>
+                <a:cs typeface="Barlow SemiBold"/>
+                <a:sym typeface="Barlow SemiBold"/>
+              </a:defRPr>
+            </a:lvl7pPr>
+            <a:lvl8pPr marR="0" lvl="7" algn="ctr" rtl="0">
+              <a:lnSpc>
+                <a:spcPct val="100000"/>
+              </a:lnSpc>
+              <a:spcBef>
+                <a:spcPts val="0"/>
+              </a:spcBef>
+              <a:spcAft>
+                <a:spcPts val="0"/>
+              </a:spcAft>
+              <a:buClr>
+                <a:schemeClr val="dk2"/>
+              </a:buClr>
+              <a:buSzPts val="5200"/>
+              <a:buFont typeface="Barlow SemiBold"/>
+              <a:buNone/>
+              <a:defRPr sz="5200" b="0" i="0" u="none" strike="noStrike" cap="none">
+                <a:solidFill>
+                  <a:schemeClr val="dk2"/>
+                </a:solidFill>
+                <a:latin typeface="Barlow SemiBold"/>
+                <a:ea typeface="Barlow SemiBold"/>
+                <a:cs typeface="Barlow SemiBold"/>
+                <a:sym typeface="Barlow SemiBold"/>
+              </a:defRPr>
+            </a:lvl8pPr>
+            <a:lvl9pPr marR="0" lvl="8" algn="ctr" rtl="0">
+              <a:lnSpc>
+                <a:spcPct val="100000"/>
+              </a:lnSpc>
+              <a:spcBef>
+                <a:spcPts val="0"/>
+              </a:spcBef>
+              <a:spcAft>
+                <a:spcPts val="0"/>
+              </a:spcAft>
+              <a:buClr>
+                <a:schemeClr val="dk2"/>
+              </a:buClr>
+              <a:buSzPts val="5200"/>
+              <a:buFont typeface="Barlow SemiBold"/>
+              <a:buNone/>
+              <a:defRPr sz="5200" b="0" i="0" u="none" strike="noStrike" cap="none">
+                <a:solidFill>
+                  <a:schemeClr val="dk2"/>
+                </a:solidFill>
+                <a:latin typeface="Barlow SemiBold"/>
+                <a:ea typeface="Barlow SemiBold"/>
+                <a:cs typeface="Barlow SemiBold"/>
+                <a:sym typeface="Barlow SemiBold"/>
+              </a:defRPr>
+            </a:lvl9pPr>
+          </a:lstStyle>
+          <a:p>
+            <a:pPr marL="0" marR="0" lvl="0" indent="0" algn="l" defTabSz="914400" rtl="0" eaLnBrk="1" fontAlgn="auto" latinLnBrk="0" hangingPunct="1">
+              <a:lnSpc>
+                <a:spcPct val="90000"/>
+              </a:lnSpc>
+              <a:spcBef>
+                <a:spcPts val="0"/>
+              </a:spcBef>
+              <a:spcAft>
+                <a:spcPts val="0"/>
+              </a:spcAft>
+              <a:buClr>
+                <a:srgbClr val="164A4A"/>
+              </a:buClr>
+              <a:buSzPts val="5200"/>
+              <a:buFont typeface="Commissioner"/>
+              <a:buNone/>
+              <a:tabLst/>
+              <a:defRPr/>
+            </a:pPr>
+            <a:r>
+              <a:rPr kumimoji="0" lang="en-US" sz="4000" b="1" i="0" u="none" strike="noStrike" kern="0" cap="none" spc="0" normalizeH="0" baseline="0" noProof="0" dirty="0" err="1">
+                <a:ln>
+                  <a:noFill/>
+                </a:ln>
+                <a:solidFill>
+                  <a:srgbClr val="3D4D55"/>
+                </a:solidFill>
+                <a:effectLst/>
+                <a:uLnTx/>
+                <a:uFillTx/>
+                <a:latin typeface="Arial" panose="020B0604020202020204" pitchFamily="34" charset="0"/>
+                <a:cs typeface="Arial" panose="020B0604020202020204" pitchFamily="34" charset="0"/>
+                <a:sym typeface="Commissioner ExtraBold"/>
+              </a:rPr>
+              <a:t>Autenticação</a:t>
+            </a:r>
+            <a:r>
+              <a:rPr kumimoji="0" lang="en-US" sz="4000" b="1" i="0" u="none" strike="noStrike" kern="0" cap="none" spc="0" normalizeH="0" baseline="0" noProof="0" dirty="0">
+                <a:ln>
+                  <a:noFill/>
+                </a:ln>
+                <a:solidFill>
+                  <a:srgbClr val="3D4D55"/>
+                </a:solidFill>
+                <a:effectLst/>
+                <a:uLnTx/>
+                <a:uFillTx/>
+                <a:latin typeface="Arial" panose="020B0604020202020204" pitchFamily="34" charset="0"/>
+                <a:cs typeface="Arial" panose="020B0604020202020204" pitchFamily="34" charset="0"/>
+                <a:sym typeface="Commissioner ExtraBold"/>
+              </a:rPr>
+              <a:t> e </a:t>
+            </a:r>
+            <a:r>
+              <a:rPr kumimoji="0" lang="en-US" sz="4000" b="1" i="0" u="none" strike="noStrike" kern="0" cap="none" spc="0" normalizeH="0" baseline="0" noProof="0" dirty="0" err="1">
+                <a:ln>
+                  <a:noFill/>
+                </a:ln>
+                <a:solidFill>
+                  <a:srgbClr val="3D4D55"/>
+                </a:solidFill>
+                <a:effectLst/>
+                <a:uLnTx/>
+                <a:uFillTx/>
+                <a:latin typeface="Arial" panose="020B0604020202020204" pitchFamily="34" charset="0"/>
+                <a:cs typeface="Arial" panose="020B0604020202020204" pitchFamily="34" charset="0"/>
+                <a:sym typeface="Commissioner ExtraBold"/>
+              </a:rPr>
+              <a:t>Autorização</a:t>
+            </a:r>
+            <a:endParaRPr kumimoji="0" lang="en-US" sz="4000" b="1" i="0" u="none" strike="noStrike" kern="0" cap="none" spc="0" normalizeH="0" baseline="0" noProof="0" dirty="0">
+              <a:ln>
+                <a:noFill/>
+              </a:ln>
+              <a:solidFill>
+                <a:srgbClr val="3D4D55"/>
+              </a:solidFill>
+              <a:effectLst/>
+              <a:uLnTx/>
+              <a:uFillTx/>
+              <a:latin typeface="Arial" panose="020B0604020202020204" pitchFamily="34" charset="0"/>
+              <a:cs typeface="Arial" panose="020B0604020202020204" pitchFamily="34" charset="0"/>
+              <a:sym typeface="Commissioner ExtraBold"/>
+            </a:endParaRPr>
+          </a:p>
+        </p:txBody>
+      </p:sp>
+      <p:sp>
+        <p:nvSpPr>
+          <p:cNvPr id="9" name="Google Shape;1460;p74">
+            <a:extLst>
+              <a:ext uri="{FF2B5EF4-FFF2-40B4-BE49-F238E27FC236}">
+                <a16:creationId xmlns:a16="http://schemas.microsoft.com/office/drawing/2014/main" id="{D1F998ED-C0F8-F98C-374B-0151B38AD950}"/>
+              </a:ext>
+            </a:extLst>
+          </p:cNvPr>
+          <p:cNvSpPr/>
+          <p:nvPr/>
+        </p:nvSpPr>
+        <p:spPr>
+          <a:xfrm>
+            <a:off x="8872199" y="-179614"/>
             <a:ext cx="3472201" cy="3722914"/>
           </a:xfrm>
           <a:custGeom>
@@ -18942,47 +18385,12 @@
           </a:p>
         </p:txBody>
       </p:sp>
-      <p:pic>
-        <p:nvPicPr>
-          <p:cNvPr id="8" name="Imagem 7">
+      <p:sp>
+        <p:nvSpPr>
+          <p:cNvPr id="11" name="Google Shape;1457;p74">
             <a:extLst>
               <a:ext uri="{FF2B5EF4-FFF2-40B4-BE49-F238E27FC236}">
-                <a16:creationId xmlns:a16="http://schemas.microsoft.com/office/drawing/2014/main" id="{43457FF5-3E3D-1D4E-1701-8FD05C8F31B0}"/>
-              </a:ext>
-            </a:extLst>
-          </p:cNvPr>
-          <p:cNvPicPr>
-            <a:picLocks noChangeAspect="1"/>
-          </p:cNvPicPr>
-          <p:nvPr/>
-        </p:nvPicPr>
-        <p:blipFill>
-          <a:blip r:embed="rId3">
-            <a:extLst>
-              <a:ext uri="{28A0092B-C50C-407E-A947-70E740481C1C}">
-                <a14:useLocalDpi xmlns:a14="http://schemas.microsoft.com/office/drawing/2010/main" val="0"/>
-              </a:ext>
-            </a:extLst>
-          </a:blip>
-          <a:srcRect/>
-          <a:stretch/>
-        </p:blipFill>
-        <p:spPr>
-          <a:xfrm>
-            <a:off x="2783060" y="2484783"/>
-            <a:ext cx="6552855" cy="1896003"/>
-          </a:xfrm>
-          <a:prstGeom prst="rect">
-            <a:avLst/>
-          </a:prstGeom>
-        </p:spPr>
-      </p:pic>
-      <p:sp>
-        <p:nvSpPr>
-          <p:cNvPr id="14" name="Google Shape;1458;p74">
-            <a:extLst>
-              <a:ext uri="{FF2B5EF4-FFF2-40B4-BE49-F238E27FC236}">
-                <a16:creationId xmlns:a16="http://schemas.microsoft.com/office/drawing/2014/main" id="{633FD01B-ABC4-69D0-7AAC-909B3022F502}"/>
+                <a16:creationId xmlns:a16="http://schemas.microsoft.com/office/drawing/2014/main" id="{D5B91189-D1FE-9273-BC8A-9C82DECCA2E3}"/>
               </a:ext>
             </a:extLst>
           </p:cNvPr>
@@ -18990,9 +18398,9 @@
           <p:nvPr/>
         </p:nvSpPr>
         <p:spPr>
-          <a:xfrm>
-            <a:off x="11209933" y="698909"/>
-            <a:ext cx="1224873" cy="1366944"/>
+          <a:xfrm rot="10191456">
+            <a:off x="10056522" y="580606"/>
+            <a:ext cx="2411496" cy="1900868"/>
           </a:xfrm>
           <a:custGeom>
             <a:avLst/>
@@ -19001,61 +18409,119 @@
             <a:cxnLst/>
             <a:rect l="l" t="t" r="r" b="b"/>
             <a:pathLst>
-              <a:path w="77206" h="86161" extrusionOk="0">
+              <a:path w="39363" h="31028" extrusionOk="0">
                 <a:moveTo>
-                  <a:pt x="43626" y="0"/>
+                  <a:pt x="21078" y="1"/>
                 </a:moveTo>
                 <a:cubicBezTo>
-                  <a:pt x="31498" y="0"/>
-                  <a:pt x="18907" y="6868"/>
-                  <a:pt x="11551" y="22967"/>
-                </a:cubicBezTo>
-                <a:cubicBezTo>
-                  <a:pt x="1" y="48195"/>
-                  <a:pt x="11521" y="68591"/>
-                  <a:pt x="18542" y="77801"/>
-                </a:cubicBezTo>
-                <a:cubicBezTo>
-                  <a:pt x="22068" y="82421"/>
-                  <a:pt x="27266" y="85460"/>
-                  <a:pt x="33041" y="86068"/>
-                </a:cubicBezTo>
-                <a:cubicBezTo>
-                  <a:pt x="33654" y="86131"/>
-                  <a:pt x="34255" y="86161"/>
-                  <a:pt x="34845" y="86161"/>
-                </a:cubicBezTo>
-                <a:cubicBezTo>
-                  <a:pt x="44307" y="86161"/>
-                  <a:pt x="50652" y="78321"/>
-                  <a:pt x="51826" y="69107"/>
-                </a:cubicBezTo>
-                <a:cubicBezTo>
-                  <a:pt x="52464" y="64001"/>
-                  <a:pt x="52585" y="60262"/>
-                  <a:pt x="56567" y="56706"/>
-                </a:cubicBezTo>
-                <a:cubicBezTo>
-                  <a:pt x="60944" y="52785"/>
-                  <a:pt x="66476" y="50323"/>
-                  <a:pt x="70428" y="45855"/>
-                </a:cubicBezTo>
-                <a:cubicBezTo>
-                  <a:pt x="76081" y="39563"/>
-                  <a:pt x="77206" y="31660"/>
-                  <a:pt x="74957" y="23605"/>
-                </a:cubicBezTo>
-                <a:cubicBezTo>
-                  <a:pt x="70878" y="9062"/>
-                  <a:pt x="57557" y="0"/>
-                  <a:pt x="43626" y="0"/>
+                  <a:pt x="18634" y="1"/>
+                  <a:pt x="16478" y="1773"/>
+                  <a:pt x="15979" y="4271"/>
+                </a:cubicBezTo>
+                <a:cubicBezTo>
+                  <a:pt x="15946" y="4537"/>
+                  <a:pt x="15912" y="4838"/>
+                  <a:pt x="15912" y="5104"/>
+                </a:cubicBezTo>
+                <a:lnTo>
+                  <a:pt x="15912" y="5305"/>
+                </a:lnTo>
+                <a:cubicBezTo>
+                  <a:pt x="15846" y="6272"/>
+                  <a:pt x="15379" y="10008"/>
+                  <a:pt x="9708" y="11342"/>
+                </a:cubicBezTo>
+                <a:cubicBezTo>
+                  <a:pt x="5438" y="11776"/>
+                  <a:pt x="1802" y="14945"/>
+                  <a:pt x="1002" y="19348"/>
+                </a:cubicBezTo>
+                <a:cubicBezTo>
+                  <a:pt x="1" y="24685"/>
+                  <a:pt x="3570" y="29856"/>
+                  <a:pt x="8907" y="30856"/>
+                </a:cubicBezTo>
+                <a:cubicBezTo>
+                  <a:pt x="9518" y="30972"/>
+                  <a:pt x="10126" y="31028"/>
+                  <a:pt x="10725" y="31028"/>
+                </a:cubicBezTo>
+                <a:cubicBezTo>
+                  <a:pt x="13752" y="31028"/>
+                  <a:pt x="16548" y="29604"/>
+                  <a:pt x="18414" y="27320"/>
+                </a:cubicBezTo>
+                <a:cubicBezTo>
+                  <a:pt x="19014" y="26520"/>
+                  <a:pt x="19515" y="25653"/>
+                  <a:pt x="19915" y="24685"/>
+                </a:cubicBezTo>
+                <a:cubicBezTo>
+                  <a:pt x="21857" y="21834"/>
+                  <a:pt x="25742" y="17659"/>
+                  <a:pt x="31816" y="17659"/>
+                </a:cubicBezTo>
+                <a:cubicBezTo>
+                  <a:pt x="32210" y="17659"/>
+                  <a:pt x="32613" y="17677"/>
+                  <a:pt x="33024" y="17714"/>
+                </a:cubicBezTo>
+                <a:cubicBezTo>
+                  <a:pt x="33258" y="17780"/>
+                  <a:pt x="33425" y="17847"/>
+                  <a:pt x="33625" y="17880"/>
+                </a:cubicBezTo>
+                <a:cubicBezTo>
+                  <a:pt x="33909" y="17934"/>
+                  <a:pt x="34192" y="17960"/>
+                  <a:pt x="34471" y="17960"/>
+                </a:cubicBezTo>
+                <a:cubicBezTo>
+                  <a:pt x="36614" y="17960"/>
+                  <a:pt x="38515" y="16432"/>
+                  <a:pt x="38929" y="14278"/>
+                </a:cubicBezTo>
+                <a:cubicBezTo>
+                  <a:pt x="39362" y="11809"/>
+                  <a:pt x="37761" y="9441"/>
+                  <a:pt x="35293" y="8974"/>
+                </a:cubicBezTo>
+                <a:cubicBezTo>
+                  <a:pt x="34999" y="8913"/>
+                  <a:pt x="34710" y="8883"/>
+                  <a:pt x="34425" y="8883"/>
+                </a:cubicBezTo>
+                <a:cubicBezTo>
+                  <a:pt x="33934" y="8883"/>
+                  <a:pt x="33456" y="8972"/>
+                  <a:pt x="32991" y="9141"/>
+                </a:cubicBezTo>
+                <a:cubicBezTo>
+                  <a:pt x="32529" y="9216"/>
+                  <a:pt x="31929" y="9288"/>
+                  <a:pt x="31278" y="9288"/>
+                </a:cubicBezTo>
+                <a:cubicBezTo>
+                  <a:pt x="29341" y="9288"/>
+                  <a:pt x="26944" y="8658"/>
+                  <a:pt x="26320" y="5638"/>
+                </a:cubicBezTo>
+                <a:cubicBezTo>
+                  <a:pt x="26587" y="3103"/>
+                  <a:pt x="24785" y="601"/>
+                  <a:pt x="22083" y="101"/>
+                </a:cubicBezTo>
+                <a:cubicBezTo>
+                  <a:pt x="21745" y="33"/>
+                  <a:pt x="21409" y="1"/>
+                  <a:pt x="21078" y="1"/>
                 </a:cubicBezTo>
                 <a:close/>
               </a:path>
             </a:pathLst>
           </a:custGeom>
           <a:solidFill>
-            <a:srgbClr val="3D4D55"/>
+            <a:srgbClr val="ACDBD3"/>
           </a:solidFill>
           <a:ln>
             <a:noFill/>
@@ -19105,39 +18571,10 @@
       </p:sp>
       <p:sp>
         <p:nvSpPr>
-          <p:cNvPr id="2" name="Slide Number Placeholder 1">
+          <p:cNvPr id="13" name="Google Shape;1463;p74">
             <a:extLst>
               <a:ext uri="{FF2B5EF4-FFF2-40B4-BE49-F238E27FC236}">
-                <a16:creationId xmlns:a16="http://schemas.microsoft.com/office/drawing/2014/main" id="{828ACF4A-A3DF-F46E-4319-8AA4C342BAE4}"/>
-              </a:ext>
-            </a:extLst>
-          </p:cNvPr>
-          <p:cNvSpPr>
-            <a:spLocks noGrp="1"/>
-          </p:cNvSpPr>
-          <p:nvPr>
-            <p:ph type="sldNum" sz="quarter" idx="12"/>
-          </p:nvPr>
-        </p:nvSpPr>
-        <p:spPr/>
-        <p:txBody>
-          <a:bodyPr/>
-          <a:lstStyle/>
-          <a:p>
-            <a:fld id="{834E4636-1AC7-4593-8425-9A7E3B693646}" type="slidenum">
-              <a:rPr lang="pt-PT" smtClean="0"/>
-              <a:t>6</a:t>
-            </a:fld>
-            <a:endParaRPr lang="pt-PT"/>
-          </a:p>
-        </p:txBody>
-      </p:sp>
-      <p:sp>
-        <p:nvSpPr>
-          <p:cNvPr id="12" name="Google Shape;1459;p74">
-            <a:extLst>
-              <a:ext uri="{FF2B5EF4-FFF2-40B4-BE49-F238E27FC236}">
-                <a16:creationId xmlns:a16="http://schemas.microsoft.com/office/drawing/2014/main" id="{9F8BE949-C935-C8B4-DDD3-C528C8246C5D}"/>
+                <a16:creationId xmlns:a16="http://schemas.microsoft.com/office/drawing/2014/main" id="{9FBE7827-AFF9-E943-D4D6-469993A3A5E2}"/>
               </a:ext>
             </a:extLst>
           </p:cNvPr>
@@ -19145,9 +18582,9 @@
           <p:nvPr/>
         </p:nvSpPr>
         <p:spPr>
-          <a:xfrm>
-            <a:off x="10555358" y="-719069"/>
-            <a:ext cx="2534024" cy="1975801"/>
+          <a:xfrm rot="18140219">
+            <a:off x="8670966" y="4410165"/>
+            <a:ext cx="3874663" cy="3662248"/>
           </a:xfrm>
           <a:custGeom>
             <a:avLst/>
@@ -19156,58 +18593,80 @@
             <a:cxnLst/>
             <a:rect l="l" t="t" r="r" b="b"/>
             <a:pathLst>
-              <a:path w="97966" h="76385" fill="none" extrusionOk="0">
+              <a:path w="119881" h="113309" extrusionOk="0">
                 <a:moveTo>
-                  <a:pt x="608" y="34743"/>
+                  <a:pt x="20594" y="1"/>
                 </a:moveTo>
                 <a:cubicBezTo>
-                  <a:pt x="973" y="28967"/>
-                  <a:pt x="3769" y="23618"/>
-                  <a:pt x="8207" y="19849"/>
-                </a:cubicBezTo>
-                <a:cubicBezTo>
-                  <a:pt x="17083" y="12402"/>
-                  <a:pt x="36931" y="0"/>
-                  <a:pt x="62707" y="10396"/>
-                </a:cubicBezTo>
-                <a:cubicBezTo>
-                  <a:pt x="97966" y="24590"/>
-                  <a:pt x="91734" y="64925"/>
-                  <a:pt x="64895" y="73771"/>
-                </a:cubicBezTo>
-                <a:cubicBezTo>
-                  <a:pt x="56962" y="76385"/>
-                  <a:pt x="49028" y="75594"/>
-                  <a:pt x="42463" y="70275"/>
-                </a:cubicBezTo>
-                <a:cubicBezTo>
-                  <a:pt x="37812" y="66506"/>
-                  <a:pt x="35107" y="61126"/>
-                  <a:pt x="31004" y="56901"/>
-                </a:cubicBezTo>
-                <a:cubicBezTo>
-                  <a:pt x="27296" y="53071"/>
-                  <a:pt x="23526" y="53132"/>
-                  <a:pt x="18390" y="52706"/>
-                </a:cubicBezTo>
-                <a:cubicBezTo>
-                  <a:pt x="8602" y="51916"/>
-                  <a:pt x="0" y="45199"/>
-                  <a:pt x="608" y="34743"/>
+                  <a:pt x="16552" y="1"/>
+                  <a:pt x="12368" y="1147"/>
+                  <a:pt x="9149" y="2790"/>
+                </a:cubicBezTo>
+                <a:cubicBezTo>
+                  <a:pt x="5471" y="4675"/>
+                  <a:pt x="1915" y="7836"/>
+                  <a:pt x="0" y="11605"/>
+                </a:cubicBezTo>
+                <a:lnTo>
+                  <a:pt x="0" y="113308"/>
+                </a:lnTo>
+                <a:lnTo>
+                  <a:pt x="117935" y="113308"/>
+                </a:lnTo>
+                <a:cubicBezTo>
+                  <a:pt x="117935" y="113308"/>
+                  <a:pt x="119881" y="98901"/>
+                  <a:pt x="102008" y="94250"/>
+                </a:cubicBezTo>
+                <a:cubicBezTo>
+                  <a:pt x="89485" y="90968"/>
+                  <a:pt x="95139" y="77472"/>
+                  <a:pt x="92190" y="68141"/>
+                </a:cubicBezTo>
+                <a:cubicBezTo>
+                  <a:pt x="88773" y="57366"/>
+                  <a:pt x="78869" y="50808"/>
+                  <a:pt x="68440" y="50808"/>
+                </a:cubicBezTo>
+                <a:cubicBezTo>
+                  <a:pt x="64953" y="50808"/>
+                  <a:pt x="61407" y="51541"/>
+                  <a:pt x="58025" y="53095"/>
+                </a:cubicBezTo>
+                <a:cubicBezTo>
+                  <a:pt x="53166" y="55347"/>
+                  <a:pt x="45940" y="60409"/>
+                  <a:pt x="39678" y="60409"/>
+                </a:cubicBezTo>
+                <a:cubicBezTo>
+                  <a:pt x="37911" y="60409"/>
+                  <a:pt x="36220" y="60005"/>
+                  <a:pt x="34681" y="59022"/>
+                </a:cubicBezTo>
+                <a:cubicBezTo>
+                  <a:pt x="26323" y="53703"/>
+                  <a:pt x="32341" y="38991"/>
+                  <a:pt x="33770" y="31635"/>
+                </a:cubicBezTo>
+                <a:cubicBezTo>
+                  <a:pt x="35381" y="23459"/>
+                  <a:pt x="36900" y="14249"/>
+                  <a:pt x="32858" y="6498"/>
+                </a:cubicBezTo>
+                <a:cubicBezTo>
+                  <a:pt x="30386" y="1757"/>
+                  <a:pt x="25599" y="1"/>
+                  <a:pt x="20594" y="1"/>
                 </a:cubicBezTo>
                 <a:close/>
               </a:path>
             </a:pathLst>
           </a:custGeom>
           <a:noFill/>
-          <a:ln w="9875" cap="rnd" cmpd="sng">
+          <a:ln>
             <a:solidFill>
-              <a:srgbClr val="ACDBD3"/>
+              <a:srgbClr val="3D4D55"/>
             </a:solidFill>
-            <a:prstDash val="solid"/>
-            <a:round/>
-            <a:headEnd type="none" w="sm" len="sm"/>
-            <a:tailEnd type="none" w="sm" len="sm"/>
           </a:ln>
         </p:spPr>
         <p:txBody>
@@ -19252,10 +18711,39 @@
           </a:p>
         </p:txBody>
       </p:sp>
+      <p:sp>
+        <p:nvSpPr>
+          <p:cNvPr id="2" name="Slide Number Placeholder 1">
+            <a:extLst>
+              <a:ext uri="{FF2B5EF4-FFF2-40B4-BE49-F238E27FC236}">
+                <a16:creationId xmlns:a16="http://schemas.microsoft.com/office/drawing/2014/main" id="{749BBD88-A4E5-6147-9010-7F2FA63B6611}"/>
+              </a:ext>
+            </a:extLst>
+          </p:cNvPr>
+          <p:cNvSpPr>
+            <a:spLocks noGrp="1"/>
+          </p:cNvSpPr>
+          <p:nvPr>
+            <p:ph type="sldNum" sz="quarter" idx="12"/>
+          </p:nvPr>
+        </p:nvSpPr>
+        <p:spPr/>
+        <p:txBody>
+          <a:bodyPr/>
+          <a:lstStyle/>
+          <a:p>
+            <a:fld id="{834E4636-1AC7-4593-8425-9A7E3B693646}" type="slidenum">
+              <a:rPr lang="pt-PT" smtClean="0"/>
+              <a:t>7</a:t>
+            </a:fld>
+            <a:endParaRPr lang="pt-PT"/>
+          </a:p>
+        </p:txBody>
+      </p:sp>
     </p:spTree>
     <p:extLst>
       <p:ext uri="{BB962C8B-B14F-4D97-AF65-F5344CB8AC3E}">
-        <p14:creationId xmlns:p14="http://schemas.microsoft.com/office/powerpoint/2010/main" val="2161799229"/>
+        <p14:creationId xmlns:p14="http://schemas.microsoft.com/office/powerpoint/2010/main" val="717832360"/>
       </p:ext>
     </p:extLst>
   </p:cSld>
@@ -19265,7 +18753,7 @@
 </p:sld>
 </file>
 
-<file path=ppt/slides/slide7.xml><?xml version="1.0" encoding="utf-8"?>
+<file path=ppt/slides/slide8.xml><?xml version="1.0" encoding="utf-8"?>
 <p:sld xmlns:a="http://schemas.openxmlformats.org/drawingml/2006/main" xmlns:r="http://schemas.openxmlformats.org/officeDocument/2006/relationships" xmlns:p="http://schemas.openxmlformats.org/presentationml/2006/main">
   <p:cSld>
     <p:bg>
@@ -20211,7 +19699,7 @@
           <a:p>
             <a:fld id="{834E4636-1AC7-4593-8425-9A7E3B693646}" type="slidenum">
               <a:rPr lang="pt-PT" smtClean="0"/>
-              <a:t>7</a:t>
+              <a:t>8</a:t>
             </a:fld>
             <a:endParaRPr lang="pt-PT"/>
           </a:p>
@@ -20221,1015 +19709,6 @@
     <p:extLst>
       <p:ext uri="{BB962C8B-B14F-4D97-AF65-F5344CB8AC3E}">
         <p14:creationId xmlns:p14="http://schemas.microsoft.com/office/powerpoint/2010/main" val="4132077947"/>
-      </p:ext>
-    </p:extLst>
-  </p:cSld>
-  <p:clrMapOvr>
-    <a:masterClrMapping/>
-  </p:clrMapOvr>
-</p:sld>
-</file>
-
-<file path=ppt/slides/slide8.xml><?xml version="1.0" encoding="utf-8"?>
-<p:sld xmlns:a="http://schemas.openxmlformats.org/drawingml/2006/main" xmlns:r="http://schemas.openxmlformats.org/officeDocument/2006/relationships" xmlns:p="http://schemas.openxmlformats.org/presentationml/2006/main">
-  <p:cSld>
-    <p:bg>
-      <p:bgPr>
-        <a:solidFill>
-          <a:schemeClr val="bg1"/>
-        </a:solidFill>
-        <a:effectLst/>
-      </p:bgPr>
-    </p:bg>
-    <p:spTree>
-      <p:nvGrpSpPr>
-        <p:cNvPr id="1" name=""/>
-        <p:cNvGrpSpPr/>
-        <p:nvPr/>
-      </p:nvGrpSpPr>
-      <p:grpSpPr>
-        <a:xfrm>
-          <a:off x="0" y="0"/>
-          <a:ext cx="0" cy="0"/>
-          <a:chOff x="0" y="0"/>
-          <a:chExt cx="0" cy="0"/>
-        </a:xfrm>
-      </p:grpSpPr>
-      <p:sp>
-        <p:nvSpPr>
-          <p:cNvPr id="5" name="Subtítulo 4">
-            <a:extLst>
-              <a:ext uri="{FF2B5EF4-FFF2-40B4-BE49-F238E27FC236}">
-                <a16:creationId xmlns:a16="http://schemas.microsoft.com/office/drawing/2014/main" id="{0BBF98B1-EA66-EABA-F256-D9EE9AB32E0B}"/>
-              </a:ext>
-            </a:extLst>
-          </p:cNvPr>
-          <p:cNvSpPr>
-            <a:spLocks noGrp="1"/>
-          </p:cNvSpPr>
-          <p:nvPr>
-            <p:ph type="subTitle" idx="1"/>
-          </p:nvPr>
-        </p:nvSpPr>
-        <p:spPr>
-          <a:xfrm>
-            <a:off x="593554" y="1256732"/>
-            <a:ext cx="9314443" cy="4736420"/>
-          </a:xfrm>
-        </p:spPr>
-        <p:txBody>
-          <a:bodyPr>
-            <a:normAutofit/>
-          </a:bodyPr>
-          <a:lstStyle/>
-          <a:p>
-            <a:pPr marL="342900" indent="-342900" algn="l">
-              <a:lnSpc>
-                <a:spcPct val="100000"/>
-              </a:lnSpc>
-              <a:buSzPct val="100000"/>
-              <a:buFont typeface="Tahoma" panose="020B0604030504040204" pitchFamily="34" charset="0"/>
-              <a:buChar char="●"/>
-            </a:pPr>
-            <a:r>
-              <a:rPr lang="pt-PT" sz="2000" dirty="0">
-                <a:latin typeface="Arial" panose="020B0604020202020204" pitchFamily="34" charset="0"/>
-                <a:cs typeface="Arial" panose="020B0604020202020204" pitchFamily="34" charset="0"/>
-              </a:rPr>
-              <a:t>Implementação da lógica e acesso a dados</a:t>
-            </a:r>
-          </a:p>
-          <a:p>
-            <a:pPr marL="342900" indent="-342900" algn="l">
-              <a:lnSpc>
-                <a:spcPct val="100000"/>
-              </a:lnSpc>
-              <a:buSzPct val="100000"/>
-              <a:buFont typeface="Tahoma" panose="020B0604030504040204" pitchFamily="34" charset="0"/>
-              <a:buChar char="●"/>
-            </a:pPr>
-            <a:r>
-              <a:rPr lang="pt-PT" sz="2000" dirty="0">
-                <a:latin typeface="Arial" panose="020B0604020202020204" pitchFamily="34" charset="0"/>
-                <a:cs typeface="Arial" panose="020B0604020202020204" pitchFamily="34" charset="0"/>
-              </a:rPr>
-              <a:t>Utilização da framework express para a definição e implementação dos endpoints</a:t>
-            </a:r>
-          </a:p>
-          <a:p>
-            <a:pPr marL="342900" indent="-342900" algn="l">
-              <a:lnSpc>
-                <a:spcPct val="100000"/>
-              </a:lnSpc>
-              <a:buSzPct val="100000"/>
-              <a:buFont typeface="Tahoma" panose="020B0604030504040204" pitchFamily="34" charset="0"/>
-              <a:buChar char="●"/>
-            </a:pPr>
-            <a:r>
-              <a:rPr lang="pt-PT" sz="2000" dirty="0">
-                <a:latin typeface="Arial" panose="020B0604020202020204" pitchFamily="34" charset="0"/>
-                <a:cs typeface="Arial" panose="020B0604020202020204" pitchFamily="34" charset="0"/>
-              </a:rPr>
-              <a:t>Utilização de </a:t>
-            </a:r>
-            <a:r>
-              <a:rPr lang="pt-PT" sz="2000" dirty="0" err="1">
-                <a:latin typeface="Arial" panose="020B0604020202020204" pitchFamily="34" charset="0"/>
-                <a:cs typeface="Arial" panose="020B0604020202020204" pitchFamily="34" charset="0"/>
-              </a:rPr>
-              <a:t>PostgreSQL</a:t>
-            </a:r>
-            <a:r>
-              <a:rPr lang="pt-PT" sz="2000" dirty="0">
-                <a:latin typeface="Arial" panose="020B0604020202020204" pitchFamily="34" charset="0"/>
-                <a:cs typeface="Arial" panose="020B0604020202020204" pitchFamily="34" charset="0"/>
-              </a:rPr>
-              <a:t> para armazenamento de dados</a:t>
-            </a:r>
-          </a:p>
-          <a:p>
-            <a:pPr marL="342900" indent="-342900" algn="l">
-              <a:lnSpc>
-                <a:spcPct val="100000"/>
-              </a:lnSpc>
-              <a:buSzPct val="100000"/>
-              <a:buFont typeface="Tahoma" panose="020B0604030504040204" pitchFamily="34" charset="0"/>
-              <a:buChar char="●"/>
-            </a:pPr>
-            <a:r>
-              <a:rPr lang="pt-PT" sz="2000" dirty="0">
-                <a:latin typeface="Arial" panose="020B0604020202020204" pitchFamily="34" charset="0"/>
-                <a:cs typeface="Arial" panose="020B0604020202020204" pitchFamily="34" charset="0"/>
-              </a:rPr>
-              <a:t>Contém um estrutura modular para que a adição de novas funcionalidades seja simples</a:t>
-            </a:r>
-          </a:p>
-        </p:txBody>
-      </p:sp>
-      <p:sp>
-        <p:nvSpPr>
-          <p:cNvPr id="7" name="Google Shape;296;p37">
-            <a:extLst>
-              <a:ext uri="{FF2B5EF4-FFF2-40B4-BE49-F238E27FC236}">
-                <a16:creationId xmlns:a16="http://schemas.microsoft.com/office/drawing/2014/main" id="{3D7AB695-BD0C-4E75-8783-E697EBED0E05}"/>
-              </a:ext>
-            </a:extLst>
-          </p:cNvPr>
-          <p:cNvSpPr txBox="1">
-            <a:spLocks/>
-          </p:cNvSpPr>
-          <p:nvPr/>
-        </p:nvSpPr>
-        <p:spPr>
-          <a:xfrm>
-            <a:off x="593554" y="383132"/>
-            <a:ext cx="6885581" cy="631554"/>
-          </a:xfrm>
-          <a:prstGeom prst="rect">
-            <a:avLst/>
-          </a:prstGeom>
-          <a:noFill/>
-          <a:ln>
-            <a:noFill/>
-          </a:ln>
-        </p:spPr>
-        <p:txBody>
-          <a:bodyPr spcFirstLastPara="1" wrap="square" lIns="0" tIns="0" rIns="0" bIns="0" anchor="t" anchorCtr="0">
-            <a:noAutofit/>
-          </a:bodyPr>
-          <a:lstStyle>
-            <a:defPPr marR="0" lvl="0" algn="l" rtl="0">
-              <a:lnSpc>
-                <a:spcPct val="100000"/>
-              </a:lnSpc>
-              <a:spcBef>
-                <a:spcPts val="0"/>
-              </a:spcBef>
-              <a:spcAft>
-                <a:spcPts val="0"/>
-              </a:spcAft>
-            </a:defPPr>
-            <a:lvl1pPr marL="0" marR="0" lvl="0" indent="0" algn="l" rtl="0">
-              <a:lnSpc>
-                <a:spcPct val="90000"/>
-              </a:lnSpc>
-              <a:spcBef>
-                <a:spcPts val="0"/>
-              </a:spcBef>
-              <a:spcAft>
-                <a:spcPts val="0"/>
-              </a:spcAft>
-              <a:buClr>
-                <a:schemeClr val="dk2"/>
-              </a:buClr>
-              <a:buSzPts val="5200"/>
-              <a:buFont typeface="Commissioner"/>
-              <a:buNone/>
-              <a:defRPr sz="5000" b="0" i="0" u="none" strike="noStrike" cap="none">
-                <a:solidFill>
-                  <a:schemeClr val="dk2"/>
-                </a:solidFill>
-                <a:latin typeface="Commissioner ExtraBold"/>
-                <a:ea typeface="Commissioner ExtraBold"/>
-                <a:cs typeface="Commissioner ExtraBold"/>
-                <a:sym typeface="Commissioner ExtraBold"/>
-              </a:defRPr>
-            </a:lvl1pPr>
-            <a:lvl2pPr marR="0" lvl="1" algn="ctr" rtl="0">
-              <a:lnSpc>
-                <a:spcPct val="100000"/>
-              </a:lnSpc>
-              <a:spcBef>
-                <a:spcPts val="0"/>
-              </a:spcBef>
-              <a:spcAft>
-                <a:spcPts val="0"/>
-              </a:spcAft>
-              <a:buClr>
-                <a:schemeClr val="dk2"/>
-              </a:buClr>
-              <a:buSzPts val="5200"/>
-              <a:buFont typeface="Barlow SemiBold"/>
-              <a:buNone/>
-              <a:defRPr sz="5200" b="0" i="0" u="none" strike="noStrike" cap="none">
-                <a:solidFill>
-                  <a:schemeClr val="dk2"/>
-                </a:solidFill>
-                <a:latin typeface="Barlow SemiBold"/>
-                <a:ea typeface="Barlow SemiBold"/>
-                <a:cs typeface="Barlow SemiBold"/>
-                <a:sym typeface="Barlow SemiBold"/>
-              </a:defRPr>
-            </a:lvl2pPr>
-            <a:lvl3pPr marR="0" lvl="2" algn="ctr" rtl="0">
-              <a:lnSpc>
-                <a:spcPct val="100000"/>
-              </a:lnSpc>
-              <a:spcBef>
-                <a:spcPts val="0"/>
-              </a:spcBef>
-              <a:spcAft>
-                <a:spcPts val="0"/>
-              </a:spcAft>
-              <a:buClr>
-                <a:schemeClr val="dk2"/>
-              </a:buClr>
-              <a:buSzPts val="5200"/>
-              <a:buFont typeface="Barlow SemiBold"/>
-              <a:buNone/>
-              <a:defRPr sz="5200" b="0" i="0" u="none" strike="noStrike" cap="none">
-                <a:solidFill>
-                  <a:schemeClr val="dk2"/>
-                </a:solidFill>
-                <a:latin typeface="Barlow SemiBold"/>
-                <a:ea typeface="Barlow SemiBold"/>
-                <a:cs typeface="Barlow SemiBold"/>
-                <a:sym typeface="Barlow SemiBold"/>
-              </a:defRPr>
-            </a:lvl3pPr>
-            <a:lvl4pPr marR="0" lvl="3" algn="ctr" rtl="0">
-              <a:lnSpc>
-                <a:spcPct val="100000"/>
-              </a:lnSpc>
-              <a:spcBef>
-                <a:spcPts val="0"/>
-              </a:spcBef>
-              <a:spcAft>
-                <a:spcPts val="0"/>
-              </a:spcAft>
-              <a:buClr>
-                <a:schemeClr val="dk2"/>
-              </a:buClr>
-              <a:buSzPts val="5200"/>
-              <a:buFont typeface="Barlow SemiBold"/>
-              <a:buNone/>
-              <a:defRPr sz="5200" b="0" i="0" u="none" strike="noStrike" cap="none">
-                <a:solidFill>
-                  <a:schemeClr val="dk2"/>
-                </a:solidFill>
-                <a:latin typeface="Barlow SemiBold"/>
-                <a:ea typeface="Barlow SemiBold"/>
-                <a:cs typeface="Barlow SemiBold"/>
-                <a:sym typeface="Barlow SemiBold"/>
-              </a:defRPr>
-            </a:lvl4pPr>
-            <a:lvl5pPr marR="0" lvl="4" algn="ctr" rtl="0">
-              <a:lnSpc>
-                <a:spcPct val="100000"/>
-              </a:lnSpc>
-              <a:spcBef>
-                <a:spcPts val="0"/>
-              </a:spcBef>
-              <a:spcAft>
-                <a:spcPts val="0"/>
-              </a:spcAft>
-              <a:buClr>
-                <a:schemeClr val="dk2"/>
-              </a:buClr>
-              <a:buSzPts val="5200"/>
-              <a:buFont typeface="Barlow SemiBold"/>
-              <a:buNone/>
-              <a:defRPr sz="5200" b="0" i="0" u="none" strike="noStrike" cap="none">
-                <a:solidFill>
-                  <a:schemeClr val="dk2"/>
-                </a:solidFill>
-                <a:latin typeface="Barlow SemiBold"/>
-                <a:ea typeface="Barlow SemiBold"/>
-                <a:cs typeface="Barlow SemiBold"/>
-                <a:sym typeface="Barlow SemiBold"/>
-              </a:defRPr>
-            </a:lvl5pPr>
-            <a:lvl6pPr marR="0" lvl="5" algn="ctr" rtl="0">
-              <a:lnSpc>
-                <a:spcPct val="100000"/>
-              </a:lnSpc>
-              <a:spcBef>
-                <a:spcPts val="0"/>
-              </a:spcBef>
-              <a:spcAft>
-                <a:spcPts val="0"/>
-              </a:spcAft>
-              <a:buClr>
-                <a:schemeClr val="dk2"/>
-              </a:buClr>
-              <a:buSzPts val="5200"/>
-              <a:buFont typeface="Barlow SemiBold"/>
-              <a:buNone/>
-              <a:defRPr sz="5200" b="0" i="0" u="none" strike="noStrike" cap="none">
-                <a:solidFill>
-                  <a:schemeClr val="dk2"/>
-                </a:solidFill>
-                <a:latin typeface="Barlow SemiBold"/>
-                <a:ea typeface="Barlow SemiBold"/>
-                <a:cs typeface="Barlow SemiBold"/>
-                <a:sym typeface="Barlow SemiBold"/>
-              </a:defRPr>
-            </a:lvl6pPr>
-            <a:lvl7pPr marR="0" lvl="6" algn="ctr" rtl="0">
-              <a:lnSpc>
-                <a:spcPct val="100000"/>
-              </a:lnSpc>
-              <a:spcBef>
-                <a:spcPts val="0"/>
-              </a:spcBef>
-              <a:spcAft>
-                <a:spcPts val="0"/>
-              </a:spcAft>
-              <a:buClr>
-                <a:schemeClr val="dk2"/>
-              </a:buClr>
-              <a:buSzPts val="5200"/>
-              <a:buFont typeface="Barlow SemiBold"/>
-              <a:buNone/>
-              <a:defRPr sz="5200" b="0" i="0" u="none" strike="noStrike" cap="none">
-                <a:solidFill>
-                  <a:schemeClr val="dk2"/>
-                </a:solidFill>
-                <a:latin typeface="Barlow SemiBold"/>
-                <a:ea typeface="Barlow SemiBold"/>
-                <a:cs typeface="Barlow SemiBold"/>
-                <a:sym typeface="Barlow SemiBold"/>
-              </a:defRPr>
-            </a:lvl7pPr>
-            <a:lvl8pPr marR="0" lvl="7" algn="ctr" rtl="0">
-              <a:lnSpc>
-                <a:spcPct val="100000"/>
-              </a:lnSpc>
-              <a:spcBef>
-                <a:spcPts val="0"/>
-              </a:spcBef>
-              <a:spcAft>
-                <a:spcPts val="0"/>
-              </a:spcAft>
-              <a:buClr>
-                <a:schemeClr val="dk2"/>
-              </a:buClr>
-              <a:buSzPts val="5200"/>
-              <a:buFont typeface="Barlow SemiBold"/>
-              <a:buNone/>
-              <a:defRPr sz="5200" b="0" i="0" u="none" strike="noStrike" cap="none">
-                <a:solidFill>
-                  <a:schemeClr val="dk2"/>
-                </a:solidFill>
-                <a:latin typeface="Barlow SemiBold"/>
-                <a:ea typeface="Barlow SemiBold"/>
-                <a:cs typeface="Barlow SemiBold"/>
-                <a:sym typeface="Barlow SemiBold"/>
-              </a:defRPr>
-            </a:lvl8pPr>
-            <a:lvl9pPr marR="0" lvl="8" algn="ctr" rtl="0">
-              <a:lnSpc>
-                <a:spcPct val="100000"/>
-              </a:lnSpc>
-              <a:spcBef>
-                <a:spcPts val="0"/>
-              </a:spcBef>
-              <a:spcAft>
-                <a:spcPts val="0"/>
-              </a:spcAft>
-              <a:buClr>
-                <a:schemeClr val="dk2"/>
-              </a:buClr>
-              <a:buSzPts val="5200"/>
-              <a:buFont typeface="Barlow SemiBold"/>
-              <a:buNone/>
-              <a:defRPr sz="5200" b="0" i="0" u="none" strike="noStrike" cap="none">
-                <a:solidFill>
-                  <a:schemeClr val="dk2"/>
-                </a:solidFill>
-                <a:latin typeface="Barlow SemiBold"/>
-                <a:ea typeface="Barlow SemiBold"/>
-                <a:cs typeface="Barlow SemiBold"/>
-                <a:sym typeface="Barlow SemiBold"/>
-              </a:defRPr>
-            </a:lvl9pPr>
-          </a:lstStyle>
-          <a:p>
-            <a:pPr marL="0" marR="0" lvl="0" indent="0" algn="l" defTabSz="914400" rtl="0" eaLnBrk="1" fontAlgn="auto" latinLnBrk="0" hangingPunct="1">
-              <a:lnSpc>
-                <a:spcPct val="90000"/>
-              </a:lnSpc>
-              <a:spcBef>
-                <a:spcPts val="0"/>
-              </a:spcBef>
-              <a:spcAft>
-                <a:spcPts val="0"/>
-              </a:spcAft>
-              <a:buClr>
-                <a:srgbClr val="164A4A"/>
-              </a:buClr>
-              <a:buSzPts val="5200"/>
-              <a:buFont typeface="Commissioner"/>
-              <a:buNone/>
-              <a:tabLst/>
-              <a:defRPr/>
-            </a:pPr>
-            <a:r>
-              <a:rPr kumimoji="0" lang="en-US" sz="5000" b="1" i="0" u="none" strike="noStrike" kern="0" cap="none" spc="0" normalizeH="0" baseline="0" noProof="0" dirty="0" err="1">
-                <a:ln>
-                  <a:noFill/>
-                </a:ln>
-                <a:solidFill>
-                  <a:srgbClr val="3D4D55"/>
-                </a:solidFill>
-                <a:effectLst/>
-                <a:uLnTx/>
-                <a:uFillTx/>
-                <a:latin typeface="Arial" panose="020B0604020202020204" pitchFamily="34" charset="0"/>
-                <a:cs typeface="Arial" panose="020B0604020202020204" pitchFamily="34" charset="0"/>
-                <a:sym typeface="Commissioner ExtraBold"/>
-              </a:rPr>
-              <a:t>Aplicação</a:t>
-            </a:r>
-            <a:r>
-              <a:rPr kumimoji="0" lang="en-US" sz="5000" b="1" i="0" u="none" strike="noStrike" kern="0" cap="none" spc="0" normalizeH="0" baseline="0" noProof="0" dirty="0">
-                <a:ln>
-                  <a:noFill/>
-                </a:ln>
-                <a:solidFill>
-                  <a:srgbClr val="3D4D55"/>
-                </a:solidFill>
-                <a:effectLst/>
-                <a:uLnTx/>
-                <a:uFillTx/>
-                <a:latin typeface="Arial" panose="020B0604020202020204" pitchFamily="34" charset="0"/>
-                <a:cs typeface="Arial" panose="020B0604020202020204" pitchFamily="34" charset="0"/>
-                <a:sym typeface="Commissioner ExtraBold"/>
-              </a:rPr>
-              <a:t> </a:t>
-            </a:r>
-            <a:r>
-              <a:rPr kumimoji="0" lang="en-US" sz="5000" b="1" i="0" u="none" strike="noStrike" kern="0" cap="none" spc="0" normalizeH="0" baseline="0" noProof="0" dirty="0" err="1">
-                <a:ln>
-                  <a:noFill/>
-                </a:ln>
-                <a:solidFill>
-                  <a:srgbClr val="3D4D55"/>
-                </a:solidFill>
-                <a:effectLst/>
-                <a:uLnTx/>
-                <a:uFillTx/>
-                <a:latin typeface="Arial" panose="020B0604020202020204" pitchFamily="34" charset="0"/>
-                <a:cs typeface="Arial" panose="020B0604020202020204" pitchFamily="34" charset="0"/>
-                <a:sym typeface="Commissioner ExtraBold"/>
-              </a:rPr>
-              <a:t>Servidora</a:t>
-            </a:r>
-            <a:endParaRPr kumimoji="0" lang="en-US" sz="5000" b="1" i="0" u="none" strike="noStrike" kern="0" cap="none" spc="0" normalizeH="0" baseline="0" noProof="0" dirty="0">
-              <a:ln>
-                <a:noFill/>
-              </a:ln>
-              <a:solidFill>
-                <a:srgbClr val="3D4D55"/>
-              </a:solidFill>
-              <a:effectLst/>
-              <a:uLnTx/>
-              <a:uFillTx/>
-              <a:latin typeface="Arial" panose="020B0604020202020204" pitchFamily="34" charset="0"/>
-              <a:cs typeface="Arial" panose="020B0604020202020204" pitchFamily="34" charset="0"/>
-              <a:sym typeface="Commissioner ExtraBold"/>
-            </a:endParaRPr>
-          </a:p>
-        </p:txBody>
-      </p:sp>
-      <p:sp>
-        <p:nvSpPr>
-          <p:cNvPr id="9" name="Google Shape;1460;p74">
-            <a:extLst>
-              <a:ext uri="{FF2B5EF4-FFF2-40B4-BE49-F238E27FC236}">
-                <a16:creationId xmlns:a16="http://schemas.microsoft.com/office/drawing/2014/main" id="{D1F998ED-C0F8-F98C-374B-0151B38AD950}"/>
-              </a:ext>
-            </a:extLst>
-          </p:cNvPr>
-          <p:cNvSpPr/>
-          <p:nvPr/>
-        </p:nvSpPr>
-        <p:spPr>
-          <a:xfrm>
-            <a:off x="8872199" y="-179614"/>
-            <a:ext cx="3472201" cy="3722914"/>
-          </a:xfrm>
-          <a:custGeom>
-            <a:avLst/>
-            <a:gdLst/>
-            <a:ahLst/>
-            <a:cxnLst/>
-            <a:rect l="l" t="t" r="r" b="b"/>
-            <a:pathLst>
-              <a:path w="146265" h="156112" extrusionOk="0">
-                <a:moveTo>
-                  <a:pt x="5411" y="0"/>
-                </a:moveTo>
-                <a:cubicBezTo>
-                  <a:pt x="5411" y="0"/>
-                  <a:pt x="1" y="28329"/>
-                  <a:pt x="20548" y="36870"/>
-                </a:cubicBezTo>
-                <a:cubicBezTo>
-                  <a:pt x="24058" y="38329"/>
-                  <a:pt x="27694" y="38893"/>
-                  <a:pt x="31373" y="38893"/>
-                </a:cubicBezTo>
-                <a:cubicBezTo>
-                  <a:pt x="43912" y="38893"/>
-                  <a:pt x="56943" y="32338"/>
-                  <a:pt x="67152" y="32338"/>
-                </a:cubicBezTo>
-                <a:cubicBezTo>
-                  <a:pt x="71479" y="32338"/>
-                  <a:pt x="75300" y="33516"/>
-                  <a:pt x="78361" y="36870"/>
-                </a:cubicBezTo>
-                <a:cubicBezTo>
-                  <a:pt x="90793" y="50426"/>
-                  <a:pt x="72190" y="65958"/>
-                  <a:pt x="96993" y="74500"/>
-                </a:cubicBezTo>
-                <a:cubicBezTo>
-                  <a:pt x="105899" y="77600"/>
-                  <a:pt x="114015" y="83740"/>
-                  <a:pt x="115717" y="93497"/>
-                </a:cubicBezTo>
-                <a:cubicBezTo>
-                  <a:pt x="117814" y="105503"/>
-                  <a:pt x="109060" y="112403"/>
-                  <a:pt x="105504" y="122646"/>
-                </a:cubicBezTo>
-                <a:cubicBezTo>
-                  <a:pt x="103559" y="128148"/>
-                  <a:pt x="104744" y="135078"/>
-                  <a:pt x="107024" y="140245"/>
-                </a:cubicBezTo>
-                <a:cubicBezTo>
-                  <a:pt x="109699" y="146294"/>
-                  <a:pt x="114501" y="151218"/>
-                  <a:pt x="120580" y="153832"/>
-                </a:cubicBezTo>
-                <a:cubicBezTo>
-                  <a:pt x="124167" y="155413"/>
-                  <a:pt x="128027" y="156081"/>
-                  <a:pt x="131918" y="156112"/>
-                </a:cubicBezTo>
-                <a:cubicBezTo>
-                  <a:pt x="133438" y="156112"/>
-                  <a:pt x="146265" y="155200"/>
-                  <a:pt x="146265" y="153650"/>
-                </a:cubicBezTo>
-                <a:lnTo>
-                  <a:pt x="146265" y="0"/>
-                </a:lnTo>
-                <a:close/>
-              </a:path>
-            </a:pathLst>
-          </a:custGeom>
-          <a:solidFill>
-            <a:srgbClr val="ACDBD3"/>
-          </a:solidFill>
-          <a:ln>
-            <a:noFill/>
-          </a:ln>
-        </p:spPr>
-        <p:txBody>
-          <a:bodyPr spcFirstLastPara="1" wrap="square" lIns="91425" tIns="91425" rIns="91425" bIns="91425" anchor="ctr" anchorCtr="0">
-            <a:noAutofit/>
-          </a:bodyPr>
-          <a:lstStyle/>
-          <a:p>
-            <a:pPr marL="0" marR="0" lvl="0" indent="0" defTabSz="914400" eaLnBrk="1" fontAlgn="auto" latinLnBrk="0" hangingPunct="1">
-              <a:lnSpc>
-                <a:spcPct val="100000"/>
-              </a:lnSpc>
-              <a:spcBef>
-                <a:spcPts val="0"/>
-              </a:spcBef>
-              <a:spcAft>
-                <a:spcPts val="0"/>
-              </a:spcAft>
-              <a:buClr>
-                <a:srgbClr val="000000"/>
-              </a:buClr>
-              <a:buSzTx/>
-              <a:buFont typeface="Arial"/>
-              <a:buNone/>
-              <a:tabLst/>
-              <a:defRPr/>
-            </a:pPr>
-            <a:endParaRPr kumimoji="0" sz="1400" b="0" i="0" u="none" strike="noStrike" kern="0" cap="none" spc="0" normalizeH="0" baseline="0" noProof="0">
-              <a:ln>
-                <a:noFill/>
-              </a:ln>
-              <a:solidFill>
-                <a:srgbClr val="000000"/>
-              </a:solidFill>
-              <a:effectLst/>
-              <a:uLnTx/>
-              <a:uFillTx/>
-              <a:latin typeface="Arial"/>
-              <a:cs typeface="Arial"/>
-              <a:sym typeface="Arial"/>
-            </a:endParaRPr>
-          </a:p>
-        </p:txBody>
-      </p:sp>
-      <p:sp>
-        <p:nvSpPr>
-          <p:cNvPr id="11" name="Google Shape;1457;p74">
-            <a:extLst>
-              <a:ext uri="{FF2B5EF4-FFF2-40B4-BE49-F238E27FC236}">
-                <a16:creationId xmlns:a16="http://schemas.microsoft.com/office/drawing/2014/main" id="{D5B91189-D1FE-9273-BC8A-9C82DECCA2E3}"/>
-              </a:ext>
-            </a:extLst>
-          </p:cNvPr>
-          <p:cNvSpPr/>
-          <p:nvPr/>
-        </p:nvSpPr>
-        <p:spPr>
-          <a:xfrm rot="10191456">
-            <a:off x="10056522" y="580606"/>
-            <a:ext cx="2411496" cy="1900868"/>
-          </a:xfrm>
-          <a:custGeom>
-            <a:avLst/>
-            <a:gdLst/>
-            <a:ahLst/>
-            <a:cxnLst/>
-            <a:rect l="l" t="t" r="r" b="b"/>
-            <a:pathLst>
-              <a:path w="39363" h="31028" extrusionOk="0">
-                <a:moveTo>
-                  <a:pt x="21078" y="1"/>
-                </a:moveTo>
-                <a:cubicBezTo>
-                  <a:pt x="18634" y="1"/>
-                  <a:pt x="16478" y="1773"/>
-                  <a:pt x="15979" y="4271"/>
-                </a:cubicBezTo>
-                <a:cubicBezTo>
-                  <a:pt x="15946" y="4537"/>
-                  <a:pt x="15912" y="4838"/>
-                  <a:pt x="15912" y="5104"/>
-                </a:cubicBezTo>
-                <a:lnTo>
-                  <a:pt x="15912" y="5305"/>
-                </a:lnTo>
-                <a:cubicBezTo>
-                  <a:pt x="15846" y="6272"/>
-                  <a:pt x="15379" y="10008"/>
-                  <a:pt x="9708" y="11342"/>
-                </a:cubicBezTo>
-                <a:cubicBezTo>
-                  <a:pt x="5438" y="11776"/>
-                  <a:pt x="1802" y="14945"/>
-                  <a:pt x="1002" y="19348"/>
-                </a:cubicBezTo>
-                <a:cubicBezTo>
-                  <a:pt x="1" y="24685"/>
-                  <a:pt x="3570" y="29856"/>
-                  <a:pt x="8907" y="30856"/>
-                </a:cubicBezTo>
-                <a:cubicBezTo>
-                  <a:pt x="9518" y="30972"/>
-                  <a:pt x="10126" y="31028"/>
-                  <a:pt x="10725" y="31028"/>
-                </a:cubicBezTo>
-                <a:cubicBezTo>
-                  <a:pt x="13752" y="31028"/>
-                  <a:pt x="16548" y="29604"/>
-                  <a:pt x="18414" y="27320"/>
-                </a:cubicBezTo>
-                <a:cubicBezTo>
-                  <a:pt x="19014" y="26520"/>
-                  <a:pt x="19515" y="25653"/>
-                  <a:pt x="19915" y="24685"/>
-                </a:cubicBezTo>
-                <a:cubicBezTo>
-                  <a:pt x="21857" y="21834"/>
-                  <a:pt x="25742" y="17659"/>
-                  <a:pt x="31816" y="17659"/>
-                </a:cubicBezTo>
-                <a:cubicBezTo>
-                  <a:pt x="32210" y="17659"/>
-                  <a:pt x="32613" y="17677"/>
-                  <a:pt x="33024" y="17714"/>
-                </a:cubicBezTo>
-                <a:cubicBezTo>
-                  <a:pt x="33258" y="17780"/>
-                  <a:pt x="33425" y="17847"/>
-                  <a:pt x="33625" y="17880"/>
-                </a:cubicBezTo>
-                <a:cubicBezTo>
-                  <a:pt x="33909" y="17934"/>
-                  <a:pt x="34192" y="17960"/>
-                  <a:pt x="34471" y="17960"/>
-                </a:cubicBezTo>
-                <a:cubicBezTo>
-                  <a:pt x="36614" y="17960"/>
-                  <a:pt x="38515" y="16432"/>
-                  <a:pt x="38929" y="14278"/>
-                </a:cubicBezTo>
-                <a:cubicBezTo>
-                  <a:pt x="39362" y="11809"/>
-                  <a:pt x="37761" y="9441"/>
-                  <a:pt x="35293" y="8974"/>
-                </a:cubicBezTo>
-                <a:cubicBezTo>
-                  <a:pt x="34999" y="8913"/>
-                  <a:pt x="34710" y="8883"/>
-                  <a:pt x="34425" y="8883"/>
-                </a:cubicBezTo>
-                <a:cubicBezTo>
-                  <a:pt x="33934" y="8883"/>
-                  <a:pt x="33456" y="8972"/>
-                  <a:pt x="32991" y="9141"/>
-                </a:cubicBezTo>
-                <a:cubicBezTo>
-                  <a:pt x="32529" y="9216"/>
-                  <a:pt x="31929" y="9288"/>
-                  <a:pt x="31278" y="9288"/>
-                </a:cubicBezTo>
-                <a:cubicBezTo>
-                  <a:pt x="29341" y="9288"/>
-                  <a:pt x="26944" y="8658"/>
-                  <a:pt x="26320" y="5638"/>
-                </a:cubicBezTo>
-                <a:cubicBezTo>
-                  <a:pt x="26587" y="3103"/>
-                  <a:pt x="24785" y="601"/>
-                  <a:pt x="22083" y="101"/>
-                </a:cubicBezTo>
-                <a:cubicBezTo>
-                  <a:pt x="21745" y="33"/>
-                  <a:pt x="21409" y="1"/>
-                  <a:pt x="21078" y="1"/>
-                </a:cubicBezTo>
-                <a:close/>
-              </a:path>
-            </a:pathLst>
-          </a:custGeom>
-          <a:solidFill>
-            <a:srgbClr val="3F4853"/>
-          </a:solidFill>
-          <a:ln>
-            <a:noFill/>
-          </a:ln>
-        </p:spPr>
-        <p:txBody>
-          <a:bodyPr spcFirstLastPara="1" wrap="square" lIns="91425" tIns="91425" rIns="91425" bIns="91425" anchor="ctr" anchorCtr="0">
-            <a:noAutofit/>
-          </a:bodyPr>
-          <a:lstStyle/>
-          <a:p>
-            <a:pPr marL="0" marR="0" lvl="0" indent="0" defTabSz="914400" eaLnBrk="1" fontAlgn="auto" latinLnBrk="0" hangingPunct="1">
-              <a:lnSpc>
-                <a:spcPct val="100000"/>
-              </a:lnSpc>
-              <a:spcBef>
-                <a:spcPts val="0"/>
-              </a:spcBef>
-              <a:spcAft>
-                <a:spcPts val="0"/>
-              </a:spcAft>
-              <a:buClr>
-                <a:srgbClr val="000000"/>
-              </a:buClr>
-              <a:buSzTx/>
-              <a:buFont typeface="Arial"/>
-              <a:buNone/>
-              <a:tabLst/>
-              <a:defRPr/>
-            </a:pPr>
-            <a:endParaRPr kumimoji="0" sz="1400" b="0" i="0" u="none" strike="noStrike" kern="0" cap="none" spc="0" normalizeH="0" baseline="0" noProof="0">
-              <a:ln>
-                <a:noFill/>
-              </a:ln>
-              <a:solidFill>
-                <a:srgbClr val="000000"/>
-              </a:solidFill>
-              <a:effectLst/>
-              <a:uLnTx/>
-              <a:uFillTx/>
-              <a:latin typeface="Arial"/>
-              <a:cs typeface="Arial"/>
-              <a:sym typeface="Arial"/>
-            </a:endParaRPr>
-          </a:p>
-        </p:txBody>
-      </p:sp>
-      <p:sp>
-        <p:nvSpPr>
-          <p:cNvPr id="13" name="Google Shape;1463;p74">
-            <a:extLst>
-              <a:ext uri="{FF2B5EF4-FFF2-40B4-BE49-F238E27FC236}">
-                <a16:creationId xmlns:a16="http://schemas.microsoft.com/office/drawing/2014/main" id="{9FBE7827-AFF9-E943-D4D6-469993A3A5E2}"/>
-              </a:ext>
-            </a:extLst>
-          </p:cNvPr>
-          <p:cNvSpPr/>
-          <p:nvPr/>
-        </p:nvSpPr>
-        <p:spPr>
-          <a:xfrm rot="18140219">
-            <a:off x="8441112" y="4410166"/>
-            <a:ext cx="3874663" cy="3662248"/>
-          </a:xfrm>
-          <a:custGeom>
-            <a:avLst/>
-            <a:gdLst/>
-            <a:ahLst/>
-            <a:cxnLst/>
-            <a:rect l="l" t="t" r="r" b="b"/>
-            <a:pathLst>
-              <a:path w="119881" h="113309" extrusionOk="0">
-                <a:moveTo>
-                  <a:pt x="20594" y="1"/>
-                </a:moveTo>
-                <a:cubicBezTo>
-                  <a:pt x="16552" y="1"/>
-                  <a:pt x="12368" y="1147"/>
-                  <a:pt x="9149" y="2790"/>
-                </a:cubicBezTo>
-                <a:cubicBezTo>
-                  <a:pt x="5471" y="4675"/>
-                  <a:pt x="1915" y="7836"/>
-                  <a:pt x="0" y="11605"/>
-                </a:cubicBezTo>
-                <a:lnTo>
-                  <a:pt x="0" y="113308"/>
-                </a:lnTo>
-                <a:lnTo>
-                  <a:pt x="117935" y="113308"/>
-                </a:lnTo>
-                <a:cubicBezTo>
-                  <a:pt x="117935" y="113308"/>
-                  <a:pt x="119881" y="98901"/>
-                  <a:pt x="102008" y="94250"/>
-                </a:cubicBezTo>
-                <a:cubicBezTo>
-                  <a:pt x="89485" y="90968"/>
-                  <a:pt x="95139" y="77472"/>
-                  <a:pt x="92190" y="68141"/>
-                </a:cubicBezTo>
-                <a:cubicBezTo>
-                  <a:pt x="88773" y="57366"/>
-                  <a:pt x="78869" y="50808"/>
-                  <a:pt x="68440" y="50808"/>
-                </a:cubicBezTo>
-                <a:cubicBezTo>
-                  <a:pt x="64953" y="50808"/>
-                  <a:pt x="61407" y="51541"/>
-                  <a:pt x="58025" y="53095"/>
-                </a:cubicBezTo>
-                <a:cubicBezTo>
-                  <a:pt x="53166" y="55347"/>
-                  <a:pt x="45940" y="60409"/>
-                  <a:pt x="39678" y="60409"/>
-                </a:cubicBezTo>
-                <a:cubicBezTo>
-                  <a:pt x="37911" y="60409"/>
-                  <a:pt x="36220" y="60005"/>
-                  <a:pt x="34681" y="59022"/>
-                </a:cubicBezTo>
-                <a:cubicBezTo>
-                  <a:pt x="26323" y="53703"/>
-                  <a:pt x="32341" y="38991"/>
-                  <a:pt x="33770" y="31635"/>
-                </a:cubicBezTo>
-                <a:cubicBezTo>
-                  <a:pt x="35381" y="23459"/>
-                  <a:pt x="36900" y="14249"/>
-                  <a:pt x="32858" y="6498"/>
-                </a:cubicBezTo>
-                <a:cubicBezTo>
-                  <a:pt x="30386" y="1757"/>
-                  <a:pt x="25599" y="1"/>
-                  <a:pt x="20594" y="1"/>
-                </a:cubicBezTo>
-                <a:close/>
-              </a:path>
-            </a:pathLst>
-          </a:custGeom>
-          <a:noFill/>
-          <a:ln>
-            <a:solidFill>
-              <a:srgbClr val="3D4D55"/>
-            </a:solidFill>
-          </a:ln>
-        </p:spPr>
-        <p:txBody>
-          <a:bodyPr spcFirstLastPara="1" wrap="square" lIns="91425" tIns="91425" rIns="91425" bIns="91425" anchor="ctr" anchorCtr="0">
-            <a:noAutofit/>
-          </a:bodyPr>
-          <a:lstStyle/>
-          <a:p>
-            <a:pPr marL="0" marR="0" lvl="0" indent="0" defTabSz="914400" eaLnBrk="1" fontAlgn="auto" latinLnBrk="0" hangingPunct="1">
-              <a:lnSpc>
-                <a:spcPct val="100000"/>
-              </a:lnSpc>
-              <a:spcBef>
-                <a:spcPts val="0"/>
-              </a:spcBef>
-              <a:spcAft>
-                <a:spcPts val="0"/>
-              </a:spcAft>
-              <a:buClr>
-                <a:srgbClr val="000000"/>
-              </a:buClr>
-              <a:buSzTx/>
-              <a:buFont typeface="Arial"/>
-              <a:buNone/>
-              <a:tabLst/>
-              <a:defRPr/>
-            </a:pPr>
-            <a:endParaRPr kumimoji="0" sz="1400" b="0" i="0" u="none" strike="noStrike" kern="0" cap="none" spc="0" normalizeH="0" baseline="0" noProof="0">
-              <a:ln>
-                <a:noFill/>
-              </a:ln>
-              <a:solidFill>
-                <a:srgbClr val="000000"/>
-              </a:solidFill>
-              <a:effectLst/>
-              <a:uLnTx/>
-              <a:uFillTx/>
-              <a:latin typeface="Arial"/>
-              <a:cs typeface="Arial"/>
-              <a:sym typeface="Arial"/>
-            </a:endParaRPr>
-          </a:p>
-        </p:txBody>
-      </p:sp>
-      <p:sp>
-        <p:nvSpPr>
-          <p:cNvPr id="2" name="Slide Number Placeholder 1">
-            <a:extLst>
-              <a:ext uri="{FF2B5EF4-FFF2-40B4-BE49-F238E27FC236}">
-                <a16:creationId xmlns:a16="http://schemas.microsoft.com/office/drawing/2014/main" id="{41C6F999-F5AE-2F2D-2A38-E186FBF76BA3}"/>
-              </a:ext>
-            </a:extLst>
-          </p:cNvPr>
-          <p:cNvSpPr>
-            <a:spLocks noGrp="1"/>
-          </p:cNvSpPr>
-          <p:nvPr>
-            <p:ph type="sldNum" sz="quarter" idx="12"/>
-          </p:nvPr>
-        </p:nvSpPr>
-        <p:spPr/>
-        <p:txBody>
-          <a:bodyPr/>
-          <a:lstStyle/>
-          <a:p>
-            <a:fld id="{834E4636-1AC7-4593-8425-9A7E3B693646}" type="slidenum">
-              <a:rPr lang="pt-PT" smtClean="0"/>
-              <a:t>8</a:t>
-            </a:fld>
-            <a:endParaRPr lang="pt-PT"/>
-          </a:p>
-        </p:txBody>
-      </p:sp>
-    </p:spTree>
-    <p:extLst>
-      <p:ext uri="{BB962C8B-B14F-4D97-AF65-F5344CB8AC3E}">
-        <p14:creationId xmlns:p14="http://schemas.microsoft.com/office/powerpoint/2010/main" val="2657622565"/>
       </p:ext>
     </p:extLst>
   </p:cSld>
@@ -21283,7 +19762,7 @@
         <p:spPr>
           <a:xfrm>
             <a:off x="593554" y="1256732"/>
-            <a:ext cx="8710103" cy="4736420"/>
+            <a:ext cx="10464517" cy="4736420"/>
           </a:xfrm>
         </p:spPr>
         <p:txBody>
@@ -21305,14 +19784,14 @@
                 <a:latin typeface="Arial" panose="020B0604020202020204" pitchFamily="34" charset="0"/>
                 <a:cs typeface="Arial" panose="020B0604020202020204" pitchFamily="34" charset="0"/>
               </a:rPr>
-              <a:t>Realizado com o </a:t>
+              <a:t>Single </a:t>
             </a:r>
             <a:r>
               <a:rPr lang="pt-PT" sz="2000" dirty="0" err="1">
                 <a:latin typeface="Arial" panose="020B0604020202020204" pitchFamily="34" charset="0"/>
                 <a:cs typeface="Arial" panose="020B0604020202020204" pitchFamily="34" charset="0"/>
               </a:rPr>
-              <a:t>middleware</a:t>
+              <a:t>Page</a:t>
             </a:r>
             <a:r>
               <a:rPr lang="pt-PT" sz="2000" dirty="0">
@@ -21326,7 +19805,7 @@
                 <a:latin typeface="Arial" panose="020B0604020202020204" pitchFamily="34" charset="0"/>
                 <a:cs typeface="Arial" panose="020B0604020202020204" pitchFamily="34" charset="0"/>
               </a:rPr>
-              <a:t>PassportJs</a:t>
+              <a:t>Application</a:t>
             </a:r>
             <a:endParaRPr lang="pt-PT" sz="2000" dirty="0">
               <a:latin typeface="Arial" panose="020B0604020202020204" pitchFamily="34" charset="0"/>
@@ -21347,8 +19826,19 @@
                 <a:latin typeface="Arial" panose="020B0604020202020204" pitchFamily="34" charset="0"/>
                 <a:cs typeface="Arial" panose="020B0604020202020204" pitchFamily="34" charset="0"/>
               </a:rPr>
-              <a:t>Implementa uma estratégia local baseada em username e password</a:t>
+              <a:t>Desenvolvido com </a:t>
             </a:r>
+            <a:r>
+              <a:rPr lang="pt-PT" sz="2000" dirty="0" err="1">
+                <a:latin typeface="Arial" panose="020B0604020202020204" pitchFamily="34" charset="0"/>
+                <a:cs typeface="Arial" panose="020B0604020202020204" pitchFamily="34" charset="0"/>
+              </a:rPr>
+              <a:t>React</a:t>
+            </a:r>
+            <a:endParaRPr lang="pt-PT" sz="2000" dirty="0">
+              <a:latin typeface="Arial" panose="020B0604020202020204" pitchFamily="34" charset="0"/>
+              <a:cs typeface="Arial" panose="020B0604020202020204" pitchFamily="34" charset="0"/>
+            </a:endParaRPr>
           </a:p>
           <a:p>
             <a:pPr marL="342900" indent="-342900" algn="l">
@@ -21364,19 +19854,32 @@
                 <a:latin typeface="Arial" panose="020B0604020202020204" pitchFamily="34" charset="0"/>
                 <a:cs typeface="Arial" panose="020B0604020202020204" pitchFamily="34" charset="0"/>
               </a:rPr>
-              <a:t>Autenticação guardada na </a:t>
+              <a:t>Roteamento da parte do cliente</a:t>
             </a:r>
+          </a:p>
+          <a:p>
+            <a:pPr marL="800100" lvl="1" indent="-342900" algn="l">
+              <a:lnSpc>
+                <a:spcPct val="100000"/>
+              </a:lnSpc>
+              <a:buSzPct val="100000"/>
+              <a:buFont typeface="Wingdings" panose="05000000000000000000" pitchFamily="2" charset="2"/>
+              <a:buChar char="§"/>
+            </a:pPr>
             <a:r>
-              <a:rPr lang="pt-PT" sz="2000" dirty="0" err="1">
+              <a:rPr lang="pt-PT" dirty="0" err="1">
                 <a:latin typeface="Arial" panose="020B0604020202020204" pitchFamily="34" charset="0"/>
                 <a:cs typeface="Arial" panose="020B0604020202020204" pitchFamily="34" charset="0"/>
               </a:rPr>
-              <a:t>session</a:t>
+              <a:t>React</a:t>
             </a:r>
-            <a:endParaRPr lang="pt-PT" sz="2000" dirty="0">
-              <a:latin typeface="Arial" panose="020B0604020202020204" pitchFamily="34" charset="0"/>
-              <a:cs typeface="Arial" panose="020B0604020202020204" pitchFamily="34" charset="0"/>
-            </a:endParaRPr>
+            <a:r>
+              <a:rPr lang="pt-PT" dirty="0">
+                <a:latin typeface="Arial" panose="020B0604020202020204" pitchFamily="34" charset="0"/>
+                <a:cs typeface="Arial" panose="020B0604020202020204" pitchFamily="34" charset="0"/>
+              </a:rPr>
+              <a:t>-Router v6</a:t>
+            </a:r>
           </a:p>
           <a:p>
             <a:pPr marL="342900" indent="-342900" algn="l">
@@ -21392,7 +19895,7 @@
                 <a:latin typeface="Arial" panose="020B0604020202020204" pitchFamily="34" charset="0"/>
                 <a:cs typeface="Arial" panose="020B0604020202020204" pitchFamily="34" charset="0"/>
               </a:rPr>
-              <a:t>Diferentes membros têm diferentes autorizações, consoante o seu papel no clube e a sua relação com a administração</a:t>
+              <a:t>CSR (Client Side Rendering)</a:t>
             </a:r>
           </a:p>
           <a:p>
@@ -21409,7 +19912,24 @@
                 <a:latin typeface="Arial" panose="020B0604020202020204" pitchFamily="34" charset="0"/>
                 <a:cs typeface="Arial" panose="020B0604020202020204" pitchFamily="34" charset="0"/>
               </a:rPr>
-              <a:t>Administradores têm permissão para aceder a todos os endpoints</a:t>
+              <a:t>Aplicação responsiva</a:t>
+            </a:r>
+          </a:p>
+          <a:p>
+            <a:pPr marL="800100" lvl="1" indent="-342900" algn="l">
+              <a:lnSpc>
+                <a:spcPct val="100000"/>
+              </a:lnSpc>
+              <a:buSzPct val="100000"/>
+              <a:buFont typeface="Wingdings" panose="05000000000000000000" pitchFamily="2" charset="2"/>
+              <a:buChar char="§"/>
+            </a:pPr>
+            <a:r>
+              <a:rPr lang="pt-PT" dirty="0">
+                <a:latin typeface="Arial" panose="020B0604020202020204" pitchFamily="34" charset="0"/>
+                <a:cs typeface="Arial" panose="020B0604020202020204" pitchFamily="34" charset="0"/>
+              </a:rPr>
+              <a:t>Utiliza a framework Material-UI</a:t>
             </a:r>
           </a:p>
           <a:p>
@@ -21426,8 +19946,92 @@
                 <a:latin typeface="Arial" panose="020B0604020202020204" pitchFamily="34" charset="0"/>
                 <a:cs typeface="Arial" panose="020B0604020202020204" pitchFamily="34" charset="0"/>
               </a:rPr>
-              <a:t>Membros não administrativos, podem apenas aceder aos endpoints relacionados com eles próprios </a:t>
+              <a:t>UI dinâmico</a:t>
             </a:r>
+          </a:p>
+          <a:p>
+            <a:pPr marL="742950" lvl="1" indent="-285750" algn="l">
+              <a:lnSpc>
+                <a:spcPct val="100000"/>
+              </a:lnSpc>
+              <a:buSzPct val="100000"/>
+              <a:buFont typeface="Wingdings" panose="05000000000000000000" pitchFamily="2" charset="2"/>
+              <a:buChar char="§"/>
+            </a:pPr>
+            <a:r>
+              <a:rPr lang="pt-PT" dirty="0">
+                <a:latin typeface="Arial" panose="020B0604020202020204" pitchFamily="34" charset="0"/>
+                <a:cs typeface="Arial" panose="020B0604020202020204" pitchFamily="34" charset="0"/>
+              </a:rPr>
+              <a:t>Vistas acessíveis consoante o tipo e papel no clube</a:t>
+            </a:r>
+            <a:endParaRPr lang="pt-PT" sz="1600" dirty="0">
+              <a:latin typeface="Arial" panose="020B0604020202020204" pitchFamily="34" charset="0"/>
+              <a:cs typeface="Arial" panose="020B0604020202020204" pitchFamily="34" charset="0"/>
+            </a:endParaRPr>
+          </a:p>
+          <a:p>
+            <a:pPr marL="342900" indent="-342900" algn="l">
+              <a:lnSpc>
+                <a:spcPct val="100000"/>
+              </a:lnSpc>
+              <a:buSzPct val="100000"/>
+              <a:buFont typeface="Tahoma" panose="020B0604030504040204" pitchFamily="34" charset="0"/>
+              <a:buChar char="●"/>
+            </a:pPr>
+            <a:r>
+              <a:rPr lang="pt-PT" sz="2000" dirty="0">
+                <a:latin typeface="Arial" panose="020B0604020202020204" pitchFamily="34" charset="0"/>
+                <a:cs typeface="Arial" panose="020B0604020202020204" pitchFamily="34" charset="0"/>
+              </a:rPr>
+              <a:t>Criação de componentes React</a:t>
+            </a:r>
+          </a:p>
+          <a:p>
+            <a:pPr marL="800100" lvl="1" indent="-342900" algn="l">
+              <a:lnSpc>
+                <a:spcPct val="100000"/>
+              </a:lnSpc>
+              <a:buSzPct val="100000"/>
+              <a:buFont typeface="Wingdings" panose="05000000000000000000" pitchFamily="2" charset="2"/>
+              <a:buChar char="§"/>
+            </a:pPr>
+            <a:r>
+              <a:rPr lang="pt-PT" dirty="0">
+                <a:latin typeface="Arial" panose="020B0604020202020204" pitchFamily="34" charset="0"/>
+                <a:cs typeface="Arial" panose="020B0604020202020204" pitchFamily="34" charset="0"/>
+              </a:rPr>
+              <a:t>Restrição no acesso às vistas</a:t>
+            </a:r>
+          </a:p>
+          <a:p>
+            <a:pPr marL="800100" lvl="1" indent="-342900" algn="l">
+              <a:lnSpc>
+                <a:spcPct val="100000"/>
+              </a:lnSpc>
+              <a:buSzPct val="100000"/>
+              <a:buFont typeface="Wingdings" panose="05000000000000000000" pitchFamily="2" charset="2"/>
+              <a:buChar char="§"/>
+            </a:pPr>
+            <a:endParaRPr lang="pt-PT" sz="1600" dirty="0">
+              <a:highlight>
+                <a:srgbClr val="FFFF00"/>
+              </a:highlight>
+              <a:latin typeface="Arial" panose="020B0604020202020204" pitchFamily="34" charset="0"/>
+              <a:cs typeface="Arial" panose="020B0604020202020204" pitchFamily="34" charset="0"/>
+            </a:endParaRPr>
+          </a:p>
+          <a:p>
+            <a:pPr algn="l">
+              <a:lnSpc>
+                <a:spcPct val="100000"/>
+              </a:lnSpc>
+              <a:buSzPct val="100000"/>
+            </a:pPr>
+            <a:endParaRPr lang="pt-PT" dirty="0">
+              <a:latin typeface="Arial" panose="020B0604020202020204" pitchFamily="34" charset="0"/>
+              <a:cs typeface="Arial" panose="020B0604020202020204" pitchFamily="34" charset="0"/>
+            </a:endParaRPr>
           </a:p>
         </p:txBody>
       </p:sp>
@@ -21744,7 +20348,7 @@
                 <a:cs typeface="Arial" panose="020B0604020202020204" pitchFamily="34" charset="0"/>
                 <a:sym typeface="Commissioner ExtraBold"/>
               </a:rPr>
-              <a:t>Autenticação</a:t>
+              <a:t>Cliente</a:t>
             </a:r>
             <a:endParaRPr kumimoji="0" lang="en-US" sz="5000" b="1" i="0" u="none" strike="noStrike" kern="0" cap="none" spc="0" normalizeH="0" baseline="0" noProof="0" dirty="0">
               <a:ln>
@@ -21854,7 +20458,7 @@
             </a:pathLst>
           </a:custGeom>
           <a:solidFill>
-            <a:srgbClr val="3D4D55"/>
+            <a:srgbClr val="ACDBD3"/>
           </a:solidFill>
           <a:ln>
             <a:noFill/>
@@ -22038,7 +20642,7 @@
             </a:pathLst>
           </a:custGeom>
           <a:solidFill>
-            <a:srgbClr val="ACDBD3"/>
+            <a:srgbClr val="3F4853"/>
           </a:solidFill>
           <a:ln>
             <a:noFill/>
@@ -22100,7 +20704,7 @@
         </p:nvSpPr>
         <p:spPr>
           <a:xfrm rot="18140219">
-            <a:off x="8670966" y="4410165"/>
+            <a:off x="8441112" y="4410166"/>
             <a:ext cx="3874663" cy="3662248"/>
           </a:xfrm>
           <a:custGeom>
@@ -22233,7 +20837,7 @@
           <p:cNvPr id="2" name="Slide Number Placeholder 1">
             <a:extLst>
               <a:ext uri="{FF2B5EF4-FFF2-40B4-BE49-F238E27FC236}">
-                <a16:creationId xmlns:a16="http://schemas.microsoft.com/office/drawing/2014/main" id="{749BBD88-A4E5-6147-9010-7F2FA63B6611}"/>
+                <a16:creationId xmlns:a16="http://schemas.microsoft.com/office/drawing/2014/main" id="{57AF5AC8-D573-A81D-344D-E676EDF92889}"/>
               </a:ext>
             </a:extLst>
           </p:cNvPr>
@@ -22260,7 +20864,7 @@
     </p:spTree>
     <p:extLst>
       <p:ext uri="{BB962C8B-B14F-4D97-AF65-F5344CB8AC3E}">
-        <p14:creationId xmlns:p14="http://schemas.microsoft.com/office/powerpoint/2010/main" val="717832360"/>
+        <p14:creationId xmlns:p14="http://schemas.microsoft.com/office/powerpoint/2010/main" val="1901076948"/>
       </p:ext>
     </p:extLst>
   </p:cSld>
